--- a/220511.pptx
+++ b/220511.pptx
@@ -10,6 +10,11 @@
     <p:sldId id="258" r:id="rId4"/>
     <p:sldId id="259" r:id="rId5"/>
     <p:sldId id="260" r:id="rId6"/>
+    <p:sldId id="261" r:id="rId7"/>
+    <p:sldId id="262" r:id="rId8"/>
+    <p:sldId id="263" r:id="rId9"/>
+    <p:sldId id="264" r:id="rId10"/>
+    <p:sldId id="265" r:id="rId11"/>
   </p:sldIdLst>
   <p:sldSz cx="12192000" cy="6858000"/>
   <p:notesSz cx="6858000" cy="9144000"/>
@@ -4669,6 +4674,1108 @@
 </p:sld>
 </file>
 
+<file path=ppt/slides/slide10.xml><?xml version="1.0" encoding="utf-8"?>
+<p:sld xmlns:a="http://schemas.openxmlformats.org/drawingml/2006/main" xmlns:r="http://schemas.openxmlformats.org/officeDocument/2006/relationships" xmlns:p="http://schemas.openxmlformats.org/presentationml/2006/main">
+  <p:cSld>
+    <p:spTree>
+      <p:nvGrpSpPr>
+        <p:cNvPr id="1" name=""/>
+        <p:cNvGrpSpPr/>
+        <p:nvPr/>
+      </p:nvGrpSpPr>
+      <p:grpSpPr>
+        <a:xfrm>
+          <a:off x="0" y="0"/>
+          <a:ext cx="0" cy="0"/>
+          <a:chOff x="0" y="0"/>
+          <a:chExt cx="0" cy="0"/>
+        </a:xfrm>
+      </p:grpSpPr>
+      <p:sp>
+        <p:nvSpPr>
+          <p:cNvPr id="13" name="직사각형 12">
+            <a:extLst>
+              <a:ext uri="{FF2B5EF4-FFF2-40B4-BE49-F238E27FC236}">
+                <a16:creationId xmlns:a16="http://schemas.microsoft.com/office/drawing/2014/main" id="{69AF00DB-2C9D-DF5D-3211-7FD9B88E4DCC}"/>
+              </a:ext>
+            </a:extLst>
+          </p:cNvPr>
+          <p:cNvSpPr/>
+          <p:nvPr/>
+        </p:nvSpPr>
+        <p:spPr>
+          <a:xfrm>
+            <a:off x="8670133" y="289809"/>
+            <a:ext cx="3234906" cy="2005641"/>
+          </a:xfrm>
+          <a:prstGeom prst="rect">
+            <a:avLst/>
+          </a:prstGeom>
+        </p:spPr>
+        <p:style>
+          <a:lnRef idx="2">
+            <a:schemeClr val="accent4"/>
+          </a:lnRef>
+          <a:fillRef idx="1">
+            <a:schemeClr val="lt1"/>
+          </a:fillRef>
+          <a:effectRef idx="0">
+            <a:schemeClr val="accent4"/>
+          </a:effectRef>
+          <a:fontRef idx="minor">
+            <a:schemeClr val="dk1"/>
+          </a:fontRef>
+        </p:style>
+        <p:txBody>
+          <a:bodyPr rtlCol="0" anchor="ctr"/>
+          <a:lstStyle/>
+          <a:p>
+            <a:pPr algn="ctr"/>
+            <a:endParaRPr kumimoji="1" lang="ko-Kore-KR" altLang="en-US" sz="1400" dirty="0">
+              <a:solidFill>
+                <a:schemeClr val="tx1"/>
+              </a:solidFill>
+            </a:endParaRPr>
+          </a:p>
+        </p:txBody>
+      </p:sp>
+      <p:sp>
+        <p:nvSpPr>
+          <p:cNvPr id="5" name="직사각형 4">
+            <a:extLst>
+              <a:ext uri="{FF2B5EF4-FFF2-40B4-BE49-F238E27FC236}">
+                <a16:creationId xmlns:a16="http://schemas.microsoft.com/office/drawing/2014/main" id="{33BFE9EC-6B2A-7FB0-09F1-28818F8ABDB0}"/>
+              </a:ext>
+            </a:extLst>
+          </p:cNvPr>
+          <p:cNvSpPr/>
+          <p:nvPr/>
+        </p:nvSpPr>
+        <p:spPr>
+          <a:xfrm>
+            <a:off x="5245792" y="2361030"/>
+            <a:ext cx="3234906" cy="2005641"/>
+          </a:xfrm>
+          <a:prstGeom prst="rect">
+            <a:avLst/>
+          </a:prstGeom>
+        </p:spPr>
+        <p:style>
+          <a:lnRef idx="2">
+            <a:schemeClr val="accent4"/>
+          </a:lnRef>
+          <a:fillRef idx="1">
+            <a:schemeClr val="lt1"/>
+          </a:fillRef>
+          <a:effectRef idx="0">
+            <a:schemeClr val="accent4"/>
+          </a:effectRef>
+          <a:fontRef idx="minor">
+            <a:schemeClr val="dk1"/>
+          </a:fontRef>
+        </p:style>
+        <p:txBody>
+          <a:bodyPr rtlCol="0" anchor="ctr"/>
+          <a:lstStyle/>
+          <a:p>
+            <a:pPr algn="ctr"/>
+            <a:endParaRPr kumimoji="1" lang="ko-Kore-KR" altLang="en-US" sz="1400" dirty="0">
+              <a:solidFill>
+                <a:schemeClr val="tx1"/>
+              </a:solidFill>
+            </a:endParaRPr>
+          </a:p>
+        </p:txBody>
+      </p:sp>
+      <p:sp>
+        <p:nvSpPr>
+          <p:cNvPr id="6" name="직사각형 5">
+            <a:extLst>
+              <a:ext uri="{FF2B5EF4-FFF2-40B4-BE49-F238E27FC236}">
+                <a16:creationId xmlns:a16="http://schemas.microsoft.com/office/drawing/2014/main" id="{838AE3EA-344C-72A8-C901-D4AEA4E5D6EB}"/>
+              </a:ext>
+            </a:extLst>
+          </p:cNvPr>
+          <p:cNvSpPr/>
+          <p:nvPr/>
+        </p:nvSpPr>
+        <p:spPr>
+          <a:xfrm>
+            <a:off x="6563274" y="2056847"/>
+            <a:ext cx="736099" cy="369332"/>
+          </a:xfrm>
+          <a:prstGeom prst="rect">
+            <a:avLst/>
+          </a:prstGeom>
+        </p:spPr>
+        <p:txBody>
+          <a:bodyPr wrap="none">
+            <a:spAutoFit/>
+          </a:bodyPr>
+          <a:lstStyle/>
+          <a:p>
+            <a:r>
+              <a:rPr lang="en" altLang="ko-Kore-KR" dirty="0">
+                <a:solidFill>
+                  <a:srgbClr val="795E26"/>
+                </a:solidFill>
+                <a:latin typeface="DM Mono" panose="020B0509040201040103" pitchFamily="49" charset="0"/>
+              </a:rPr>
+              <a:t>main</a:t>
+            </a:r>
+            <a:endParaRPr lang="ko-Kore-KR" altLang="en-US" dirty="0"/>
+          </a:p>
+        </p:txBody>
+      </p:sp>
+      <p:sp>
+        <p:nvSpPr>
+          <p:cNvPr id="9" name="직사각형 8">
+            <a:extLst>
+              <a:ext uri="{FF2B5EF4-FFF2-40B4-BE49-F238E27FC236}">
+                <a16:creationId xmlns:a16="http://schemas.microsoft.com/office/drawing/2014/main" id="{D8E8242F-786A-D361-9CF7-05FEABB19425}"/>
+              </a:ext>
+            </a:extLst>
+          </p:cNvPr>
+          <p:cNvSpPr/>
+          <p:nvPr/>
+        </p:nvSpPr>
+        <p:spPr>
+          <a:xfrm>
+            <a:off x="5826393" y="2650561"/>
+            <a:ext cx="539902" cy="420443"/>
+          </a:xfrm>
+          <a:prstGeom prst="rect">
+            <a:avLst/>
+          </a:prstGeom>
+          <a:solidFill>
+            <a:srgbClr val="FFFF00"/>
+          </a:solidFill>
+        </p:spPr>
+        <p:style>
+          <a:lnRef idx="2">
+            <a:schemeClr val="accent1">
+              <a:shade val="50000"/>
+            </a:schemeClr>
+          </a:lnRef>
+          <a:fillRef idx="1">
+            <a:schemeClr val="accent1"/>
+          </a:fillRef>
+          <a:effectRef idx="0">
+            <a:schemeClr val="accent1"/>
+          </a:effectRef>
+          <a:fontRef idx="minor">
+            <a:schemeClr val="lt1"/>
+          </a:fontRef>
+        </p:style>
+        <p:txBody>
+          <a:bodyPr rtlCol="0" anchor="ctr"/>
+          <a:lstStyle/>
+          <a:p>
+            <a:pPr algn="ctr"/>
+            <a:r>
+              <a:rPr kumimoji="1" lang="en-US" altLang="ko-Kore-KR" sz="1400" dirty="0">
+                <a:solidFill>
+                  <a:srgbClr val="FF0000"/>
+                </a:solidFill>
+              </a:rPr>
+              <a:t>3</a:t>
+            </a:r>
+            <a:endParaRPr kumimoji="1" lang="ko-Kore-KR" altLang="en-US" sz="1400" dirty="0">
+              <a:solidFill>
+                <a:srgbClr val="FF0000"/>
+              </a:solidFill>
+            </a:endParaRPr>
+          </a:p>
+        </p:txBody>
+      </p:sp>
+      <p:sp>
+        <p:nvSpPr>
+          <p:cNvPr id="10" name="직사각형 9">
+            <a:extLst>
+              <a:ext uri="{FF2B5EF4-FFF2-40B4-BE49-F238E27FC236}">
+                <a16:creationId xmlns:a16="http://schemas.microsoft.com/office/drawing/2014/main" id="{BDB63C11-50FC-891E-637A-496636173328}"/>
+              </a:ext>
+            </a:extLst>
+          </p:cNvPr>
+          <p:cNvSpPr/>
+          <p:nvPr/>
+        </p:nvSpPr>
+        <p:spPr>
+          <a:xfrm>
+            <a:off x="5552752" y="2676116"/>
+            <a:ext cx="322524" cy="369332"/>
+          </a:xfrm>
+          <a:prstGeom prst="rect">
+            <a:avLst/>
+          </a:prstGeom>
+        </p:spPr>
+        <p:txBody>
+          <a:bodyPr wrap="none">
+            <a:spAutoFit/>
+          </a:bodyPr>
+          <a:lstStyle/>
+          <a:p>
+            <a:r>
+              <a:rPr lang="en" altLang="ko-Kore-KR" dirty="0">
+                <a:solidFill>
+                  <a:srgbClr val="001080"/>
+                </a:solidFill>
+                <a:latin typeface="DM Mono" panose="020B0509040201040103" pitchFamily="49" charset="0"/>
+              </a:rPr>
+              <a:t>n</a:t>
+            </a:r>
+            <a:endParaRPr lang="ko-Kore-KR" altLang="en-US" dirty="0"/>
+          </a:p>
+        </p:txBody>
+      </p:sp>
+      <p:sp>
+        <p:nvSpPr>
+          <p:cNvPr id="2" name="직사각형 1">
+            <a:extLst>
+              <a:ext uri="{FF2B5EF4-FFF2-40B4-BE49-F238E27FC236}">
+                <a16:creationId xmlns:a16="http://schemas.microsoft.com/office/drawing/2014/main" id="{3AF768FC-B13D-E566-6351-FB778F4E3A1A}"/>
+              </a:ext>
+            </a:extLst>
+          </p:cNvPr>
+          <p:cNvSpPr/>
+          <p:nvPr/>
+        </p:nvSpPr>
+        <p:spPr>
+          <a:xfrm>
+            <a:off x="467274" y="289809"/>
+            <a:ext cx="4105656" cy="4801314"/>
+          </a:xfrm>
+          <a:prstGeom prst="rect">
+            <a:avLst/>
+          </a:prstGeom>
+        </p:spPr>
+        <p:txBody>
+          <a:bodyPr wrap="square">
+            <a:spAutoFit/>
+          </a:bodyPr>
+          <a:lstStyle/>
+          <a:p>
+            <a:r>
+              <a:rPr lang="en" altLang="ko-Kore-KR" dirty="0">
+                <a:solidFill>
+                  <a:srgbClr val="0000FF"/>
+                </a:solidFill>
+                <a:latin typeface="DM Mono" panose="020B0509040201040103" pitchFamily="49" charset="0"/>
+              </a:rPr>
+              <a:t>void</a:t>
+            </a:r>
+            <a:r>
+              <a:rPr lang="en" altLang="ko-Kore-KR" dirty="0">
+                <a:solidFill>
+                  <a:srgbClr val="000000"/>
+                </a:solidFill>
+                <a:latin typeface="DM Mono" panose="020B0509040201040103" pitchFamily="49" charset="0"/>
+              </a:rPr>
+              <a:t> </a:t>
+            </a:r>
+            <a:r>
+              <a:rPr lang="en" altLang="ko-Kore-KR" dirty="0" err="1">
+                <a:solidFill>
+                  <a:srgbClr val="795E26"/>
+                </a:solidFill>
+                <a:latin typeface="DM Mono" panose="020B0509040201040103" pitchFamily="49" charset="0"/>
+              </a:rPr>
+              <a:t>inc</a:t>
+            </a:r>
+            <a:r>
+              <a:rPr lang="en" altLang="ko-Kore-KR" dirty="0">
+                <a:solidFill>
+                  <a:srgbClr val="000000"/>
+                </a:solidFill>
+                <a:latin typeface="DM Mono" panose="020B0509040201040103" pitchFamily="49" charset="0"/>
+              </a:rPr>
+              <a:t>(</a:t>
+            </a:r>
+            <a:r>
+              <a:rPr lang="en" altLang="ko-Kore-KR" dirty="0">
+                <a:solidFill>
+                  <a:srgbClr val="0000FF"/>
+                </a:solidFill>
+                <a:latin typeface="DM Mono" panose="020B0509040201040103" pitchFamily="49" charset="0"/>
+              </a:rPr>
+              <a:t>int</a:t>
+            </a:r>
+            <a:r>
+              <a:rPr lang="en" altLang="ko-Kore-KR" dirty="0">
+                <a:solidFill>
+                  <a:srgbClr val="000000"/>
+                </a:solidFill>
+                <a:latin typeface="DM Mono" panose="020B0509040201040103" pitchFamily="49" charset="0"/>
+              </a:rPr>
+              <a:t>* </a:t>
+            </a:r>
+            <a:r>
+              <a:rPr lang="en" altLang="ko-Kore-KR" dirty="0">
+                <a:solidFill>
+                  <a:srgbClr val="001080"/>
+                </a:solidFill>
+                <a:latin typeface="DM Mono" panose="020B0509040201040103" pitchFamily="49" charset="0"/>
+              </a:rPr>
+              <a:t>p</a:t>
+            </a:r>
+            <a:r>
+              <a:rPr lang="en" altLang="ko-Kore-KR" dirty="0">
+                <a:solidFill>
+                  <a:srgbClr val="000000"/>
+                </a:solidFill>
+                <a:latin typeface="DM Mono" panose="020B0509040201040103" pitchFamily="49" charset="0"/>
+              </a:rPr>
+              <a:t>)</a:t>
+            </a:r>
+          </a:p>
+          <a:p>
+            <a:r>
+              <a:rPr lang="en" altLang="ko-Kore-KR" dirty="0">
+                <a:solidFill>
+                  <a:srgbClr val="000000"/>
+                </a:solidFill>
+                <a:latin typeface="DM Mono" panose="020B0509040201040103" pitchFamily="49" charset="0"/>
+              </a:rPr>
+              <a:t>{</a:t>
+            </a:r>
+          </a:p>
+          <a:p>
+            <a:r>
+              <a:rPr lang="en" altLang="ko-Kore-KR" dirty="0">
+                <a:solidFill>
+                  <a:srgbClr val="000000"/>
+                </a:solidFill>
+                <a:latin typeface="DM Mono" panose="020B0509040201040103" pitchFamily="49" charset="0"/>
+              </a:rPr>
+              <a:t>  ++(*</a:t>
+            </a:r>
+            <a:r>
+              <a:rPr lang="en" altLang="ko-Kore-KR" dirty="0">
+                <a:solidFill>
+                  <a:srgbClr val="001080"/>
+                </a:solidFill>
+                <a:latin typeface="DM Mono" panose="020B0509040201040103" pitchFamily="49" charset="0"/>
+              </a:rPr>
+              <a:t>p</a:t>
+            </a:r>
+            <a:r>
+              <a:rPr lang="en" altLang="ko-Kore-KR" dirty="0">
+                <a:solidFill>
+                  <a:srgbClr val="000000"/>
+                </a:solidFill>
+                <a:latin typeface="DM Mono" panose="020B0509040201040103" pitchFamily="49" charset="0"/>
+              </a:rPr>
+              <a:t>);</a:t>
+            </a:r>
+          </a:p>
+          <a:p>
+            <a:r>
+              <a:rPr lang="en" altLang="ko-Kore-KR" dirty="0">
+                <a:solidFill>
+                  <a:srgbClr val="000000"/>
+                </a:solidFill>
+                <a:latin typeface="DM Mono" panose="020B0509040201040103" pitchFamily="49" charset="0"/>
+              </a:rPr>
+              <a:t>}</a:t>
+            </a:r>
+          </a:p>
+          <a:p>
+            <a:br>
+              <a:rPr lang="en" altLang="ko-Kore-KR" dirty="0">
+                <a:solidFill>
+                  <a:srgbClr val="000000"/>
+                </a:solidFill>
+                <a:latin typeface="DM Mono" panose="020B0509040201040103" pitchFamily="49" charset="0"/>
+              </a:rPr>
+            </a:br>
+            <a:r>
+              <a:rPr lang="en" altLang="ko-Kore-KR" dirty="0">
+                <a:solidFill>
+                  <a:srgbClr val="0000FF"/>
+                </a:solidFill>
+                <a:latin typeface="DM Mono" panose="020B0509040201040103" pitchFamily="49" charset="0"/>
+              </a:rPr>
+              <a:t>int</a:t>
+            </a:r>
+            <a:r>
+              <a:rPr lang="en" altLang="ko-Kore-KR" dirty="0">
+                <a:solidFill>
+                  <a:srgbClr val="000000"/>
+                </a:solidFill>
+                <a:latin typeface="DM Mono" panose="020B0509040201040103" pitchFamily="49" charset="0"/>
+              </a:rPr>
+              <a:t> </a:t>
+            </a:r>
+            <a:r>
+              <a:rPr lang="en" altLang="ko-Kore-KR" dirty="0">
+                <a:solidFill>
+                  <a:srgbClr val="795E26"/>
+                </a:solidFill>
+                <a:latin typeface="DM Mono" panose="020B0509040201040103" pitchFamily="49" charset="0"/>
+              </a:rPr>
+              <a:t>main</a:t>
+            </a:r>
+            <a:r>
+              <a:rPr lang="en" altLang="ko-Kore-KR" dirty="0">
+                <a:solidFill>
+                  <a:srgbClr val="000000"/>
+                </a:solidFill>
+                <a:latin typeface="DM Mono" panose="020B0509040201040103" pitchFamily="49" charset="0"/>
+              </a:rPr>
+              <a:t>(</a:t>
+            </a:r>
+            <a:r>
+              <a:rPr lang="en" altLang="ko-Kore-KR" dirty="0">
+                <a:solidFill>
+                  <a:srgbClr val="0000FF"/>
+                </a:solidFill>
+                <a:latin typeface="DM Mono" panose="020B0509040201040103" pitchFamily="49" charset="0"/>
+              </a:rPr>
+              <a:t>void</a:t>
+            </a:r>
+            <a:r>
+              <a:rPr lang="en" altLang="ko-Kore-KR" dirty="0">
+                <a:solidFill>
+                  <a:srgbClr val="000000"/>
+                </a:solidFill>
+                <a:latin typeface="DM Mono" panose="020B0509040201040103" pitchFamily="49" charset="0"/>
+              </a:rPr>
+              <a:t>)</a:t>
+            </a:r>
+          </a:p>
+          <a:p>
+            <a:r>
+              <a:rPr lang="en" altLang="ko-Kore-KR" dirty="0">
+                <a:solidFill>
+                  <a:srgbClr val="000000"/>
+                </a:solidFill>
+                <a:latin typeface="DM Mono" panose="020B0509040201040103" pitchFamily="49" charset="0"/>
+              </a:rPr>
+              <a:t>{</a:t>
+            </a:r>
+          </a:p>
+          <a:p>
+            <a:r>
+              <a:rPr lang="en" altLang="ko-Kore-KR" dirty="0">
+                <a:solidFill>
+                  <a:srgbClr val="0000FF"/>
+                </a:solidFill>
+                <a:latin typeface="DM Mono" panose="020B0509040201040103" pitchFamily="49" charset="0"/>
+              </a:rPr>
+              <a:t>  static int</a:t>
+            </a:r>
+            <a:r>
+              <a:rPr lang="en" altLang="ko-Kore-KR" dirty="0">
+                <a:solidFill>
+                  <a:srgbClr val="000000"/>
+                </a:solidFill>
+                <a:latin typeface="DM Mono" panose="020B0509040201040103" pitchFamily="49" charset="0"/>
+              </a:rPr>
+              <a:t> </a:t>
+            </a:r>
+            <a:r>
+              <a:rPr lang="en" altLang="ko-Kore-KR" dirty="0">
+                <a:solidFill>
+                  <a:srgbClr val="001080"/>
+                </a:solidFill>
+                <a:latin typeface="DM Mono" panose="020B0509040201040103" pitchFamily="49" charset="0"/>
+              </a:rPr>
+              <a:t>n</a:t>
+            </a:r>
+            <a:r>
+              <a:rPr lang="en" altLang="ko-Kore-KR" dirty="0">
+                <a:solidFill>
+                  <a:srgbClr val="000000"/>
+                </a:solidFill>
+                <a:latin typeface="DM Mono" panose="020B0509040201040103" pitchFamily="49" charset="0"/>
+              </a:rPr>
+              <a:t> = </a:t>
+            </a:r>
+            <a:r>
+              <a:rPr lang="en" altLang="ko-Kore-KR" dirty="0">
+                <a:solidFill>
+                  <a:srgbClr val="098658"/>
+                </a:solidFill>
+                <a:latin typeface="DM Mono" panose="020B0509040201040103" pitchFamily="49" charset="0"/>
+              </a:rPr>
+              <a:t>0</a:t>
+            </a:r>
+            <a:r>
+              <a:rPr lang="en" altLang="ko-Kore-KR" dirty="0">
+                <a:solidFill>
+                  <a:srgbClr val="000000"/>
+                </a:solidFill>
+                <a:latin typeface="DM Mono" panose="020B0509040201040103" pitchFamily="49" charset="0"/>
+              </a:rPr>
+              <a:t>;</a:t>
+            </a:r>
+          </a:p>
+          <a:p>
+            <a:r>
+              <a:rPr lang="en" altLang="ko-Kore-KR" dirty="0">
+                <a:solidFill>
+                  <a:srgbClr val="795E26"/>
+                </a:solidFill>
+                <a:latin typeface="DM Mono" panose="020B0509040201040103" pitchFamily="49" charset="0"/>
+              </a:rPr>
+              <a:t>  </a:t>
+            </a:r>
+            <a:r>
+              <a:rPr lang="en" altLang="ko-Kore-KR" dirty="0" err="1">
+                <a:solidFill>
+                  <a:srgbClr val="795E26"/>
+                </a:solidFill>
+                <a:latin typeface="DM Mono" panose="020B0509040201040103" pitchFamily="49" charset="0"/>
+              </a:rPr>
+              <a:t>inc</a:t>
+            </a:r>
+            <a:r>
+              <a:rPr lang="en" altLang="ko-Kore-KR" dirty="0">
+                <a:solidFill>
+                  <a:srgbClr val="000000"/>
+                </a:solidFill>
+                <a:latin typeface="DM Mono" panose="020B0509040201040103" pitchFamily="49" charset="0"/>
+              </a:rPr>
+              <a:t>(&amp;</a:t>
+            </a:r>
+            <a:r>
+              <a:rPr lang="en" altLang="ko-Kore-KR" dirty="0">
+                <a:solidFill>
+                  <a:srgbClr val="001080"/>
+                </a:solidFill>
+                <a:latin typeface="DM Mono" panose="020B0509040201040103" pitchFamily="49" charset="0"/>
+              </a:rPr>
+              <a:t>n</a:t>
+            </a:r>
+            <a:r>
+              <a:rPr lang="en" altLang="ko-Kore-KR" dirty="0">
+                <a:solidFill>
+                  <a:srgbClr val="000000"/>
+                </a:solidFill>
+                <a:latin typeface="DM Mono" panose="020B0509040201040103" pitchFamily="49" charset="0"/>
+              </a:rPr>
+              <a:t>);</a:t>
+            </a:r>
+          </a:p>
+          <a:p>
+            <a:r>
+              <a:rPr lang="en" altLang="ko-Kore-KR" dirty="0">
+                <a:solidFill>
+                  <a:srgbClr val="795E26"/>
+                </a:solidFill>
+                <a:latin typeface="DM Mono" panose="020B0509040201040103" pitchFamily="49" charset="0"/>
+              </a:rPr>
+              <a:t>  </a:t>
+            </a:r>
+            <a:r>
+              <a:rPr lang="en" altLang="ko-Kore-KR" dirty="0" err="1">
+                <a:solidFill>
+                  <a:srgbClr val="795E26"/>
+                </a:solidFill>
+                <a:latin typeface="DM Mono" panose="020B0509040201040103" pitchFamily="49" charset="0"/>
+              </a:rPr>
+              <a:t>inc</a:t>
+            </a:r>
+            <a:r>
+              <a:rPr lang="en" altLang="ko-Kore-KR" dirty="0">
+                <a:solidFill>
+                  <a:srgbClr val="000000"/>
+                </a:solidFill>
+                <a:latin typeface="DM Mono" panose="020B0509040201040103" pitchFamily="49" charset="0"/>
+              </a:rPr>
+              <a:t>(&amp;</a:t>
+            </a:r>
+            <a:r>
+              <a:rPr lang="en" altLang="ko-Kore-KR" dirty="0">
+                <a:solidFill>
+                  <a:srgbClr val="001080"/>
+                </a:solidFill>
+                <a:latin typeface="DM Mono" panose="020B0509040201040103" pitchFamily="49" charset="0"/>
+              </a:rPr>
+              <a:t>n</a:t>
+            </a:r>
+            <a:r>
+              <a:rPr lang="en" altLang="ko-Kore-KR" dirty="0">
+                <a:solidFill>
+                  <a:srgbClr val="000000"/>
+                </a:solidFill>
+                <a:latin typeface="DM Mono" panose="020B0509040201040103" pitchFamily="49" charset="0"/>
+              </a:rPr>
+              <a:t>);</a:t>
+            </a:r>
+          </a:p>
+          <a:p>
+            <a:r>
+              <a:rPr lang="en" altLang="ko-Kore-KR" dirty="0">
+                <a:solidFill>
+                  <a:srgbClr val="795E26"/>
+                </a:solidFill>
+                <a:latin typeface="DM Mono" panose="020B0509040201040103" pitchFamily="49" charset="0"/>
+              </a:rPr>
+              <a:t>  </a:t>
+            </a:r>
+            <a:r>
+              <a:rPr lang="en" altLang="ko-Kore-KR" dirty="0" err="1">
+                <a:solidFill>
+                  <a:srgbClr val="795E26"/>
+                </a:solidFill>
+                <a:latin typeface="DM Mono" panose="020B0509040201040103" pitchFamily="49" charset="0"/>
+              </a:rPr>
+              <a:t>inc</a:t>
+            </a:r>
+            <a:r>
+              <a:rPr lang="en" altLang="ko-Kore-KR" dirty="0">
+                <a:solidFill>
+                  <a:srgbClr val="000000"/>
+                </a:solidFill>
+                <a:latin typeface="DM Mono" panose="020B0509040201040103" pitchFamily="49" charset="0"/>
+              </a:rPr>
+              <a:t>(&amp;</a:t>
+            </a:r>
+            <a:r>
+              <a:rPr lang="en" altLang="ko-Kore-KR" dirty="0">
+                <a:solidFill>
+                  <a:srgbClr val="001080"/>
+                </a:solidFill>
+                <a:latin typeface="DM Mono" panose="020B0509040201040103" pitchFamily="49" charset="0"/>
+              </a:rPr>
+              <a:t>n</a:t>
+            </a:r>
+            <a:r>
+              <a:rPr lang="en" altLang="ko-Kore-KR" dirty="0">
+                <a:solidFill>
+                  <a:srgbClr val="000000"/>
+                </a:solidFill>
+                <a:latin typeface="DM Mono" panose="020B0509040201040103" pitchFamily="49" charset="0"/>
+              </a:rPr>
+              <a:t>);</a:t>
+            </a:r>
+          </a:p>
+          <a:p>
+            <a:br>
+              <a:rPr lang="en" altLang="ko-Kore-KR" dirty="0">
+                <a:solidFill>
+                  <a:srgbClr val="000000"/>
+                </a:solidFill>
+                <a:latin typeface="DM Mono" panose="020B0509040201040103" pitchFamily="49" charset="0"/>
+              </a:rPr>
+            </a:br>
+            <a:r>
+              <a:rPr lang="en" altLang="ko-Kore-KR" dirty="0">
+                <a:solidFill>
+                  <a:srgbClr val="000000"/>
+                </a:solidFill>
+                <a:latin typeface="DM Mono" panose="020B0509040201040103" pitchFamily="49" charset="0"/>
+              </a:rPr>
+              <a:t>  </a:t>
+            </a:r>
+            <a:r>
+              <a:rPr lang="en" altLang="ko-Kore-KR" dirty="0" err="1">
+                <a:solidFill>
+                  <a:srgbClr val="795E26"/>
+                </a:solidFill>
+                <a:latin typeface="DM Mono" panose="020B0509040201040103" pitchFamily="49" charset="0"/>
+              </a:rPr>
+              <a:t>printf</a:t>
+            </a:r>
+            <a:r>
+              <a:rPr lang="en" altLang="ko-Kore-KR" dirty="0">
+                <a:solidFill>
+                  <a:srgbClr val="000000"/>
+                </a:solidFill>
+                <a:latin typeface="DM Mono" panose="020B0509040201040103" pitchFamily="49" charset="0"/>
+              </a:rPr>
+              <a:t>(</a:t>
+            </a:r>
+            <a:r>
+              <a:rPr lang="en" altLang="ko-Kore-KR" dirty="0">
+                <a:solidFill>
+                  <a:srgbClr val="A31515"/>
+                </a:solidFill>
+                <a:latin typeface="DM Mono" panose="020B0509040201040103" pitchFamily="49" charset="0"/>
+              </a:rPr>
+              <a:t>"</a:t>
+            </a:r>
+            <a:r>
+              <a:rPr lang="en" altLang="ko-Kore-KR" dirty="0">
+                <a:solidFill>
+                  <a:srgbClr val="001080"/>
+                </a:solidFill>
+                <a:latin typeface="DM Mono" panose="020B0509040201040103" pitchFamily="49" charset="0"/>
+              </a:rPr>
+              <a:t>%d</a:t>
+            </a:r>
+            <a:r>
+              <a:rPr lang="en" altLang="ko-Kore-KR" dirty="0">
+                <a:solidFill>
+                  <a:srgbClr val="EE0000"/>
+                </a:solidFill>
+                <a:latin typeface="DM Mono" panose="020B0509040201040103" pitchFamily="49" charset="0"/>
+              </a:rPr>
+              <a:t>\n</a:t>
+            </a:r>
+            <a:r>
+              <a:rPr lang="en" altLang="ko-Kore-KR" dirty="0">
+                <a:solidFill>
+                  <a:srgbClr val="A31515"/>
+                </a:solidFill>
+                <a:latin typeface="DM Mono" panose="020B0509040201040103" pitchFamily="49" charset="0"/>
+              </a:rPr>
+              <a:t>"</a:t>
+            </a:r>
+            <a:r>
+              <a:rPr lang="en" altLang="ko-Kore-KR" dirty="0">
+                <a:solidFill>
+                  <a:srgbClr val="000000"/>
+                </a:solidFill>
+                <a:latin typeface="DM Mono" panose="020B0509040201040103" pitchFamily="49" charset="0"/>
+              </a:rPr>
+              <a:t>, </a:t>
+            </a:r>
+            <a:r>
+              <a:rPr lang="en" altLang="ko-Kore-KR" dirty="0">
+                <a:solidFill>
+                  <a:srgbClr val="001080"/>
+                </a:solidFill>
+                <a:latin typeface="DM Mono" panose="020B0509040201040103" pitchFamily="49" charset="0"/>
+              </a:rPr>
+              <a:t>n</a:t>
+            </a:r>
+            <a:r>
+              <a:rPr lang="en" altLang="ko-Kore-KR" dirty="0">
+                <a:solidFill>
+                  <a:srgbClr val="000000"/>
+                </a:solidFill>
+                <a:latin typeface="DM Mono" panose="020B0509040201040103" pitchFamily="49" charset="0"/>
+              </a:rPr>
+              <a:t>);</a:t>
+            </a:r>
+            <a:br>
+              <a:rPr lang="en" altLang="ko-Kore-KR" dirty="0">
+                <a:solidFill>
+                  <a:srgbClr val="000000"/>
+                </a:solidFill>
+                <a:latin typeface="DM Mono" panose="020B0509040201040103" pitchFamily="49" charset="0"/>
+              </a:rPr>
+            </a:br>
+            <a:r>
+              <a:rPr lang="en" altLang="ko-Kore-KR" dirty="0">
+                <a:solidFill>
+                  <a:srgbClr val="000000"/>
+                </a:solidFill>
+                <a:latin typeface="DM Mono" panose="020B0509040201040103" pitchFamily="49" charset="0"/>
+              </a:rPr>
+              <a:t>  </a:t>
+            </a:r>
+            <a:r>
+              <a:rPr lang="en" altLang="ko-Kore-KR" dirty="0">
+                <a:solidFill>
+                  <a:srgbClr val="AF00DB"/>
+                </a:solidFill>
+                <a:latin typeface="DM Mono" panose="020B0509040201040103" pitchFamily="49" charset="0"/>
+              </a:rPr>
+              <a:t>return</a:t>
+            </a:r>
+            <a:r>
+              <a:rPr lang="en" altLang="ko-Kore-KR" dirty="0">
+                <a:solidFill>
+                  <a:srgbClr val="000000"/>
+                </a:solidFill>
+                <a:latin typeface="DM Mono" panose="020B0509040201040103" pitchFamily="49" charset="0"/>
+              </a:rPr>
+              <a:t> </a:t>
+            </a:r>
+            <a:r>
+              <a:rPr lang="en" altLang="ko-Kore-KR" dirty="0">
+                <a:solidFill>
+                  <a:srgbClr val="098658"/>
+                </a:solidFill>
+                <a:latin typeface="DM Mono" panose="020B0509040201040103" pitchFamily="49" charset="0"/>
+              </a:rPr>
+              <a:t>0</a:t>
+            </a:r>
+            <a:r>
+              <a:rPr lang="en" altLang="ko-Kore-KR" dirty="0">
+                <a:solidFill>
+                  <a:srgbClr val="000000"/>
+                </a:solidFill>
+                <a:latin typeface="DM Mono" panose="020B0509040201040103" pitchFamily="49" charset="0"/>
+              </a:rPr>
+              <a:t>;</a:t>
+            </a:r>
+          </a:p>
+          <a:p>
+            <a:r>
+              <a:rPr lang="en" altLang="ko-Kore-KR" dirty="0">
+                <a:solidFill>
+                  <a:srgbClr val="000000"/>
+                </a:solidFill>
+                <a:latin typeface="DM Mono" panose="020B0509040201040103" pitchFamily="49" charset="0"/>
+              </a:rPr>
+              <a:t>}</a:t>
+            </a:r>
+          </a:p>
+          <a:p>
+            <a:br>
+              <a:rPr lang="en" altLang="ko-Kore-KR" dirty="0">
+                <a:solidFill>
+                  <a:srgbClr val="000000"/>
+                </a:solidFill>
+                <a:latin typeface="DM Mono" panose="020B0509040201040103" pitchFamily="49" charset="0"/>
+              </a:rPr>
+            </a:br>
+            <a:endParaRPr lang="en" altLang="ko-Kore-KR" b="0" dirty="0">
+              <a:solidFill>
+                <a:srgbClr val="000000"/>
+              </a:solidFill>
+              <a:effectLst/>
+              <a:latin typeface="DM Mono" panose="020B0509040201040103" pitchFamily="49" charset="0"/>
+            </a:endParaRPr>
+          </a:p>
+        </p:txBody>
+      </p:sp>
+      <p:sp>
+        <p:nvSpPr>
+          <p:cNvPr id="3" name="직사각형 2">
+            <a:extLst>
+              <a:ext uri="{FF2B5EF4-FFF2-40B4-BE49-F238E27FC236}">
+                <a16:creationId xmlns:a16="http://schemas.microsoft.com/office/drawing/2014/main" id="{4CF477BF-156E-8C48-5984-EB318C5BE5D5}"/>
+              </a:ext>
+            </a:extLst>
+          </p:cNvPr>
+          <p:cNvSpPr/>
+          <p:nvPr/>
+        </p:nvSpPr>
+        <p:spPr>
+          <a:xfrm>
+            <a:off x="5435227" y="3081097"/>
+            <a:ext cx="1701107" cy="369332"/>
+          </a:xfrm>
+          <a:prstGeom prst="rect">
+            <a:avLst/>
+          </a:prstGeom>
+        </p:spPr>
+        <p:txBody>
+          <a:bodyPr wrap="none">
+            <a:spAutoFit/>
+          </a:bodyPr>
+          <a:lstStyle/>
+          <a:p>
+            <a:r>
+              <a:rPr lang="en" altLang="ko-Kore-KR" dirty="0">
+                <a:solidFill>
+                  <a:srgbClr val="008000"/>
+                </a:solidFill>
+                <a:latin typeface="DM Mono" panose="020B0509040201040103" pitchFamily="49" charset="0"/>
+              </a:rPr>
+              <a:t>0x16f0731e8</a:t>
+            </a:r>
+            <a:endParaRPr lang="ko-Kore-KR" altLang="en-US" dirty="0"/>
+          </a:p>
+        </p:txBody>
+      </p:sp>
+      <p:sp>
+        <p:nvSpPr>
+          <p:cNvPr id="11" name="직사각형 10">
+            <a:extLst>
+              <a:ext uri="{FF2B5EF4-FFF2-40B4-BE49-F238E27FC236}">
+                <a16:creationId xmlns:a16="http://schemas.microsoft.com/office/drawing/2014/main" id="{F4EDF3B0-070E-747D-CDA1-D858847379FC}"/>
+              </a:ext>
+            </a:extLst>
+          </p:cNvPr>
+          <p:cNvSpPr/>
+          <p:nvPr/>
+        </p:nvSpPr>
+        <p:spPr>
+          <a:xfrm>
+            <a:off x="9400262" y="448919"/>
+            <a:ext cx="1885622" cy="420443"/>
+          </a:xfrm>
+          <a:prstGeom prst="rect">
+            <a:avLst/>
+          </a:prstGeom>
+          <a:solidFill>
+            <a:srgbClr val="FFFF00"/>
+          </a:solidFill>
+        </p:spPr>
+        <p:style>
+          <a:lnRef idx="2">
+            <a:schemeClr val="accent1">
+              <a:shade val="50000"/>
+            </a:schemeClr>
+          </a:lnRef>
+          <a:fillRef idx="1">
+            <a:schemeClr val="accent1"/>
+          </a:fillRef>
+          <a:effectRef idx="0">
+            <a:schemeClr val="accent1"/>
+          </a:effectRef>
+          <a:fontRef idx="minor">
+            <a:schemeClr val="lt1"/>
+          </a:fontRef>
+        </p:style>
+        <p:txBody>
+          <a:bodyPr rtlCol="0" anchor="ctr"/>
+          <a:lstStyle/>
+          <a:p>
+            <a:pPr algn="ctr"/>
+            <a:r>
+              <a:rPr lang="en" altLang="ko-Kore-KR" sz="1400" dirty="0">
+                <a:solidFill>
+                  <a:srgbClr val="008000"/>
+                </a:solidFill>
+                <a:latin typeface="DM Mono" panose="020B0509040201040103" pitchFamily="49" charset="0"/>
+              </a:rPr>
+              <a:t>0x16f0731e8</a:t>
+            </a:r>
+            <a:endParaRPr kumimoji="1" lang="ko-Kore-KR" altLang="en-US" sz="1400" dirty="0">
+              <a:solidFill>
+                <a:schemeClr val="tx1"/>
+              </a:solidFill>
+            </a:endParaRPr>
+          </a:p>
+        </p:txBody>
+      </p:sp>
+      <p:sp>
+        <p:nvSpPr>
+          <p:cNvPr id="12" name="직사각형 11">
+            <a:extLst>
+              <a:ext uri="{FF2B5EF4-FFF2-40B4-BE49-F238E27FC236}">
+                <a16:creationId xmlns:a16="http://schemas.microsoft.com/office/drawing/2014/main" id="{DB1FAD64-73EA-0D60-3681-5073CAC5475A}"/>
+              </a:ext>
+            </a:extLst>
+          </p:cNvPr>
+          <p:cNvSpPr/>
+          <p:nvPr/>
+        </p:nvSpPr>
+        <p:spPr>
+          <a:xfrm>
+            <a:off x="9077738" y="470905"/>
+            <a:ext cx="322524" cy="369332"/>
+          </a:xfrm>
+          <a:prstGeom prst="rect">
+            <a:avLst/>
+          </a:prstGeom>
+        </p:spPr>
+        <p:txBody>
+          <a:bodyPr wrap="none">
+            <a:spAutoFit/>
+          </a:bodyPr>
+          <a:lstStyle/>
+          <a:p>
+            <a:r>
+              <a:rPr lang="en" altLang="ko-Kore-KR" dirty="0">
+                <a:solidFill>
+                  <a:srgbClr val="001080"/>
+                </a:solidFill>
+                <a:latin typeface="DM Mono" panose="020B0509040201040103" pitchFamily="49" charset="0"/>
+              </a:rPr>
+              <a:t>p</a:t>
+            </a:r>
+            <a:endParaRPr lang="ko-Kore-KR" altLang="en-US" dirty="0"/>
+          </a:p>
+        </p:txBody>
+      </p:sp>
+      <p:cxnSp>
+        <p:nvCxnSpPr>
+          <p:cNvPr id="8" name="구부러진 연결선[U] 7">
+            <a:extLst>
+              <a:ext uri="{FF2B5EF4-FFF2-40B4-BE49-F238E27FC236}">
+                <a16:creationId xmlns:a16="http://schemas.microsoft.com/office/drawing/2014/main" id="{AF3D22D0-9A84-2CBF-E52F-076894A7670E}"/>
+              </a:ext>
+            </a:extLst>
+          </p:cNvPr>
+          <p:cNvCxnSpPr>
+            <a:cxnSpLocks/>
+            <a:stCxn id="11" idx="0"/>
+            <a:endCxn id="9" idx="2"/>
+          </p:cNvCxnSpPr>
+          <p:nvPr/>
+        </p:nvCxnSpPr>
+        <p:spPr>
+          <a:xfrm rot="16200000" flipH="1" flipV="1">
+            <a:off x="6908666" y="-363404"/>
+            <a:ext cx="2622085" cy="4246729"/>
+          </a:xfrm>
+          <a:prstGeom prst="curvedConnector5">
+            <a:avLst>
+              <a:gd name="adj1" fmla="val -8718"/>
+              <a:gd name="adj2" fmla="val 57922"/>
+              <a:gd name="adj3" fmla="val 108718"/>
+            </a:avLst>
+          </a:prstGeom>
+          <a:ln>
+            <a:tailEnd type="triangle"/>
+          </a:ln>
+        </p:spPr>
+        <p:style>
+          <a:lnRef idx="1">
+            <a:schemeClr val="accent1"/>
+          </a:lnRef>
+          <a:fillRef idx="0">
+            <a:schemeClr val="accent1"/>
+          </a:fillRef>
+          <a:effectRef idx="0">
+            <a:schemeClr val="accent1"/>
+          </a:effectRef>
+          <a:fontRef idx="minor">
+            <a:schemeClr val="tx1"/>
+          </a:fontRef>
+        </p:style>
+      </p:cxnSp>
+      <p:sp>
+        <p:nvSpPr>
+          <p:cNvPr id="14" name="직사각형 13">
+            <a:extLst>
+              <a:ext uri="{FF2B5EF4-FFF2-40B4-BE49-F238E27FC236}">
+                <a16:creationId xmlns:a16="http://schemas.microsoft.com/office/drawing/2014/main" id="{C2946B9E-6903-52BE-54D7-7F74F5738AFF}"/>
+              </a:ext>
+            </a:extLst>
+          </p:cNvPr>
+          <p:cNvSpPr/>
+          <p:nvPr/>
+        </p:nvSpPr>
+        <p:spPr>
+          <a:xfrm>
+            <a:off x="9881569" y="-63954"/>
+            <a:ext cx="598241" cy="369332"/>
+          </a:xfrm>
+          <a:prstGeom prst="rect">
+            <a:avLst/>
+          </a:prstGeom>
+        </p:spPr>
+        <p:txBody>
+          <a:bodyPr wrap="none">
+            <a:spAutoFit/>
+          </a:bodyPr>
+          <a:lstStyle/>
+          <a:p>
+            <a:r>
+              <a:rPr lang="en" altLang="ko-Kore-KR" dirty="0" err="1">
+                <a:solidFill>
+                  <a:srgbClr val="795E26"/>
+                </a:solidFill>
+                <a:latin typeface="DM Mono" panose="020B0509040201040103" pitchFamily="49" charset="0"/>
+              </a:rPr>
+              <a:t>inc</a:t>
+            </a:r>
+            <a:endParaRPr lang="ko-Kore-KR" altLang="en-US" dirty="0"/>
+          </a:p>
+        </p:txBody>
+      </p:sp>
+    </p:spTree>
+    <p:extLst>
+      <p:ext uri="{BB962C8B-B14F-4D97-AF65-F5344CB8AC3E}">
+        <p14:creationId xmlns:p14="http://schemas.microsoft.com/office/powerpoint/2010/main" val="2234692912"/>
+      </p:ext>
+    </p:extLst>
+  </p:cSld>
+  <p:clrMapOvr>
+    <a:masterClrMapping/>
+  </p:clrMapOvr>
+</p:sld>
+</file>
+
 <file path=ppt/slides/slide2.xml><?xml version="1.0" encoding="utf-8"?>
 <p:sld xmlns:a="http://schemas.openxmlformats.org/drawingml/2006/main" xmlns:r="http://schemas.openxmlformats.org/officeDocument/2006/relationships" xmlns:p="http://schemas.openxmlformats.org/presentationml/2006/main">
   <p:cSld>
@@ -11245,6 +12352,4393 @@
     <p:extLst>
       <p:ext uri="{BB962C8B-B14F-4D97-AF65-F5344CB8AC3E}">
         <p14:creationId xmlns:p14="http://schemas.microsoft.com/office/powerpoint/2010/main" val="536565768"/>
+      </p:ext>
+    </p:extLst>
+  </p:cSld>
+  <p:clrMapOvr>
+    <a:masterClrMapping/>
+  </p:clrMapOvr>
+</p:sld>
+</file>
+
+<file path=ppt/slides/slide6.xml><?xml version="1.0" encoding="utf-8"?>
+<p:sld xmlns:a="http://schemas.openxmlformats.org/drawingml/2006/main" xmlns:r="http://schemas.openxmlformats.org/officeDocument/2006/relationships" xmlns:p="http://schemas.openxmlformats.org/presentationml/2006/main">
+  <p:cSld>
+    <p:spTree>
+      <p:nvGrpSpPr>
+        <p:cNvPr id="1" name=""/>
+        <p:cNvGrpSpPr/>
+        <p:nvPr/>
+      </p:nvGrpSpPr>
+      <p:grpSpPr>
+        <a:xfrm>
+          <a:off x="0" y="0"/>
+          <a:ext cx="0" cy="0"/>
+          <a:chOff x="0" y="0"/>
+          <a:chExt cx="0" cy="0"/>
+        </a:xfrm>
+      </p:grpSpPr>
+      <p:sp>
+        <p:nvSpPr>
+          <p:cNvPr id="4" name="직사각형 3">
+            <a:extLst>
+              <a:ext uri="{FF2B5EF4-FFF2-40B4-BE49-F238E27FC236}">
+                <a16:creationId xmlns:a16="http://schemas.microsoft.com/office/drawing/2014/main" id="{EFDDCE6C-CC86-ACB4-9FD6-29E4BAB61126}"/>
+              </a:ext>
+            </a:extLst>
+          </p:cNvPr>
+          <p:cNvSpPr/>
+          <p:nvPr/>
+        </p:nvSpPr>
+        <p:spPr>
+          <a:xfrm>
+            <a:off x="382438" y="222228"/>
+            <a:ext cx="6096000" cy="1754326"/>
+          </a:xfrm>
+          <a:prstGeom prst="rect">
+            <a:avLst/>
+          </a:prstGeom>
+        </p:spPr>
+        <p:txBody>
+          <a:bodyPr>
+            <a:spAutoFit/>
+          </a:bodyPr>
+          <a:lstStyle/>
+          <a:p>
+            <a:r>
+              <a:rPr lang="en" altLang="ko-Kore-KR" dirty="0">
+                <a:solidFill>
+                  <a:srgbClr val="0000FF"/>
+                </a:solidFill>
+                <a:latin typeface="DM Mono" panose="020B0509040201040103" pitchFamily="49" charset="0"/>
+              </a:rPr>
+              <a:t>int</a:t>
+            </a:r>
+            <a:r>
+              <a:rPr lang="en" altLang="ko-Kore-KR" dirty="0">
+                <a:solidFill>
+                  <a:srgbClr val="000000"/>
+                </a:solidFill>
+                <a:latin typeface="DM Mono" panose="020B0509040201040103" pitchFamily="49" charset="0"/>
+              </a:rPr>
+              <a:t> </a:t>
+            </a:r>
+            <a:r>
+              <a:rPr lang="en" altLang="ko-Kore-KR" dirty="0">
+                <a:solidFill>
+                  <a:srgbClr val="795E26"/>
+                </a:solidFill>
+                <a:latin typeface="DM Mono" panose="020B0509040201040103" pitchFamily="49" charset="0"/>
+              </a:rPr>
+              <a:t>add</a:t>
+            </a:r>
+            <a:r>
+              <a:rPr lang="en" altLang="ko-Kore-KR" dirty="0">
+                <a:solidFill>
+                  <a:srgbClr val="000000"/>
+                </a:solidFill>
+                <a:latin typeface="DM Mono" panose="020B0509040201040103" pitchFamily="49" charset="0"/>
+              </a:rPr>
+              <a:t>(</a:t>
+            </a:r>
+            <a:r>
+              <a:rPr lang="en" altLang="ko-Kore-KR" dirty="0">
+                <a:solidFill>
+                  <a:srgbClr val="0000FF"/>
+                </a:solidFill>
+                <a:latin typeface="DM Mono" panose="020B0509040201040103" pitchFamily="49" charset="0"/>
+              </a:rPr>
+              <a:t>int</a:t>
+            </a:r>
+            <a:r>
+              <a:rPr lang="en" altLang="ko-Kore-KR" dirty="0">
+                <a:solidFill>
+                  <a:srgbClr val="000000"/>
+                </a:solidFill>
+                <a:latin typeface="DM Mono" panose="020B0509040201040103" pitchFamily="49" charset="0"/>
+              </a:rPr>
+              <a:t> </a:t>
+            </a:r>
+            <a:r>
+              <a:rPr lang="en" altLang="ko-Kore-KR" dirty="0">
+                <a:solidFill>
+                  <a:srgbClr val="001080"/>
+                </a:solidFill>
+                <a:latin typeface="DM Mono" panose="020B0509040201040103" pitchFamily="49" charset="0"/>
+              </a:rPr>
+              <a:t>a</a:t>
+            </a:r>
+            <a:r>
+              <a:rPr lang="en" altLang="ko-Kore-KR" dirty="0">
+                <a:solidFill>
+                  <a:srgbClr val="000000"/>
+                </a:solidFill>
+                <a:latin typeface="DM Mono" panose="020B0509040201040103" pitchFamily="49" charset="0"/>
+              </a:rPr>
+              <a:t>, </a:t>
+            </a:r>
+            <a:r>
+              <a:rPr lang="en" altLang="ko-Kore-KR" dirty="0">
+                <a:solidFill>
+                  <a:srgbClr val="0000FF"/>
+                </a:solidFill>
+                <a:latin typeface="DM Mono" panose="020B0509040201040103" pitchFamily="49" charset="0"/>
+              </a:rPr>
+              <a:t>int</a:t>
+            </a:r>
+            <a:r>
+              <a:rPr lang="en" altLang="ko-Kore-KR" dirty="0">
+                <a:solidFill>
+                  <a:srgbClr val="000000"/>
+                </a:solidFill>
+                <a:latin typeface="DM Mono" panose="020B0509040201040103" pitchFamily="49" charset="0"/>
+              </a:rPr>
+              <a:t> </a:t>
+            </a:r>
+            <a:r>
+              <a:rPr lang="en" altLang="ko-Kore-KR" dirty="0">
+                <a:solidFill>
+                  <a:srgbClr val="001080"/>
+                </a:solidFill>
+                <a:latin typeface="DM Mono" panose="020B0509040201040103" pitchFamily="49" charset="0"/>
+              </a:rPr>
+              <a:t>b</a:t>
+            </a:r>
+            <a:r>
+              <a:rPr lang="en" altLang="ko-Kore-KR" dirty="0">
+                <a:solidFill>
+                  <a:srgbClr val="000000"/>
+                </a:solidFill>
+                <a:latin typeface="DM Mono" panose="020B0509040201040103" pitchFamily="49" charset="0"/>
+              </a:rPr>
+              <a:t>) { </a:t>
+            </a:r>
+            <a:r>
+              <a:rPr lang="en" altLang="ko-Kore-KR" dirty="0">
+                <a:solidFill>
+                  <a:srgbClr val="AF00DB"/>
+                </a:solidFill>
+                <a:latin typeface="DM Mono" panose="020B0509040201040103" pitchFamily="49" charset="0"/>
+              </a:rPr>
+              <a:t>return</a:t>
+            </a:r>
+            <a:r>
+              <a:rPr lang="en" altLang="ko-Kore-KR" dirty="0">
+                <a:solidFill>
+                  <a:srgbClr val="000000"/>
+                </a:solidFill>
+                <a:latin typeface="DM Mono" panose="020B0509040201040103" pitchFamily="49" charset="0"/>
+              </a:rPr>
+              <a:t> </a:t>
+            </a:r>
+            <a:r>
+              <a:rPr lang="en" altLang="ko-Kore-KR" dirty="0">
+                <a:solidFill>
+                  <a:srgbClr val="001080"/>
+                </a:solidFill>
+                <a:latin typeface="DM Mono" panose="020B0509040201040103" pitchFamily="49" charset="0"/>
+              </a:rPr>
+              <a:t>a</a:t>
+            </a:r>
+            <a:r>
+              <a:rPr lang="en" altLang="ko-Kore-KR" dirty="0">
+                <a:solidFill>
+                  <a:srgbClr val="000000"/>
+                </a:solidFill>
+                <a:latin typeface="DM Mono" panose="020B0509040201040103" pitchFamily="49" charset="0"/>
+              </a:rPr>
+              <a:t> + </a:t>
+            </a:r>
+            <a:r>
+              <a:rPr lang="en" altLang="ko-Kore-KR" dirty="0">
+                <a:solidFill>
+                  <a:srgbClr val="001080"/>
+                </a:solidFill>
+                <a:latin typeface="DM Mono" panose="020B0509040201040103" pitchFamily="49" charset="0"/>
+              </a:rPr>
+              <a:t>b</a:t>
+            </a:r>
+            <a:r>
+              <a:rPr lang="en" altLang="ko-Kore-KR" dirty="0">
+                <a:solidFill>
+                  <a:srgbClr val="000000"/>
+                </a:solidFill>
+                <a:latin typeface="DM Mono" panose="020B0509040201040103" pitchFamily="49" charset="0"/>
+              </a:rPr>
+              <a:t>; }</a:t>
+            </a:r>
+          </a:p>
+          <a:p>
+            <a:br>
+              <a:rPr lang="en" altLang="ko-Kore-KR" dirty="0">
+                <a:solidFill>
+                  <a:srgbClr val="000000"/>
+                </a:solidFill>
+                <a:latin typeface="DM Mono" panose="020B0509040201040103" pitchFamily="49" charset="0"/>
+              </a:rPr>
+            </a:br>
+            <a:r>
+              <a:rPr lang="en" altLang="ko-Kore-KR" dirty="0">
+                <a:solidFill>
+                  <a:srgbClr val="0000FF"/>
+                </a:solidFill>
+                <a:latin typeface="DM Mono" panose="020B0509040201040103" pitchFamily="49" charset="0"/>
+              </a:rPr>
+              <a:t>int</a:t>
+            </a:r>
+            <a:r>
+              <a:rPr lang="en" altLang="ko-Kore-KR" dirty="0">
+                <a:solidFill>
+                  <a:srgbClr val="000000"/>
+                </a:solidFill>
+                <a:latin typeface="DM Mono" panose="020B0509040201040103" pitchFamily="49" charset="0"/>
+              </a:rPr>
+              <a:t> </a:t>
+            </a:r>
+            <a:r>
+              <a:rPr lang="en" altLang="ko-Kore-KR" dirty="0">
+                <a:solidFill>
+                  <a:srgbClr val="795E26"/>
+                </a:solidFill>
+                <a:latin typeface="DM Mono" panose="020B0509040201040103" pitchFamily="49" charset="0"/>
+              </a:rPr>
+              <a:t>main</a:t>
+            </a:r>
+            <a:r>
+              <a:rPr lang="en" altLang="ko-Kore-KR" dirty="0">
+                <a:solidFill>
+                  <a:srgbClr val="000000"/>
+                </a:solidFill>
+                <a:latin typeface="DM Mono" panose="020B0509040201040103" pitchFamily="49" charset="0"/>
+              </a:rPr>
+              <a:t>(</a:t>
+            </a:r>
+            <a:r>
+              <a:rPr lang="en" altLang="ko-Kore-KR" dirty="0">
+                <a:solidFill>
+                  <a:srgbClr val="0000FF"/>
+                </a:solidFill>
+                <a:latin typeface="DM Mono" panose="020B0509040201040103" pitchFamily="49" charset="0"/>
+              </a:rPr>
+              <a:t>void</a:t>
+            </a:r>
+            <a:r>
+              <a:rPr lang="en" altLang="ko-Kore-KR" dirty="0">
+                <a:solidFill>
+                  <a:srgbClr val="000000"/>
+                </a:solidFill>
+                <a:latin typeface="DM Mono" panose="020B0509040201040103" pitchFamily="49" charset="0"/>
+              </a:rPr>
+              <a:t>)</a:t>
+            </a:r>
+          </a:p>
+          <a:p>
+            <a:r>
+              <a:rPr lang="en" altLang="ko-Kore-KR" dirty="0">
+                <a:solidFill>
+                  <a:srgbClr val="000000"/>
+                </a:solidFill>
+                <a:latin typeface="DM Mono" panose="020B0509040201040103" pitchFamily="49" charset="0"/>
+              </a:rPr>
+              <a:t>{</a:t>
+            </a:r>
+          </a:p>
+          <a:p>
+            <a:r>
+              <a:rPr lang="en" altLang="ko-Kore-KR" dirty="0">
+                <a:solidFill>
+                  <a:srgbClr val="0000FF"/>
+                </a:solidFill>
+                <a:latin typeface="DM Mono" panose="020B0509040201040103" pitchFamily="49" charset="0"/>
+              </a:rPr>
+              <a:t>  int</a:t>
+            </a:r>
+            <a:r>
+              <a:rPr lang="en" altLang="ko-Kore-KR" dirty="0">
+                <a:solidFill>
+                  <a:srgbClr val="000000"/>
+                </a:solidFill>
+                <a:latin typeface="DM Mono" panose="020B0509040201040103" pitchFamily="49" charset="0"/>
+              </a:rPr>
+              <a:t> </a:t>
+            </a:r>
+            <a:r>
+              <a:rPr lang="en" altLang="ko-Kore-KR" dirty="0">
+                <a:solidFill>
+                  <a:srgbClr val="001080"/>
+                </a:solidFill>
+                <a:latin typeface="DM Mono" panose="020B0509040201040103" pitchFamily="49" charset="0"/>
+              </a:rPr>
+              <a:t>result</a:t>
+            </a:r>
+            <a:r>
+              <a:rPr lang="en" altLang="ko-Kore-KR" dirty="0">
+                <a:solidFill>
+                  <a:srgbClr val="000000"/>
+                </a:solidFill>
+                <a:latin typeface="DM Mono" panose="020B0509040201040103" pitchFamily="49" charset="0"/>
+              </a:rPr>
+              <a:t> = </a:t>
+            </a:r>
+            <a:r>
+              <a:rPr lang="en" altLang="ko-Kore-KR" dirty="0">
+                <a:solidFill>
+                  <a:srgbClr val="795E26"/>
+                </a:solidFill>
+                <a:latin typeface="DM Mono" panose="020B0509040201040103" pitchFamily="49" charset="0"/>
+              </a:rPr>
+              <a:t>add</a:t>
+            </a:r>
+            <a:r>
+              <a:rPr lang="en" altLang="ko-Kore-KR" dirty="0">
+                <a:solidFill>
+                  <a:srgbClr val="000000"/>
+                </a:solidFill>
+                <a:latin typeface="DM Mono" panose="020B0509040201040103" pitchFamily="49" charset="0"/>
+              </a:rPr>
+              <a:t>(</a:t>
+            </a:r>
+            <a:r>
+              <a:rPr lang="en" altLang="ko-Kore-KR" dirty="0">
+                <a:solidFill>
+                  <a:srgbClr val="098658"/>
+                </a:solidFill>
+                <a:latin typeface="DM Mono" panose="020B0509040201040103" pitchFamily="49" charset="0"/>
+              </a:rPr>
+              <a:t>10</a:t>
+            </a:r>
+            <a:r>
+              <a:rPr lang="en" altLang="ko-Kore-KR" dirty="0">
+                <a:solidFill>
+                  <a:srgbClr val="000000"/>
+                </a:solidFill>
+                <a:latin typeface="DM Mono" panose="020B0509040201040103" pitchFamily="49" charset="0"/>
+              </a:rPr>
+              <a:t>, </a:t>
+            </a:r>
+            <a:r>
+              <a:rPr lang="en" altLang="ko-Kore-KR" dirty="0">
+                <a:solidFill>
+                  <a:srgbClr val="098658"/>
+                </a:solidFill>
+                <a:latin typeface="DM Mono" panose="020B0509040201040103" pitchFamily="49" charset="0"/>
+              </a:rPr>
+              <a:t>20</a:t>
+            </a:r>
+            <a:r>
+              <a:rPr lang="en" altLang="ko-Kore-KR" dirty="0">
+                <a:solidFill>
+                  <a:srgbClr val="000000"/>
+                </a:solidFill>
+                <a:latin typeface="DM Mono" panose="020B0509040201040103" pitchFamily="49" charset="0"/>
+              </a:rPr>
+              <a:t>);</a:t>
+            </a:r>
+          </a:p>
+          <a:p>
+            <a:r>
+              <a:rPr lang="en" altLang="ko-Kore-KR" dirty="0">
+                <a:solidFill>
+                  <a:srgbClr val="000000"/>
+                </a:solidFill>
+                <a:latin typeface="DM Mono" panose="020B0509040201040103" pitchFamily="49" charset="0"/>
+              </a:rPr>
+              <a:t>}</a:t>
+            </a:r>
+            <a:endParaRPr lang="en" altLang="ko-Kore-KR" b="0" dirty="0">
+              <a:solidFill>
+                <a:srgbClr val="000000"/>
+              </a:solidFill>
+              <a:effectLst/>
+              <a:latin typeface="DM Mono" panose="020B0509040201040103" pitchFamily="49" charset="0"/>
+            </a:endParaRPr>
+          </a:p>
+        </p:txBody>
+      </p:sp>
+      <p:sp>
+        <p:nvSpPr>
+          <p:cNvPr id="5" name="직사각형 4">
+            <a:extLst>
+              <a:ext uri="{FF2B5EF4-FFF2-40B4-BE49-F238E27FC236}">
+                <a16:creationId xmlns:a16="http://schemas.microsoft.com/office/drawing/2014/main" id="{E61A65E0-CC96-DF6D-1042-280060300D3A}"/>
+              </a:ext>
+            </a:extLst>
+          </p:cNvPr>
+          <p:cNvSpPr/>
+          <p:nvPr/>
+        </p:nvSpPr>
+        <p:spPr>
+          <a:xfrm>
+            <a:off x="7625130" y="1099391"/>
+            <a:ext cx="1747599" cy="460721"/>
+          </a:xfrm>
+          <a:prstGeom prst="rect">
+            <a:avLst/>
+          </a:prstGeom>
+          <a:solidFill>
+            <a:srgbClr val="FFFF00"/>
+          </a:solidFill>
+        </p:spPr>
+        <p:style>
+          <a:lnRef idx="2">
+            <a:schemeClr val="accent1">
+              <a:shade val="50000"/>
+            </a:schemeClr>
+          </a:lnRef>
+          <a:fillRef idx="1">
+            <a:schemeClr val="accent1"/>
+          </a:fillRef>
+          <a:effectRef idx="0">
+            <a:schemeClr val="accent1"/>
+          </a:effectRef>
+          <a:fontRef idx="minor">
+            <a:schemeClr val="lt1"/>
+          </a:fontRef>
+        </p:style>
+        <p:txBody>
+          <a:bodyPr rtlCol="0" anchor="ctr"/>
+          <a:lstStyle/>
+          <a:p>
+            <a:pPr algn="ctr"/>
+            <a:endParaRPr kumimoji="1" lang="ko-Kore-KR" altLang="en-US" sz="1400" dirty="0">
+              <a:solidFill>
+                <a:schemeClr val="tx1"/>
+              </a:solidFill>
+            </a:endParaRPr>
+          </a:p>
+        </p:txBody>
+      </p:sp>
+      <p:sp>
+        <p:nvSpPr>
+          <p:cNvPr id="6" name="직사각형 5">
+            <a:extLst>
+              <a:ext uri="{FF2B5EF4-FFF2-40B4-BE49-F238E27FC236}">
+                <a16:creationId xmlns:a16="http://schemas.microsoft.com/office/drawing/2014/main" id="{FCB01FE1-F8AC-EFE2-D948-A43DB935CDD3}"/>
+              </a:ext>
+            </a:extLst>
+          </p:cNvPr>
+          <p:cNvSpPr/>
+          <p:nvPr/>
+        </p:nvSpPr>
+        <p:spPr>
+          <a:xfrm>
+            <a:off x="7625130" y="1560112"/>
+            <a:ext cx="1747599" cy="460721"/>
+          </a:xfrm>
+          <a:prstGeom prst="rect">
+            <a:avLst/>
+          </a:prstGeom>
+          <a:solidFill>
+            <a:srgbClr val="FFFF00"/>
+          </a:solidFill>
+        </p:spPr>
+        <p:style>
+          <a:lnRef idx="2">
+            <a:schemeClr val="accent1">
+              <a:shade val="50000"/>
+            </a:schemeClr>
+          </a:lnRef>
+          <a:fillRef idx="1">
+            <a:schemeClr val="accent1"/>
+          </a:fillRef>
+          <a:effectRef idx="0">
+            <a:schemeClr val="accent1"/>
+          </a:effectRef>
+          <a:fontRef idx="minor">
+            <a:schemeClr val="lt1"/>
+          </a:fontRef>
+        </p:style>
+        <p:txBody>
+          <a:bodyPr rtlCol="0" anchor="ctr"/>
+          <a:lstStyle/>
+          <a:p>
+            <a:pPr algn="ctr"/>
+            <a:endParaRPr kumimoji="1" lang="ko-Kore-KR" altLang="en-US" sz="1400" dirty="0">
+              <a:solidFill>
+                <a:schemeClr val="tx1"/>
+              </a:solidFill>
+            </a:endParaRPr>
+          </a:p>
+        </p:txBody>
+      </p:sp>
+      <p:sp>
+        <p:nvSpPr>
+          <p:cNvPr id="7" name="직사각형 6">
+            <a:extLst>
+              <a:ext uri="{FF2B5EF4-FFF2-40B4-BE49-F238E27FC236}">
+                <a16:creationId xmlns:a16="http://schemas.microsoft.com/office/drawing/2014/main" id="{8FFA2406-979C-B37C-B177-518347439A1A}"/>
+              </a:ext>
+            </a:extLst>
+          </p:cNvPr>
+          <p:cNvSpPr/>
+          <p:nvPr/>
+        </p:nvSpPr>
+        <p:spPr>
+          <a:xfrm>
+            <a:off x="7625130" y="2020833"/>
+            <a:ext cx="1747599" cy="460721"/>
+          </a:xfrm>
+          <a:prstGeom prst="rect">
+            <a:avLst/>
+          </a:prstGeom>
+          <a:solidFill>
+            <a:srgbClr val="FFFF00"/>
+          </a:solidFill>
+        </p:spPr>
+        <p:style>
+          <a:lnRef idx="2">
+            <a:schemeClr val="accent1">
+              <a:shade val="50000"/>
+            </a:schemeClr>
+          </a:lnRef>
+          <a:fillRef idx="1">
+            <a:schemeClr val="accent1"/>
+          </a:fillRef>
+          <a:effectRef idx="0">
+            <a:schemeClr val="accent1"/>
+          </a:effectRef>
+          <a:fontRef idx="minor">
+            <a:schemeClr val="lt1"/>
+          </a:fontRef>
+        </p:style>
+        <p:txBody>
+          <a:bodyPr rtlCol="0" anchor="ctr"/>
+          <a:lstStyle/>
+          <a:p>
+            <a:pPr algn="ctr"/>
+            <a:endParaRPr kumimoji="1" lang="ko-Kore-KR" altLang="en-US" sz="1400" dirty="0">
+              <a:solidFill>
+                <a:schemeClr val="tx1"/>
+              </a:solidFill>
+            </a:endParaRPr>
+          </a:p>
+        </p:txBody>
+      </p:sp>
+      <p:sp>
+        <p:nvSpPr>
+          <p:cNvPr id="8" name="직사각형 7">
+            <a:extLst>
+              <a:ext uri="{FF2B5EF4-FFF2-40B4-BE49-F238E27FC236}">
+                <a16:creationId xmlns:a16="http://schemas.microsoft.com/office/drawing/2014/main" id="{AB83B322-F4E3-D0DE-CD06-6E170B88A520}"/>
+              </a:ext>
+            </a:extLst>
+          </p:cNvPr>
+          <p:cNvSpPr/>
+          <p:nvPr/>
+        </p:nvSpPr>
+        <p:spPr>
+          <a:xfrm>
+            <a:off x="7625130" y="2481554"/>
+            <a:ext cx="1747599" cy="460721"/>
+          </a:xfrm>
+          <a:prstGeom prst="rect">
+            <a:avLst/>
+          </a:prstGeom>
+          <a:solidFill>
+            <a:schemeClr val="accent2"/>
+          </a:solidFill>
+        </p:spPr>
+        <p:style>
+          <a:lnRef idx="2">
+            <a:schemeClr val="accent1">
+              <a:shade val="50000"/>
+            </a:schemeClr>
+          </a:lnRef>
+          <a:fillRef idx="1">
+            <a:schemeClr val="accent1"/>
+          </a:fillRef>
+          <a:effectRef idx="0">
+            <a:schemeClr val="accent1"/>
+          </a:effectRef>
+          <a:fontRef idx="minor">
+            <a:schemeClr val="lt1"/>
+          </a:fontRef>
+        </p:style>
+        <p:txBody>
+          <a:bodyPr rtlCol="0" anchor="ctr"/>
+          <a:lstStyle/>
+          <a:p>
+            <a:pPr algn="ctr"/>
+            <a:endParaRPr kumimoji="1" lang="ko-Kore-KR" altLang="en-US" sz="1400" dirty="0">
+              <a:solidFill>
+                <a:schemeClr val="tx1"/>
+              </a:solidFill>
+            </a:endParaRPr>
+          </a:p>
+        </p:txBody>
+      </p:sp>
+      <p:sp>
+        <p:nvSpPr>
+          <p:cNvPr id="9" name="직사각형 8">
+            <a:extLst>
+              <a:ext uri="{FF2B5EF4-FFF2-40B4-BE49-F238E27FC236}">
+                <a16:creationId xmlns:a16="http://schemas.microsoft.com/office/drawing/2014/main" id="{BF58A558-E5FF-0DA7-AC55-E2B4C1676C04}"/>
+              </a:ext>
+            </a:extLst>
+          </p:cNvPr>
+          <p:cNvSpPr/>
+          <p:nvPr/>
+        </p:nvSpPr>
+        <p:spPr>
+          <a:xfrm>
+            <a:off x="7625130" y="2942275"/>
+            <a:ext cx="1747599" cy="460721"/>
+          </a:xfrm>
+          <a:prstGeom prst="rect">
+            <a:avLst/>
+          </a:prstGeom>
+          <a:solidFill>
+            <a:schemeClr val="accent2"/>
+          </a:solidFill>
+        </p:spPr>
+        <p:style>
+          <a:lnRef idx="2">
+            <a:schemeClr val="accent1">
+              <a:shade val="50000"/>
+            </a:schemeClr>
+          </a:lnRef>
+          <a:fillRef idx="1">
+            <a:schemeClr val="accent1"/>
+          </a:fillRef>
+          <a:effectRef idx="0">
+            <a:schemeClr val="accent1"/>
+          </a:effectRef>
+          <a:fontRef idx="minor">
+            <a:schemeClr val="lt1"/>
+          </a:fontRef>
+        </p:style>
+        <p:txBody>
+          <a:bodyPr rtlCol="0" anchor="ctr"/>
+          <a:lstStyle/>
+          <a:p>
+            <a:pPr algn="ctr"/>
+            <a:r>
+              <a:rPr kumimoji="1" lang="ko-KR" altLang="en-US" sz="1400" dirty="0">
+                <a:solidFill>
+                  <a:schemeClr val="tx1"/>
+                </a:solidFill>
+              </a:rPr>
+              <a:t>함수 복귀 주소</a:t>
+            </a:r>
+            <a:endParaRPr kumimoji="1" lang="ko-Kore-KR" altLang="en-US" sz="1400" dirty="0">
+              <a:solidFill>
+                <a:schemeClr val="tx1"/>
+              </a:solidFill>
+            </a:endParaRPr>
+          </a:p>
+        </p:txBody>
+      </p:sp>
+      <p:sp>
+        <p:nvSpPr>
+          <p:cNvPr id="10" name="직사각형 9">
+            <a:extLst>
+              <a:ext uri="{FF2B5EF4-FFF2-40B4-BE49-F238E27FC236}">
+                <a16:creationId xmlns:a16="http://schemas.microsoft.com/office/drawing/2014/main" id="{342EA80A-6976-C9BF-68DE-3FF5424B5DD9}"/>
+              </a:ext>
+            </a:extLst>
+          </p:cNvPr>
+          <p:cNvSpPr/>
+          <p:nvPr/>
+        </p:nvSpPr>
+        <p:spPr>
+          <a:xfrm>
+            <a:off x="7625130" y="3402996"/>
+            <a:ext cx="1747599" cy="460721"/>
+          </a:xfrm>
+          <a:prstGeom prst="rect">
+            <a:avLst/>
+          </a:prstGeom>
+          <a:solidFill>
+            <a:schemeClr val="accent2"/>
+          </a:solidFill>
+        </p:spPr>
+        <p:style>
+          <a:lnRef idx="2">
+            <a:schemeClr val="accent1">
+              <a:shade val="50000"/>
+            </a:schemeClr>
+          </a:lnRef>
+          <a:fillRef idx="1">
+            <a:schemeClr val="accent1"/>
+          </a:fillRef>
+          <a:effectRef idx="0">
+            <a:schemeClr val="accent1"/>
+          </a:effectRef>
+          <a:fontRef idx="minor">
+            <a:schemeClr val="lt1"/>
+          </a:fontRef>
+        </p:style>
+        <p:txBody>
+          <a:bodyPr rtlCol="0" anchor="ctr"/>
+          <a:lstStyle/>
+          <a:p>
+            <a:pPr algn="ctr"/>
+            <a:r>
+              <a:rPr kumimoji="1" lang="en-US" altLang="ko-Kore-KR" sz="1400" dirty="0">
+                <a:solidFill>
+                  <a:schemeClr val="tx1"/>
+                </a:solidFill>
+              </a:rPr>
+              <a:t>10</a:t>
+            </a:r>
+            <a:endParaRPr kumimoji="1" lang="ko-Kore-KR" altLang="en-US" sz="1400" dirty="0">
+              <a:solidFill>
+                <a:schemeClr val="tx1"/>
+              </a:solidFill>
+            </a:endParaRPr>
+          </a:p>
+        </p:txBody>
+      </p:sp>
+      <p:sp>
+        <p:nvSpPr>
+          <p:cNvPr id="11" name="직사각형 10">
+            <a:extLst>
+              <a:ext uri="{FF2B5EF4-FFF2-40B4-BE49-F238E27FC236}">
+                <a16:creationId xmlns:a16="http://schemas.microsoft.com/office/drawing/2014/main" id="{A72D8ED7-5E12-990E-48D6-20357282258B}"/>
+              </a:ext>
+            </a:extLst>
+          </p:cNvPr>
+          <p:cNvSpPr/>
+          <p:nvPr/>
+        </p:nvSpPr>
+        <p:spPr>
+          <a:xfrm>
+            <a:off x="7625130" y="3863717"/>
+            <a:ext cx="1747599" cy="460721"/>
+          </a:xfrm>
+          <a:prstGeom prst="rect">
+            <a:avLst/>
+          </a:prstGeom>
+          <a:solidFill>
+            <a:schemeClr val="accent2"/>
+          </a:solidFill>
+        </p:spPr>
+        <p:style>
+          <a:lnRef idx="2">
+            <a:schemeClr val="accent1">
+              <a:shade val="50000"/>
+            </a:schemeClr>
+          </a:lnRef>
+          <a:fillRef idx="1">
+            <a:schemeClr val="accent1"/>
+          </a:fillRef>
+          <a:effectRef idx="0">
+            <a:schemeClr val="accent1"/>
+          </a:effectRef>
+          <a:fontRef idx="minor">
+            <a:schemeClr val="lt1"/>
+          </a:fontRef>
+        </p:style>
+        <p:txBody>
+          <a:bodyPr rtlCol="0" anchor="ctr"/>
+          <a:lstStyle/>
+          <a:p>
+            <a:pPr algn="ctr"/>
+            <a:r>
+              <a:rPr kumimoji="1" lang="en-US" altLang="ko-Kore-KR" sz="1400" dirty="0">
+                <a:solidFill>
+                  <a:schemeClr val="tx1"/>
+                </a:solidFill>
+              </a:rPr>
+              <a:t>20</a:t>
+            </a:r>
+            <a:endParaRPr kumimoji="1" lang="ko-Kore-KR" altLang="en-US" sz="1400" dirty="0">
+              <a:solidFill>
+                <a:schemeClr val="tx1"/>
+              </a:solidFill>
+            </a:endParaRPr>
+          </a:p>
+        </p:txBody>
+      </p:sp>
+      <p:sp>
+        <p:nvSpPr>
+          <p:cNvPr id="12" name="직사각형 11">
+            <a:extLst>
+              <a:ext uri="{FF2B5EF4-FFF2-40B4-BE49-F238E27FC236}">
+                <a16:creationId xmlns:a16="http://schemas.microsoft.com/office/drawing/2014/main" id="{C33C9443-8306-4C8A-8B87-5AF45BFA06F0}"/>
+              </a:ext>
+            </a:extLst>
+          </p:cNvPr>
+          <p:cNvSpPr/>
+          <p:nvPr/>
+        </p:nvSpPr>
+        <p:spPr>
+          <a:xfrm>
+            <a:off x="7625130" y="4324438"/>
+            <a:ext cx="1747599" cy="460721"/>
+          </a:xfrm>
+          <a:prstGeom prst="rect">
+            <a:avLst/>
+          </a:prstGeom>
+          <a:solidFill>
+            <a:schemeClr val="accent2"/>
+          </a:solidFill>
+        </p:spPr>
+        <p:style>
+          <a:lnRef idx="2">
+            <a:schemeClr val="accent1">
+              <a:shade val="50000"/>
+            </a:schemeClr>
+          </a:lnRef>
+          <a:fillRef idx="1">
+            <a:schemeClr val="accent1"/>
+          </a:fillRef>
+          <a:effectRef idx="0">
+            <a:schemeClr val="accent1"/>
+          </a:effectRef>
+          <a:fontRef idx="minor">
+            <a:schemeClr val="lt1"/>
+          </a:fontRef>
+        </p:style>
+        <p:txBody>
+          <a:bodyPr rtlCol="0" anchor="ctr"/>
+          <a:lstStyle/>
+          <a:p>
+            <a:pPr algn="ctr"/>
+            <a:endParaRPr kumimoji="1" lang="ko-Kore-KR" altLang="en-US" sz="1400" dirty="0">
+              <a:solidFill>
+                <a:schemeClr val="tx1"/>
+              </a:solidFill>
+            </a:endParaRPr>
+          </a:p>
+        </p:txBody>
+      </p:sp>
+      <p:sp>
+        <p:nvSpPr>
+          <p:cNvPr id="13" name="직사각형 12">
+            <a:extLst>
+              <a:ext uri="{FF2B5EF4-FFF2-40B4-BE49-F238E27FC236}">
+                <a16:creationId xmlns:a16="http://schemas.microsoft.com/office/drawing/2014/main" id="{5A812536-BFDD-853C-B004-D451C4DDF1DD}"/>
+              </a:ext>
+            </a:extLst>
+          </p:cNvPr>
+          <p:cNvSpPr/>
+          <p:nvPr/>
+        </p:nvSpPr>
+        <p:spPr>
+          <a:xfrm>
+            <a:off x="7625130" y="4785159"/>
+            <a:ext cx="1747599" cy="460721"/>
+          </a:xfrm>
+          <a:prstGeom prst="rect">
+            <a:avLst/>
+          </a:prstGeom>
+          <a:solidFill>
+            <a:srgbClr val="FFFF00"/>
+          </a:solidFill>
+        </p:spPr>
+        <p:style>
+          <a:lnRef idx="2">
+            <a:schemeClr val="accent1">
+              <a:shade val="50000"/>
+            </a:schemeClr>
+          </a:lnRef>
+          <a:fillRef idx="1">
+            <a:schemeClr val="accent1"/>
+          </a:fillRef>
+          <a:effectRef idx="0">
+            <a:schemeClr val="accent1"/>
+          </a:effectRef>
+          <a:fontRef idx="minor">
+            <a:schemeClr val="lt1"/>
+          </a:fontRef>
+        </p:style>
+        <p:txBody>
+          <a:bodyPr rtlCol="0" anchor="ctr"/>
+          <a:lstStyle/>
+          <a:p>
+            <a:pPr algn="ctr"/>
+            <a:endParaRPr kumimoji="1" lang="ko-Kore-KR" altLang="en-US" sz="1400" dirty="0">
+              <a:solidFill>
+                <a:schemeClr val="tx1"/>
+              </a:solidFill>
+            </a:endParaRPr>
+          </a:p>
+        </p:txBody>
+      </p:sp>
+      <p:sp>
+        <p:nvSpPr>
+          <p:cNvPr id="14" name="직사각형 13">
+            <a:extLst>
+              <a:ext uri="{FF2B5EF4-FFF2-40B4-BE49-F238E27FC236}">
+                <a16:creationId xmlns:a16="http://schemas.microsoft.com/office/drawing/2014/main" id="{212094B6-61B2-D187-D660-D8B0FD412225}"/>
+              </a:ext>
+            </a:extLst>
+          </p:cNvPr>
+          <p:cNvSpPr/>
+          <p:nvPr/>
+        </p:nvSpPr>
+        <p:spPr>
+          <a:xfrm>
+            <a:off x="7625130" y="5245880"/>
+            <a:ext cx="1747599" cy="460721"/>
+          </a:xfrm>
+          <a:prstGeom prst="rect">
+            <a:avLst/>
+          </a:prstGeom>
+          <a:solidFill>
+            <a:srgbClr val="FFFF00"/>
+          </a:solidFill>
+        </p:spPr>
+        <p:style>
+          <a:lnRef idx="2">
+            <a:schemeClr val="accent1">
+              <a:shade val="50000"/>
+            </a:schemeClr>
+          </a:lnRef>
+          <a:fillRef idx="1">
+            <a:schemeClr val="accent1"/>
+          </a:fillRef>
+          <a:effectRef idx="0">
+            <a:schemeClr val="accent1"/>
+          </a:effectRef>
+          <a:fontRef idx="minor">
+            <a:schemeClr val="lt1"/>
+          </a:fontRef>
+        </p:style>
+        <p:txBody>
+          <a:bodyPr rtlCol="0" anchor="ctr"/>
+          <a:lstStyle/>
+          <a:p>
+            <a:pPr algn="ctr"/>
+            <a:endParaRPr kumimoji="1" lang="ko-Kore-KR" altLang="en-US" sz="1400" dirty="0">
+              <a:solidFill>
+                <a:schemeClr val="tx1"/>
+              </a:solidFill>
+            </a:endParaRPr>
+          </a:p>
+        </p:txBody>
+      </p:sp>
+      <p:grpSp>
+        <p:nvGrpSpPr>
+          <p:cNvPr id="17" name="그룹 16">
+            <a:extLst>
+              <a:ext uri="{FF2B5EF4-FFF2-40B4-BE49-F238E27FC236}">
+                <a16:creationId xmlns:a16="http://schemas.microsoft.com/office/drawing/2014/main" id="{6965BCE4-0851-AB8A-F792-4A96C4C384B0}"/>
+              </a:ext>
+            </a:extLst>
+          </p:cNvPr>
+          <p:cNvGrpSpPr/>
+          <p:nvPr/>
+        </p:nvGrpSpPr>
+        <p:grpSpPr>
+          <a:xfrm>
+            <a:off x="6422312" y="2920602"/>
+            <a:ext cx="1147058" cy="508958"/>
+            <a:chOff x="6133636" y="3234906"/>
+            <a:chExt cx="1147058" cy="508958"/>
+          </a:xfrm>
+        </p:grpSpPr>
+        <p:sp>
+          <p:nvSpPr>
+            <p:cNvPr id="15" name="직사각형 14">
+              <a:extLst>
+                <a:ext uri="{FF2B5EF4-FFF2-40B4-BE49-F238E27FC236}">
+                  <a16:creationId xmlns:a16="http://schemas.microsoft.com/office/drawing/2014/main" id="{58CBAE4D-DF77-DC12-FA71-41A73CA5841F}"/>
+                </a:ext>
+              </a:extLst>
+            </p:cNvPr>
+            <p:cNvSpPr/>
+            <p:nvPr/>
+          </p:nvSpPr>
+          <p:spPr>
+            <a:xfrm>
+              <a:off x="6133636" y="3335496"/>
+              <a:ext cx="482824" cy="307777"/>
+            </a:xfrm>
+            <a:prstGeom prst="rect">
+              <a:avLst/>
+            </a:prstGeom>
+          </p:spPr>
+          <p:txBody>
+            <a:bodyPr wrap="none">
+              <a:spAutoFit/>
+            </a:bodyPr>
+            <a:lstStyle/>
+            <a:p>
+              <a:r>
+                <a:rPr lang="en" altLang="ko-Kore-KR" sz="1400" dirty="0" err="1">
+                  <a:solidFill>
+                    <a:srgbClr val="4864AA"/>
+                  </a:solidFill>
+                  <a:latin typeface="Consolas" panose="020B0609020204030204" pitchFamily="49" charset="0"/>
+                </a:rPr>
+                <a:t>esp</a:t>
+              </a:r>
+              <a:endParaRPr lang="en" altLang="ko-Kore-KR" b="0" dirty="0">
+                <a:solidFill>
+                  <a:srgbClr val="000000"/>
+                </a:solidFill>
+                <a:effectLst/>
+                <a:latin typeface="Consolas" panose="020B0609020204030204" pitchFamily="49" charset="0"/>
+              </a:endParaRPr>
+            </a:p>
+          </p:txBody>
+        </p:sp>
+        <p:sp>
+          <p:nvSpPr>
+            <p:cNvPr id="16" name="오른쪽 화살표[R] 15">
+              <a:extLst>
+                <a:ext uri="{FF2B5EF4-FFF2-40B4-BE49-F238E27FC236}">
+                  <a16:creationId xmlns:a16="http://schemas.microsoft.com/office/drawing/2014/main" id="{7FDDB6A6-07C9-0565-3487-8D443152A426}"/>
+                </a:ext>
+              </a:extLst>
+            </p:cNvPr>
+            <p:cNvSpPr/>
+            <p:nvPr/>
+          </p:nvSpPr>
+          <p:spPr>
+            <a:xfrm>
+              <a:off x="6616460" y="3234906"/>
+              <a:ext cx="664234" cy="508958"/>
+            </a:xfrm>
+            <a:prstGeom prst="rightArrow">
+              <a:avLst/>
+            </a:prstGeom>
+            <a:solidFill>
+              <a:srgbClr val="FFFF00"/>
+            </a:solidFill>
+          </p:spPr>
+          <p:style>
+            <a:lnRef idx="2">
+              <a:schemeClr val="accent1">
+                <a:shade val="50000"/>
+              </a:schemeClr>
+            </a:lnRef>
+            <a:fillRef idx="1">
+              <a:schemeClr val="accent1"/>
+            </a:fillRef>
+            <a:effectRef idx="0">
+              <a:schemeClr val="accent1"/>
+            </a:effectRef>
+            <a:fontRef idx="minor">
+              <a:schemeClr val="lt1"/>
+            </a:fontRef>
+          </p:style>
+          <p:txBody>
+            <a:bodyPr rtlCol="0" anchor="ctr"/>
+            <a:lstStyle/>
+            <a:p>
+              <a:pPr algn="ctr"/>
+              <a:endParaRPr kumimoji="1" lang="ko-Kore-KR" altLang="en-US" sz="1400" dirty="0">
+                <a:solidFill>
+                  <a:schemeClr val="tx1"/>
+                </a:solidFill>
+              </a:endParaRPr>
+            </a:p>
+          </p:txBody>
+        </p:sp>
+      </p:grpSp>
+      <p:sp>
+        <p:nvSpPr>
+          <p:cNvPr id="18" name="직사각형 17">
+            <a:extLst>
+              <a:ext uri="{FF2B5EF4-FFF2-40B4-BE49-F238E27FC236}">
+                <a16:creationId xmlns:a16="http://schemas.microsoft.com/office/drawing/2014/main" id="{FEB46F77-23D4-B5A0-10E9-81383DF8F86B}"/>
+              </a:ext>
+            </a:extLst>
+          </p:cNvPr>
+          <p:cNvSpPr/>
+          <p:nvPr/>
+        </p:nvSpPr>
+        <p:spPr>
+          <a:xfrm>
+            <a:off x="488959" y="2479666"/>
+            <a:ext cx="6096000" cy="923330"/>
+          </a:xfrm>
+          <a:prstGeom prst="rect">
+            <a:avLst/>
+          </a:prstGeom>
+        </p:spPr>
+        <p:txBody>
+          <a:bodyPr>
+            <a:spAutoFit/>
+          </a:bodyPr>
+          <a:lstStyle/>
+          <a:p>
+            <a:r>
+              <a:rPr lang="en" altLang="ko-Kore-KR" dirty="0">
+                <a:solidFill>
+                  <a:srgbClr val="0000FF"/>
+                </a:solidFill>
+                <a:latin typeface="Consolas" panose="020B0609020204030204" pitchFamily="49" charset="0"/>
+              </a:rPr>
+              <a:t>push</a:t>
+            </a:r>
+            <a:r>
+              <a:rPr lang="en" altLang="ko-Kore-KR" dirty="0">
+                <a:solidFill>
+                  <a:srgbClr val="000000"/>
+                </a:solidFill>
+                <a:latin typeface="Consolas" panose="020B0609020204030204" pitchFamily="49" charset="0"/>
+              </a:rPr>
+              <a:t> </a:t>
+            </a:r>
+            <a:r>
+              <a:rPr lang="en" altLang="ko-Kore-KR" dirty="0">
+                <a:solidFill>
+                  <a:srgbClr val="098658"/>
+                </a:solidFill>
+                <a:latin typeface="Consolas" panose="020B0609020204030204" pitchFamily="49" charset="0"/>
+              </a:rPr>
+              <a:t>20</a:t>
+            </a:r>
+            <a:r>
+              <a:rPr lang="en" altLang="ko-Kore-KR" dirty="0">
+                <a:solidFill>
+                  <a:srgbClr val="000000"/>
+                </a:solidFill>
+                <a:latin typeface="Consolas" panose="020B0609020204030204" pitchFamily="49" charset="0"/>
+              </a:rPr>
+              <a:t> </a:t>
+            </a:r>
+            <a:r>
+              <a:rPr lang="en" altLang="ko-Kore-KR" dirty="0">
+                <a:solidFill>
+                  <a:srgbClr val="008000"/>
+                </a:solidFill>
+                <a:latin typeface="Consolas" panose="020B0609020204030204" pitchFamily="49" charset="0"/>
+              </a:rPr>
+              <a:t>; 00000014H</a:t>
+            </a:r>
+            <a:endParaRPr lang="en" altLang="ko-Kore-KR" dirty="0">
+              <a:solidFill>
+                <a:srgbClr val="000000"/>
+              </a:solidFill>
+              <a:latin typeface="Consolas" panose="020B0609020204030204" pitchFamily="49" charset="0"/>
+            </a:endParaRPr>
+          </a:p>
+          <a:p>
+            <a:r>
+              <a:rPr lang="en" altLang="ko-Kore-KR" dirty="0">
+                <a:solidFill>
+                  <a:srgbClr val="0000FF"/>
+                </a:solidFill>
+                <a:latin typeface="Consolas" panose="020B0609020204030204" pitchFamily="49" charset="0"/>
+              </a:rPr>
+              <a:t>push</a:t>
+            </a:r>
+            <a:r>
+              <a:rPr lang="en" altLang="ko-Kore-KR" dirty="0">
+                <a:solidFill>
+                  <a:srgbClr val="000000"/>
+                </a:solidFill>
+                <a:latin typeface="Consolas" panose="020B0609020204030204" pitchFamily="49" charset="0"/>
+              </a:rPr>
+              <a:t> </a:t>
+            </a:r>
+            <a:r>
+              <a:rPr lang="en" altLang="ko-Kore-KR" dirty="0">
+                <a:solidFill>
+                  <a:srgbClr val="098658"/>
+                </a:solidFill>
+                <a:latin typeface="Consolas" panose="020B0609020204030204" pitchFamily="49" charset="0"/>
+              </a:rPr>
+              <a:t>10</a:t>
+            </a:r>
+            <a:r>
+              <a:rPr lang="en" altLang="ko-Kore-KR" dirty="0">
+                <a:solidFill>
+                  <a:srgbClr val="000000"/>
+                </a:solidFill>
+                <a:latin typeface="Consolas" panose="020B0609020204030204" pitchFamily="49" charset="0"/>
+              </a:rPr>
+              <a:t> </a:t>
+            </a:r>
+            <a:r>
+              <a:rPr lang="en" altLang="ko-Kore-KR" dirty="0">
+                <a:solidFill>
+                  <a:srgbClr val="008000"/>
+                </a:solidFill>
+                <a:latin typeface="Consolas" panose="020B0609020204030204" pitchFamily="49" charset="0"/>
+              </a:rPr>
+              <a:t>; 0000000aH</a:t>
+            </a:r>
+            <a:endParaRPr lang="en" altLang="ko-Kore-KR" dirty="0">
+              <a:solidFill>
+                <a:srgbClr val="000000"/>
+              </a:solidFill>
+              <a:latin typeface="Consolas" panose="020B0609020204030204" pitchFamily="49" charset="0"/>
+            </a:endParaRPr>
+          </a:p>
+          <a:p>
+            <a:r>
+              <a:rPr lang="en" altLang="ko-Kore-KR" dirty="0">
+                <a:solidFill>
+                  <a:srgbClr val="0000FF"/>
+                </a:solidFill>
+                <a:latin typeface="Consolas" panose="020B0609020204030204" pitchFamily="49" charset="0"/>
+              </a:rPr>
+              <a:t>call</a:t>
+            </a:r>
+            <a:r>
+              <a:rPr lang="en" altLang="ko-Kore-KR" dirty="0">
+                <a:solidFill>
+                  <a:srgbClr val="000000"/>
+                </a:solidFill>
+                <a:latin typeface="Consolas" panose="020B0609020204030204" pitchFamily="49" charset="0"/>
+              </a:rPr>
+              <a:t> </a:t>
+            </a:r>
+            <a:r>
+              <a:rPr lang="en" altLang="ko-Kore-KR" dirty="0">
+                <a:solidFill>
+                  <a:srgbClr val="008080"/>
+                </a:solidFill>
+                <a:latin typeface="Consolas" panose="020B0609020204030204" pitchFamily="49" charset="0"/>
+              </a:rPr>
+              <a:t>_add</a:t>
+            </a:r>
+            <a:endParaRPr lang="en" altLang="ko-Kore-KR" b="0" dirty="0">
+              <a:solidFill>
+                <a:srgbClr val="000000"/>
+              </a:solidFill>
+              <a:effectLst/>
+              <a:latin typeface="Consolas" panose="020B0609020204030204" pitchFamily="49" charset="0"/>
+            </a:endParaRPr>
+          </a:p>
+        </p:txBody>
+      </p:sp>
+      <p:sp>
+        <p:nvSpPr>
+          <p:cNvPr id="19" name="직사각형 18">
+            <a:extLst>
+              <a:ext uri="{FF2B5EF4-FFF2-40B4-BE49-F238E27FC236}">
+                <a16:creationId xmlns:a16="http://schemas.microsoft.com/office/drawing/2014/main" id="{52928C06-CC38-D041-A60A-0149DDA42EDE}"/>
+              </a:ext>
+            </a:extLst>
+          </p:cNvPr>
+          <p:cNvSpPr/>
+          <p:nvPr/>
+        </p:nvSpPr>
+        <p:spPr>
+          <a:xfrm>
+            <a:off x="601102" y="3992199"/>
+            <a:ext cx="6096000" cy="2308324"/>
+          </a:xfrm>
+          <a:prstGeom prst="rect">
+            <a:avLst/>
+          </a:prstGeom>
+        </p:spPr>
+        <p:txBody>
+          <a:bodyPr>
+            <a:spAutoFit/>
+          </a:bodyPr>
+          <a:lstStyle/>
+          <a:p>
+            <a:r>
+              <a:rPr lang="en" altLang="ko-Kore-KR" dirty="0">
+                <a:solidFill>
+                  <a:srgbClr val="008080"/>
+                </a:solidFill>
+                <a:latin typeface="Consolas" panose="020B0609020204030204" pitchFamily="49" charset="0"/>
+              </a:rPr>
+              <a:t>_add PROC</a:t>
+            </a:r>
+            <a:endParaRPr lang="en" altLang="ko-Kore-KR" dirty="0">
+              <a:solidFill>
+                <a:srgbClr val="000000"/>
+              </a:solidFill>
+              <a:latin typeface="Consolas" panose="020B0609020204030204" pitchFamily="49" charset="0"/>
+            </a:endParaRPr>
+          </a:p>
+          <a:p>
+            <a:r>
+              <a:rPr lang="en" altLang="ko-Kore-KR" dirty="0">
+                <a:solidFill>
+                  <a:srgbClr val="0000FF"/>
+                </a:solidFill>
+                <a:latin typeface="Consolas" panose="020B0609020204030204" pitchFamily="49" charset="0"/>
+              </a:rPr>
+              <a:t>push</a:t>
+            </a:r>
+            <a:r>
+              <a:rPr lang="en" altLang="ko-Kore-KR" dirty="0">
+                <a:solidFill>
+                  <a:srgbClr val="000000"/>
+                </a:solidFill>
+                <a:latin typeface="Consolas" panose="020B0609020204030204" pitchFamily="49" charset="0"/>
+              </a:rPr>
+              <a:t> </a:t>
+            </a:r>
+            <a:r>
+              <a:rPr lang="en" altLang="ko-Kore-KR" dirty="0" err="1">
+                <a:solidFill>
+                  <a:srgbClr val="4864AA"/>
+                </a:solidFill>
+                <a:latin typeface="Consolas" panose="020B0609020204030204" pitchFamily="49" charset="0"/>
+              </a:rPr>
+              <a:t>ebp</a:t>
+            </a:r>
+            <a:endParaRPr lang="en" altLang="ko-Kore-KR" dirty="0">
+              <a:solidFill>
+                <a:srgbClr val="000000"/>
+              </a:solidFill>
+              <a:latin typeface="Consolas" panose="020B0609020204030204" pitchFamily="49" charset="0"/>
+            </a:endParaRPr>
+          </a:p>
+          <a:p>
+            <a:r>
+              <a:rPr lang="en" altLang="ko-Kore-KR" dirty="0">
+                <a:solidFill>
+                  <a:srgbClr val="0000FF"/>
+                </a:solidFill>
+                <a:latin typeface="Consolas" panose="020B0609020204030204" pitchFamily="49" charset="0"/>
+              </a:rPr>
+              <a:t>mov</a:t>
+            </a:r>
+            <a:r>
+              <a:rPr lang="en" altLang="ko-Kore-KR" dirty="0">
+                <a:solidFill>
+                  <a:srgbClr val="000000"/>
+                </a:solidFill>
+                <a:latin typeface="Consolas" panose="020B0609020204030204" pitchFamily="49" charset="0"/>
+              </a:rPr>
+              <a:t> </a:t>
+            </a:r>
+            <a:r>
+              <a:rPr lang="en" altLang="ko-Kore-KR" dirty="0" err="1">
+                <a:solidFill>
+                  <a:srgbClr val="4864AA"/>
+                </a:solidFill>
+                <a:latin typeface="Consolas" panose="020B0609020204030204" pitchFamily="49" charset="0"/>
+              </a:rPr>
+              <a:t>ebp</a:t>
+            </a:r>
+            <a:r>
+              <a:rPr lang="en" altLang="ko-Kore-KR" dirty="0">
+                <a:solidFill>
+                  <a:srgbClr val="000000"/>
+                </a:solidFill>
+                <a:latin typeface="Consolas" panose="020B0609020204030204" pitchFamily="49" charset="0"/>
+              </a:rPr>
+              <a:t>, </a:t>
+            </a:r>
+            <a:r>
+              <a:rPr lang="en" altLang="ko-Kore-KR" dirty="0" err="1">
+                <a:solidFill>
+                  <a:srgbClr val="4864AA"/>
+                </a:solidFill>
+                <a:latin typeface="Consolas" panose="020B0609020204030204" pitchFamily="49" charset="0"/>
+              </a:rPr>
+              <a:t>esp</a:t>
+            </a:r>
+            <a:r>
+              <a:rPr lang="en" altLang="ko-Kore-KR" dirty="0">
+                <a:solidFill>
+                  <a:srgbClr val="4864AA"/>
+                </a:solidFill>
+                <a:latin typeface="Consolas" panose="020B0609020204030204" pitchFamily="49" charset="0"/>
+              </a:rPr>
+              <a:t>  ; </a:t>
+            </a:r>
+            <a:r>
+              <a:rPr lang="en" altLang="ko-Kore-KR" dirty="0" err="1">
+                <a:solidFill>
+                  <a:srgbClr val="4864AA"/>
+                </a:solidFill>
+                <a:latin typeface="Consolas" panose="020B0609020204030204" pitchFamily="49" charset="0"/>
+              </a:rPr>
+              <a:t>ebp</a:t>
+            </a:r>
+            <a:r>
+              <a:rPr lang="en" altLang="ko-Kore-KR" dirty="0">
+                <a:solidFill>
+                  <a:srgbClr val="4864AA"/>
+                </a:solidFill>
+                <a:latin typeface="Consolas" panose="020B0609020204030204" pitchFamily="49" charset="0"/>
+              </a:rPr>
+              <a:t> = </a:t>
+            </a:r>
+            <a:r>
+              <a:rPr lang="en" altLang="ko-Kore-KR" dirty="0" err="1">
+                <a:solidFill>
+                  <a:srgbClr val="4864AA"/>
+                </a:solidFill>
+                <a:latin typeface="Consolas" panose="020B0609020204030204" pitchFamily="49" charset="0"/>
+              </a:rPr>
+              <a:t>esp</a:t>
+            </a:r>
+            <a:endParaRPr lang="en" altLang="ko-Kore-KR" dirty="0">
+              <a:solidFill>
+                <a:srgbClr val="000000"/>
+              </a:solidFill>
+              <a:latin typeface="Consolas" panose="020B0609020204030204" pitchFamily="49" charset="0"/>
+            </a:endParaRPr>
+          </a:p>
+          <a:p>
+            <a:r>
+              <a:rPr lang="en" altLang="ko-Kore-KR" dirty="0">
+                <a:solidFill>
+                  <a:srgbClr val="0000FF"/>
+                </a:solidFill>
+                <a:latin typeface="Consolas" panose="020B0609020204030204" pitchFamily="49" charset="0"/>
+              </a:rPr>
+              <a:t>mov</a:t>
+            </a:r>
+            <a:r>
+              <a:rPr lang="en" altLang="ko-Kore-KR" dirty="0">
+                <a:solidFill>
+                  <a:srgbClr val="000000"/>
+                </a:solidFill>
+                <a:latin typeface="Consolas" panose="020B0609020204030204" pitchFamily="49" charset="0"/>
+              </a:rPr>
+              <a:t> </a:t>
+            </a:r>
+            <a:r>
+              <a:rPr lang="en" altLang="ko-Kore-KR" dirty="0" err="1">
+                <a:solidFill>
+                  <a:srgbClr val="4864AA"/>
+                </a:solidFill>
+                <a:latin typeface="Consolas" panose="020B0609020204030204" pitchFamily="49" charset="0"/>
+              </a:rPr>
+              <a:t>eax</a:t>
+            </a:r>
+            <a:r>
+              <a:rPr lang="en" altLang="ko-Kore-KR" dirty="0">
+                <a:solidFill>
+                  <a:srgbClr val="000000"/>
+                </a:solidFill>
+                <a:latin typeface="Consolas" panose="020B0609020204030204" pitchFamily="49" charset="0"/>
+              </a:rPr>
+              <a:t>, </a:t>
+            </a:r>
+            <a:r>
+              <a:rPr lang="en" altLang="ko-Kore-KR" dirty="0">
+                <a:solidFill>
+                  <a:srgbClr val="808080"/>
+                </a:solidFill>
+                <a:latin typeface="Consolas" panose="020B0609020204030204" pitchFamily="49" charset="0"/>
+              </a:rPr>
+              <a:t>DWORD</a:t>
+            </a:r>
+            <a:r>
+              <a:rPr lang="en" altLang="ko-Kore-KR" dirty="0">
+                <a:solidFill>
+                  <a:srgbClr val="000000"/>
+                </a:solidFill>
+                <a:latin typeface="Consolas" panose="020B0609020204030204" pitchFamily="49" charset="0"/>
+              </a:rPr>
+              <a:t> </a:t>
+            </a:r>
+            <a:r>
+              <a:rPr lang="en" altLang="ko-Kore-KR" dirty="0">
+                <a:solidFill>
+                  <a:srgbClr val="808080"/>
+                </a:solidFill>
+                <a:latin typeface="Consolas" panose="020B0609020204030204" pitchFamily="49" charset="0"/>
+              </a:rPr>
+              <a:t>PTR</a:t>
+            </a:r>
+            <a:r>
+              <a:rPr lang="en" altLang="ko-Kore-KR" dirty="0">
+                <a:solidFill>
+                  <a:srgbClr val="000000"/>
+                </a:solidFill>
+                <a:latin typeface="Consolas" panose="020B0609020204030204" pitchFamily="49" charset="0"/>
+              </a:rPr>
+              <a:t> </a:t>
+            </a:r>
+            <a:r>
+              <a:rPr lang="en" altLang="ko-Kore-KR" dirty="0">
+                <a:solidFill>
+                  <a:srgbClr val="008080"/>
+                </a:solidFill>
+                <a:latin typeface="Consolas" panose="020B0609020204030204" pitchFamily="49" charset="0"/>
+              </a:rPr>
+              <a:t>_a$</a:t>
+            </a:r>
+            <a:r>
+              <a:rPr lang="en" altLang="ko-Kore-KR" dirty="0">
+                <a:solidFill>
+                  <a:srgbClr val="000000"/>
+                </a:solidFill>
+                <a:latin typeface="Consolas" panose="020B0609020204030204" pitchFamily="49" charset="0"/>
+              </a:rPr>
+              <a:t>[</a:t>
+            </a:r>
+            <a:r>
+              <a:rPr lang="en" altLang="ko-Kore-KR" dirty="0" err="1">
+                <a:solidFill>
+                  <a:srgbClr val="4864AA"/>
+                </a:solidFill>
+                <a:latin typeface="Consolas" panose="020B0609020204030204" pitchFamily="49" charset="0"/>
+              </a:rPr>
+              <a:t>ebp</a:t>
+            </a:r>
+            <a:r>
+              <a:rPr lang="en" altLang="ko-Kore-KR" dirty="0">
+                <a:solidFill>
+                  <a:srgbClr val="000000"/>
+                </a:solidFill>
+                <a:latin typeface="Consolas" panose="020B0609020204030204" pitchFamily="49" charset="0"/>
+              </a:rPr>
+              <a:t>] </a:t>
+            </a:r>
+          </a:p>
+          <a:p>
+            <a:r>
+              <a:rPr lang="en" altLang="ko-Kore-KR" dirty="0">
+                <a:solidFill>
+                  <a:srgbClr val="0000FF"/>
+                </a:solidFill>
+                <a:latin typeface="Consolas" panose="020B0609020204030204" pitchFamily="49" charset="0"/>
+              </a:rPr>
+              <a:t>add</a:t>
+            </a:r>
+            <a:r>
+              <a:rPr lang="en" altLang="ko-Kore-KR" dirty="0">
+                <a:solidFill>
+                  <a:srgbClr val="000000"/>
+                </a:solidFill>
+                <a:latin typeface="Consolas" panose="020B0609020204030204" pitchFamily="49" charset="0"/>
+              </a:rPr>
+              <a:t> </a:t>
+            </a:r>
+            <a:r>
+              <a:rPr lang="en" altLang="ko-Kore-KR" dirty="0" err="1">
+                <a:solidFill>
+                  <a:srgbClr val="4864AA"/>
+                </a:solidFill>
+                <a:latin typeface="Consolas" panose="020B0609020204030204" pitchFamily="49" charset="0"/>
+              </a:rPr>
+              <a:t>eax</a:t>
+            </a:r>
+            <a:r>
+              <a:rPr lang="en" altLang="ko-Kore-KR" dirty="0">
+                <a:solidFill>
+                  <a:srgbClr val="000000"/>
+                </a:solidFill>
+                <a:latin typeface="Consolas" panose="020B0609020204030204" pitchFamily="49" charset="0"/>
+              </a:rPr>
+              <a:t>, </a:t>
+            </a:r>
+            <a:r>
+              <a:rPr lang="en" altLang="ko-Kore-KR" dirty="0">
+                <a:solidFill>
+                  <a:srgbClr val="808080"/>
+                </a:solidFill>
+                <a:latin typeface="Consolas" panose="020B0609020204030204" pitchFamily="49" charset="0"/>
+              </a:rPr>
+              <a:t>DWORD</a:t>
+            </a:r>
+            <a:r>
+              <a:rPr lang="en" altLang="ko-Kore-KR" dirty="0">
+                <a:solidFill>
+                  <a:srgbClr val="000000"/>
+                </a:solidFill>
+                <a:latin typeface="Consolas" panose="020B0609020204030204" pitchFamily="49" charset="0"/>
+              </a:rPr>
+              <a:t> </a:t>
+            </a:r>
+            <a:r>
+              <a:rPr lang="en" altLang="ko-Kore-KR" dirty="0">
+                <a:solidFill>
+                  <a:srgbClr val="808080"/>
+                </a:solidFill>
+                <a:latin typeface="Consolas" panose="020B0609020204030204" pitchFamily="49" charset="0"/>
+              </a:rPr>
+              <a:t>PTR</a:t>
+            </a:r>
+            <a:r>
+              <a:rPr lang="en" altLang="ko-Kore-KR" dirty="0">
+                <a:solidFill>
+                  <a:srgbClr val="000000"/>
+                </a:solidFill>
+                <a:latin typeface="Consolas" panose="020B0609020204030204" pitchFamily="49" charset="0"/>
+              </a:rPr>
+              <a:t> </a:t>
+            </a:r>
+            <a:r>
+              <a:rPr lang="en" altLang="ko-Kore-KR" dirty="0">
+                <a:solidFill>
+                  <a:srgbClr val="008080"/>
+                </a:solidFill>
+                <a:latin typeface="Consolas" panose="020B0609020204030204" pitchFamily="49" charset="0"/>
+              </a:rPr>
+              <a:t>_b$</a:t>
+            </a:r>
+            <a:r>
+              <a:rPr lang="en" altLang="ko-Kore-KR" dirty="0">
+                <a:solidFill>
+                  <a:srgbClr val="000000"/>
+                </a:solidFill>
+                <a:latin typeface="Consolas" panose="020B0609020204030204" pitchFamily="49" charset="0"/>
+              </a:rPr>
+              <a:t>[</a:t>
+            </a:r>
+            <a:r>
+              <a:rPr lang="en" altLang="ko-Kore-KR" dirty="0" err="1">
+                <a:solidFill>
+                  <a:srgbClr val="4864AA"/>
+                </a:solidFill>
+                <a:latin typeface="Consolas" panose="020B0609020204030204" pitchFamily="49" charset="0"/>
+              </a:rPr>
+              <a:t>ebp</a:t>
+            </a:r>
+            <a:r>
+              <a:rPr lang="en" altLang="ko-Kore-KR" dirty="0">
+                <a:solidFill>
+                  <a:srgbClr val="000000"/>
+                </a:solidFill>
+                <a:latin typeface="Consolas" panose="020B0609020204030204" pitchFamily="49" charset="0"/>
+              </a:rPr>
+              <a:t>]</a:t>
+            </a:r>
+          </a:p>
+          <a:p>
+            <a:r>
+              <a:rPr lang="en" altLang="ko-Kore-KR" dirty="0">
+                <a:solidFill>
+                  <a:srgbClr val="0000FF"/>
+                </a:solidFill>
+                <a:latin typeface="Consolas" panose="020B0609020204030204" pitchFamily="49" charset="0"/>
+              </a:rPr>
+              <a:t>pop</a:t>
+            </a:r>
+            <a:r>
+              <a:rPr lang="en" altLang="ko-Kore-KR" dirty="0">
+                <a:solidFill>
+                  <a:srgbClr val="000000"/>
+                </a:solidFill>
+                <a:latin typeface="Consolas" panose="020B0609020204030204" pitchFamily="49" charset="0"/>
+              </a:rPr>
+              <a:t> </a:t>
+            </a:r>
+            <a:r>
+              <a:rPr lang="en" altLang="ko-Kore-KR" dirty="0" err="1">
+                <a:solidFill>
+                  <a:srgbClr val="4864AA"/>
+                </a:solidFill>
+                <a:latin typeface="Consolas" panose="020B0609020204030204" pitchFamily="49" charset="0"/>
+              </a:rPr>
+              <a:t>ebp</a:t>
+            </a:r>
+            <a:endParaRPr lang="en" altLang="ko-Kore-KR" dirty="0">
+              <a:solidFill>
+                <a:srgbClr val="000000"/>
+              </a:solidFill>
+              <a:latin typeface="Consolas" panose="020B0609020204030204" pitchFamily="49" charset="0"/>
+            </a:endParaRPr>
+          </a:p>
+          <a:p>
+            <a:r>
+              <a:rPr lang="en" altLang="ko-Kore-KR" dirty="0">
+                <a:solidFill>
+                  <a:srgbClr val="0000FF"/>
+                </a:solidFill>
+                <a:latin typeface="Consolas" panose="020B0609020204030204" pitchFamily="49" charset="0"/>
+              </a:rPr>
+              <a:t>ret</a:t>
+            </a:r>
+            <a:r>
+              <a:rPr lang="en" altLang="ko-Kore-KR" dirty="0">
+                <a:solidFill>
+                  <a:srgbClr val="000000"/>
+                </a:solidFill>
+                <a:latin typeface="Consolas" panose="020B0609020204030204" pitchFamily="49" charset="0"/>
+              </a:rPr>
+              <a:t> </a:t>
+            </a:r>
+            <a:r>
+              <a:rPr lang="en" altLang="ko-Kore-KR" dirty="0">
+                <a:solidFill>
+                  <a:srgbClr val="098658"/>
+                </a:solidFill>
+                <a:latin typeface="Consolas" panose="020B0609020204030204" pitchFamily="49" charset="0"/>
+              </a:rPr>
+              <a:t>0</a:t>
+            </a:r>
+            <a:endParaRPr lang="en" altLang="ko-Kore-KR" dirty="0">
+              <a:solidFill>
+                <a:srgbClr val="000000"/>
+              </a:solidFill>
+              <a:latin typeface="Consolas" panose="020B0609020204030204" pitchFamily="49" charset="0"/>
+            </a:endParaRPr>
+          </a:p>
+          <a:p>
+            <a:r>
+              <a:rPr lang="en" altLang="ko-Kore-KR" dirty="0">
+                <a:solidFill>
+                  <a:srgbClr val="008080"/>
+                </a:solidFill>
+                <a:latin typeface="Consolas" panose="020B0609020204030204" pitchFamily="49" charset="0"/>
+              </a:rPr>
+              <a:t>_add ENDP</a:t>
+            </a:r>
+            <a:endParaRPr lang="en" altLang="ko-Kore-KR" b="0" dirty="0">
+              <a:solidFill>
+                <a:srgbClr val="000000"/>
+              </a:solidFill>
+              <a:effectLst/>
+              <a:latin typeface="Consolas" panose="020B0609020204030204" pitchFamily="49" charset="0"/>
+            </a:endParaRPr>
+          </a:p>
+        </p:txBody>
+      </p:sp>
+      <p:grpSp>
+        <p:nvGrpSpPr>
+          <p:cNvPr id="20" name="그룹 19">
+            <a:extLst>
+              <a:ext uri="{FF2B5EF4-FFF2-40B4-BE49-F238E27FC236}">
+                <a16:creationId xmlns:a16="http://schemas.microsoft.com/office/drawing/2014/main" id="{7A7F24CA-8727-5792-9488-A40B29C78872}"/>
+              </a:ext>
+            </a:extLst>
+          </p:cNvPr>
+          <p:cNvGrpSpPr/>
+          <p:nvPr/>
+        </p:nvGrpSpPr>
+        <p:grpSpPr>
+          <a:xfrm>
+            <a:off x="6422312" y="6126814"/>
+            <a:ext cx="1147058" cy="508958"/>
+            <a:chOff x="6133636" y="3234906"/>
+            <a:chExt cx="1147058" cy="508958"/>
+          </a:xfrm>
+        </p:grpSpPr>
+        <p:sp>
+          <p:nvSpPr>
+            <p:cNvPr id="21" name="직사각형 20">
+              <a:extLst>
+                <a:ext uri="{FF2B5EF4-FFF2-40B4-BE49-F238E27FC236}">
+                  <a16:creationId xmlns:a16="http://schemas.microsoft.com/office/drawing/2014/main" id="{F442AC1F-8A69-8749-7E49-AA0FD255E4B8}"/>
+                </a:ext>
+              </a:extLst>
+            </p:cNvPr>
+            <p:cNvSpPr/>
+            <p:nvPr/>
+          </p:nvSpPr>
+          <p:spPr>
+            <a:xfrm>
+              <a:off x="6133636" y="3335496"/>
+              <a:ext cx="482824" cy="307777"/>
+            </a:xfrm>
+            <a:prstGeom prst="rect">
+              <a:avLst/>
+            </a:prstGeom>
+          </p:spPr>
+          <p:txBody>
+            <a:bodyPr wrap="none">
+              <a:spAutoFit/>
+            </a:bodyPr>
+            <a:lstStyle/>
+            <a:p>
+              <a:r>
+                <a:rPr lang="en-US" altLang="ko-KR" sz="1400" b="0" dirty="0" err="1">
+                  <a:solidFill>
+                    <a:srgbClr val="4864AA"/>
+                  </a:solidFill>
+                  <a:effectLst/>
+                  <a:latin typeface="Consolas" panose="020B0609020204030204" pitchFamily="49" charset="0"/>
+                </a:rPr>
+                <a:t>ebp</a:t>
+              </a:r>
+              <a:endParaRPr lang="en" altLang="ko-Kore-KR" b="0" dirty="0">
+                <a:solidFill>
+                  <a:srgbClr val="000000"/>
+                </a:solidFill>
+                <a:effectLst/>
+                <a:latin typeface="Consolas" panose="020B0609020204030204" pitchFamily="49" charset="0"/>
+              </a:endParaRPr>
+            </a:p>
+          </p:txBody>
+        </p:sp>
+        <p:sp>
+          <p:nvSpPr>
+            <p:cNvPr id="22" name="오른쪽 화살표[R] 21">
+              <a:extLst>
+                <a:ext uri="{FF2B5EF4-FFF2-40B4-BE49-F238E27FC236}">
+                  <a16:creationId xmlns:a16="http://schemas.microsoft.com/office/drawing/2014/main" id="{5FD92767-CD32-5B8F-6147-483906C848F5}"/>
+                </a:ext>
+              </a:extLst>
+            </p:cNvPr>
+            <p:cNvSpPr/>
+            <p:nvPr/>
+          </p:nvSpPr>
+          <p:spPr>
+            <a:xfrm>
+              <a:off x="6616460" y="3234906"/>
+              <a:ext cx="664234" cy="508958"/>
+            </a:xfrm>
+            <a:prstGeom prst="rightArrow">
+              <a:avLst/>
+            </a:prstGeom>
+            <a:solidFill>
+              <a:srgbClr val="FFFF00"/>
+            </a:solidFill>
+          </p:spPr>
+          <p:style>
+            <a:lnRef idx="2">
+              <a:schemeClr val="accent1">
+                <a:shade val="50000"/>
+              </a:schemeClr>
+            </a:lnRef>
+            <a:fillRef idx="1">
+              <a:schemeClr val="accent1"/>
+            </a:fillRef>
+            <a:effectRef idx="0">
+              <a:schemeClr val="accent1"/>
+            </a:effectRef>
+            <a:fontRef idx="minor">
+              <a:schemeClr val="lt1"/>
+            </a:fontRef>
+          </p:style>
+          <p:txBody>
+            <a:bodyPr rtlCol="0" anchor="ctr"/>
+            <a:lstStyle/>
+            <a:p>
+              <a:pPr algn="ctr"/>
+              <a:endParaRPr kumimoji="1" lang="ko-Kore-KR" altLang="en-US" sz="1400" dirty="0">
+                <a:solidFill>
+                  <a:schemeClr val="tx1"/>
+                </a:solidFill>
+              </a:endParaRPr>
+            </a:p>
+          </p:txBody>
+        </p:sp>
+      </p:grpSp>
+    </p:spTree>
+    <p:extLst>
+      <p:ext uri="{BB962C8B-B14F-4D97-AF65-F5344CB8AC3E}">
+        <p14:creationId xmlns:p14="http://schemas.microsoft.com/office/powerpoint/2010/main" val="209201929"/>
+      </p:ext>
+    </p:extLst>
+  </p:cSld>
+  <p:clrMapOvr>
+    <a:masterClrMapping/>
+  </p:clrMapOvr>
+</p:sld>
+</file>
+
+<file path=ppt/slides/slide7.xml><?xml version="1.0" encoding="utf-8"?>
+<p:sld xmlns:a="http://schemas.openxmlformats.org/drawingml/2006/main" xmlns:r="http://schemas.openxmlformats.org/officeDocument/2006/relationships" xmlns:p="http://schemas.openxmlformats.org/presentationml/2006/main">
+  <p:cSld>
+    <p:spTree>
+      <p:nvGrpSpPr>
+        <p:cNvPr id="1" name=""/>
+        <p:cNvGrpSpPr/>
+        <p:nvPr/>
+      </p:nvGrpSpPr>
+      <p:grpSpPr>
+        <a:xfrm>
+          <a:off x="0" y="0"/>
+          <a:ext cx="0" cy="0"/>
+          <a:chOff x="0" y="0"/>
+          <a:chExt cx="0" cy="0"/>
+        </a:xfrm>
+      </p:grpSpPr>
+      <p:sp>
+        <p:nvSpPr>
+          <p:cNvPr id="4" name="직사각형 3">
+            <a:extLst>
+              <a:ext uri="{FF2B5EF4-FFF2-40B4-BE49-F238E27FC236}">
+                <a16:creationId xmlns:a16="http://schemas.microsoft.com/office/drawing/2014/main" id="{9A4934B8-1414-0461-3F41-4059C994D8C4}"/>
+              </a:ext>
+            </a:extLst>
+          </p:cNvPr>
+          <p:cNvSpPr/>
+          <p:nvPr/>
+        </p:nvSpPr>
+        <p:spPr>
+          <a:xfrm>
+            <a:off x="503207" y="243817"/>
+            <a:ext cx="6096000" cy="4524315"/>
+          </a:xfrm>
+          <a:prstGeom prst="rect">
+            <a:avLst/>
+          </a:prstGeom>
+        </p:spPr>
+        <p:txBody>
+          <a:bodyPr>
+            <a:spAutoFit/>
+          </a:bodyPr>
+          <a:lstStyle/>
+          <a:p>
+            <a:r>
+              <a:rPr lang="en" altLang="ko-Kore-KR" dirty="0">
+                <a:solidFill>
+                  <a:srgbClr val="0000FF"/>
+                </a:solidFill>
+                <a:latin typeface="DM Mono" panose="020B0509040201040103" pitchFamily="49" charset="0"/>
+              </a:rPr>
+              <a:t>void</a:t>
+            </a:r>
+            <a:r>
+              <a:rPr lang="en" altLang="ko-Kore-KR" dirty="0">
+                <a:solidFill>
+                  <a:srgbClr val="000000"/>
+                </a:solidFill>
+                <a:latin typeface="DM Mono" panose="020B0509040201040103" pitchFamily="49" charset="0"/>
+              </a:rPr>
+              <a:t> </a:t>
+            </a:r>
+            <a:r>
+              <a:rPr lang="en" altLang="ko-Kore-KR" dirty="0" err="1">
+                <a:solidFill>
+                  <a:srgbClr val="795E26"/>
+                </a:solidFill>
+                <a:latin typeface="DM Mono" panose="020B0509040201040103" pitchFamily="49" charset="0"/>
+              </a:rPr>
+              <a:t>inc</a:t>
+            </a:r>
+            <a:r>
+              <a:rPr lang="en" altLang="ko-Kore-KR" dirty="0">
+                <a:solidFill>
+                  <a:srgbClr val="000000"/>
+                </a:solidFill>
+                <a:latin typeface="DM Mono" panose="020B0509040201040103" pitchFamily="49" charset="0"/>
+              </a:rPr>
+              <a:t>(</a:t>
+            </a:r>
+            <a:r>
+              <a:rPr lang="en" altLang="ko-Kore-KR" dirty="0">
+                <a:solidFill>
+                  <a:srgbClr val="0000FF"/>
+                </a:solidFill>
+                <a:latin typeface="DM Mono" panose="020B0509040201040103" pitchFamily="49" charset="0"/>
+              </a:rPr>
+              <a:t>int</a:t>
+            </a:r>
+            <a:r>
+              <a:rPr lang="en" altLang="ko-Kore-KR" dirty="0">
+                <a:solidFill>
+                  <a:srgbClr val="000000"/>
+                </a:solidFill>
+                <a:latin typeface="DM Mono" panose="020B0509040201040103" pitchFamily="49" charset="0"/>
+              </a:rPr>
+              <a:t> </a:t>
+            </a:r>
+            <a:r>
+              <a:rPr lang="en" altLang="ko-Kore-KR" dirty="0">
+                <a:solidFill>
+                  <a:srgbClr val="001080"/>
+                </a:solidFill>
+                <a:latin typeface="DM Mono" panose="020B0509040201040103" pitchFamily="49" charset="0"/>
+              </a:rPr>
+              <a:t>n</a:t>
+            </a:r>
+            <a:r>
+              <a:rPr lang="en" altLang="ko-Kore-KR" dirty="0">
+                <a:solidFill>
+                  <a:srgbClr val="000000"/>
+                </a:solidFill>
+                <a:latin typeface="DM Mono" panose="020B0509040201040103" pitchFamily="49" charset="0"/>
+              </a:rPr>
+              <a:t>)</a:t>
+            </a:r>
+          </a:p>
+          <a:p>
+            <a:r>
+              <a:rPr lang="en" altLang="ko-Kore-KR" dirty="0">
+                <a:solidFill>
+                  <a:srgbClr val="000000"/>
+                </a:solidFill>
+                <a:latin typeface="DM Mono" panose="020B0509040201040103" pitchFamily="49" charset="0"/>
+              </a:rPr>
+              <a:t>{</a:t>
+            </a:r>
+          </a:p>
+          <a:p>
+            <a:r>
+              <a:rPr lang="ko-KR" altLang="en-US" dirty="0">
+                <a:solidFill>
+                  <a:srgbClr val="000000"/>
+                </a:solidFill>
+                <a:latin typeface="DM Mono" panose="020B0509040201040103" pitchFamily="49" charset="0"/>
+              </a:rPr>
+              <a:t>  </a:t>
+            </a:r>
+            <a:r>
+              <a:rPr lang="en" altLang="ko-Kore-KR" dirty="0">
+                <a:solidFill>
+                  <a:srgbClr val="000000"/>
+                </a:solidFill>
+                <a:latin typeface="DM Mono" panose="020B0509040201040103" pitchFamily="49" charset="0"/>
+              </a:rPr>
+              <a:t>++</a:t>
+            </a:r>
+            <a:r>
+              <a:rPr lang="en" altLang="ko-Kore-KR" dirty="0">
+                <a:solidFill>
+                  <a:srgbClr val="001080"/>
+                </a:solidFill>
+                <a:latin typeface="DM Mono" panose="020B0509040201040103" pitchFamily="49" charset="0"/>
+              </a:rPr>
+              <a:t>n</a:t>
+            </a:r>
+            <a:r>
+              <a:rPr lang="en" altLang="ko-Kore-KR" dirty="0">
+                <a:solidFill>
+                  <a:srgbClr val="000000"/>
+                </a:solidFill>
+                <a:latin typeface="DM Mono" panose="020B0509040201040103" pitchFamily="49" charset="0"/>
+              </a:rPr>
+              <a:t>;</a:t>
+            </a:r>
+          </a:p>
+          <a:p>
+            <a:r>
+              <a:rPr lang="en" altLang="ko-Kore-KR" dirty="0">
+                <a:solidFill>
+                  <a:srgbClr val="000000"/>
+                </a:solidFill>
+                <a:latin typeface="DM Mono" panose="020B0509040201040103" pitchFamily="49" charset="0"/>
+              </a:rPr>
+              <a:t>}</a:t>
+            </a:r>
+          </a:p>
+          <a:p>
+            <a:br>
+              <a:rPr lang="en" altLang="ko-Kore-KR" dirty="0">
+                <a:solidFill>
+                  <a:srgbClr val="000000"/>
+                </a:solidFill>
+                <a:latin typeface="DM Mono" panose="020B0509040201040103" pitchFamily="49" charset="0"/>
+              </a:rPr>
+            </a:br>
+            <a:r>
+              <a:rPr lang="en" altLang="ko-Kore-KR" dirty="0">
+                <a:solidFill>
+                  <a:srgbClr val="0000FF"/>
+                </a:solidFill>
+                <a:latin typeface="DM Mono" panose="020B0509040201040103" pitchFamily="49" charset="0"/>
+              </a:rPr>
+              <a:t>int</a:t>
+            </a:r>
+            <a:r>
+              <a:rPr lang="en" altLang="ko-Kore-KR" dirty="0">
+                <a:solidFill>
+                  <a:srgbClr val="000000"/>
+                </a:solidFill>
+                <a:latin typeface="DM Mono" panose="020B0509040201040103" pitchFamily="49" charset="0"/>
+              </a:rPr>
+              <a:t> </a:t>
+            </a:r>
+            <a:r>
+              <a:rPr lang="en" altLang="ko-Kore-KR" dirty="0">
+                <a:solidFill>
+                  <a:srgbClr val="795E26"/>
+                </a:solidFill>
+                <a:latin typeface="DM Mono" panose="020B0509040201040103" pitchFamily="49" charset="0"/>
+              </a:rPr>
+              <a:t>main</a:t>
+            </a:r>
+            <a:r>
+              <a:rPr lang="en" altLang="ko-Kore-KR" dirty="0">
+                <a:solidFill>
+                  <a:srgbClr val="000000"/>
+                </a:solidFill>
+                <a:latin typeface="DM Mono" panose="020B0509040201040103" pitchFamily="49" charset="0"/>
+              </a:rPr>
+              <a:t>(</a:t>
+            </a:r>
+            <a:r>
+              <a:rPr lang="en" altLang="ko-Kore-KR" dirty="0">
+                <a:solidFill>
+                  <a:srgbClr val="0000FF"/>
+                </a:solidFill>
+                <a:latin typeface="DM Mono" panose="020B0509040201040103" pitchFamily="49" charset="0"/>
+              </a:rPr>
+              <a:t>void</a:t>
+            </a:r>
+            <a:r>
+              <a:rPr lang="en" altLang="ko-Kore-KR" dirty="0">
+                <a:solidFill>
+                  <a:srgbClr val="000000"/>
+                </a:solidFill>
+                <a:latin typeface="DM Mono" panose="020B0509040201040103" pitchFamily="49" charset="0"/>
+              </a:rPr>
+              <a:t>)</a:t>
+            </a:r>
+          </a:p>
+          <a:p>
+            <a:r>
+              <a:rPr lang="en" altLang="ko-Kore-KR" dirty="0">
+                <a:solidFill>
+                  <a:srgbClr val="000000"/>
+                </a:solidFill>
+                <a:latin typeface="DM Mono" panose="020B0509040201040103" pitchFamily="49" charset="0"/>
+              </a:rPr>
+              <a:t>{</a:t>
+            </a:r>
+          </a:p>
+          <a:p>
+            <a:r>
+              <a:rPr lang="ko-KR" altLang="en-US" dirty="0">
+                <a:solidFill>
+                  <a:srgbClr val="0000FF"/>
+                </a:solidFill>
+                <a:latin typeface="DM Mono" panose="020B0509040201040103" pitchFamily="49" charset="0"/>
+              </a:rPr>
+              <a:t>  </a:t>
+            </a:r>
+            <a:r>
+              <a:rPr lang="en" altLang="ko-Kore-KR" dirty="0">
+                <a:solidFill>
+                  <a:srgbClr val="0000FF"/>
+                </a:solidFill>
+                <a:latin typeface="DM Mono" panose="020B0509040201040103" pitchFamily="49" charset="0"/>
+              </a:rPr>
+              <a:t>int</a:t>
+            </a:r>
+            <a:r>
+              <a:rPr lang="en" altLang="ko-Kore-KR" dirty="0">
+                <a:solidFill>
+                  <a:srgbClr val="000000"/>
+                </a:solidFill>
+                <a:latin typeface="DM Mono" panose="020B0509040201040103" pitchFamily="49" charset="0"/>
+              </a:rPr>
+              <a:t> </a:t>
+            </a:r>
+            <a:r>
+              <a:rPr lang="en" altLang="ko-Kore-KR" dirty="0">
+                <a:solidFill>
+                  <a:srgbClr val="001080"/>
+                </a:solidFill>
+                <a:latin typeface="DM Mono" panose="020B0509040201040103" pitchFamily="49" charset="0"/>
+              </a:rPr>
+              <a:t>n</a:t>
+            </a:r>
+            <a:r>
+              <a:rPr lang="en" altLang="ko-Kore-KR" dirty="0">
+                <a:solidFill>
+                  <a:srgbClr val="000000"/>
+                </a:solidFill>
+                <a:latin typeface="DM Mono" panose="020B0509040201040103" pitchFamily="49" charset="0"/>
+              </a:rPr>
+              <a:t> = </a:t>
+            </a:r>
+            <a:r>
+              <a:rPr lang="en" altLang="ko-Kore-KR" dirty="0">
+                <a:solidFill>
+                  <a:srgbClr val="098658"/>
+                </a:solidFill>
+                <a:latin typeface="DM Mono" panose="020B0509040201040103" pitchFamily="49" charset="0"/>
+              </a:rPr>
+              <a:t>0</a:t>
+            </a:r>
+            <a:r>
+              <a:rPr lang="en" altLang="ko-Kore-KR" dirty="0">
+                <a:solidFill>
+                  <a:srgbClr val="000000"/>
+                </a:solidFill>
+                <a:latin typeface="DM Mono" panose="020B0509040201040103" pitchFamily="49" charset="0"/>
+              </a:rPr>
+              <a:t>;</a:t>
+            </a:r>
+          </a:p>
+          <a:p>
+            <a:r>
+              <a:rPr lang="ko-KR" altLang="en-US" dirty="0">
+                <a:solidFill>
+                  <a:srgbClr val="795E26"/>
+                </a:solidFill>
+                <a:latin typeface="DM Mono" panose="020B0509040201040103" pitchFamily="49" charset="0"/>
+              </a:rPr>
+              <a:t>  </a:t>
+            </a:r>
+            <a:r>
+              <a:rPr lang="en" altLang="ko-Kore-KR" dirty="0" err="1">
+                <a:solidFill>
+                  <a:srgbClr val="795E26"/>
+                </a:solidFill>
+                <a:latin typeface="DM Mono" panose="020B0509040201040103" pitchFamily="49" charset="0"/>
+              </a:rPr>
+              <a:t>inc</a:t>
+            </a:r>
+            <a:r>
+              <a:rPr lang="en" altLang="ko-Kore-KR" dirty="0">
+                <a:solidFill>
+                  <a:srgbClr val="000000"/>
+                </a:solidFill>
+                <a:latin typeface="DM Mono" panose="020B0509040201040103" pitchFamily="49" charset="0"/>
+              </a:rPr>
+              <a:t>(</a:t>
+            </a:r>
+            <a:r>
+              <a:rPr lang="en" altLang="ko-Kore-KR" dirty="0">
+                <a:solidFill>
+                  <a:srgbClr val="001080"/>
+                </a:solidFill>
+                <a:latin typeface="DM Mono" panose="020B0509040201040103" pitchFamily="49" charset="0"/>
+              </a:rPr>
+              <a:t>n</a:t>
+            </a:r>
+            <a:r>
+              <a:rPr lang="en" altLang="ko-Kore-KR" dirty="0">
+                <a:solidFill>
+                  <a:srgbClr val="000000"/>
+                </a:solidFill>
+                <a:latin typeface="DM Mono" panose="020B0509040201040103" pitchFamily="49" charset="0"/>
+              </a:rPr>
+              <a:t>);</a:t>
+            </a:r>
+          </a:p>
+          <a:p>
+            <a:r>
+              <a:rPr lang="ko-KR" altLang="en-US" dirty="0">
+                <a:solidFill>
+                  <a:srgbClr val="795E26"/>
+                </a:solidFill>
+                <a:latin typeface="DM Mono" panose="020B0509040201040103" pitchFamily="49" charset="0"/>
+              </a:rPr>
+              <a:t>  </a:t>
+            </a:r>
+            <a:r>
+              <a:rPr lang="en" altLang="ko-Kore-KR" dirty="0" err="1">
+                <a:solidFill>
+                  <a:srgbClr val="795E26"/>
+                </a:solidFill>
+                <a:latin typeface="DM Mono" panose="020B0509040201040103" pitchFamily="49" charset="0"/>
+              </a:rPr>
+              <a:t>inc</a:t>
+            </a:r>
+            <a:r>
+              <a:rPr lang="en" altLang="ko-Kore-KR" dirty="0">
+                <a:solidFill>
+                  <a:srgbClr val="000000"/>
+                </a:solidFill>
+                <a:latin typeface="DM Mono" panose="020B0509040201040103" pitchFamily="49" charset="0"/>
+              </a:rPr>
+              <a:t>(</a:t>
+            </a:r>
+            <a:r>
+              <a:rPr lang="en" altLang="ko-Kore-KR" dirty="0">
+                <a:solidFill>
+                  <a:srgbClr val="001080"/>
+                </a:solidFill>
+                <a:latin typeface="DM Mono" panose="020B0509040201040103" pitchFamily="49" charset="0"/>
+              </a:rPr>
+              <a:t>n</a:t>
+            </a:r>
+            <a:r>
+              <a:rPr lang="en" altLang="ko-Kore-KR" dirty="0">
+                <a:solidFill>
+                  <a:srgbClr val="000000"/>
+                </a:solidFill>
+                <a:latin typeface="DM Mono" panose="020B0509040201040103" pitchFamily="49" charset="0"/>
+              </a:rPr>
+              <a:t>);</a:t>
+            </a:r>
+          </a:p>
+          <a:p>
+            <a:r>
+              <a:rPr lang="ko-KR" altLang="en-US" dirty="0">
+                <a:solidFill>
+                  <a:srgbClr val="795E26"/>
+                </a:solidFill>
+                <a:latin typeface="DM Mono" panose="020B0509040201040103" pitchFamily="49" charset="0"/>
+              </a:rPr>
+              <a:t>  </a:t>
+            </a:r>
+            <a:r>
+              <a:rPr lang="en" altLang="ko-Kore-KR" dirty="0" err="1">
+                <a:solidFill>
+                  <a:srgbClr val="795E26"/>
+                </a:solidFill>
+                <a:latin typeface="DM Mono" panose="020B0509040201040103" pitchFamily="49" charset="0"/>
+              </a:rPr>
+              <a:t>inc</a:t>
+            </a:r>
+            <a:r>
+              <a:rPr lang="en" altLang="ko-Kore-KR" dirty="0">
+                <a:solidFill>
+                  <a:srgbClr val="000000"/>
+                </a:solidFill>
+                <a:latin typeface="DM Mono" panose="020B0509040201040103" pitchFamily="49" charset="0"/>
+              </a:rPr>
+              <a:t>(</a:t>
+            </a:r>
+            <a:r>
+              <a:rPr lang="en" altLang="ko-Kore-KR" dirty="0">
+                <a:solidFill>
+                  <a:srgbClr val="001080"/>
+                </a:solidFill>
+                <a:latin typeface="DM Mono" panose="020B0509040201040103" pitchFamily="49" charset="0"/>
+              </a:rPr>
+              <a:t>n</a:t>
+            </a:r>
+            <a:r>
+              <a:rPr lang="en" altLang="ko-Kore-KR" dirty="0">
+                <a:solidFill>
+                  <a:srgbClr val="000000"/>
+                </a:solidFill>
+                <a:latin typeface="DM Mono" panose="020B0509040201040103" pitchFamily="49" charset="0"/>
+              </a:rPr>
+              <a:t>);</a:t>
+            </a:r>
+          </a:p>
+          <a:p>
+            <a:br>
+              <a:rPr lang="en" altLang="ko-Kore-KR" dirty="0">
+                <a:solidFill>
+                  <a:srgbClr val="000000"/>
+                </a:solidFill>
+                <a:latin typeface="DM Mono" panose="020B0509040201040103" pitchFamily="49" charset="0"/>
+              </a:rPr>
+            </a:br>
+            <a:r>
+              <a:rPr lang="ko-KR" altLang="en-US" dirty="0">
+                <a:solidFill>
+                  <a:srgbClr val="000000"/>
+                </a:solidFill>
+                <a:latin typeface="DM Mono" panose="020B0509040201040103" pitchFamily="49" charset="0"/>
+              </a:rPr>
+              <a:t>  </a:t>
+            </a:r>
+            <a:r>
+              <a:rPr lang="en" altLang="ko-Kore-KR" dirty="0" err="1">
+                <a:solidFill>
+                  <a:srgbClr val="795E26"/>
+                </a:solidFill>
+                <a:latin typeface="DM Mono" panose="020B0509040201040103" pitchFamily="49" charset="0"/>
+              </a:rPr>
+              <a:t>printf</a:t>
+            </a:r>
+            <a:r>
+              <a:rPr lang="en" altLang="ko-Kore-KR" dirty="0">
+                <a:solidFill>
+                  <a:srgbClr val="000000"/>
+                </a:solidFill>
+                <a:latin typeface="DM Mono" panose="020B0509040201040103" pitchFamily="49" charset="0"/>
+              </a:rPr>
+              <a:t>(</a:t>
+            </a:r>
+            <a:r>
+              <a:rPr lang="en" altLang="ko-Kore-KR" dirty="0">
+                <a:solidFill>
+                  <a:srgbClr val="A31515"/>
+                </a:solidFill>
+                <a:latin typeface="DM Mono" panose="020B0509040201040103" pitchFamily="49" charset="0"/>
+              </a:rPr>
+              <a:t>"n: </a:t>
+            </a:r>
+            <a:r>
+              <a:rPr lang="en" altLang="ko-Kore-KR" dirty="0">
+                <a:solidFill>
+                  <a:srgbClr val="001080"/>
+                </a:solidFill>
+                <a:latin typeface="DM Mono" panose="020B0509040201040103" pitchFamily="49" charset="0"/>
+              </a:rPr>
+              <a:t>%d</a:t>
+            </a:r>
+            <a:r>
+              <a:rPr lang="en" altLang="ko-Kore-KR" dirty="0">
+                <a:solidFill>
+                  <a:srgbClr val="EE0000"/>
+                </a:solidFill>
+                <a:latin typeface="DM Mono" panose="020B0509040201040103" pitchFamily="49" charset="0"/>
+              </a:rPr>
+              <a:t>\n</a:t>
+            </a:r>
+            <a:r>
+              <a:rPr lang="en" altLang="ko-Kore-KR" dirty="0">
+                <a:solidFill>
+                  <a:srgbClr val="A31515"/>
+                </a:solidFill>
+                <a:latin typeface="DM Mono" panose="020B0509040201040103" pitchFamily="49" charset="0"/>
+              </a:rPr>
+              <a:t>"</a:t>
+            </a:r>
+            <a:r>
+              <a:rPr lang="en" altLang="ko-Kore-KR" dirty="0">
+                <a:solidFill>
+                  <a:srgbClr val="000000"/>
+                </a:solidFill>
+                <a:latin typeface="DM Mono" panose="020B0509040201040103" pitchFamily="49" charset="0"/>
+              </a:rPr>
+              <a:t>, </a:t>
+            </a:r>
+            <a:r>
+              <a:rPr lang="en" altLang="ko-Kore-KR" dirty="0">
+                <a:solidFill>
+                  <a:srgbClr val="001080"/>
+                </a:solidFill>
+                <a:latin typeface="DM Mono" panose="020B0509040201040103" pitchFamily="49" charset="0"/>
+              </a:rPr>
+              <a:t>n</a:t>
+            </a:r>
+            <a:r>
+              <a:rPr lang="en" altLang="ko-Kore-KR" dirty="0">
+                <a:solidFill>
+                  <a:srgbClr val="000000"/>
+                </a:solidFill>
+                <a:latin typeface="DM Mono" panose="020B0509040201040103" pitchFamily="49" charset="0"/>
+              </a:rPr>
+              <a:t>);</a:t>
+            </a:r>
+          </a:p>
+          <a:p>
+            <a:br>
+              <a:rPr lang="en" altLang="ko-Kore-KR" dirty="0">
+                <a:solidFill>
+                  <a:srgbClr val="000000"/>
+                </a:solidFill>
+                <a:latin typeface="DM Mono" panose="020B0509040201040103" pitchFamily="49" charset="0"/>
+              </a:rPr>
+            </a:br>
+            <a:r>
+              <a:rPr lang="ko-KR" altLang="en-US" dirty="0">
+                <a:solidFill>
+                  <a:srgbClr val="000000"/>
+                </a:solidFill>
+                <a:latin typeface="DM Mono" panose="020B0509040201040103" pitchFamily="49" charset="0"/>
+              </a:rPr>
+              <a:t>  </a:t>
+            </a:r>
+            <a:r>
+              <a:rPr lang="en" altLang="ko-Kore-KR" dirty="0">
+                <a:solidFill>
+                  <a:srgbClr val="AF00DB"/>
+                </a:solidFill>
+                <a:latin typeface="DM Mono" panose="020B0509040201040103" pitchFamily="49" charset="0"/>
+              </a:rPr>
+              <a:t>return</a:t>
+            </a:r>
+            <a:r>
+              <a:rPr lang="en" altLang="ko-Kore-KR" dirty="0">
+                <a:solidFill>
+                  <a:srgbClr val="000000"/>
+                </a:solidFill>
+                <a:latin typeface="DM Mono" panose="020B0509040201040103" pitchFamily="49" charset="0"/>
+              </a:rPr>
+              <a:t> </a:t>
+            </a:r>
+            <a:r>
+              <a:rPr lang="en" altLang="ko-Kore-KR" dirty="0">
+                <a:solidFill>
+                  <a:srgbClr val="098658"/>
+                </a:solidFill>
+                <a:latin typeface="DM Mono" panose="020B0509040201040103" pitchFamily="49" charset="0"/>
+              </a:rPr>
+              <a:t>0</a:t>
+            </a:r>
+            <a:r>
+              <a:rPr lang="en" altLang="ko-Kore-KR" dirty="0">
+                <a:solidFill>
+                  <a:srgbClr val="000000"/>
+                </a:solidFill>
+                <a:latin typeface="DM Mono" panose="020B0509040201040103" pitchFamily="49" charset="0"/>
+              </a:rPr>
+              <a:t>;</a:t>
+            </a:r>
+          </a:p>
+          <a:p>
+            <a:r>
+              <a:rPr lang="en" altLang="ko-Kore-KR" dirty="0">
+                <a:solidFill>
+                  <a:srgbClr val="000000"/>
+                </a:solidFill>
+                <a:latin typeface="DM Mono" panose="020B0509040201040103" pitchFamily="49" charset="0"/>
+              </a:rPr>
+              <a:t>}</a:t>
+            </a:r>
+            <a:endParaRPr lang="en" altLang="ko-Kore-KR" b="0" dirty="0">
+              <a:solidFill>
+                <a:srgbClr val="000000"/>
+              </a:solidFill>
+              <a:effectLst/>
+              <a:latin typeface="DM Mono" panose="020B0509040201040103" pitchFamily="49" charset="0"/>
+            </a:endParaRPr>
+          </a:p>
+        </p:txBody>
+      </p:sp>
+      <p:sp>
+        <p:nvSpPr>
+          <p:cNvPr id="5" name="직사각형 4">
+            <a:extLst>
+              <a:ext uri="{FF2B5EF4-FFF2-40B4-BE49-F238E27FC236}">
+                <a16:creationId xmlns:a16="http://schemas.microsoft.com/office/drawing/2014/main" id="{33BFE9EC-6B2A-7FB0-09F1-28818F8ABDB0}"/>
+              </a:ext>
+            </a:extLst>
+          </p:cNvPr>
+          <p:cNvSpPr/>
+          <p:nvPr/>
+        </p:nvSpPr>
+        <p:spPr>
+          <a:xfrm>
+            <a:off x="5313871" y="2426179"/>
+            <a:ext cx="3234906" cy="2005641"/>
+          </a:xfrm>
+          <a:prstGeom prst="rect">
+            <a:avLst/>
+          </a:prstGeom>
+        </p:spPr>
+        <p:style>
+          <a:lnRef idx="2">
+            <a:schemeClr val="accent4"/>
+          </a:lnRef>
+          <a:fillRef idx="1">
+            <a:schemeClr val="lt1"/>
+          </a:fillRef>
+          <a:effectRef idx="0">
+            <a:schemeClr val="accent4"/>
+          </a:effectRef>
+          <a:fontRef idx="minor">
+            <a:schemeClr val="dk1"/>
+          </a:fontRef>
+        </p:style>
+        <p:txBody>
+          <a:bodyPr rtlCol="0" anchor="ctr"/>
+          <a:lstStyle/>
+          <a:p>
+            <a:pPr algn="ctr"/>
+            <a:endParaRPr kumimoji="1" lang="ko-Kore-KR" altLang="en-US" sz="1400" dirty="0">
+              <a:solidFill>
+                <a:schemeClr val="tx1"/>
+              </a:solidFill>
+            </a:endParaRPr>
+          </a:p>
+        </p:txBody>
+      </p:sp>
+      <p:sp>
+        <p:nvSpPr>
+          <p:cNvPr id="6" name="직사각형 5">
+            <a:extLst>
+              <a:ext uri="{FF2B5EF4-FFF2-40B4-BE49-F238E27FC236}">
+                <a16:creationId xmlns:a16="http://schemas.microsoft.com/office/drawing/2014/main" id="{838AE3EA-344C-72A8-C901-D4AEA4E5D6EB}"/>
+              </a:ext>
+            </a:extLst>
+          </p:cNvPr>
+          <p:cNvSpPr/>
+          <p:nvPr/>
+        </p:nvSpPr>
+        <p:spPr>
+          <a:xfrm>
+            <a:off x="6563274" y="2056847"/>
+            <a:ext cx="736099" cy="369332"/>
+          </a:xfrm>
+          <a:prstGeom prst="rect">
+            <a:avLst/>
+          </a:prstGeom>
+        </p:spPr>
+        <p:txBody>
+          <a:bodyPr wrap="none">
+            <a:spAutoFit/>
+          </a:bodyPr>
+          <a:lstStyle/>
+          <a:p>
+            <a:r>
+              <a:rPr lang="en" altLang="ko-Kore-KR" dirty="0">
+                <a:solidFill>
+                  <a:srgbClr val="795E26"/>
+                </a:solidFill>
+                <a:latin typeface="DM Mono" panose="020B0509040201040103" pitchFamily="49" charset="0"/>
+              </a:rPr>
+              <a:t>main</a:t>
+            </a:r>
+            <a:endParaRPr lang="ko-Kore-KR" altLang="en-US" dirty="0"/>
+          </a:p>
+        </p:txBody>
+      </p:sp>
+      <p:sp>
+        <p:nvSpPr>
+          <p:cNvPr id="9" name="직사각형 8">
+            <a:extLst>
+              <a:ext uri="{FF2B5EF4-FFF2-40B4-BE49-F238E27FC236}">
+                <a16:creationId xmlns:a16="http://schemas.microsoft.com/office/drawing/2014/main" id="{D8E8242F-786A-D361-9CF7-05FEABB19425}"/>
+              </a:ext>
+            </a:extLst>
+          </p:cNvPr>
+          <p:cNvSpPr/>
+          <p:nvPr/>
+        </p:nvSpPr>
+        <p:spPr>
+          <a:xfrm>
+            <a:off x="5826393" y="2650561"/>
+            <a:ext cx="539902" cy="420443"/>
+          </a:xfrm>
+          <a:prstGeom prst="rect">
+            <a:avLst/>
+          </a:prstGeom>
+          <a:solidFill>
+            <a:srgbClr val="FFFF00"/>
+          </a:solidFill>
+        </p:spPr>
+        <p:style>
+          <a:lnRef idx="2">
+            <a:schemeClr val="accent1">
+              <a:shade val="50000"/>
+            </a:schemeClr>
+          </a:lnRef>
+          <a:fillRef idx="1">
+            <a:schemeClr val="accent1"/>
+          </a:fillRef>
+          <a:effectRef idx="0">
+            <a:schemeClr val="accent1"/>
+          </a:effectRef>
+          <a:fontRef idx="minor">
+            <a:schemeClr val="lt1"/>
+          </a:fontRef>
+        </p:style>
+        <p:txBody>
+          <a:bodyPr rtlCol="0" anchor="ctr"/>
+          <a:lstStyle/>
+          <a:p>
+            <a:pPr algn="ctr"/>
+            <a:r>
+              <a:rPr kumimoji="1" lang="en-US" altLang="ko-Kore-KR" sz="1400" dirty="0">
+                <a:solidFill>
+                  <a:schemeClr val="tx1"/>
+                </a:solidFill>
+              </a:rPr>
+              <a:t>0</a:t>
+            </a:r>
+            <a:endParaRPr kumimoji="1" lang="ko-Kore-KR" altLang="en-US" sz="1400" dirty="0">
+              <a:solidFill>
+                <a:schemeClr val="tx1"/>
+              </a:solidFill>
+            </a:endParaRPr>
+          </a:p>
+        </p:txBody>
+      </p:sp>
+      <p:sp>
+        <p:nvSpPr>
+          <p:cNvPr id="10" name="직사각형 9">
+            <a:extLst>
+              <a:ext uri="{FF2B5EF4-FFF2-40B4-BE49-F238E27FC236}">
+                <a16:creationId xmlns:a16="http://schemas.microsoft.com/office/drawing/2014/main" id="{BDB63C11-50FC-891E-637A-496636173328}"/>
+              </a:ext>
+            </a:extLst>
+          </p:cNvPr>
+          <p:cNvSpPr/>
+          <p:nvPr/>
+        </p:nvSpPr>
+        <p:spPr>
+          <a:xfrm>
+            <a:off x="5552752" y="2676116"/>
+            <a:ext cx="322524" cy="369332"/>
+          </a:xfrm>
+          <a:prstGeom prst="rect">
+            <a:avLst/>
+          </a:prstGeom>
+        </p:spPr>
+        <p:txBody>
+          <a:bodyPr wrap="none">
+            <a:spAutoFit/>
+          </a:bodyPr>
+          <a:lstStyle/>
+          <a:p>
+            <a:r>
+              <a:rPr lang="en" altLang="ko-Kore-KR" dirty="0">
+                <a:solidFill>
+                  <a:srgbClr val="001080"/>
+                </a:solidFill>
+                <a:latin typeface="DM Mono" panose="020B0509040201040103" pitchFamily="49" charset="0"/>
+              </a:rPr>
+              <a:t>n</a:t>
+            </a:r>
+            <a:endParaRPr lang="ko-Kore-KR" altLang="en-US" dirty="0"/>
+          </a:p>
+        </p:txBody>
+      </p:sp>
+    </p:spTree>
+    <p:extLst>
+      <p:ext uri="{BB962C8B-B14F-4D97-AF65-F5344CB8AC3E}">
+        <p14:creationId xmlns:p14="http://schemas.microsoft.com/office/powerpoint/2010/main" val="2194046942"/>
+      </p:ext>
+    </p:extLst>
+  </p:cSld>
+  <p:clrMapOvr>
+    <a:masterClrMapping/>
+  </p:clrMapOvr>
+</p:sld>
+</file>
+
+<file path=ppt/slides/slide8.xml><?xml version="1.0" encoding="utf-8"?>
+<p:sld xmlns:a="http://schemas.openxmlformats.org/drawingml/2006/main" xmlns:r="http://schemas.openxmlformats.org/officeDocument/2006/relationships" xmlns:p="http://schemas.openxmlformats.org/presentationml/2006/main">
+  <p:cSld>
+    <p:spTree>
+      <p:nvGrpSpPr>
+        <p:cNvPr id="1" name=""/>
+        <p:cNvGrpSpPr/>
+        <p:nvPr/>
+      </p:nvGrpSpPr>
+      <p:grpSpPr>
+        <a:xfrm>
+          <a:off x="0" y="0"/>
+          <a:ext cx="0" cy="0"/>
+          <a:chOff x="0" y="0"/>
+          <a:chExt cx="0" cy="0"/>
+        </a:xfrm>
+      </p:grpSpPr>
+      <p:sp>
+        <p:nvSpPr>
+          <p:cNvPr id="5" name="직사각형 4">
+            <a:extLst>
+              <a:ext uri="{FF2B5EF4-FFF2-40B4-BE49-F238E27FC236}">
+                <a16:creationId xmlns:a16="http://schemas.microsoft.com/office/drawing/2014/main" id="{33BFE9EC-6B2A-7FB0-09F1-28818F8ABDB0}"/>
+              </a:ext>
+            </a:extLst>
+          </p:cNvPr>
+          <p:cNvSpPr/>
+          <p:nvPr/>
+        </p:nvSpPr>
+        <p:spPr>
+          <a:xfrm>
+            <a:off x="5435227" y="2464547"/>
+            <a:ext cx="3234906" cy="2005641"/>
+          </a:xfrm>
+          <a:prstGeom prst="rect">
+            <a:avLst/>
+          </a:prstGeom>
+        </p:spPr>
+        <p:style>
+          <a:lnRef idx="2">
+            <a:schemeClr val="accent4"/>
+          </a:lnRef>
+          <a:fillRef idx="1">
+            <a:schemeClr val="lt1"/>
+          </a:fillRef>
+          <a:effectRef idx="0">
+            <a:schemeClr val="accent4"/>
+          </a:effectRef>
+          <a:fontRef idx="minor">
+            <a:schemeClr val="dk1"/>
+          </a:fontRef>
+        </p:style>
+        <p:txBody>
+          <a:bodyPr rtlCol="0" anchor="ctr"/>
+          <a:lstStyle/>
+          <a:p>
+            <a:pPr algn="ctr"/>
+            <a:endParaRPr kumimoji="1" lang="ko-Kore-KR" altLang="en-US" sz="1400" dirty="0">
+              <a:solidFill>
+                <a:schemeClr val="tx1"/>
+              </a:solidFill>
+            </a:endParaRPr>
+          </a:p>
+        </p:txBody>
+      </p:sp>
+      <p:sp>
+        <p:nvSpPr>
+          <p:cNvPr id="6" name="직사각형 5">
+            <a:extLst>
+              <a:ext uri="{FF2B5EF4-FFF2-40B4-BE49-F238E27FC236}">
+                <a16:creationId xmlns:a16="http://schemas.microsoft.com/office/drawing/2014/main" id="{838AE3EA-344C-72A8-C901-D4AEA4E5D6EB}"/>
+              </a:ext>
+            </a:extLst>
+          </p:cNvPr>
+          <p:cNvSpPr/>
+          <p:nvPr/>
+        </p:nvSpPr>
+        <p:spPr>
+          <a:xfrm>
+            <a:off x="6563274" y="2056847"/>
+            <a:ext cx="736099" cy="369332"/>
+          </a:xfrm>
+          <a:prstGeom prst="rect">
+            <a:avLst/>
+          </a:prstGeom>
+        </p:spPr>
+        <p:txBody>
+          <a:bodyPr wrap="none">
+            <a:spAutoFit/>
+          </a:bodyPr>
+          <a:lstStyle/>
+          <a:p>
+            <a:r>
+              <a:rPr lang="en" altLang="ko-Kore-KR" dirty="0">
+                <a:solidFill>
+                  <a:srgbClr val="795E26"/>
+                </a:solidFill>
+                <a:latin typeface="DM Mono" panose="020B0509040201040103" pitchFamily="49" charset="0"/>
+              </a:rPr>
+              <a:t>main</a:t>
+            </a:r>
+            <a:endParaRPr lang="ko-Kore-KR" altLang="en-US" dirty="0"/>
+          </a:p>
+        </p:txBody>
+      </p:sp>
+      <p:sp>
+        <p:nvSpPr>
+          <p:cNvPr id="9" name="직사각형 8">
+            <a:extLst>
+              <a:ext uri="{FF2B5EF4-FFF2-40B4-BE49-F238E27FC236}">
+                <a16:creationId xmlns:a16="http://schemas.microsoft.com/office/drawing/2014/main" id="{D8E8242F-786A-D361-9CF7-05FEABB19425}"/>
+              </a:ext>
+            </a:extLst>
+          </p:cNvPr>
+          <p:cNvSpPr/>
+          <p:nvPr/>
+        </p:nvSpPr>
+        <p:spPr>
+          <a:xfrm>
+            <a:off x="5826393" y="2650561"/>
+            <a:ext cx="539902" cy="420443"/>
+          </a:xfrm>
+          <a:prstGeom prst="rect">
+            <a:avLst/>
+          </a:prstGeom>
+          <a:solidFill>
+            <a:srgbClr val="FFFF00"/>
+          </a:solidFill>
+        </p:spPr>
+        <p:style>
+          <a:lnRef idx="2">
+            <a:schemeClr val="accent1">
+              <a:shade val="50000"/>
+            </a:schemeClr>
+          </a:lnRef>
+          <a:fillRef idx="1">
+            <a:schemeClr val="accent1"/>
+          </a:fillRef>
+          <a:effectRef idx="0">
+            <a:schemeClr val="accent1"/>
+          </a:effectRef>
+          <a:fontRef idx="minor">
+            <a:schemeClr val="lt1"/>
+          </a:fontRef>
+        </p:style>
+        <p:txBody>
+          <a:bodyPr rtlCol="0" anchor="ctr"/>
+          <a:lstStyle/>
+          <a:p>
+            <a:pPr algn="ctr"/>
+            <a:r>
+              <a:rPr kumimoji="1" lang="en-US" altLang="ko-Kore-KR" sz="1400" dirty="0">
+                <a:solidFill>
+                  <a:schemeClr val="tx1"/>
+                </a:solidFill>
+              </a:rPr>
+              <a:t>0</a:t>
+            </a:r>
+            <a:endParaRPr kumimoji="1" lang="ko-Kore-KR" altLang="en-US" sz="1400" dirty="0">
+              <a:solidFill>
+                <a:schemeClr val="tx1"/>
+              </a:solidFill>
+            </a:endParaRPr>
+          </a:p>
+        </p:txBody>
+      </p:sp>
+      <p:sp>
+        <p:nvSpPr>
+          <p:cNvPr id="10" name="직사각형 9">
+            <a:extLst>
+              <a:ext uri="{FF2B5EF4-FFF2-40B4-BE49-F238E27FC236}">
+                <a16:creationId xmlns:a16="http://schemas.microsoft.com/office/drawing/2014/main" id="{BDB63C11-50FC-891E-637A-496636173328}"/>
+              </a:ext>
+            </a:extLst>
+          </p:cNvPr>
+          <p:cNvSpPr/>
+          <p:nvPr/>
+        </p:nvSpPr>
+        <p:spPr>
+          <a:xfrm>
+            <a:off x="5552752" y="2676116"/>
+            <a:ext cx="322524" cy="369332"/>
+          </a:xfrm>
+          <a:prstGeom prst="rect">
+            <a:avLst/>
+          </a:prstGeom>
+        </p:spPr>
+        <p:txBody>
+          <a:bodyPr wrap="none">
+            <a:spAutoFit/>
+          </a:bodyPr>
+          <a:lstStyle/>
+          <a:p>
+            <a:r>
+              <a:rPr lang="en" altLang="ko-Kore-KR" dirty="0">
+                <a:solidFill>
+                  <a:srgbClr val="001080"/>
+                </a:solidFill>
+                <a:latin typeface="DM Mono" panose="020B0509040201040103" pitchFamily="49" charset="0"/>
+              </a:rPr>
+              <a:t>n</a:t>
+            </a:r>
+            <a:endParaRPr lang="ko-Kore-KR" altLang="en-US" dirty="0"/>
+          </a:p>
+        </p:txBody>
+      </p:sp>
+      <p:sp>
+        <p:nvSpPr>
+          <p:cNvPr id="2" name="직사각형 1">
+            <a:extLst>
+              <a:ext uri="{FF2B5EF4-FFF2-40B4-BE49-F238E27FC236}">
+                <a16:creationId xmlns:a16="http://schemas.microsoft.com/office/drawing/2014/main" id="{3AF768FC-B13D-E566-6351-FB778F4E3A1A}"/>
+              </a:ext>
+            </a:extLst>
+          </p:cNvPr>
+          <p:cNvSpPr/>
+          <p:nvPr/>
+        </p:nvSpPr>
+        <p:spPr>
+          <a:xfrm>
+            <a:off x="467274" y="289809"/>
+            <a:ext cx="6096000" cy="3139321"/>
+          </a:xfrm>
+          <a:prstGeom prst="rect">
+            <a:avLst/>
+          </a:prstGeom>
+        </p:spPr>
+        <p:txBody>
+          <a:bodyPr>
+            <a:spAutoFit/>
+          </a:bodyPr>
+          <a:lstStyle/>
+          <a:p>
+            <a:r>
+              <a:rPr lang="en" altLang="ko-Kore-KR" dirty="0">
+                <a:solidFill>
+                  <a:srgbClr val="0000FF"/>
+                </a:solidFill>
+                <a:latin typeface="DM Mono" panose="020B0509040201040103" pitchFamily="49" charset="0"/>
+              </a:rPr>
+              <a:t>int</a:t>
+            </a:r>
+            <a:r>
+              <a:rPr lang="en" altLang="ko-Kore-KR" dirty="0">
+                <a:solidFill>
+                  <a:srgbClr val="000000"/>
+                </a:solidFill>
+                <a:latin typeface="DM Mono" panose="020B0509040201040103" pitchFamily="49" charset="0"/>
+              </a:rPr>
+              <a:t> </a:t>
+            </a:r>
+            <a:r>
+              <a:rPr lang="en" altLang="ko-Kore-KR" dirty="0">
+                <a:solidFill>
+                  <a:srgbClr val="795E26"/>
+                </a:solidFill>
+                <a:latin typeface="DM Mono" panose="020B0509040201040103" pitchFamily="49" charset="0"/>
+              </a:rPr>
+              <a:t>main</a:t>
+            </a:r>
+            <a:r>
+              <a:rPr lang="en" altLang="ko-Kore-KR" dirty="0">
+                <a:solidFill>
+                  <a:srgbClr val="000000"/>
+                </a:solidFill>
+                <a:latin typeface="DM Mono" panose="020B0509040201040103" pitchFamily="49" charset="0"/>
+              </a:rPr>
+              <a:t>(</a:t>
+            </a:r>
+            <a:r>
+              <a:rPr lang="en" altLang="ko-Kore-KR" dirty="0">
+                <a:solidFill>
+                  <a:srgbClr val="0000FF"/>
+                </a:solidFill>
+                <a:latin typeface="DM Mono" panose="020B0509040201040103" pitchFamily="49" charset="0"/>
+              </a:rPr>
+              <a:t>void</a:t>
+            </a:r>
+            <a:r>
+              <a:rPr lang="en" altLang="ko-Kore-KR" dirty="0">
+                <a:solidFill>
+                  <a:srgbClr val="000000"/>
+                </a:solidFill>
+                <a:latin typeface="DM Mono" panose="020B0509040201040103" pitchFamily="49" charset="0"/>
+              </a:rPr>
+              <a:t>)</a:t>
+            </a:r>
+          </a:p>
+          <a:p>
+            <a:r>
+              <a:rPr lang="en" altLang="ko-Kore-KR" dirty="0">
+                <a:solidFill>
+                  <a:srgbClr val="000000"/>
+                </a:solidFill>
+                <a:latin typeface="DM Mono" panose="020B0509040201040103" pitchFamily="49" charset="0"/>
+              </a:rPr>
+              <a:t>{</a:t>
+            </a:r>
+          </a:p>
+          <a:p>
+            <a:r>
+              <a:rPr lang="en" altLang="ko-Kore-KR" dirty="0">
+                <a:solidFill>
+                  <a:srgbClr val="0000FF"/>
+                </a:solidFill>
+                <a:latin typeface="DM Mono" panose="020B0509040201040103" pitchFamily="49" charset="0"/>
+              </a:rPr>
+              <a:t>  int</a:t>
+            </a:r>
+            <a:r>
+              <a:rPr lang="en" altLang="ko-Kore-KR" dirty="0">
+                <a:solidFill>
+                  <a:srgbClr val="000000"/>
+                </a:solidFill>
+                <a:latin typeface="DM Mono" panose="020B0509040201040103" pitchFamily="49" charset="0"/>
+              </a:rPr>
+              <a:t> </a:t>
+            </a:r>
+            <a:r>
+              <a:rPr lang="en" altLang="ko-Kore-KR" dirty="0">
+                <a:solidFill>
+                  <a:srgbClr val="001080"/>
+                </a:solidFill>
+                <a:latin typeface="DM Mono" panose="020B0509040201040103" pitchFamily="49" charset="0"/>
+              </a:rPr>
+              <a:t>n</a:t>
+            </a:r>
+            <a:r>
+              <a:rPr lang="en" altLang="ko-Kore-KR" dirty="0">
+                <a:solidFill>
+                  <a:srgbClr val="000000"/>
+                </a:solidFill>
+                <a:latin typeface="DM Mono" panose="020B0509040201040103" pitchFamily="49" charset="0"/>
+              </a:rPr>
+              <a:t> = </a:t>
+            </a:r>
+            <a:r>
+              <a:rPr lang="en" altLang="ko-Kore-KR" dirty="0">
+                <a:solidFill>
+                  <a:srgbClr val="098658"/>
+                </a:solidFill>
+                <a:latin typeface="DM Mono" panose="020B0509040201040103" pitchFamily="49" charset="0"/>
+              </a:rPr>
+              <a:t>0</a:t>
+            </a:r>
+            <a:r>
+              <a:rPr lang="en" altLang="ko-Kore-KR" dirty="0">
+                <a:solidFill>
+                  <a:srgbClr val="000000"/>
+                </a:solidFill>
+                <a:latin typeface="DM Mono" panose="020B0509040201040103" pitchFamily="49" charset="0"/>
+              </a:rPr>
+              <a:t>;</a:t>
+            </a:r>
+          </a:p>
+          <a:p>
+            <a:br>
+              <a:rPr lang="en" altLang="ko-Kore-KR" dirty="0">
+                <a:solidFill>
+                  <a:srgbClr val="000000"/>
+                </a:solidFill>
+                <a:latin typeface="DM Mono" panose="020B0509040201040103" pitchFamily="49" charset="0"/>
+              </a:rPr>
+            </a:br>
+            <a:r>
+              <a:rPr lang="en" altLang="ko-Kore-KR" dirty="0">
+                <a:solidFill>
+                  <a:srgbClr val="000000"/>
+                </a:solidFill>
+                <a:latin typeface="DM Mono" panose="020B0509040201040103" pitchFamily="49" charset="0"/>
+              </a:rPr>
+              <a:t>  </a:t>
+            </a:r>
+            <a:r>
+              <a:rPr lang="en" altLang="ko-Kore-KR" dirty="0" err="1">
+                <a:solidFill>
+                  <a:srgbClr val="795E26"/>
+                </a:solidFill>
+                <a:latin typeface="DM Mono" panose="020B0509040201040103" pitchFamily="49" charset="0"/>
+              </a:rPr>
+              <a:t>printf</a:t>
+            </a:r>
+            <a:r>
+              <a:rPr lang="en" altLang="ko-Kore-KR" dirty="0">
+                <a:solidFill>
+                  <a:srgbClr val="000000"/>
+                </a:solidFill>
+                <a:latin typeface="DM Mono" panose="020B0509040201040103" pitchFamily="49" charset="0"/>
+              </a:rPr>
+              <a:t>(</a:t>
+            </a:r>
+            <a:r>
+              <a:rPr lang="en" altLang="ko-Kore-KR" dirty="0">
+                <a:solidFill>
+                  <a:srgbClr val="A31515"/>
+                </a:solidFill>
+                <a:latin typeface="DM Mono" panose="020B0509040201040103" pitchFamily="49" charset="0"/>
+              </a:rPr>
+              <a:t>"</a:t>
+            </a:r>
+            <a:r>
+              <a:rPr lang="en" altLang="ko-Kore-KR" dirty="0">
+                <a:solidFill>
+                  <a:srgbClr val="001080"/>
+                </a:solidFill>
+                <a:latin typeface="DM Mono" panose="020B0509040201040103" pitchFamily="49" charset="0"/>
+              </a:rPr>
+              <a:t>%p</a:t>
+            </a:r>
+            <a:r>
+              <a:rPr lang="en" altLang="ko-Kore-KR" dirty="0">
+                <a:solidFill>
+                  <a:srgbClr val="EE0000"/>
+                </a:solidFill>
+                <a:latin typeface="DM Mono" panose="020B0509040201040103" pitchFamily="49" charset="0"/>
+              </a:rPr>
+              <a:t>\n</a:t>
+            </a:r>
+            <a:r>
+              <a:rPr lang="en" altLang="ko-Kore-KR" dirty="0">
+                <a:solidFill>
+                  <a:srgbClr val="A31515"/>
+                </a:solidFill>
+                <a:latin typeface="DM Mono" panose="020B0509040201040103" pitchFamily="49" charset="0"/>
+              </a:rPr>
+              <a:t>"</a:t>
+            </a:r>
+            <a:r>
+              <a:rPr lang="en" altLang="ko-Kore-KR" dirty="0">
+                <a:solidFill>
+                  <a:srgbClr val="000000"/>
+                </a:solidFill>
+                <a:latin typeface="DM Mono" panose="020B0509040201040103" pitchFamily="49" charset="0"/>
+              </a:rPr>
+              <a:t>, &amp;</a:t>
+            </a:r>
+            <a:r>
+              <a:rPr lang="en" altLang="ko-Kore-KR" dirty="0">
+                <a:solidFill>
+                  <a:srgbClr val="001080"/>
+                </a:solidFill>
+                <a:latin typeface="DM Mono" panose="020B0509040201040103" pitchFamily="49" charset="0"/>
+              </a:rPr>
+              <a:t>n</a:t>
+            </a:r>
+            <a:r>
+              <a:rPr lang="en" altLang="ko-Kore-KR" dirty="0">
+                <a:solidFill>
+                  <a:srgbClr val="000000"/>
+                </a:solidFill>
+                <a:latin typeface="DM Mono" panose="020B0509040201040103" pitchFamily="49" charset="0"/>
+              </a:rPr>
+              <a:t>); </a:t>
+            </a:r>
+            <a:r>
+              <a:rPr lang="en" altLang="ko-Kore-KR" dirty="0">
+                <a:solidFill>
+                  <a:srgbClr val="008000"/>
+                </a:solidFill>
+                <a:latin typeface="DM Mono" panose="020B0509040201040103" pitchFamily="49" charset="0"/>
+              </a:rPr>
+              <a:t>// 0x16f0731e8</a:t>
+            </a:r>
+            <a:endParaRPr lang="en" altLang="ko-Kore-KR" dirty="0">
+              <a:solidFill>
+                <a:srgbClr val="000000"/>
+              </a:solidFill>
+              <a:latin typeface="DM Mono" panose="020B0509040201040103" pitchFamily="49" charset="0"/>
+            </a:endParaRPr>
+          </a:p>
+          <a:p>
+            <a:r>
+              <a:rPr lang="en" altLang="ko-Kore-KR" dirty="0">
+                <a:solidFill>
+                  <a:srgbClr val="000000"/>
+                </a:solidFill>
+                <a:latin typeface="DM Mono" panose="020B0509040201040103" pitchFamily="49" charset="0"/>
+              </a:rPr>
+              <a:t>  </a:t>
+            </a:r>
+            <a:r>
+              <a:rPr lang="en" altLang="ko-Kore-KR" dirty="0">
+                <a:solidFill>
+                  <a:srgbClr val="0000FF"/>
+                </a:solidFill>
+                <a:latin typeface="DM Mono" panose="020B0509040201040103" pitchFamily="49" charset="0"/>
+              </a:rPr>
+              <a:t>int</a:t>
+            </a:r>
+            <a:r>
+              <a:rPr lang="en" altLang="ko-Kore-KR" dirty="0">
+                <a:solidFill>
+                  <a:srgbClr val="000000"/>
+                </a:solidFill>
+                <a:latin typeface="DM Mono" panose="020B0509040201040103" pitchFamily="49" charset="0"/>
+              </a:rPr>
+              <a:t>* </a:t>
+            </a:r>
+            <a:r>
+              <a:rPr lang="en" altLang="ko-Kore-KR" dirty="0">
+                <a:solidFill>
+                  <a:srgbClr val="001080"/>
+                </a:solidFill>
+                <a:latin typeface="DM Mono" panose="020B0509040201040103" pitchFamily="49" charset="0"/>
+              </a:rPr>
+              <a:t>p</a:t>
+            </a:r>
+            <a:r>
+              <a:rPr lang="en" altLang="ko-Kore-KR" dirty="0">
+                <a:solidFill>
+                  <a:srgbClr val="000000"/>
+                </a:solidFill>
+                <a:latin typeface="DM Mono" panose="020B0509040201040103" pitchFamily="49" charset="0"/>
+              </a:rPr>
+              <a:t> = &amp;</a:t>
+            </a:r>
+            <a:r>
+              <a:rPr lang="en" altLang="ko-Kore-KR" dirty="0">
+                <a:solidFill>
+                  <a:srgbClr val="001080"/>
+                </a:solidFill>
+                <a:latin typeface="DM Mono" panose="020B0509040201040103" pitchFamily="49" charset="0"/>
+              </a:rPr>
+              <a:t>n</a:t>
+            </a:r>
+            <a:r>
+              <a:rPr lang="en" altLang="ko-Kore-KR" dirty="0">
+                <a:solidFill>
+                  <a:srgbClr val="000000"/>
+                </a:solidFill>
+                <a:latin typeface="DM Mono" panose="020B0509040201040103" pitchFamily="49" charset="0"/>
+              </a:rPr>
+              <a:t>;</a:t>
+            </a:r>
+          </a:p>
+          <a:p>
+            <a:br>
+              <a:rPr lang="en" altLang="ko-Kore-KR" dirty="0">
+                <a:solidFill>
+                  <a:srgbClr val="000000"/>
+                </a:solidFill>
+                <a:latin typeface="DM Mono" panose="020B0509040201040103" pitchFamily="49" charset="0"/>
+              </a:rPr>
+            </a:br>
+            <a:r>
+              <a:rPr lang="en" altLang="ko-Kore-KR" dirty="0">
+                <a:solidFill>
+                  <a:srgbClr val="000000"/>
+                </a:solidFill>
+                <a:latin typeface="DM Mono" panose="020B0509040201040103" pitchFamily="49" charset="0"/>
+              </a:rPr>
+              <a:t>  </a:t>
+            </a:r>
+            <a:r>
+              <a:rPr lang="en" altLang="ko-Kore-KR" dirty="0">
+                <a:solidFill>
+                  <a:srgbClr val="AF00DB"/>
+                </a:solidFill>
+                <a:latin typeface="DM Mono" panose="020B0509040201040103" pitchFamily="49" charset="0"/>
+              </a:rPr>
+              <a:t>return</a:t>
+            </a:r>
+            <a:r>
+              <a:rPr lang="en" altLang="ko-Kore-KR" dirty="0">
+                <a:solidFill>
+                  <a:srgbClr val="000000"/>
+                </a:solidFill>
+                <a:latin typeface="DM Mono" panose="020B0509040201040103" pitchFamily="49" charset="0"/>
+              </a:rPr>
+              <a:t> </a:t>
+            </a:r>
+            <a:r>
+              <a:rPr lang="en" altLang="ko-Kore-KR" dirty="0">
+                <a:solidFill>
+                  <a:srgbClr val="098658"/>
+                </a:solidFill>
+                <a:latin typeface="DM Mono" panose="020B0509040201040103" pitchFamily="49" charset="0"/>
+              </a:rPr>
+              <a:t>0</a:t>
+            </a:r>
+            <a:r>
+              <a:rPr lang="en" altLang="ko-Kore-KR" dirty="0">
+                <a:solidFill>
+                  <a:srgbClr val="000000"/>
+                </a:solidFill>
+                <a:latin typeface="DM Mono" panose="020B0509040201040103" pitchFamily="49" charset="0"/>
+              </a:rPr>
+              <a:t>;</a:t>
+            </a:r>
+          </a:p>
+          <a:p>
+            <a:r>
+              <a:rPr lang="en" altLang="ko-Kore-KR" dirty="0">
+                <a:solidFill>
+                  <a:srgbClr val="000000"/>
+                </a:solidFill>
+                <a:latin typeface="DM Mono" panose="020B0509040201040103" pitchFamily="49" charset="0"/>
+              </a:rPr>
+              <a:t>}</a:t>
+            </a:r>
+          </a:p>
+          <a:p>
+            <a:br>
+              <a:rPr lang="en" altLang="ko-Kore-KR" dirty="0">
+                <a:solidFill>
+                  <a:srgbClr val="000000"/>
+                </a:solidFill>
+                <a:latin typeface="DM Mono" panose="020B0509040201040103" pitchFamily="49" charset="0"/>
+              </a:rPr>
+            </a:br>
+            <a:endParaRPr lang="en" altLang="ko-Kore-KR" b="0" dirty="0">
+              <a:solidFill>
+                <a:srgbClr val="000000"/>
+              </a:solidFill>
+              <a:effectLst/>
+              <a:latin typeface="DM Mono" panose="020B0509040201040103" pitchFamily="49" charset="0"/>
+            </a:endParaRPr>
+          </a:p>
+        </p:txBody>
+      </p:sp>
+      <p:sp>
+        <p:nvSpPr>
+          <p:cNvPr id="3" name="직사각형 2">
+            <a:extLst>
+              <a:ext uri="{FF2B5EF4-FFF2-40B4-BE49-F238E27FC236}">
+                <a16:creationId xmlns:a16="http://schemas.microsoft.com/office/drawing/2014/main" id="{4CF477BF-156E-8C48-5984-EB318C5BE5D5}"/>
+              </a:ext>
+            </a:extLst>
+          </p:cNvPr>
+          <p:cNvSpPr/>
+          <p:nvPr/>
+        </p:nvSpPr>
+        <p:spPr>
+          <a:xfrm>
+            <a:off x="5435227" y="3081097"/>
+            <a:ext cx="1701107" cy="369332"/>
+          </a:xfrm>
+          <a:prstGeom prst="rect">
+            <a:avLst/>
+          </a:prstGeom>
+        </p:spPr>
+        <p:txBody>
+          <a:bodyPr wrap="none">
+            <a:spAutoFit/>
+          </a:bodyPr>
+          <a:lstStyle/>
+          <a:p>
+            <a:r>
+              <a:rPr lang="en" altLang="ko-Kore-KR" dirty="0">
+                <a:solidFill>
+                  <a:srgbClr val="008000"/>
+                </a:solidFill>
+                <a:latin typeface="DM Mono" panose="020B0509040201040103" pitchFamily="49" charset="0"/>
+              </a:rPr>
+              <a:t>0x16f0731e8</a:t>
+            </a:r>
+            <a:endParaRPr lang="ko-Kore-KR" altLang="en-US" dirty="0"/>
+          </a:p>
+        </p:txBody>
+      </p:sp>
+      <p:sp>
+        <p:nvSpPr>
+          <p:cNvPr id="11" name="직사각형 10">
+            <a:extLst>
+              <a:ext uri="{FF2B5EF4-FFF2-40B4-BE49-F238E27FC236}">
+                <a16:creationId xmlns:a16="http://schemas.microsoft.com/office/drawing/2014/main" id="{F4EDF3B0-070E-747D-CDA1-D858847379FC}"/>
+              </a:ext>
+            </a:extLst>
+          </p:cNvPr>
+          <p:cNvSpPr/>
+          <p:nvPr/>
+        </p:nvSpPr>
+        <p:spPr>
+          <a:xfrm>
+            <a:off x="6285780" y="3863733"/>
+            <a:ext cx="1885622" cy="420443"/>
+          </a:xfrm>
+          <a:prstGeom prst="rect">
+            <a:avLst/>
+          </a:prstGeom>
+          <a:solidFill>
+            <a:srgbClr val="FFFF00"/>
+          </a:solidFill>
+        </p:spPr>
+        <p:style>
+          <a:lnRef idx="2">
+            <a:schemeClr val="accent1">
+              <a:shade val="50000"/>
+            </a:schemeClr>
+          </a:lnRef>
+          <a:fillRef idx="1">
+            <a:schemeClr val="accent1"/>
+          </a:fillRef>
+          <a:effectRef idx="0">
+            <a:schemeClr val="accent1"/>
+          </a:effectRef>
+          <a:fontRef idx="minor">
+            <a:schemeClr val="lt1"/>
+          </a:fontRef>
+        </p:style>
+        <p:txBody>
+          <a:bodyPr rtlCol="0" anchor="ctr"/>
+          <a:lstStyle/>
+          <a:p>
+            <a:pPr algn="ctr"/>
+            <a:r>
+              <a:rPr lang="en" altLang="ko-Kore-KR" sz="1400" dirty="0">
+                <a:solidFill>
+                  <a:srgbClr val="008000"/>
+                </a:solidFill>
+                <a:latin typeface="DM Mono" panose="020B0509040201040103" pitchFamily="49" charset="0"/>
+              </a:rPr>
+              <a:t>0x16f0731e8</a:t>
+            </a:r>
+            <a:endParaRPr kumimoji="1" lang="ko-Kore-KR" altLang="en-US" sz="1400" dirty="0">
+              <a:solidFill>
+                <a:schemeClr val="tx1"/>
+              </a:solidFill>
+            </a:endParaRPr>
+          </a:p>
+        </p:txBody>
+      </p:sp>
+      <p:sp>
+        <p:nvSpPr>
+          <p:cNvPr id="12" name="직사각형 11">
+            <a:extLst>
+              <a:ext uri="{FF2B5EF4-FFF2-40B4-BE49-F238E27FC236}">
+                <a16:creationId xmlns:a16="http://schemas.microsoft.com/office/drawing/2014/main" id="{DB1FAD64-73EA-0D60-3681-5073CAC5475A}"/>
+              </a:ext>
+            </a:extLst>
+          </p:cNvPr>
+          <p:cNvSpPr/>
+          <p:nvPr/>
+        </p:nvSpPr>
+        <p:spPr>
+          <a:xfrm>
+            <a:off x="5963256" y="3885719"/>
+            <a:ext cx="322524" cy="369332"/>
+          </a:xfrm>
+          <a:prstGeom prst="rect">
+            <a:avLst/>
+          </a:prstGeom>
+        </p:spPr>
+        <p:txBody>
+          <a:bodyPr wrap="none">
+            <a:spAutoFit/>
+          </a:bodyPr>
+          <a:lstStyle/>
+          <a:p>
+            <a:r>
+              <a:rPr lang="en" altLang="ko-Kore-KR" dirty="0">
+                <a:solidFill>
+                  <a:srgbClr val="001080"/>
+                </a:solidFill>
+                <a:latin typeface="DM Mono" panose="020B0509040201040103" pitchFamily="49" charset="0"/>
+              </a:rPr>
+              <a:t>p</a:t>
+            </a:r>
+            <a:endParaRPr lang="ko-Kore-KR" altLang="en-US" dirty="0"/>
+          </a:p>
+        </p:txBody>
+      </p:sp>
+      <p:cxnSp>
+        <p:nvCxnSpPr>
+          <p:cNvPr id="8" name="구부러진 연결선[U] 7">
+            <a:extLst>
+              <a:ext uri="{FF2B5EF4-FFF2-40B4-BE49-F238E27FC236}">
+                <a16:creationId xmlns:a16="http://schemas.microsoft.com/office/drawing/2014/main" id="{AF3D22D0-9A84-2CBF-E52F-076894A7670E}"/>
+              </a:ext>
+            </a:extLst>
+          </p:cNvPr>
+          <p:cNvCxnSpPr>
+            <a:cxnSpLocks/>
+            <a:stCxn id="11" idx="0"/>
+            <a:endCxn id="9" idx="2"/>
+          </p:cNvCxnSpPr>
+          <p:nvPr/>
+        </p:nvCxnSpPr>
+        <p:spPr>
+          <a:xfrm rot="16200000" flipV="1">
+            <a:off x="6266104" y="2901245"/>
+            <a:ext cx="792729" cy="1132247"/>
+          </a:xfrm>
+          <a:prstGeom prst="curvedConnector3">
+            <a:avLst>
+              <a:gd name="adj1" fmla="val 20619"/>
+            </a:avLst>
+          </a:prstGeom>
+          <a:ln>
+            <a:tailEnd type="triangle"/>
+          </a:ln>
+        </p:spPr>
+        <p:style>
+          <a:lnRef idx="1">
+            <a:schemeClr val="accent1"/>
+          </a:lnRef>
+          <a:fillRef idx="0">
+            <a:schemeClr val="accent1"/>
+          </a:fillRef>
+          <a:effectRef idx="0">
+            <a:schemeClr val="accent1"/>
+          </a:effectRef>
+          <a:fontRef idx="minor">
+            <a:schemeClr val="tx1"/>
+          </a:fontRef>
+        </p:style>
+      </p:cxnSp>
+    </p:spTree>
+    <p:extLst>
+      <p:ext uri="{BB962C8B-B14F-4D97-AF65-F5344CB8AC3E}">
+        <p14:creationId xmlns:p14="http://schemas.microsoft.com/office/powerpoint/2010/main" val="1411668924"/>
+      </p:ext>
+    </p:extLst>
+  </p:cSld>
+  <p:clrMapOvr>
+    <a:masterClrMapping/>
+  </p:clrMapOvr>
+</p:sld>
+</file>
+
+<file path=ppt/slides/slide9.xml><?xml version="1.0" encoding="utf-8"?>
+<p:sld xmlns:a="http://schemas.openxmlformats.org/drawingml/2006/main" xmlns:r="http://schemas.openxmlformats.org/officeDocument/2006/relationships" xmlns:p="http://schemas.openxmlformats.org/presentationml/2006/main">
+  <p:cSld>
+    <p:spTree>
+      <p:nvGrpSpPr>
+        <p:cNvPr id="1" name=""/>
+        <p:cNvGrpSpPr/>
+        <p:nvPr/>
+      </p:nvGrpSpPr>
+      <p:grpSpPr>
+        <a:xfrm>
+          <a:off x="0" y="0"/>
+          <a:ext cx="0" cy="0"/>
+          <a:chOff x="0" y="0"/>
+          <a:chExt cx="0" cy="0"/>
+        </a:xfrm>
+      </p:grpSpPr>
+      <p:sp>
+        <p:nvSpPr>
+          <p:cNvPr id="5" name="직사각형 4">
+            <a:extLst>
+              <a:ext uri="{FF2B5EF4-FFF2-40B4-BE49-F238E27FC236}">
+                <a16:creationId xmlns:a16="http://schemas.microsoft.com/office/drawing/2014/main" id="{33BFE9EC-6B2A-7FB0-09F1-28818F8ABDB0}"/>
+              </a:ext>
+            </a:extLst>
+          </p:cNvPr>
+          <p:cNvSpPr/>
+          <p:nvPr/>
+        </p:nvSpPr>
+        <p:spPr>
+          <a:xfrm>
+            <a:off x="5435227" y="2464547"/>
+            <a:ext cx="3234906" cy="2005641"/>
+          </a:xfrm>
+          <a:prstGeom prst="rect">
+            <a:avLst/>
+          </a:prstGeom>
+        </p:spPr>
+        <p:style>
+          <a:lnRef idx="2">
+            <a:schemeClr val="accent4"/>
+          </a:lnRef>
+          <a:fillRef idx="1">
+            <a:schemeClr val="lt1"/>
+          </a:fillRef>
+          <a:effectRef idx="0">
+            <a:schemeClr val="accent4"/>
+          </a:effectRef>
+          <a:fontRef idx="minor">
+            <a:schemeClr val="dk1"/>
+          </a:fontRef>
+        </p:style>
+        <p:txBody>
+          <a:bodyPr rtlCol="0" anchor="ctr"/>
+          <a:lstStyle/>
+          <a:p>
+            <a:pPr algn="ctr"/>
+            <a:endParaRPr kumimoji="1" lang="ko-Kore-KR" altLang="en-US" sz="1400" dirty="0">
+              <a:solidFill>
+                <a:schemeClr val="tx1"/>
+              </a:solidFill>
+            </a:endParaRPr>
+          </a:p>
+        </p:txBody>
+      </p:sp>
+      <p:sp>
+        <p:nvSpPr>
+          <p:cNvPr id="6" name="직사각형 5">
+            <a:extLst>
+              <a:ext uri="{FF2B5EF4-FFF2-40B4-BE49-F238E27FC236}">
+                <a16:creationId xmlns:a16="http://schemas.microsoft.com/office/drawing/2014/main" id="{838AE3EA-344C-72A8-C901-D4AEA4E5D6EB}"/>
+              </a:ext>
+            </a:extLst>
+          </p:cNvPr>
+          <p:cNvSpPr/>
+          <p:nvPr/>
+        </p:nvSpPr>
+        <p:spPr>
+          <a:xfrm>
+            <a:off x="6563274" y="2056847"/>
+            <a:ext cx="736099" cy="369332"/>
+          </a:xfrm>
+          <a:prstGeom prst="rect">
+            <a:avLst/>
+          </a:prstGeom>
+        </p:spPr>
+        <p:txBody>
+          <a:bodyPr wrap="none">
+            <a:spAutoFit/>
+          </a:bodyPr>
+          <a:lstStyle/>
+          <a:p>
+            <a:r>
+              <a:rPr lang="en" altLang="ko-Kore-KR" dirty="0">
+                <a:solidFill>
+                  <a:srgbClr val="795E26"/>
+                </a:solidFill>
+                <a:latin typeface="DM Mono" panose="020B0509040201040103" pitchFamily="49" charset="0"/>
+              </a:rPr>
+              <a:t>main</a:t>
+            </a:r>
+            <a:endParaRPr lang="ko-Kore-KR" altLang="en-US" dirty="0"/>
+          </a:p>
+        </p:txBody>
+      </p:sp>
+      <p:sp>
+        <p:nvSpPr>
+          <p:cNvPr id="9" name="직사각형 8">
+            <a:extLst>
+              <a:ext uri="{FF2B5EF4-FFF2-40B4-BE49-F238E27FC236}">
+                <a16:creationId xmlns:a16="http://schemas.microsoft.com/office/drawing/2014/main" id="{D8E8242F-786A-D361-9CF7-05FEABB19425}"/>
+              </a:ext>
+            </a:extLst>
+          </p:cNvPr>
+          <p:cNvSpPr/>
+          <p:nvPr/>
+        </p:nvSpPr>
+        <p:spPr>
+          <a:xfrm>
+            <a:off x="5826393" y="2650561"/>
+            <a:ext cx="539902" cy="420443"/>
+          </a:xfrm>
+          <a:prstGeom prst="rect">
+            <a:avLst/>
+          </a:prstGeom>
+          <a:solidFill>
+            <a:srgbClr val="FFFF00"/>
+          </a:solidFill>
+        </p:spPr>
+        <p:style>
+          <a:lnRef idx="2">
+            <a:schemeClr val="accent1">
+              <a:shade val="50000"/>
+            </a:schemeClr>
+          </a:lnRef>
+          <a:fillRef idx="1">
+            <a:schemeClr val="accent1"/>
+          </a:fillRef>
+          <a:effectRef idx="0">
+            <a:schemeClr val="accent1"/>
+          </a:effectRef>
+          <a:fontRef idx="minor">
+            <a:schemeClr val="lt1"/>
+          </a:fontRef>
+        </p:style>
+        <p:txBody>
+          <a:bodyPr rtlCol="0" anchor="ctr"/>
+          <a:lstStyle/>
+          <a:p>
+            <a:pPr algn="ctr"/>
+            <a:r>
+              <a:rPr kumimoji="1" lang="en-US" altLang="ko-Kore-KR" sz="1400" dirty="0">
+                <a:solidFill>
+                  <a:srgbClr val="FF0000"/>
+                </a:solidFill>
+              </a:rPr>
+              <a:t>100</a:t>
+            </a:r>
+            <a:endParaRPr kumimoji="1" lang="ko-Kore-KR" altLang="en-US" sz="1400" dirty="0">
+              <a:solidFill>
+                <a:srgbClr val="FF0000"/>
+              </a:solidFill>
+            </a:endParaRPr>
+          </a:p>
+        </p:txBody>
+      </p:sp>
+      <p:sp>
+        <p:nvSpPr>
+          <p:cNvPr id="10" name="직사각형 9">
+            <a:extLst>
+              <a:ext uri="{FF2B5EF4-FFF2-40B4-BE49-F238E27FC236}">
+                <a16:creationId xmlns:a16="http://schemas.microsoft.com/office/drawing/2014/main" id="{BDB63C11-50FC-891E-637A-496636173328}"/>
+              </a:ext>
+            </a:extLst>
+          </p:cNvPr>
+          <p:cNvSpPr/>
+          <p:nvPr/>
+        </p:nvSpPr>
+        <p:spPr>
+          <a:xfrm>
+            <a:off x="5552752" y="2676116"/>
+            <a:ext cx="322524" cy="369332"/>
+          </a:xfrm>
+          <a:prstGeom prst="rect">
+            <a:avLst/>
+          </a:prstGeom>
+        </p:spPr>
+        <p:txBody>
+          <a:bodyPr wrap="none">
+            <a:spAutoFit/>
+          </a:bodyPr>
+          <a:lstStyle/>
+          <a:p>
+            <a:r>
+              <a:rPr lang="en" altLang="ko-Kore-KR" dirty="0">
+                <a:solidFill>
+                  <a:srgbClr val="001080"/>
+                </a:solidFill>
+                <a:latin typeface="DM Mono" panose="020B0509040201040103" pitchFamily="49" charset="0"/>
+              </a:rPr>
+              <a:t>n</a:t>
+            </a:r>
+            <a:endParaRPr lang="ko-Kore-KR" altLang="en-US" dirty="0"/>
+          </a:p>
+        </p:txBody>
+      </p:sp>
+      <p:sp>
+        <p:nvSpPr>
+          <p:cNvPr id="2" name="직사각형 1">
+            <a:extLst>
+              <a:ext uri="{FF2B5EF4-FFF2-40B4-BE49-F238E27FC236}">
+                <a16:creationId xmlns:a16="http://schemas.microsoft.com/office/drawing/2014/main" id="{3AF768FC-B13D-E566-6351-FB778F4E3A1A}"/>
+              </a:ext>
+            </a:extLst>
+          </p:cNvPr>
+          <p:cNvSpPr/>
+          <p:nvPr/>
+        </p:nvSpPr>
+        <p:spPr>
+          <a:xfrm>
+            <a:off x="467274" y="289809"/>
+            <a:ext cx="6096000" cy="3970318"/>
+          </a:xfrm>
+          <a:prstGeom prst="rect">
+            <a:avLst/>
+          </a:prstGeom>
+        </p:spPr>
+        <p:txBody>
+          <a:bodyPr>
+            <a:spAutoFit/>
+          </a:bodyPr>
+          <a:lstStyle/>
+          <a:p>
+            <a:r>
+              <a:rPr lang="en" altLang="ko-Kore-KR" dirty="0">
+                <a:solidFill>
+                  <a:srgbClr val="0000FF"/>
+                </a:solidFill>
+                <a:latin typeface="DM Mono" panose="020B0509040201040103" pitchFamily="49" charset="0"/>
+              </a:rPr>
+              <a:t>int</a:t>
+            </a:r>
+            <a:r>
+              <a:rPr lang="en" altLang="ko-Kore-KR" dirty="0">
+                <a:solidFill>
+                  <a:srgbClr val="000000"/>
+                </a:solidFill>
+                <a:latin typeface="DM Mono" panose="020B0509040201040103" pitchFamily="49" charset="0"/>
+              </a:rPr>
+              <a:t> </a:t>
+            </a:r>
+            <a:r>
+              <a:rPr lang="en" altLang="ko-Kore-KR" dirty="0">
+                <a:solidFill>
+                  <a:srgbClr val="795E26"/>
+                </a:solidFill>
+                <a:latin typeface="DM Mono" panose="020B0509040201040103" pitchFamily="49" charset="0"/>
+              </a:rPr>
+              <a:t>main</a:t>
+            </a:r>
+            <a:r>
+              <a:rPr lang="en" altLang="ko-Kore-KR" dirty="0">
+                <a:solidFill>
+                  <a:srgbClr val="000000"/>
+                </a:solidFill>
+                <a:latin typeface="DM Mono" panose="020B0509040201040103" pitchFamily="49" charset="0"/>
+              </a:rPr>
+              <a:t>(</a:t>
+            </a:r>
+            <a:r>
+              <a:rPr lang="en" altLang="ko-Kore-KR" dirty="0">
+                <a:solidFill>
+                  <a:srgbClr val="0000FF"/>
+                </a:solidFill>
+                <a:latin typeface="DM Mono" panose="020B0509040201040103" pitchFamily="49" charset="0"/>
+              </a:rPr>
+              <a:t>void</a:t>
+            </a:r>
+            <a:r>
+              <a:rPr lang="en" altLang="ko-Kore-KR" dirty="0">
+                <a:solidFill>
+                  <a:srgbClr val="000000"/>
+                </a:solidFill>
+                <a:latin typeface="DM Mono" panose="020B0509040201040103" pitchFamily="49" charset="0"/>
+              </a:rPr>
+              <a:t>)</a:t>
+            </a:r>
+          </a:p>
+          <a:p>
+            <a:r>
+              <a:rPr lang="en" altLang="ko-Kore-KR" dirty="0">
+                <a:solidFill>
+                  <a:srgbClr val="000000"/>
+                </a:solidFill>
+                <a:latin typeface="DM Mono" panose="020B0509040201040103" pitchFamily="49" charset="0"/>
+              </a:rPr>
+              <a:t>{</a:t>
+            </a:r>
+          </a:p>
+          <a:p>
+            <a:r>
+              <a:rPr lang="en" altLang="ko-Kore-KR" dirty="0">
+                <a:solidFill>
+                  <a:srgbClr val="0000FF"/>
+                </a:solidFill>
+                <a:latin typeface="DM Mono" panose="020B0509040201040103" pitchFamily="49" charset="0"/>
+              </a:rPr>
+              <a:t>  int</a:t>
+            </a:r>
+            <a:r>
+              <a:rPr lang="en" altLang="ko-Kore-KR" dirty="0">
+                <a:solidFill>
+                  <a:srgbClr val="000000"/>
+                </a:solidFill>
+                <a:latin typeface="DM Mono" panose="020B0509040201040103" pitchFamily="49" charset="0"/>
+              </a:rPr>
+              <a:t> </a:t>
+            </a:r>
+            <a:r>
+              <a:rPr lang="en" altLang="ko-Kore-KR" dirty="0">
+                <a:solidFill>
+                  <a:srgbClr val="001080"/>
+                </a:solidFill>
+                <a:latin typeface="DM Mono" panose="020B0509040201040103" pitchFamily="49" charset="0"/>
+              </a:rPr>
+              <a:t>n</a:t>
+            </a:r>
+            <a:r>
+              <a:rPr lang="en" altLang="ko-Kore-KR" dirty="0">
+                <a:solidFill>
+                  <a:srgbClr val="000000"/>
+                </a:solidFill>
+                <a:latin typeface="DM Mono" panose="020B0509040201040103" pitchFamily="49" charset="0"/>
+              </a:rPr>
+              <a:t> = </a:t>
+            </a:r>
+            <a:r>
+              <a:rPr lang="en" altLang="ko-Kore-KR" dirty="0">
+                <a:solidFill>
+                  <a:srgbClr val="098658"/>
+                </a:solidFill>
+                <a:latin typeface="DM Mono" panose="020B0509040201040103" pitchFamily="49" charset="0"/>
+              </a:rPr>
+              <a:t>0</a:t>
+            </a:r>
+            <a:r>
+              <a:rPr lang="en" altLang="ko-Kore-KR" dirty="0">
+                <a:solidFill>
+                  <a:srgbClr val="000000"/>
+                </a:solidFill>
+                <a:latin typeface="DM Mono" panose="020B0509040201040103" pitchFamily="49" charset="0"/>
+              </a:rPr>
+              <a:t>;</a:t>
+            </a:r>
+          </a:p>
+          <a:p>
+            <a:br>
+              <a:rPr lang="en" altLang="ko-Kore-KR" dirty="0">
+                <a:solidFill>
+                  <a:srgbClr val="000000"/>
+                </a:solidFill>
+                <a:latin typeface="DM Mono" panose="020B0509040201040103" pitchFamily="49" charset="0"/>
+              </a:rPr>
+            </a:br>
+            <a:r>
+              <a:rPr lang="en" altLang="ko-Kore-KR" dirty="0">
+                <a:solidFill>
+                  <a:srgbClr val="000000"/>
+                </a:solidFill>
+                <a:latin typeface="DM Mono" panose="020B0509040201040103" pitchFamily="49" charset="0"/>
+              </a:rPr>
+              <a:t>  </a:t>
+            </a:r>
+            <a:r>
+              <a:rPr lang="en" altLang="ko-Kore-KR" dirty="0" err="1">
+                <a:solidFill>
+                  <a:srgbClr val="795E26"/>
+                </a:solidFill>
+                <a:latin typeface="DM Mono" panose="020B0509040201040103" pitchFamily="49" charset="0"/>
+              </a:rPr>
+              <a:t>printf</a:t>
+            </a:r>
+            <a:r>
+              <a:rPr lang="en" altLang="ko-Kore-KR" dirty="0">
+                <a:solidFill>
+                  <a:srgbClr val="000000"/>
+                </a:solidFill>
+                <a:latin typeface="DM Mono" panose="020B0509040201040103" pitchFamily="49" charset="0"/>
+              </a:rPr>
+              <a:t>(</a:t>
+            </a:r>
+            <a:r>
+              <a:rPr lang="en" altLang="ko-Kore-KR" dirty="0">
+                <a:solidFill>
+                  <a:srgbClr val="A31515"/>
+                </a:solidFill>
+                <a:latin typeface="DM Mono" panose="020B0509040201040103" pitchFamily="49" charset="0"/>
+              </a:rPr>
+              <a:t>"</a:t>
+            </a:r>
+            <a:r>
+              <a:rPr lang="en" altLang="ko-Kore-KR" dirty="0">
+                <a:solidFill>
+                  <a:srgbClr val="001080"/>
+                </a:solidFill>
+                <a:latin typeface="DM Mono" panose="020B0509040201040103" pitchFamily="49" charset="0"/>
+              </a:rPr>
+              <a:t>%p</a:t>
+            </a:r>
+            <a:r>
+              <a:rPr lang="en" altLang="ko-Kore-KR" dirty="0">
+                <a:solidFill>
+                  <a:srgbClr val="EE0000"/>
+                </a:solidFill>
+                <a:latin typeface="DM Mono" panose="020B0509040201040103" pitchFamily="49" charset="0"/>
+              </a:rPr>
+              <a:t>\n</a:t>
+            </a:r>
+            <a:r>
+              <a:rPr lang="en" altLang="ko-Kore-KR" dirty="0">
+                <a:solidFill>
+                  <a:srgbClr val="A31515"/>
+                </a:solidFill>
+                <a:latin typeface="DM Mono" panose="020B0509040201040103" pitchFamily="49" charset="0"/>
+              </a:rPr>
+              <a:t>"</a:t>
+            </a:r>
+            <a:r>
+              <a:rPr lang="en" altLang="ko-Kore-KR" dirty="0">
+                <a:solidFill>
+                  <a:srgbClr val="000000"/>
+                </a:solidFill>
+                <a:latin typeface="DM Mono" panose="020B0509040201040103" pitchFamily="49" charset="0"/>
+              </a:rPr>
+              <a:t>, &amp;</a:t>
+            </a:r>
+            <a:r>
+              <a:rPr lang="en" altLang="ko-Kore-KR" dirty="0">
+                <a:solidFill>
+                  <a:srgbClr val="001080"/>
+                </a:solidFill>
+                <a:latin typeface="DM Mono" panose="020B0509040201040103" pitchFamily="49" charset="0"/>
+              </a:rPr>
+              <a:t>n</a:t>
+            </a:r>
+            <a:r>
+              <a:rPr lang="en" altLang="ko-Kore-KR" dirty="0">
+                <a:solidFill>
+                  <a:srgbClr val="000000"/>
+                </a:solidFill>
+                <a:latin typeface="DM Mono" panose="020B0509040201040103" pitchFamily="49" charset="0"/>
+              </a:rPr>
+              <a:t>); </a:t>
+            </a:r>
+            <a:r>
+              <a:rPr lang="en" altLang="ko-Kore-KR" dirty="0">
+                <a:solidFill>
+                  <a:srgbClr val="008000"/>
+                </a:solidFill>
+                <a:latin typeface="DM Mono" panose="020B0509040201040103" pitchFamily="49" charset="0"/>
+              </a:rPr>
+              <a:t>// 0x16f0731e8</a:t>
+            </a:r>
+            <a:endParaRPr lang="en" altLang="ko-Kore-KR" dirty="0">
+              <a:solidFill>
+                <a:srgbClr val="000000"/>
+              </a:solidFill>
+              <a:latin typeface="DM Mono" panose="020B0509040201040103" pitchFamily="49" charset="0"/>
+            </a:endParaRPr>
+          </a:p>
+          <a:p>
+            <a:r>
+              <a:rPr lang="en" altLang="ko-Kore-KR" dirty="0">
+                <a:solidFill>
+                  <a:srgbClr val="000000"/>
+                </a:solidFill>
+                <a:latin typeface="DM Mono" panose="020B0509040201040103" pitchFamily="49" charset="0"/>
+              </a:rPr>
+              <a:t>  </a:t>
+            </a:r>
+            <a:r>
+              <a:rPr lang="en" altLang="ko-Kore-KR" dirty="0">
+                <a:solidFill>
+                  <a:srgbClr val="0000FF"/>
+                </a:solidFill>
+                <a:latin typeface="DM Mono" panose="020B0509040201040103" pitchFamily="49" charset="0"/>
+              </a:rPr>
+              <a:t>int</a:t>
+            </a:r>
+            <a:r>
+              <a:rPr lang="en" altLang="ko-Kore-KR" dirty="0">
+                <a:solidFill>
+                  <a:srgbClr val="000000"/>
+                </a:solidFill>
+                <a:latin typeface="DM Mono" panose="020B0509040201040103" pitchFamily="49" charset="0"/>
+              </a:rPr>
+              <a:t>* </a:t>
+            </a:r>
+            <a:r>
+              <a:rPr lang="en" altLang="ko-Kore-KR" dirty="0">
+                <a:solidFill>
+                  <a:srgbClr val="001080"/>
+                </a:solidFill>
+                <a:latin typeface="DM Mono" panose="020B0509040201040103" pitchFamily="49" charset="0"/>
+              </a:rPr>
+              <a:t>p</a:t>
+            </a:r>
+            <a:r>
+              <a:rPr lang="en" altLang="ko-Kore-KR" dirty="0">
+                <a:solidFill>
+                  <a:srgbClr val="000000"/>
+                </a:solidFill>
+                <a:latin typeface="DM Mono" panose="020B0509040201040103" pitchFamily="49" charset="0"/>
+              </a:rPr>
+              <a:t> = &amp;</a:t>
+            </a:r>
+            <a:r>
+              <a:rPr lang="en" altLang="ko-Kore-KR" dirty="0">
+                <a:solidFill>
+                  <a:srgbClr val="001080"/>
+                </a:solidFill>
+                <a:latin typeface="DM Mono" panose="020B0509040201040103" pitchFamily="49" charset="0"/>
+              </a:rPr>
+              <a:t>n</a:t>
+            </a:r>
+            <a:r>
+              <a:rPr lang="en" altLang="ko-Kore-KR" dirty="0">
+                <a:solidFill>
+                  <a:srgbClr val="000000"/>
+                </a:solidFill>
+                <a:latin typeface="DM Mono" panose="020B0509040201040103" pitchFamily="49" charset="0"/>
+              </a:rPr>
+              <a:t>;</a:t>
+            </a:r>
+          </a:p>
+          <a:p>
+            <a:r>
+              <a:rPr lang="en" altLang="ko-Kore-KR" dirty="0">
+                <a:solidFill>
+                  <a:srgbClr val="000000"/>
+                </a:solidFill>
+                <a:latin typeface="DM Mono" panose="020B0509040201040103" pitchFamily="49" charset="0"/>
+              </a:rPr>
+              <a:t>  *</a:t>
+            </a:r>
+            <a:r>
+              <a:rPr lang="en" altLang="ko-Kore-KR" dirty="0">
+                <a:solidFill>
+                  <a:srgbClr val="001080"/>
+                </a:solidFill>
+                <a:latin typeface="DM Mono" panose="020B0509040201040103" pitchFamily="49" charset="0"/>
+              </a:rPr>
+              <a:t>p</a:t>
+            </a:r>
+            <a:r>
+              <a:rPr lang="en" altLang="ko-Kore-KR" dirty="0">
+                <a:solidFill>
+                  <a:srgbClr val="000000"/>
+                </a:solidFill>
+                <a:latin typeface="DM Mono" panose="020B0509040201040103" pitchFamily="49" charset="0"/>
+              </a:rPr>
+              <a:t> = </a:t>
+            </a:r>
+            <a:r>
+              <a:rPr lang="en" altLang="ko-Kore-KR" dirty="0">
+                <a:solidFill>
+                  <a:srgbClr val="098658"/>
+                </a:solidFill>
+                <a:latin typeface="DM Mono" panose="020B0509040201040103" pitchFamily="49" charset="0"/>
+              </a:rPr>
+              <a:t>100</a:t>
+            </a:r>
+            <a:r>
+              <a:rPr lang="en" altLang="ko-Kore-KR" dirty="0">
+                <a:solidFill>
+                  <a:srgbClr val="000000"/>
+                </a:solidFill>
+                <a:latin typeface="DM Mono" panose="020B0509040201040103" pitchFamily="49" charset="0"/>
+              </a:rPr>
+              <a:t>;</a:t>
+            </a:r>
+          </a:p>
+          <a:p>
+            <a:br>
+              <a:rPr lang="en" altLang="ko-Kore-KR" dirty="0">
+                <a:solidFill>
+                  <a:srgbClr val="000000"/>
+                </a:solidFill>
+                <a:latin typeface="DM Mono" panose="020B0509040201040103" pitchFamily="49" charset="0"/>
+              </a:rPr>
+            </a:br>
+            <a:endParaRPr lang="en" altLang="ko-Kore-KR" dirty="0">
+              <a:solidFill>
+                <a:srgbClr val="000000"/>
+              </a:solidFill>
+              <a:latin typeface="DM Mono" panose="020B0509040201040103" pitchFamily="49" charset="0"/>
+            </a:endParaRPr>
+          </a:p>
+          <a:p>
+            <a:br>
+              <a:rPr lang="en" altLang="ko-Kore-KR" dirty="0">
+                <a:solidFill>
+                  <a:srgbClr val="000000"/>
+                </a:solidFill>
+                <a:latin typeface="DM Mono" panose="020B0509040201040103" pitchFamily="49" charset="0"/>
+              </a:rPr>
+            </a:br>
+            <a:r>
+              <a:rPr lang="en" altLang="ko-Kore-KR" dirty="0">
+                <a:solidFill>
+                  <a:srgbClr val="000000"/>
+                </a:solidFill>
+                <a:latin typeface="DM Mono" panose="020B0509040201040103" pitchFamily="49" charset="0"/>
+              </a:rPr>
+              <a:t>  </a:t>
+            </a:r>
+            <a:r>
+              <a:rPr lang="en" altLang="ko-Kore-KR" dirty="0">
+                <a:solidFill>
+                  <a:srgbClr val="AF00DB"/>
+                </a:solidFill>
+                <a:latin typeface="DM Mono" panose="020B0509040201040103" pitchFamily="49" charset="0"/>
+              </a:rPr>
+              <a:t>return</a:t>
+            </a:r>
+            <a:r>
+              <a:rPr lang="en" altLang="ko-Kore-KR" dirty="0">
+                <a:solidFill>
+                  <a:srgbClr val="000000"/>
+                </a:solidFill>
+                <a:latin typeface="DM Mono" panose="020B0509040201040103" pitchFamily="49" charset="0"/>
+              </a:rPr>
+              <a:t> </a:t>
+            </a:r>
+            <a:r>
+              <a:rPr lang="en" altLang="ko-Kore-KR" dirty="0">
+                <a:solidFill>
+                  <a:srgbClr val="098658"/>
+                </a:solidFill>
+                <a:latin typeface="DM Mono" panose="020B0509040201040103" pitchFamily="49" charset="0"/>
+              </a:rPr>
+              <a:t>0</a:t>
+            </a:r>
+            <a:r>
+              <a:rPr lang="en" altLang="ko-Kore-KR" dirty="0">
+                <a:solidFill>
+                  <a:srgbClr val="000000"/>
+                </a:solidFill>
+                <a:latin typeface="DM Mono" panose="020B0509040201040103" pitchFamily="49" charset="0"/>
+              </a:rPr>
+              <a:t>;</a:t>
+            </a:r>
+          </a:p>
+          <a:p>
+            <a:r>
+              <a:rPr lang="en" altLang="ko-Kore-KR" dirty="0">
+                <a:solidFill>
+                  <a:srgbClr val="000000"/>
+                </a:solidFill>
+                <a:latin typeface="DM Mono" panose="020B0509040201040103" pitchFamily="49" charset="0"/>
+              </a:rPr>
+              <a:t>}</a:t>
+            </a:r>
+          </a:p>
+          <a:p>
+            <a:br>
+              <a:rPr lang="en" altLang="ko-Kore-KR" dirty="0">
+                <a:solidFill>
+                  <a:srgbClr val="000000"/>
+                </a:solidFill>
+                <a:latin typeface="DM Mono" panose="020B0509040201040103" pitchFamily="49" charset="0"/>
+              </a:rPr>
+            </a:br>
+            <a:endParaRPr lang="en" altLang="ko-Kore-KR" b="0" dirty="0">
+              <a:solidFill>
+                <a:srgbClr val="000000"/>
+              </a:solidFill>
+              <a:effectLst/>
+              <a:latin typeface="DM Mono" panose="020B0509040201040103" pitchFamily="49" charset="0"/>
+            </a:endParaRPr>
+          </a:p>
+        </p:txBody>
+      </p:sp>
+      <p:sp>
+        <p:nvSpPr>
+          <p:cNvPr id="3" name="직사각형 2">
+            <a:extLst>
+              <a:ext uri="{FF2B5EF4-FFF2-40B4-BE49-F238E27FC236}">
+                <a16:creationId xmlns:a16="http://schemas.microsoft.com/office/drawing/2014/main" id="{4CF477BF-156E-8C48-5984-EB318C5BE5D5}"/>
+              </a:ext>
+            </a:extLst>
+          </p:cNvPr>
+          <p:cNvSpPr/>
+          <p:nvPr/>
+        </p:nvSpPr>
+        <p:spPr>
+          <a:xfrm>
+            <a:off x="5435227" y="3081097"/>
+            <a:ext cx="1701107" cy="369332"/>
+          </a:xfrm>
+          <a:prstGeom prst="rect">
+            <a:avLst/>
+          </a:prstGeom>
+        </p:spPr>
+        <p:txBody>
+          <a:bodyPr wrap="none">
+            <a:spAutoFit/>
+          </a:bodyPr>
+          <a:lstStyle/>
+          <a:p>
+            <a:r>
+              <a:rPr lang="en" altLang="ko-Kore-KR" dirty="0">
+                <a:solidFill>
+                  <a:srgbClr val="008000"/>
+                </a:solidFill>
+                <a:latin typeface="DM Mono" panose="020B0509040201040103" pitchFamily="49" charset="0"/>
+              </a:rPr>
+              <a:t>0x16f0731e8</a:t>
+            </a:r>
+            <a:endParaRPr lang="ko-Kore-KR" altLang="en-US" dirty="0"/>
+          </a:p>
+        </p:txBody>
+      </p:sp>
+      <p:sp>
+        <p:nvSpPr>
+          <p:cNvPr id="11" name="직사각형 10">
+            <a:extLst>
+              <a:ext uri="{FF2B5EF4-FFF2-40B4-BE49-F238E27FC236}">
+                <a16:creationId xmlns:a16="http://schemas.microsoft.com/office/drawing/2014/main" id="{F4EDF3B0-070E-747D-CDA1-D858847379FC}"/>
+              </a:ext>
+            </a:extLst>
+          </p:cNvPr>
+          <p:cNvSpPr/>
+          <p:nvPr/>
+        </p:nvSpPr>
+        <p:spPr>
+          <a:xfrm>
+            <a:off x="6285780" y="3863733"/>
+            <a:ext cx="1885622" cy="420443"/>
+          </a:xfrm>
+          <a:prstGeom prst="rect">
+            <a:avLst/>
+          </a:prstGeom>
+          <a:solidFill>
+            <a:srgbClr val="FFFF00"/>
+          </a:solidFill>
+        </p:spPr>
+        <p:style>
+          <a:lnRef idx="2">
+            <a:schemeClr val="accent1">
+              <a:shade val="50000"/>
+            </a:schemeClr>
+          </a:lnRef>
+          <a:fillRef idx="1">
+            <a:schemeClr val="accent1"/>
+          </a:fillRef>
+          <a:effectRef idx="0">
+            <a:schemeClr val="accent1"/>
+          </a:effectRef>
+          <a:fontRef idx="minor">
+            <a:schemeClr val="lt1"/>
+          </a:fontRef>
+        </p:style>
+        <p:txBody>
+          <a:bodyPr rtlCol="0" anchor="ctr"/>
+          <a:lstStyle/>
+          <a:p>
+            <a:pPr algn="ctr"/>
+            <a:r>
+              <a:rPr lang="en" altLang="ko-Kore-KR" sz="1400" dirty="0">
+                <a:solidFill>
+                  <a:srgbClr val="008000"/>
+                </a:solidFill>
+                <a:latin typeface="DM Mono" panose="020B0509040201040103" pitchFamily="49" charset="0"/>
+              </a:rPr>
+              <a:t>0x16f0731e8</a:t>
+            </a:r>
+            <a:endParaRPr kumimoji="1" lang="ko-Kore-KR" altLang="en-US" sz="1400" dirty="0">
+              <a:solidFill>
+                <a:schemeClr val="tx1"/>
+              </a:solidFill>
+            </a:endParaRPr>
+          </a:p>
+        </p:txBody>
+      </p:sp>
+      <p:sp>
+        <p:nvSpPr>
+          <p:cNvPr id="12" name="직사각형 11">
+            <a:extLst>
+              <a:ext uri="{FF2B5EF4-FFF2-40B4-BE49-F238E27FC236}">
+                <a16:creationId xmlns:a16="http://schemas.microsoft.com/office/drawing/2014/main" id="{DB1FAD64-73EA-0D60-3681-5073CAC5475A}"/>
+              </a:ext>
+            </a:extLst>
+          </p:cNvPr>
+          <p:cNvSpPr/>
+          <p:nvPr/>
+        </p:nvSpPr>
+        <p:spPr>
+          <a:xfrm>
+            <a:off x="5963256" y="3885719"/>
+            <a:ext cx="322524" cy="369332"/>
+          </a:xfrm>
+          <a:prstGeom prst="rect">
+            <a:avLst/>
+          </a:prstGeom>
+        </p:spPr>
+        <p:txBody>
+          <a:bodyPr wrap="none">
+            <a:spAutoFit/>
+          </a:bodyPr>
+          <a:lstStyle/>
+          <a:p>
+            <a:r>
+              <a:rPr lang="en" altLang="ko-Kore-KR" dirty="0">
+                <a:solidFill>
+                  <a:srgbClr val="001080"/>
+                </a:solidFill>
+                <a:latin typeface="DM Mono" panose="020B0509040201040103" pitchFamily="49" charset="0"/>
+              </a:rPr>
+              <a:t>p</a:t>
+            </a:r>
+            <a:endParaRPr lang="ko-Kore-KR" altLang="en-US" dirty="0"/>
+          </a:p>
+        </p:txBody>
+      </p:sp>
+      <p:cxnSp>
+        <p:nvCxnSpPr>
+          <p:cNvPr id="8" name="구부러진 연결선[U] 7">
+            <a:extLst>
+              <a:ext uri="{FF2B5EF4-FFF2-40B4-BE49-F238E27FC236}">
+                <a16:creationId xmlns:a16="http://schemas.microsoft.com/office/drawing/2014/main" id="{AF3D22D0-9A84-2CBF-E52F-076894A7670E}"/>
+              </a:ext>
+            </a:extLst>
+          </p:cNvPr>
+          <p:cNvCxnSpPr>
+            <a:cxnSpLocks/>
+            <a:stCxn id="11" idx="0"/>
+            <a:endCxn id="9" idx="2"/>
+          </p:cNvCxnSpPr>
+          <p:nvPr/>
+        </p:nvCxnSpPr>
+        <p:spPr>
+          <a:xfrm rot="16200000" flipV="1">
+            <a:off x="6266104" y="2901245"/>
+            <a:ext cx="792729" cy="1132247"/>
+          </a:xfrm>
+          <a:prstGeom prst="curvedConnector3">
+            <a:avLst>
+              <a:gd name="adj1" fmla="val 20619"/>
+            </a:avLst>
+          </a:prstGeom>
+          <a:ln>
+            <a:tailEnd type="triangle"/>
+          </a:ln>
+        </p:spPr>
+        <p:style>
+          <a:lnRef idx="1">
+            <a:schemeClr val="accent1"/>
+          </a:lnRef>
+          <a:fillRef idx="0">
+            <a:schemeClr val="accent1"/>
+          </a:fillRef>
+          <a:effectRef idx="0">
+            <a:schemeClr val="accent1"/>
+          </a:effectRef>
+          <a:fontRef idx="minor">
+            <a:schemeClr val="tx1"/>
+          </a:fontRef>
+        </p:style>
+      </p:cxnSp>
+    </p:spTree>
+    <p:extLst>
+      <p:ext uri="{BB962C8B-B14F-4D97-AF65-F5344CB8AC3E}">
+        <p14:creationId xmlns:p14="http://schemas.microsoft.com/office/powerpoint/2010/main" val="995623579"/>
       </p:ext>
     </p:extLst>
   </p:cSld>

--- a/220511.pptx
+++ b/220511.pptx
@@ -15,6 +15,9 @@
     <p:sldId id="263" r:id="rId9"/>
     <p:sldId id="264" r:id="rId10"/>
     <p:sldId id="265" r:id="rId11"/>
+    <p:sldId id="266" r:id="rId12"/>
+    <p:sldId id="267" r:id="rId13"/>
+    <p:sldId id="268" r:id="rId14"/>
   </p:sldIdLst>
   <p:sldSz cx="12192000" cy="6858000"/>
   <p:notesSz cx="6858000" cy="9144000"/>
@@ -5776,6 +5779,2864 @@
 </p:sld>
 </file>
 
+<file path=ppt/slides/slide11.xml><?xml version="1.0" encoding="utf-8"?>
+<p:sld xmlns:a="http://schemas.openxmlformats.org/drawingml/2006/main" xmlns:r="http://schemas.openxmlformats.org/officeDocument/2006/relationships" xmlns:p="http://schemas.openxmlformats.org/presentationml/2006/main">
+  <p:cSld>
+    <p:spTree>
+      <p:nvGrpSpPr>
+        <p:cNvPr id="1" name=""/>
+        <p:cNvGrpSpPr/>
+        <p:nvPr/>
+      </p:nvGrpSpPr>
+      <p:grpSpPr>
+        <a:xfrm>
+          <a:off x="0" y="0"/>
+          <a:ext cx="0" cy="0"/>
+          <a:chOff x="0" y="0"/>
+          <a:chExt cx="0" cy="0"/>
+        </a:xfrm>
+      </p:grpSpPr>
+      <p:sp>
+        <p:nvSpPr>
+          <p:cNvPr id="4" name="직사각형 3">
+            <a:extLst>
+              <a:ext uri="{FF2B5EF4-FFF2-40B4-BE49-F238E27FC236}">
+                <a16:creationId xmlns:a16="http://schemas.microsoft.com/office/drawing/2014/main" id="{546B1669-6EE1-44B7-3E44-6A1427B2F0DE}"/>
+              </a:ext>
+            </a:extLst>
+          </p:cNvPr>
+          <p:cNvSpPr/>
+          <p:nvPr/>
+        </p:nvSpPr>
+        <p:spPr>
+          <a:xfrm>
+            <a:off x="158151" y="212648"/>
+            <a:ext cx="6096000" cy="2585323"/>
+          </a:xfrm>
+          <a:prstGeom prst="rect">
+            <a:avLst/>
+          </a:prstGeom>
+        </p:spPr>
+        <p:txBody>
+          <a:bodyPr>
+            <a:spAutoFit/>
+          </a:bodyPr>
+          <a:lstStyle/>
+          <a:p>
+            <a:r>
+              <a:rPr lang="en" altLang="ko-Kore-KR" dirty="0">
+                <a:solidFill>
+                  <a:srgbClr val="0000FF"/>
+                </a:solidFill>
+                <a:latin typeface="DM Mono" panose="020B0509040201040103" pitchFamily="49" charset="0"/>
+              </a:rPr>
+              <a:t>int</a:t>
+            </a:r>
+            <a:r>
+              <a:rPr lang="en" altLang="ko-Kore-KR" dirty="0">
+                <a:solidFill>
+                  <a:srgbClr val="000000"/>
+                </a:solidFill>
+                <a:latin typeface="DM Mono" panose="020B0509040201040103" pitchFamily="49" charset="0"/>
+              </a:rPr>
+              <a:t> </a:t>
+            </a:r>
+            <a:r>
+              <a:rPr lang="en" altLang="ko-Kore-KR" dirty="0">
+                <a:solidFill>
+                  <a:srgbClr val="795E26"/>
+                </a:solidFill>
+                <a:latin typeface="DM Mono" panose="020B0509040201040103" pitchFamily="49" charset="0"/>
+              </a:rPr>
+              <a:t>main</a:t>
+            </a:r>
+            <a:r>
+              <a:rPr lang="en" altLang="ko-Kore-KR" dirty="0">
+                <a:solidFill>
+                  <a:srgbClr val="000000"/>
+                </a:solidFill>
+                <a:latin typeface="DM Mono" panose="020B0509040201040103" pitchFamily="49" charset="0"/>
+              </a:rPr>
+              <a:t>(</a:t>
+            </a:r>
+            <a:r>
+              <a:rPr lang="en" altLang="ko-Kore-KR" dirty="0">
+                <a:solidFill>
+                  <a:srgbClr val="0000FF"/>
+                </a:solidFill>
+                <a:latin typeface="DM Mono" panose="020B0509040201040103" pitchFamily="49" charset="0"/>
+              </a:rPr>
+              <a:t>void</a:t>
+            </a:r>
+            <a:r>
+              <a:rPr lang="en" altLang="ko-Kore-KR" dirty="0">
+                <a:solidFill>
+                  <a:srgbClr val="000000"/>
+                </a:solidFill>
+                <a:latin typeface="DM Mono" panose="020B0509040201040103" pitchFamily="49" charset="0"/>
+              </a:rPr>
+              <a:t>)</a:t>
+            </a:r>
+          </a:p>
+          <a:p>
+            <a:r>
+              <a:rPr lang="en" altLang="ko-Kore-KR" dirty="0">
+                <a:solidFill>
+                  <a:srgbClr val="000000"/>
+                </a:solidFill>
+                <a:latin typeface="DM Mono" panose="020B0509040201040103" pitchFamily="49" charset="0"/>
+              </a:rPr>
+              <a:t>{</a:t>
+            </a:r>
+          </a:p>
+          <a:p>
+            <a:r>
+              <a:rPr lang="en" altLang="ko-Kore-KR" dirty="0">
+                <a:solidFill>
+                  <a:srgbClr val="0000FF"/>
+                </a:solidFill>
+                <a:latin typeface="DM Mono" panose="020B0509040201040103" pitchFamily="49" charset="0"/>
+              </a:rPr>
+              <a:t>  int</a:t>
+            </a:r>
+            <a:r>
+              <a:rPr lang="en" altLang="ko-Kore-KR" dirty="0">
+                <a:solidFill>
+                  <a:srgbClr val="000000"/>
+                </a:solidFill>
+                <a:latin typeface="DM Mono" panose="020B0509040201040103" pitchFamily="49" charset="0"/>
+              </a:rPr>
+              <a:t> </a:t>
+            </a:r>
+            <a:r>
+              <a:rPr lang="en" altLang="ko-Kore-KR" dirty="0">
+                <a:solidFill>
+                  <a:srgbClr val="001080"/>
+                </a:solidFill>
+                <a:latin typeface="DM Mono" panose="020B0509040201040103" pitchFamily="49" charset="0"/>
+              </a:rPr>
+              <a:t>x</a:t>
+            </a:r>
+            <a:r>
+              <a:rPr lang="en" altLang="ko-Kore-KR" dirty="0">
+                <a:solidFill>
+                  <a:srgbClr val="000000"/>
+                </a:solidFill>
+                <a:latin typeface="DM Mono" panose="020B0509040201040103" pitchFamily="49" charset="0"/>
+              </a:rPr>
+              <a:t>[</a:t>
+            </a:r>
+            <a:r>
+              <a:rPr lang="en" altLang="ko-Kore-KR" dirty="0">
+                <a:solidFill>
+                  <a:srgbClr val="098658"/>
+                </a:solidFill>
+                <a:latin typeface="DM Mono" panose="020B0509040201040103" pitchFamily="49" charset="0"/>
+              </a:rPr>
+              <a:t>5</a:t>
+            </a:r>
+            <a:r>
+              <a:rPr lang="en" altLang="ko-Kore-KR" dirty="0">
+                <a:solidFill>
+                  <a:srgbClr val="000000"/>
+                </a:solidFill>
+                <a:latin typeface="DM Mono" panose="020B0509040201040103" pitchFamily="49" charset="0"/>
+              </a:rPr>
+              <a:t>] = { </a:t>
+            </a:r>
+            <a:r>
+              <a:rPr lang="en" altLang="ko-Kore-KR" dirty="0">
+                <a:solidFill>
+                  <a:srgbClr val="098658"/>
+                </a:solidFill>
+                <a:latin typeface="DM Mono" panose="020B0509040201040103" pitchFamily="49" charset="0"/>
+              </a:rPr>
+              <a:t>1</a:t>
+            </a:r>
+            <a:r>
+              <a:rPr lang="en" altLang="ko-Kore-KR" dirty="0">
+                <a:solidFill>
+                  <a:srgbClr val="000000"/>
+                </a:solidFill>
+                <a:latin typeface="DM Mono" panose="020B0509040201040103" pitchFamily="49" charset="0"/>
+              </a:rPr>
+              <a:t>, </a:t>
+            </a:r>
+            <a:r>
+              <a:rPr lang="en" altLang="ko-Kore-KR" dirty="0">
+                <a:solidFill>
+                  <a:srgbClr val="098658"/>
+                </a:solidFill>
+                <a:latin typeface="DM Mono" panose="020B0509040201040103" pitchFamily="49" charset="0"/>
+              </a:rPr>
+              <a:t>2</a:t>
+            </a:r>
+            <a:r>
+              <a:rPr lang="en" altLang="ko-Kore-KR" dirty="0">
+                <a:solidFill>
+                  <a:srgbClr val="000000"/>
+                </a:solidFill>
+                <a:latin typeface="DM Mono" panose="020B0509040201040103" pitchFamily="49" charset="0"/>
+              </a:rPr>
+              <a:t>, </a:t>
+            </a:r>
+            <a:r>
+              <a:rPr lang="en" altLang="ko-Kore-KR" dirty="0">
+                <a:solidFill>
+                  <a:srgbClr val="098658"/>
+                </a:solidFill>
+                <a:latin typeface="DM Mono" panose="020B0509040201040103" pitchFamily="49" charset="0"/>
+              </a:rPr>
+              <a:t>3</a:t>
+            </a:r>
+            <a:r>
+              <a:rPr lang="en" altLang="ko-Kore-KR" dirty="0">
+                <a:solidFill>
+                  <a:srgbClr val="000000"/>
+                </a:solidFill>
+                <a:latin typeface="DM Mono" panose="020B0509040201040103" pitchFamily="49" charset="0"/>
+              </a:rPr>
+              <a:t>, </a:t>
+            </a:r>
+            <a:r>
+              <a:rPr lang="en" altLang="ko-Kore-KR" dirty="0">
+                <a:solidFill>
+                  <a:srgbClr val="098658"/>
+                </a:solidFill>
+                <a:latin typeface="DM Mono" panose="020B0509040201040103" pitchFamily="49" charset="0"/>
+              </a:rPr>
+              <a:t>4</a:t>
+            </a:r>
+            <a:r>
+              <a:rPr lang="en" altLang="ko-Kore-KR" dirty="0">
+                <a:solidFill>
+                  <a:srgbClr val="000000"/>
+                </a:solidFill>
+                <a:latin typeface="DM Mono" panose="020B0509040201040103" pitchFamily="49" charset="0"/>
+              </a:rPr>
+              <a:t>, </a:t>
+            </a:r>
+            <a:r>
+              <a:rPr lang="en" altLang="ko-Kore-KR" dirty="0">
+                <a:solidFill>
+                  <a:srgbClr val="098658"/>
+                </a:solidFill>
+                <a:latin typeface="DM Mono" panose="020B0509040201040103" pitchFamily="49" charset="0"/>
+              </a:rPr>
+              <a:t>5</a:t>
+            </a:r>
+            <a:r>
+              <a:rPr lang="en" altLang="ko-Kore-KR" dirty="0">
+                <a:solidFill>
+                  <a:srgbClr val="000000"/>
+                </a:solidFill>
+                <a:latin typeface="DM Mono" panose="020B0509040201040103" pitchFamily="49" charset="0"/>
+              </a:rPr>
+              <a:t> };</a:t>
+            </a:r>
+          </a:p>
+          <a:p>
+            <a:r>
+              <a:rPr lang="en" altLang="ko-Kore-KR" dirty="0">
+                <a:solidFill>
+                  <a:srgbClr val="0000FF"/>
+                </a:solidFill>
+                <a:latin typeface="DM Mono" panose="020B0509040201040103" pitchFamily="49" charset="0"/>
+              </a:rPr>
+              <a:t>  int</a:t>
+            </a:r>
+            <a:r>
+              <a:rPr lang="en" altLang="ko-Kore-KR" dirty="0">
+                <a:solidFill>
+                  <a:srgbClr val="000000"/>
+                </a:solidFill>
+                <a:latin typeface="DM Mono" panose="020B0509040201040103" pitchFamily="49" charset="0"/>
+              </a:rPr>
+              <a:t>* </a:t>
+            </a:r>
+            <a:r>
+              <a:rPr lang="en" altLang="ko-Kore-KR" dirty="0">
+                <a:solidFill>
+                  <a:srgbClr val="001080"/>
+                </a:solidFill>
+                <a:latin typeface="DM Mono" panose="020B0509040201040103" pitchFamily="49" charset="0"/>
+              </a:rPr>
+              <a:t>p</a:t>
+            </a:r>
+            <a:r>
+              <a:rPr lang="en" altLang="ko-Kore-KR" dirty="0">
+                <a:solidFill>
+                  <a:srgbClr val="000000"/>
+                </a:solidFill>
+                <a:latin typeface="DM Mono" panose="020B0509040201040103" pitchFamily="49" charset="0"/>
+              </a:rPr>
+              <a:t> = </a:t>
+            </a:r>
+            <a:r>
+              <a:rPr lang="en" altLang="ko-Kore-KR" dirty="0">
+                <a:solidFill>
+                  <a:srgbClr val="001080"/>
+                </a:solidFill>
+                <a:latin typeface="DM Mono" panose="020B0509040201040103" pitchFamily="49" charset="0"/>
+              </a:rPr>
+              <a:t>x</a:t>
+            </a:r>
+            <a:r>
+              <a:rPr lang="en" altLang="ko-Kore-KR" dirty="0">
+                <a:solidFill>
+                  <a:srgbClr val="000000"/>
+                </a:solidFill>
+                <a:latin typeface="DM Mono" panose="020B0509040201040103" pitchFamily="49" charset="0"/>
+              </a:rPr>
+              <a:t>; </a:t>
+            </a:r>
+            <a:r>
+              <a:rPr lang="en" altLang="ko-Kore-KR" dirty="0">
+                <a:solidFill>
+                  <a:srgbClr val="008000"/>
+                </a:solidFill>
+                <a:latin typeface="DM Mono" panose="020B0509040201040103" pitchFamily="49" charset="0"/>
+              </a:rPr>
+              <a:t>// &amp;x[0]</a:t>
+            </a:r>
+            <a:endParaRPr lang="en" altLang="ko-Kore-KR" dirty="0">
+              <a:solidFill>
+                <a:srgbClr val="000000"/>
+              </a:solidFill>
+              <a:latin typeface="DM Mono" panose="020B0509040201040103" pitchFamily="49" charset="0"/>
+            </a:endParaRPr>
+          </a:p>
+          <a:p>
+            <a:br>
+              <a:rPr lang="en" altLang="ko-Kore-KR" dirty="0">
+                <a:solidFill>
+                  <a:srgbClr val="000000"/>
+                </a:solidFill>
+                <a:latin typeface="DM Mono" panose="020B0509040201040103" pitchFamily="49" charset="0"/>
+              </a:rPr>
+            </a:br>
+            <a:r>
+              <a:rPr lang="en" altLang="ko-Kore-KR" dirty="0">
+                <a:solidFill>
+                  <a:srgbClr val="000000"/>
+                </a:solidFill>
+                <a:latin typeface="DM Mono" panose="020B0509040201040103" pitchFamily="49" charset="0"/>
+              </a:rPr>
+              <a:t>  </a:t>
+            </a:r>
+            <a:r>
+              <a:rPr lang="en" altLang="ko-Kore-KR" dirty="0" err="1">
+                <a:solidFill>
+                  <a:srgbClr val="795E26"/>
+                </a:solidFill>
+                <a:latin typeface="DM Mono" panose="020B0509040201040103" pitchFamily="49" charset="0"/>
+              </a:rPr>
+              <a:t>printf</a:t>
+            </a:r>
+            <a:r>
+              <a:rPr lang="en" altLang="ko-Kore-KR" dirty="0">
+                <a:solidFill>
+                  <a:srgbClr val="000000"/>
+                </a:solidFill>
+                <a:latin typeface="DM Mono" panose="020B0509040201040103" pitchFamily="49" charset="0"/>
+              </a:rPr>
+              <a:t>(</a:t>
+            </a:r>
+            <a:r>
+              <a:rPr lang="en" altLang="ko-Kore-KR" dirty="0">
+                <a:solidFill>
+                  <a:srgbClr val="A31515"/>
+                </a:solidFill>
+                <a:latin typeface="DM Mono" panose="020B0509040201040103" pitchFamily="49" charset="0"/>
+              </a:rPr>
+              <a:t>"</a:t>
+            </a:r>
+            <a:r>
+              <a:rPr lang="en" altLang="ko-Kore-KR" dirty="0">
+                <a:solidFill>
+                  <a:srgbClr val="001080"/>
+                </a:solidFill>
+                <a:latin typeface="DM Mono" panose="020B0509040201040103" pitchFamily="49" charset="0"/>
+              </a:rPr>
+              <a:t>%d</a:t>
+            </a:r>
+            <a:r>
+              <a:rPr lang="en" altLang="ko-Kore-KR" dirty="0">
+                <a:solidFill>
+                  <a:srgbClr val="EE0000"/>
+                </a:solidFill>
+                <a:latin typeface="DM Mono" panose="020B0509040201040103" pitchFamily="49" charset="0"/>
+              </a:rPr>
+              <a:t>\n</a:t>
+            </a:r>
+            <a:r>
+              <a:rPr lang="en" altLang="ko-Kore-KR" dirty="0">
+                <a:solidFill>
+                  <a:srgbClr val="A31515"/>
+                </a:solidFill>
+                <a:latin typeface="DM Mono" panose="020B0509040201040103" pitchFamily="49" charset="0"/>
+              </a:rPr>
+              <a:t>"</a:t>
+            </a:r>
+            <a:r>
+              <a:rPr lang="en" altLang="ko-Kore-KR" dirty="0">
+                <a:solidFill>
+                  <a:srgbClr val="000000"/>
+                </a:solidFill>
+                <a:latin typeface="DM Mono" panose="020B0509040201040103" pitchFamily="49" charset="0"/>
+              </a:rPr>
+              <a:t>, *</a:t>
+            </a:r>
+            <a:r>
+              <a:rPr lang="en" altLang="ko-Kore-KR" dirty="0">
+                <a:solidFill>
+                  <a:srgbClr val="001080"/>
+                </a:solidFill>
+                <a:latin typeface="DM Mono" panose="020B0509040201040103" pitchFamily="49" charset="0"/>
+              </a:rPr>
+              <a:t>p</a:t>
+            </a:r>
+            <a:r>
+              <a:rPr lang="en" altLang="ko-Kore-KR" dirty="0">
+                <a:solidFill>
+                  <a:srgbClr val="000000"/>
+                </a:solidFill>
+                <a:latin typeface="DM Mono" panose="020B0509040201040103" pitchFamily="49" charset="0"/>
+              </a:rPr>
+              <a:t>); </a:t>
+            </a:r>
+          </a:p>
+          <a:p>
+            <a:br>
+              <a:rPr lang="en" altLang="ko-Kore-KR" dirty="0">
+                <a:solidFill>
+                  <a:srgbClr val="000000"/>
+                </a:solidFill>
+                <a:latin typeface="DM Mono" panose="020B0509040201040103" pitchFamily="49" charset="0"/>
+              </a:rPr>
+            </a:br>
+            <a:r>
+              <a:rPr lang="en" altLang="ko-Kore-KR" dirty="0">
+                <a:solidFill>
+                  <a:srgbClr val="000000"/>
+                </a:solidFill>
+                <a:latin typeface="DM Mono" panose="020B0509040201040103" pitchFamily="49" charset="0"/>
+              </a:rPr>
+              <a:t>  </a:t>
+            </a:r>
+            <a:r>
+              <a:rPr lang="en" altLang="ko-Kore-KR" dirty="0">
+                <a:solidFill>
+                  <a:srgbClr val="AF00DB"/>
+                </a:solidFill>
+                <a:latin typeface="DM Mono" panose="020B0509040201040103" pitchFamily="49" charset="0"/>
+              </a:rPr>
+              <a:t>return</a:t>
+            </a:r>
+            <a:r>
+              <a:rPr lang="en" altLang="ko-Kore-KR" dirty="0">
+                <a:solidFill>
+                  <a:srgbClr val="000000"/>
+                </a:solidFill>
+                <a:latin typeface="DM Mono" panose="020B0509040201040103" pitchFamily="49" charset="0"/>
+              </a:rPr>
+              <a:t> </a:t>
+            </a:r>
+            <a:r>
+              <a:rPr lang="en" altLang="ko-Kore-KR" dirty="0">
+                <a:solidFill>
+                  <a:srgbClr val="098658"/>
+                </a:solidFill>
+                <a:latin typeface="DM Mono" panose="020B0509040201040103" pitchFamily="49" charset="0"/>
+              </a:rPr>
+              <a:t>0</a:t>
+            </a:r>
+            <a:r>
+              <a:rPr lang="en" altLang="ko-Kore-KR" dirty="0">
+                <a:solidFill>
+                  <a:srgbClr val="000000"/>
+                </a:solidFill>
+                <a:latin typeface="DM Mono" panose="020B0509040201040103" pitchFamily="49" charset="0"/>
+              </a:rPr>
+              <a:t>;</a:t>
+            </a:r>
+          </a:p>
+          <a:p>
+            <a:r>
+              <a:rPr lang="en" altLang="ko-Kore-KR" dirty="0">
+                <a:solidFill>
+                  <a:srgbClr val="000000"/>
+                </a:solidFill>
+                <a:latin typeface="DM Mono" panose="020B0509040201040103" pitchFamily="49" charset="0"/>
+              </a:rPr>
+              <a:t>}</a:t>
+            </a:r>
+            <a:endParaRPr lang="en" altLang="ko-Kore-KR" b="0" dirty="0">
+              <a:solidFill>
+                <a:srgbClr val="000000"/>
+              </a:solidFill>
+              <a:effectLst/>
+              <a:latin typeface="DM Mono" panose="020B0509040201040103" pitchFamily="49" charset="0"/>
+            </a:endParaRPr>
+          </a:p>
+        </p:txBody>
+      </p:sp>
+      <p:sp>
+        <p:nvSpPr>
+          <p:cNvPr id="5" name="직사각형 4">
+            <a:extLst>
+              <a:ext uri="{FF2B5EF4-FFF2-40B4-BE49-F238E27FC236}">
+                <a16:creationId xmlns:a16="http://schemas.microsoft.com/office/drawing/2014/main" id="{5AE045B0-9E1B-7D7F-335F-5DBFB7A1B262}"/>
+              </a:ext>
+            </a:extLst>
+          </p:cNvPr>
+          <p:cNvSpPr/>
+          <p:nvPr/>
+        </p:nvSpPr>
+        <p:spPr>
+          <a:xfrm>
+            <a:off x="5555402" y="882768"/>
+            <a:ext cx="540598" cy="764875"/>
+          </a:xfrm>
+          <a:prstGeom prst="rect">
+            <a:avLst/>
+          </a:prstGeom>
+          <a:solidFill>
+            <a:schemeClr val="accent2"/>
+          </a:solidFill>
+        </p:spPr>
+        <p:style>
+          <a:lnRef idx="2">
+            <a:schemeClr val="accent1">
+              <a:shade val="50000"/>
+            </a:schemeClr>
+          </a:lnRef>
+          <a:fillRef idx="1">
+            <a:schemeClr val="accent1"/>
+          </a:fillRef>
+          <a:effectRef idx="0">
+            <a:schemeClr val="accent1"/>
+          </a:effectRef>
+          <a:fontRef idx="minor">
+            <a:schemeClr val="lt1"/>
+          </a:fontRef>
+        </p:style>
+        <p:txBody>
+          <a:bodyPr rtlCol="0" anchor="ctr"/>
+          <a:lstStyle/>
+          <a:p>
+            <a:pPr algn="ctr"/>
+            <a:r>
+              <a:rPr kumimoji="1" lang="en-US" altLang="ko-KR" sz="1400" dirty="0">
+                <a:solidFill>
+                  <a:schemeClr val="tx1"/>
+                </a:solidFill>
+              </a:rPr>
+              <a:t>1</a:t>
+            </a:r>
+            <a:endParaRPr kumimoji="1" lang="ko-Kore-KR" altLang="en-US" sz="1400" dirty="0">
+              <a:solidFill>
+                <a:schemeClr val="tx1"/>
+              </a:solidFill>
+            </a:endParaRPr>
+          </a:p>
+        </p:txBody>
+      </p:sp>
+      <p:sp>
+        <p:nvSpPr>
+          <p:cNvPr id="6" name="직사각형 5">
+            <a:extLst>
+              <a:ext uri="{FF2B5EF4-FFF2-40B4-BE49-F238E27FC236}">
+                <a16:creationId xmlns:a16="http://schemas.microsoft.com/office/drawing/2014/main" id="{278AFF64-A8AD-3C84-BCDF-F76C3D4C7114}"/>
+              </a:ext>
+            </a:extLst>
+          </p:cNvPr>
+          <p:cNvSpPr/>
+          <p:nvPr/>
+        </p:nvSpPr>
+        <p:spPr>
+          <a:xfrm>
+            <a:off x="6096000" y="882767"/>
+            <a:ext cx="540598" cy="764875"/>
+          </a:xfrm>
+          <a:prstGeom prst="rect">
+            <a:avLst/>
+          </a:prstGeom>
+          <a:solidFill>
+            <a:srgbClr val="FFFF00"/>
+          </a:solidFill>
+        </p:spPr>
+        <p:style>
+          <a:lnRef idx="2">
+            <a:schemeClr val="accent1">
+              <a:shade val="50000"/>
+            </a:schemeClr>
+          </a:lnRef>
+          <a:fillRef idx="1">
+            <a:schemeClr val="accent1"/>
+          </a:fillRef>
+          <a:effectRef idx="0">
+            <a:schemeClr val="accent1"/>
+          </a:effectRef>
+          <a:fontRef idx="minor">
+            <a:schemeClr val="lt1"/>
+          </a:fontRef>
+        </p:style>
+        <p:txBody>
+          <a:bodyPr rtlCol="0" anchor="ctr"/>
+          <a:lstStyle/>
+          <a:p>
+            <a:pPr algn="ctr"/>
+            <a:r>
+              <a:rPr kumimoji="1" lang="en-US" altLang="ko-KR" sz="1400" dirty="0">
+                <a:solidFill>
+                  <a:schemeClr val="tx1"/>
+                </a:solidFill>
+              </a:rPr>
+              <a:t>2</a:t>
+            </a:r>
+            <a:endParaRPr kumimoji="1" lang="ko-Kore-KR" altLang="en-US" sz="1400" dirty="0">
+              <a:solidFill>
+                <a:schemeClr val="tx1"/>
+              </a:solidFill>
+            </a:endParaRPr>
+          </a:p>
+        </p:txBody>
+      </p:sp>
+      <p:sp>
+        <p:nvSpPr>
+          <p:cNvPr id="7" name="직사각형 6">
+            <a:extLst>
+              <a:ext uri="{FF2B5EF4-FFF2-40B4-BE49-F238E27FC236}">
+                <a16:creationId xmlns:a16="http://schemas.microsoft.com/office/drawing/2014/main" id="{81E98844-3907-4394-3631-F046805B52FA}"/>
+              </a:ext>
+            </a:extLst>
+          </p:cNvPr>
+          <p:cNvSpPr/>
+          <p:nvPr/>
+        </p:nvSpPr>
+        <p:spPr>
+          <a:xfrm>
+            <a:off x="6636598" y="882766"/>
+            <a:ext cx="540598" cy="764875"/>
+          </a:xfrm>
+          <a:prstGeom prst="rect">
+            <a:avLst/>
+          </a:prstGeom>
+          <a:solidFill>
+            <a:srgbClr val="FFFF00"/>
+          </a:solidFill>
+        </p:spPr>
+        <p:style>
+          <a:lnRef idx="2">
+            <a:schemeClr val="accent1">
+              <a:shade val="50000"/>
+            </a:schemeClr>
+          </a:lnRef>
+          <a:fillRef idx="1">
+            <a:schemeClr val="accent1"/>
+          </a:fillRef>
+          <a:effectRef idx="0">
+            <a:schemeClr val="accent1"/>
+          </a:effectRef>
+          <a:fontRef idx="minor">
+            <a:schemeClr val="lt1"/>
+          </a:fontRef>
+        </p:style>
+        <p:txBody>
+          <a:bodyPr rtlCol="0" anchor="ctr"/>
+          <a:lstStyle/>
+          <a:p>
+            <a:pPr algn="ctr"/>
+            <a:r>
+              <a:rPr kumimoji="1" lang="en-US" altLang="ko-KR" sz="1400" dirty="0">
+                <a:solidFill>
+                  <a:schemeClr val="tx1"/>
+                </a:solidFill>
+              </a:rPr>
+              <a:t>3</a:t>
+            </a:r>
+            <a:endParaRPr kumimoji="1" lang="ko-Kore-KR" altLang="en-US" sz="1400" dirty="0">
+              <a:solidFill>
+                <a:schemeClr val="tx1"/>
+              </a:solidFill>
+            </a:endParaRPr>
+          </a:p>
+        </p:txBody>
+      </p:sp>
+      <p:sp>
+        <p:nvSpPr>
+          <p:cNvPr id="8" name="직사각형 7">
+            <a:extLst>
+              <a:ext uri="{FF2B5EF4-FFF2-40B4-BE49-F238E27FC236}">
+                <a16:creationId xmlns:a16="http://schemas.microsoft.com/office/drawing/2014/main" id="{DB7DDC85-DC29-6046-A783-473226CBE09F}"/>
+              </a:ext>
+            </a:extLst>
+          </p:cNvPr>
+          <p:cNvSpPr/>
+          <p:nvPr/>
+        </p:nvSpPr>
+        <p:spPr>
+          <a:xfrm>
+            <a:off x="7177196" y="882765"/>
+            <a:ext cx="540598" cy="764875"/>
+          </a:xfrm>
+          <a:prstGeom prst="rect">
+            <a:avLst/>
+          </a:prstGeom>
+          <a:solidFill>
+            <a:srgbClr val="FFFF00"/>
+          </a:solidFill>
+        </p:spPr>
+        <p:style>
+          <a:lnRef idx="2">
+            <a:schemeClr val="accent1">
+              <a:shade val="50000"/>
+            </a:schemeClr>
+          </a:lnRef>
+          <a:fillRef idx="1">
+            <a:schemeClr val="accent1"/>
+          </a:fillRef>
+          <a:effectRef idx="0">
+            <a:schemeClr val="accent1"/>
+          </a:effectRef>
+          <a:fontRef idx="minor">
+            <a:schemeClr val="lt1"/>
+          </a:fontRef>
+        </p:style>
+        <p:txBody>
+          <a:bodyPr rtlCol="0" anchor="ctr"/>
+          <a:lstStyle/>
+          <a:p>
+            <a:pPr algn="ctr"/>
+            <a:r>
+              <a:rPr kumimoji="1" lang="en-US" altLang="ko-KR" sz="1400" dirty="0">
+                <a:solidFill>
+                  <a:schemeClr val="tx1"/>
+                </a:solidFill>
+              </a:rPr>
+              <a:t>4</a:t>
+            </a:r>
+            <a:endParaRPr kumimoji="1" lang="ko-Kore-KR" altLang="en-US" sz="1400" dirty="0">
+              <a:solidFill>
+                <a:schemeClr val="tx1"/>
+              </a:solidFill>
+            </a:endParaRPr>
+          </a:p>
+        </p:txBody>
+      </p:sp>
+      <p:sp>
+        <p:nvSpPr>
+          <p:cNvPr id="9" name="직사각형 8">
+            <a:extLst>
+              <a:ext uri="{FF2B5EF4-FFF2-40B4-BE49-F238E27FC236}">
+                <a16:creationId xmlns:a16="http://schemas.microsoft.com/office/drawing/2014/main" id="{3B0074F7-BC01-AD71-54E8-5BC12B310836}"/>
+              </a:ext>
+            </a:extLst>
+          </p:cNvPr>
+          <p:cNvSpPr/>
+          <p:nvPr/>
+        </p:nvSpPr>
+        <p:spPr>
+          <a:xfrm>
+            <a:off x="7717794" y="882764"/>
+            <a:ext cx="540598" cy="764875"/>
+          </a:xfrm>
+          <a:prstGeom prst="rect">
+            <a:avLst/>
+          </a:prstGeom>
+          <a:solidFill>
+            <a:srgbClr val="FFFF00"/>
+          </a:solidFill>
+        </p:spPr>
+        <p:style>
+          <a:lnRef idx="2">
+            <a:schemeClr val="accent1">
+              <a:shade val="50000"/>
+            </a:schemeClr>
+          </a:lnRef>
+          <a:fillRef idx="1">
+            <a:schemeClr val="accent1"/>
+          </a:fillRef>
+          <a:effectRef idx="0">
+            <a:schemeClr val="accent1"/>
+          </a:effectRef>
+          <a:fontRef idx="minor">
+            <a:schemeClr val="lt1"/>
+          </a:fontRef>
+        </p:style>
+        <p:txBody>
+          <a:bodyPr rtlCol="0" anchor="ctr"/>
+          <a:lstStyle/>
+          <a:p>
+            <a:pPr algn="ctr"/>
+            <a:r>
+              <a:rPr kumimoji="1" lang="en-US" altLang="ko-KR" sz="1400" dirty="0">
+                <a:solidFill>
+                  <a:schemeClr val="tx1"/>
+                </a:solidFill>
+              </a:rPr>
+              <a:t>5</a:t>
+            </a:r>
+            <a:endParaRPr kumimoji="1" lang="ko-Kore-KR" altLang="en-US" sz="1400" dirty="0">
+              <a:solidFill>
+                <a:schemeClr val="tx1"/>
+              </a:solidFill>
+            </a:endParaRPr>
+          </a:p>
+        </p:txBody>
+      </p:sp>
+      <p:sp>
+        <p:nvSpPr>
+          <p:cNvPr id="10" name="직사각형 9">
+            <a:extLst>
+              <a:ext uri="{FF2B5EF4-FFF2-40B4-BE49-F238E27FC236}">
+                <a16:creationId xmlns:a16="http://schemas.microsoft.com/office/drawing/2014/main" id="{A7F1B7FC-CBFE-B2B5-C86C-8BAC93DDE586}"/>
+              </a:ext>
+            </a:extLst>
+          </p:cNvPr>
+          <p:cNvSpPr/>
+          <p:nvPr/>
+        </p:nvSpPr>
+        <p:spPr>
+          <a:xfrm>
+            <a:off x="5232878" y="1135977"/>
+            <a:ext cx="322524" cy="369332"/>
+          </a:xfrm>
+          <a:prstGeom prst="rect">
+            <a:avLst/>
+          </a:prstGeom>
+        </p:spPr>
+        <p:txBody>
+          <a:bodyPr wrap="none">
+            <a:spAutoFit/>
+          </a:bodyPr>
+          <a:lstStyle/>
+          <a:p>
+            <a:r>
+              <a:rPr lang="en" altLang="ko-Kore-KR" dirty="0">
+                <a:solidFill>
+                  <a:srgbClr val="001080"/>
+                </a:solidFill>
+                <a:latin typeface="DM Mono" panose="020B0509040201040103" pitchFamily="49" charset="0"/>
+              </a:rPr>
+              <a:t>x</a:t>
+            </a:r>
+            <a:endParaRPr lang="ko-Kore-KR" altLang="en-US" dirty="0"/>
+          </a:p>
+        </p:txBody>
+      </p:sp>
+      <p:sp>
+        <p:nvSpPr>
+          <p:cNvPr id="11" name="직사각형 10">
+            <a:extLst>
+              <a:ext uri="{FF2B5EF4-FFF2-40B4-BE49-F238E27FC236}">
+                <a16:creationId xmlns:a16="http://schemas.microsoft.com/office/drawing/2014/main" id="{BD6A40CD-B756-D15B-F21F-8BB3CFFEE87E}"/>
+              </a:ext>
+            </a:extLst>
+          </p:cNvPr>
+          <p:cNvSpPr/>
+          <p:nvPr/>
+        </p:nvSpPr>
+        <p:spPr>
+          <a:xfrm>
+            <a:off x="4560489" y="2984738"/>
+            <a:ext cx="540598" cy="764875"/>
+          </a:xfrm>
+          <a:prstGeom prst="rect">
+            <a:avLst/>
+          </a:prstGeom>
+          <a:solidFill>
+            <a:srgbClr val="FFFF00"/>
+          </a:solidFill>
+        </p:spPr>
+        <p:style>
+          <a:lnRef idx="2">
+            <a:schemeClr val="accent1">
+              <a:shade val="50000"/>
+            </a:schemeClr>
+          </a:lnRef>
+          <a:fillRef idx="1">
+            <a:schemeClr val="accent1"/>
+          </a:fillRef>
+          <a:effectRef idx="0">
+            <a:schemeClr val="accent1"/>
+          </a:effectRef>
+          <a:fontRef idx="minor">
+            <a:schemeClr val="lt1"/>
+          </a:fontRef>
+        </p:style>
+        <p:txBody>
+          <a:bodyPr rtlCol="0" anchor="ctr"/>
+          <a:lstStyle/>
+          <a:p>
+            <a:pPr algn="ctr"/>
+            <a:endParaRPr kumimoji="1" lang="ko-Kore-KR" altLang="en-US" sz="1400" dirty="0">
+              <a:solidFill>
+                <a:schemeClr val="tx1"/>
+              </a:solidFill>
+            </a:endParaRPr>
+          </a:p>
+        </p:txBody>
+      </p:sp>
+      <p:sp>
+        <p:nvSpPr>
+          <p:cNvPr id="12" name="직사각형 11">
+            <a:extLst>
+              <a:ext uri="{FF2B5EF4-FFF2-40B4-BE49-F238E27FC236}">
+                <a16:creationId xmlns:a16="http://schemas.microsoft.com/office/drawing/2014/main" id="{84DA724F-F57C-1876-327D-F2C7B78CE06C}"/>
+              </a:ext>
+            </a:extLst>
+          </p:cNvPr>
+          <p:cNvSpPr/>
+          <p:nvPr/>
+        </p:nvSpPr>
+        <p:spPr>
+          <a:xfrm>
+            <a:off x="4237965" y="3237947"/>
+            <a:ext cx="322524" cy="369332"/>
+          </a:xfrm>
+          <a:prstGeom prst="rect">
+            <a:avLst/>
+          </a:prstGeom>
+        </p:spPr>
+        <p:txBody>
+          <a:bodyPr wrap="none">
+            <a:spAutoFit/>
+          </a:bodyPr>
+          <a:lstStyle/>
+          <a:p>
+            <a:r>
+              <a:rPr lang="en" altLang="ko-Kore-KR" dirty="0">
+                <a:solidFill>
+                  <a:srgbClr val="001080"/>
+                </a:solidFill>
+                <a:latin typeface="DM Mono" panose="020B0509040201040103" pitchFamily="49" charset="0"/>
+              </a:rPr>
+              <a:t>p</a:t>
+            </a:r>
+            <a:endParaRPr lang="ko-Kore-KR" altLang="en-US" dirty="0"/>
+          </a:p>
+        </p:txBody>
+      </p:sp>
+      <p:cxnSp>
+        <p:nvCxnSpPr>
+          <p:cNvPr id="14" name="구부러진 연결선[U] 13">
+            <a:extLst>
+              <a:ext uri="{FF2B5EF4-FFF2-40B4-BE49-F238E27FC236}">
+                <a16:creationId xmlns:a16="http://schemas.microsoft.com/office/drawing/2014/main" id="{B5850FED-9484-FB07-C6CD-A8581680A007}"/>
+              </a:ext>
+            </a:extLst>
+          </p:cNvPr>
+          <p:cNvCxnSpPr>
+            <a:cxnSpLocks/>
+            <a:stCxn id="11" idx="0"/>
+            <a:endCxn id="5" idx="2"/>
+          </p:cNvCxnSpPr>
+          <p:nvPr/>
+        </p:nvCxnSpPr>
+        <p:spPr>
+          <a:xfrm rot="5400000" flipH="1" flipV="1">
+            <a:off x="4659697" y="1818735"/>
+            <a:ext cx="1337095" cy="994913"/>
+          </a:xfrm>
+          <a:prstGeom prst="curvedConnector3">
+            <a:avLst/>
+          </a:prstGeom>
+          <a:ln>
+            <a:tailEnd type="triangle"/>
+          </a:ln>
+        </p:spPr>
+        <p:style>
+          <a:lnRef idx="1">
+            <a:schemeClr val="accent1"/>
+          </a:lnRef>
+          <a:fillRef idx="0">
+            <a:schemeClr val="accent1"/>
+          </a:fillRef>
+          <a:effectRef idx="0">
+            <a:schemeClr val="accent1"/>
+          </a:effectRef>
+          <a:fontRef idx="minor">
+            <a:schemeClr val="tx1"/>
+          </a:fontRef>
+        </p:style>
+      </p:cxnSp>
+      <p:sp>
+        <p:nvSpPr>
+          <p:cNvPr id="15" name="직사각형 14">
+            <a:extLst>
+              <a:ext uri="{FF2B5EF4-FFF2-40B4-BE49-F238E27FC236}">
+                <a16:creationId xmlns:a16="http://schemas.microsoft.com/office/drawing/2014/main" id="{E12062BF-90F0-E8E9-FE8B-C5FEE0422BDF}"/>
+              </a:ext>
+            </a:extLst>
+          </p:cNvPr>
+          <p:cNvSpPr/>
+          <p:nvPr/>
+        </p:nvSpPr>
+        <p:spPr>
+          <a:xfrm>
+            <a:off x="4267870" y="4260284"/>
+            <a:ext cx="1287532" cy="369332"/>
+          </a:xfrm>
+          <a:prstGeom prst="rect">
+            <a:avLst/>
+          </a:prstGeom>
+        </p:spPr>
+        <p:txBody>
+          <a:bodyPr wrap="none">
+            <a:spAutoFit/>
+          </a:bodyPr>
+          <a:lstStyle/>
+          <a:p>
+            <a:r>
+              <a:rPr lang="en" altLang="ko-Kore-KR" dirty="0">
+                <a:solidFill>
+                  <a:srgbClr val="000000"/>
+                </a:solidFill>
+                <a:latin typeface="DM Mono" panose="020B0509040201040103" pitchFamily="49" charset="0"/>
+              </a:rPr>
+              <a:t>*(</a:t>
+            </a:r>
+            <a:r>
+              <a:rPr lang="en" altLang="ko-Kore-KR" dirty="0">
+                <a:solidFill>
+                  <a:srgbClr val="001080"/>
+                </a:solidFill>
+                <a:latin typeface="DM Mono" panose="020B0509040201040103" pitchFamily="49" charset="0"/>
+              </a:rPr>
+              <a:t>p</a:t>
+            </a:r>
+            <a:r>
+              <a:rPr lang="en" altLang="ko-Kore-KR" dirty="0">
+                <a:solidFill>
+                  <a:srgbClr val="000000"/>
+                </a:solidFill>
+                <a:latin typeface="DM Mono" panose="020B0509040201040103" pitchFamily="49" charset="0"/>
+              </a:rPr>
+              <a:t> + </a:t>
+            </a:r>
+            <a:r>
+              <a:rPr lang="en" altLang="ko-Kore-KR" dirty="0">
+                <a:solidFill>
+                  <a:srgbClr val="098658"/>
+                </a:solidFill>
+                <a:latin typeface="DM Mono" panose="020B0509040201040103" pitchFamily="49" charset="0"/>
+              </a:rPr>
+              <a:t>1</a:t>
+            </a:r>
+            <a:r>
+              <a:rPr lang="en" altLang="ko-Kore-KR" dirty="0">
+                <a:solidFill>
+                  <a:srgbClr val="000000"/>
+                </a:solidFill>
+                <a:latin typeface="DM Mono" panose="020B0509040201040103" pitchFamily="49" charset="0"/>
+              </a:rPr>
+              <a:t>)</a:t>
+            </a:r>
+            <a:endParaRPr lang="en" altLang="ko-Kore-KR" b="0" dirty="0">
+              <a:solidFill>
+                <a:srgbClr val="000000"/>
+              </a:solidFill>
+              <a:effectLst/>
+              <a:latin typeface="DM Mono" panose="020B0509040201040103" pitchFamily="49" charset="0"/>
+            </a:endParaRPr>
+          </a:p>
+        </p:txBody>
+      </p:sp>
+      <p:cxnSp>
+        <p:nvCxnSpPr>
+          <p:cNvPr id="17" name="구부러진 연결선[U] 16">
+            <a:extLst>
+              <a:ext uri="{FF2B5EF4-FFF2-40B4-BE49-F238E27FC236}">
+                <a16:creationId xmlns:a16="http://schemas.microsoft.com/office/drawing/2014/main" id="{FB417FB5-C740-E731-9818-612E880E9390}"/>
+              </a:ext>
+            </a:extLst>
+          </p:cNvPr>
+          <p:cNvCxnSpPr>
+            <a:stCxn id="15" idx="3"/>
+            <a:endCxn id="6" idx="2"/>
+          </p:cNvCxnSpPr>
+          <p:nvPr/>
+        </p:nvCxnSpPr>
+        <p:spPr>
+          <a:xfrm flipV="1">
+            <a:off x="5555402" y="1647642"/>
+            <a:ext cx="810897" cy="2797308"/>
+          </a:xfrm>
+          <a:prstGeom prst="curvedConnector2">
+            <a:avLst/>
+          </a:prstGeom>
+          <a:ln>
+            <a:tailEnd type="triangle"/>
+          </a:ln>
+        </p:spPr>
+        <p:style>
+          <a:lnRef idx="1">
+            <a:schemeClr val="accent1"/>
+          </a:lnRef>
+          <a:fillRef idx="0">
+            <a:schemeClr val="accent1"/>
+          </a:fillRef>
+          <a:effectRef idx="0">
+            <a:schemeClr val="accent1"/>
+          </a:effectRef>
+          <a:fontRef idx="minor">
+            <a:schemeClr val="tx1"/>
+          </a:fontRef>
+        </p:style>
+      </p:cxnSp>
+    </p:spTree>
+    <p:extLst>
+      <p:ext uri="{BB962C8B-B14F-4D97-AF65-F5344CB8AC3E}">
+        <p14:creationId xmlns:p14="http://schemas.microsoft.com/office/powerpoint/2010/main" val="294495424"/>
+      </p:ext>
+    </p:extLst>
+  </p:cSld>
+  <p:clrMapOvr>
+    <a:masterClrMapping/>
+  </p:clrMapOvr>
+</p:sld>
+</file>
+
+<file path=ppt/slides/slide12.xml><?xml version="1.0" encoding="utf-8"?>
+<p:sld xmlns:a="http://schemas.openxmlformats.org/drawingml/2006/main" xmlns:r="http://schemas.openxmlformats.org/officeDocument/2006/relationships" xmlns:p="http://schemas.openxmlformats.org/presentationml/2006/main">
+  <p:cSld>
+    <p:spTree>
+      <p:nvGrpSpPr>
+        <p:cNvPr id="1" name=""/>
+        <p:cNvGrpSpPr/>
+        <p:nvPr/>
+      </p:nvGrpSpPr>
+      <p:grpSpPr>
+        <a:xfrm>
+          <a:off x="0" y="0"/>
+          <a:ext cx="0" cy="0"/>
+          <a:chOff x="0" y="0"/>
+          <a:chExt cx="0" cy="0"/>
+        </a:xfrm>
+      </p:grpSpPr>
+      <p:sp>
+        <p:nvSpPr>
+          <p:cNvPr id="4" name="직사각형 3">
+            <a:extLst>
+              <a:ext uri="{FF2B5EF4-FFF2-40B4-BE49-F238E27FC236}">
+                <a16:creationId xmlns:a16="http://schemas.microsoft.com/office/drawing/2014/main" id="{546B1669-6EE1-44B7-3E44-6A1427B2F0DE}"/>
+              </a:ext>
+            </a:extLst>
+          </p:cNvPr>
+          <p:cNvSpPr/>
+          <p:nvPr/>
+        </p:nvSpPr>
+        <p:spPr>
+          <a:xfrm>
+            <a:off x="158151" y="212648"/>
+            <a:ext cx="6096000" cy="923330"/>
+          </a:xfrm>
+          <a:prstGeom prst="rect">
+            <a:avLst/>
+          </a:prstGeom>
+        </p:spPr>
+        <p:txBody>
+          <a:bodyPr>
+            <a:spAutoFit/>
+          </a:bodyPr>
+          <a:lstStyle/>
+          <a:p>
+            <a:r>
+              <a:rPr lang="en" altLang="ko-Kore-KR" dirty="0">
+                <a:solidFill>
+                  <a:srgbClr val="0000FF"/>
+                </a:solidFill>
+                <a:latin typeface="DM Mono" panose="020B0509040201040103" pitchFamily="49" charset="0"/>
+              </a:rPr>
+              <a:t>int</a:t>
+            </a:r>
+            <a:r>
+              <a:rPr lang="en" altLang="ko-Kore-KR" dirty="0">
+                <a:solidFill>
+                  <a:srgbClr val="000000"/>
+                </a:solidFill>
+                <a:latin typeface="DM Mono" panose="020B0509040201040103" pitchFamily="49" charset="0"/>
+              </a:rPr>
+              <a:t> </a:t>
+            </a:r>
+            <a:r>
+              <a:rPr lang="en" altLang="ko-Kore-KR" dirty="0">
+                <a:solidFill>
+                  <a:srgbClr val="001080"/>
+                </a:solidFill>
+                <a:latin typeface="DM Mono" panose="020B0509040201040103" pitchFamily="49" charset="0"/>
+              </a:rPr>
+              <a:t>x</a:t>
+            </a:r>
+            <a:r>
+              <a:rPr lang="en" altLang="ko-Kore-KR" dirty="0">
+                <a:solidFill>
+                  <a:srgbClr val="000000"/>
+                </a:solidFill>
+                <a:latin typeface="DM Mono" panose="020B0509040201040103" pitchFamily="49" charset="0"/>
+              </a:rPr>
+              <a:t>[</a:t>
+            </a:r>
+            <a:r>
+              <a:rPr lang="en" altLang="ko-Kore-KR" dirty="0">
+                <a:solidFill>
+                  <a:srgbClr val="098658"/>
+                </a:solidFill>
+                <a:latin typeface="DM Mono" panose="020B0509040201040103" pitchFamily="49" charset="0"/>
+              </a:rPr>
+              <a:t>3</a:t>
+            </a:r>
+            <a:r>
+              <a:rPr lang="en" altLang="ko-Kore-KR" dirty="0">
+                <a:solidFill>
+                  <a:srgbClr val="000000"/>
+                </a:solidFill>
+                <a:latin typeface="DM Mono" panose="020B0509040201040103" pitchFamily="49" charset="0"/>
+              </a:rPr>
+              <a:t>] = { </a:t>
+            </a:r>
+            <a:r>
+              <a:rPr lang="en" altLang="ko-Kore-KR" dirty="0">
+                <a:solidFill>
+                  <a:srgbClr val="098658"/>
+                </a:solidFill>
+                <a:latin typeface="DM Mono" panose="020B0509040201040103" pitchFamily="49" charset="0"/>
+              </a:rPr>
+              <a:t>1</a:t>
+            </a:r>
+            <a:r>
+              <a:rPr lang="en" altLang="ko-Kore-KR" dirty="0">
+                <a:solidFill>
+                  <a:srgbClr val="000000"/>
+                </a:solidFill>
+                <a:latin typeface="DM Mono" panose="020B0509040201040103" pitchFamily="49" charset="0"/>
+              </a:rPr>
+              <a:t>, </a:t>
+            </a:r>
+            <a:r>
+              <a:rPr lang="en" altLang="ko-Kore-KR" dirty="0">
+                <a:solidFill>
+                  <a:srgbClr val="098658"/>
+                </a:solidFill>
+                <a:latin typeface="DM Mono" panose="020B0509040201040103" pitchFamily="49" charset="0"/>
+              </a:rPr>
+              <a:t>2</a:t>
+            </a:r>
+            <a:r>
+              <a:rPr lang="en" altLang="ko-Kore-KR" dirty="0">
+                <a:solidFill>
+                  <a:srgbClr val="000000"/>
+                </a:solidFill>
+                <a:latin typeface="DM Mono" panose="020B0509040201040103" pitchFamily="49" charset="0"/>
+              </a:rPr>
+              <a:t>, </a:t>
+            </a:r>
+            <a:r>
+              <a:rPr lang="en" altLang="ko-Kore-KR" dirty="0">
+                <a:solidFill>
+                  <a:srgbClr val="098658"/>
+                </a:solidFill>
+                <a:latin typeface="DM Mono" panose="020B0509040201040103" pitchFamily="49" charset="0"/>
+              </a:rPr>
+              <a:t>3</a:t>
+            </a:r>
+            <a:r>
+              <a:rPr lang="en" altLang="ko-Kore-KR" dirty="0">
+                <a:solidFill>
+                  <a:srgbClr val="000000"/>
+                </a:solidFill>
+                <a:latin typeface="DM Mono" panose="020B0509040201040103" pitchFamily="49" charset="0"/>
+              </a:rPr>
+              <a:t> };</a:t>
+            </a:r>
+          </a:p>
+          <a:p>
+            <a:br>
+              <a:rPr lang="en" altLang="ko-Kore-KR" dirty="0">
+                <a:solidFill>
+                  <a:srgbClr val="000000"/>
+                </a:solidFill>
+                <a:latin typeface="DM Mono" panose="020B0509040201040103" pitchFamily="49" charset="0"/>
+              </a:rPr>
+            </a:br>
+            <a:r>
+              <a:rPr lang="en" altLang="ko-Kore-KR" dirty="0">
+                <a:solidFill>
+                  <a:srgbClr val="0000FF"/>
+                </a:solidFill>
+                <a:latin typeface="DM Mono" panose="020B0509040201040103" pitchFamily="49" charset="0"/>
+              </a:rPr>
+              <a:t>int</a:t>
+            </a:r>
+            <a:r>
+              <a:rPr lang="en" altLang="ko-Kore-KR" dirty="0">
+                <a:solidFill>
+                  <a:srgbClr val="000000"/>
+                </a:solidFill>
+                <a:latin typeface="DM Mono" panose="020B0509040201040103" pitchFamily="49" charset="0"/>
+              </a:rPr>
+              <a:t>* </a:t>
+            </a:r>
+            <a:r>
+              <a:rPr lang="en" altLang="ko-Kore-KR" dirty="0">
+                <a:solidFill>
+                  <a:srgbClr val="001080"/>
+                </a:solidFill>
+                <a:latin typeface="DM Mono" panose="020B0509040201040103" pitchFamily="49" charset="0"/>
+              </a:rPr>
+              <a:t>p</a:t>
+            </a:r>
+            <a:r>
+              <a:rPr lang="en" altLang="ko-Kore-KR" dirty="0">
+                <a:solidFill>
+                  <a:srgbClr val="000000"/>
+                </a:solidFill>
+                <a:latin typeface="DM Mono" panose="020B0509040201040103" pitchFamily="49" charset="0"/>
+              </a:rPr>
+              <a:t> = </a:t>
+            </a:r>
+            <a:r>
+              <a:rPr lang="en" altLang="ko-Kore-KR" dirty="0">
+                <a:solidFill>
+                  <a:srgbClr val="001080"/>
+                </a:solidFill>
+                <a:latin typeface="DM Mono" panose="020B0509040201040103" pitchFamily="49" charset="0"/>
+              </a:rPr>
+              <a:t>x</a:t>
+            </a:r>
+            <a:r>
+              <a:rPr lang="en" altLang="ko-Kore-KR" dirty="0">
+                <a:solidFill>
+                  <a:srgbClr val="000000"/>
+                </a:solidFill>
+                <a:latin typeface="DM Mono" panose="020B0509040201040103" pitchFamily="49" charset="0"/>
+              </a:rPr>
+              <a:t> + </a:t>
+            </a:r>
+            <a:r>
+              <a:rPr lang="en" altLang="ko-Kore-KR" dirty="0">
+                <a:solidFill>
+                  <a:srgbClr val="098658"/>
+                </a:solidFill>
+                <a:latin typeface="DM Mono" panose="020B0509040201040103" pitchFamily="49" charset="0"/>
+              </a:rPr>
+              <a:t>2</a:t>
+            </a:r>
+            <a:r>
+              <a:rPr lang="en" altLang="ko-Kore-KR" dirty="0">
+                <a:solidFill>
+                  <a:srgbClr val="000000"/>
+                </a:solidFill>
+                <a:latin typeface="DM Mono" panose="020B0509040201040103" pitchFamily="49" charset="0"/>
+              </a:rPr>
+              <a:t>;</a:t>
+            </a:r>
+          </a:p>
+        </p:txBody>
+      </p:sp>
+      <p:sp>
+        <p:nvSpPr>
+          <p:cNvPr id="5" name="직사각형 4">
+            <a:extLst>
+              <a:ext uri="{FF2B5EF4-FFF2-40B4-BE49-F238E27FC236}">
+                <a16:creationId xmlns:a16="http://schemas.microsoft.com/office/drawing/2014/main" id="{5AE045B0-9E1B-7D7F-335F-5DBFB7A1B262}"/>
+              </a:ext>
+            </a:extLst>
+          </p:cNvPr>
+          <p:cNvSpPr/>
+          <p:nvPr/>
+        </p:nvSpPr>
+        <p:spPr>
+          <a:xfrm>
+            <a:off x="5555402" y="882768"/>
+            <a:ext cx="540598" cy="764875"/>
+          </a:xfrm>
+          <a:prstGeom prst="rect">
+            <a:avLst/>
+          </a:prstGeom>
+          <a:solidFill>
+            <a:schemeClr val="accent2"/>
+          </a:solidFill>
+        </p:spPr>
+        <p:style>
+          <a:lnRef idx="2">
+            <a:schemeClr val="accent1">
+              <a:shade val="50000"/>
+            </a:schemeClr>
+          </a:lnRef>
+          <a:fillRef idx="1">
+            <a:schemeClr val="accent1"/>
+          </a:fillRef>
+          <a:effectRef idx="0">
+            <a:schemeClr val="accent1"/>
+          </a:effectRef>
+          <a:fontRef idx="minor">
+            <a:schemeClr val="lt1"/>
+          </a:fontRef>
+        </p:style>
+        <p:txBody>
+          <a:bodyPr rtlCol="0" anchor="ctr"/>
+          <a:lstStyle/>
+          <a:p>
+            <a:pPr algn="ctr"/>
+            <a:r>
+              <a:rPr kumimoji="1" lang="en-US" altLang="ko-KR" sz="1400" dirty="0">
+                <a:solidFill>
+                  <a:schemeClr val="tx1"/>
+                </a:solidFill>
+              </a:rPr>
+              <a:t>1</a:t>
+            </a:r>
+            <a:endParaRPr kumimoji="1" lang="ko-Kore-KR" altLang="en-US" sz="1400" dirty="0">
+              <a:solidFill>
+                <a:schemeClr val="tx1"/>
+              </a:solidFill>
+            </a:endParaRPr>
+          </a:p>
+        </p:txBody>
+      </p:sp>
+      <p:sp>
+        <p:nvSpPr>
+          <p:cNvPr id="6" name="직사각형 5">
+            <a:extLst>
+              <a:ext uri="{FF2B5EF4-FFF2-40B4-BE49-F238E27FC236}">
+                <a16:creationId xmlns:a16="http://schemas.microsoft.com/office/drawing/2014/main" id="{278AFF64-A8AD-3C84-BCDF-F76C3D4C7114}"/>
+              </a:ext>
+            </a:extLst>
+          </p:cNvPr>
+          <p:cNvSpPr/>
+          <p:nvPr/>
+        </p:nvSpPr>
+        <p:spPr>
+          <a:xfrm>
+            <a:off x="6096000" y="882767"/>
+            <a:ext cx="540598" cy="764875"/>
+          </a:xfrm>
+          <a:prstGeom prst="rect">
+            <a:avLst/>
+          </a:prstGeom>
+          <a:solidFill>
+            <a:srgbClr val="FFFF00"/>
+          </a:solidFill>
+        </p:spPr>
+        <p:style>
+          <a:lnRef idx="2">
+            <a:schemeClr val="accent1">
+              <a:shade val="50000"/>
+            </a:schemeClr>
+          </a:lnRef>
+          <a:fillRef idx="1">
+            <a:schemeClr val="accent1"/>
+          </a:fillRef>
+          <a:effectRef idx="0">
+            <a:schemeClr val="accent1"/>
+          </a:effectRef>
+          <a:fontRef idx="minor">
+            <a:schemeClr val="lt1"/>
+          </a:fontRef>
+        </p:style>
+        <p:txBody>
+          <a:bodyPr rtlCol="0" anchor="ctr"/>
+          <a:lstStyle/>
+          <a:p>
+            <a:pPr algn="ctr"/>
+            <a:r>
+              <a:rPr kumimoji="1" lang="en-US" altLang="ko-KR" sz="1400" dirty="0">
+                <a:solidFill>
+                  <a:schemeClr val="tx1"/>
+                </a:solidFill>
+              </a:rPr>
+              <a:t>2</a:t>
+            </a:r>
+            <a:endParaRPr kumimoji="1" lang="ko-Kore-KR" altLang="en-US" sz="1400" dirty="0">
+              <a:solidFill>
+                <a:schemeClr val="tx1"/>
+              </a:solidFill>
+            </a:endParaRPr>
+          </a:p>
+        </p:txBody>
+      </p:sp>
+      <p:sp>
+        <p:nvSpPr>
+          <p:cNvPr id="7" name="직사각형 6">
+            <a:extLst>
+              <a:ext uri="{FF2B5EF4-FFF2-40B4-BE49-F238E27FC236}">
+                <a16:creationId xmlns:a16="http://schemas.microsoft.com/office/drawing/2014/main" id="{81E98844-3907-4394-3631-F046805B52FA}"/>
+              </a:ext>
+            </a:extLst>
+          </p:cNvPr>
+          <p:cNvSpPr/>
+          <p:nvPr/>
+        </p:nvSpPr>
+        <p:spPr>
+          <a:xfrm>
+            <a:off x="6636598" y="882766"/>
+            <a:ext cx="540598" cy="764875"/>
+          </a:xfrm>
+          <a:prstGeom prst="rect">
+            <a:avLst/>
+          </a:prstGeom>
+          <a:solidFill>
+            <a:srgbClr val="FFFF00"/>
+          </a:solidFill>
+        </p:spPr>
+        <p:style>
+          <a:lnRef idx="2">
+            <a:schemeClr val="accent1">
+              <a:shade val="50000"/>
+            </a:schemeClr>
+          </a:lnRef>
+          <a:fillRef idx="1">
+            <a:schemeClr val="accent1"/>
+          </a:fillRef>
+          <a:effectRef idx="0">
+            <a:schemeClr val="accent1"/>
+          </a:effectRef>
+          <a:fontRef idx="minor">
+            <a:schemeClr val="lt1"/>
+          </a:fontRef>
+        </p:style>
+        <p:txBody>
+          <a:bodyPr rtlCol="0" anchor="ctr"/>
+          <a:lstStyle/>
+          <a:p>
+            <a:pPr algn="ctr"/>
+            <a:r>
+              <a:rPr kumimoji="1" lang="en-US" altLang="ko-KR" sz="1400" dirty="0">
+                <a:solidFill>
+                  <a:schemeClr val="tx1"/>
+                </a:solidFill>
+              </a:rPr>
+              <a:t>3</a:t>
+            </a:r>
+            <a:endParaRPr kumimoji="1" lang="ko-Kore-KR" altLang="en-US" sz="1400" dirty="0">
+              <a:solidFill>
+                <a:schemeClr val="tx1"/>
+              </a:solidFill>
+            </a:endParaRPr>
+          </a:p>
+        </p:txBody>
+      </p:sp>
+      <p:sp>
+        <p:nvSpPr>
+          <p:cNvPr id="10" name="직사각형 9">
+            <a:extLst>
+              <a:ext uri="{FF2B5EF4-FFF2-40B4-BE49-F238E27FC236}">
+                <a16:creationId xmlns:a16="http://schemas.microsoft.com/office/drawing/2014/main" id="{A7F1B7FC-CBFE-B2B5-C86C-8BAC93DDE586}"/>
+              </a:ext>
+            </a:extLst>
+          </p:cNvPr>
+          <p:cNvSpPr/>
+          <p:nvPr/>
+        </p:nvSpPr>
+        <p:spPr>
+          <a:xfrm>
+            <a:off x="5232878" y="1135977"/>
+            <a:ext cx="322524" cy="369332"/>
+          </a:xfrm>
+          <a:prstGeom prst="rect">
+            <a:avLst/>
+          </a:prstGeom>
+        </p:spPr>
+        <p:txBody>
+          <a:bodyPr wrap="none">
+            <a:spAutoFit/>
+          </a:bodyPr>
+          <a:lstStyle/>
+          <a:p>
+            <a:r>
+              <a:rPr lang="en" altLang="ko-Kore-KR" dirty="0">
+                <a:solidFill>
+                  <a:srgbClr val="001080"/>
+                </a:solidFill>
+                <a:latin typeface="DM Mono" panose="020B0509040201040103" pitchFamily="49" charset="0"/>
+              </a:rPr>
+              <a:t>x</a:t>
+            </a:r>
+            <a:endParaRPr lang="ko-Kore-KR" altLang="en-US" dirty="0"/>
+          </a:p>
+        </p:txBody>
+      </p:sp>
+      <p:sp>
+        <p:nvSpPr>
+          <p:cNvPr id="11" name="직사각형 10">
+            <a:extLst>
+              <a:ext uri="{FF2B5EF4-FFF2-40B4-BE49-F238E27FC236}">
+                <a16:creationId xmlns:a16="http://schemas.microsoft.com/office/drawing/2014/main" id="{BD6A40CD-B756-D15B-F21F-8BB3CFFEE87E}"/>
+              </a:ext>
+            </a:extLst>
+          </p:cNvPr>
+          <p:cNvSpPr/>
+          <p:nvPr/>
+        </p:nvSpPr>
+        <p:spPr>
+          <a:xfrm>
+            <a:off x="4560489" y="2984738"/>
+            <a:ext cx="540598" cy="764875"/>
+          </a:xfrm>
+          <a:prstGeom prst="rect">
+            <a:avLst/>
+          </a:prstGeom>
+          <a:solidFill>
+            <a:srgbClr val="FFFF00"/>
+          </a:solidFill>
+        </p:spPr>
+        <p:style>
+          <a:lnRef idx="2">
+            <a:schemeClr val="accent1">
+              <a:shade val="50000"/>
+            </a:schemeClr>
+          </a:lnRef>
+          <a:fillRef idx="1">
+            <a:schemeClr val="accent1"/>
+          </a:fillRef>
+          <a:effectRef idx="0">
+            <a:schemeClr val="accent1"/>
+          </a:effectRef>
+          <a:fontRef idx="minor">
+            <a:schemeClr val="lt1"/>
+          </a:fontRef>
+        </p:style>
+        <p:txBody>
+          <a:bodyPr rtlCol="0" anchor="ctr"/>
+          <a:lstStyle/>
+          <a:p>
+            <a:pPr algn="ctr"/>
+            <a:endParaRPr kumimoji="1" lang="ko-Kore-KR" altLang="en-US" sz="1400" dirty="0">
+              <a:solidFill>
+                <a:schemeClr val="tx1"/>
+              </a:solidFill>
+            </a:endParaRPr>
+          </a:p>
+        </p:txBody>
+      </p:sp>
+      <p:sp>
+        <p:nvSpPr>
+          <p:cNvPr id="12" name="직사각형 11">
+            <a:extLst>
+              <a:ext uri="{FF2B5EF4-FFF2-40B4-BE49-F238E27FC236}">
+                <a16:creationId xmlns:a16="http://schemas.microsoft.com/office/drawing/2014/main" id="{84DA724F-F57C-1876-327D-F2C7B78CE06C}"/>
+              </a:ext>
+            </a:extLst>
+          </p:cNvPr>
+          <p:cNvSpPr/>
+          <p:nvPr/>
+        </p:nvSpPr>
+        <p:spPr>
+          <a:xfrm>
+            <a:off x="4237965" y="3237947"/>
+            <a:ext cx="322524" cy="369332"/>
+          </a:xfrm>
+          <a:prstGeom prst="rect">
+            <a:avLst/>
+          </a:prstGeom>
+        </p:spPr>
+        <p:txBody>
+          <a:bodyPr wrap="none">
+            <a:spAutoFit/>
+          </a:bodyPr>
+          <a:lstStyle/>
+          <a:p>
+            <a:r>
+              <a:rPr lang="en" altLang="ko-Kore-KR" dirty="0">
+                <a:solidFill>
+                  <a:srgbClr val="001080"/>
+                </a:solidFill>
+                <a:latin typeface="DM Mono" panose="020B0509040201040103" pitchFamily="49" charset="0"/>
+              </a:rPr>
+              <a:t>p</a:t>
+            </a:r>
+            <a:endParaRPr lang="ko-Kore-KR" altLang="en-US" dirty="0"/>
+          </a:p>
+        </p:txBody>
+      </p:sp>
+      <p:cxnSp>
+        <p:nvCxnSpPr>
+          <p:cNvPr id="14" name="구부러진 연결선[U] 13">
+            <a:extLst>
+              <a:ext uri="{FF2B5EF4-FFF2-40B4-BE49-F238E27FC236}">
+                <a16:creationId xmlns:a16="http://schemas.microsoft.com/office/drawing/2014/main" id="{B5850FED-9484-FB07-C6CD-A8581680A007}"/>
+              </a:ext>
+            </a:extLst>
+          </p:cNvPr>
+          <p:cNvCxnSpPr>
+            <a:cxnSpLocks/>
+            <a:stCxn id="11" idx="0"/>
+            <a:endCxn id="7" idx="2"/>
+          </p:cNvCxnSpPr>
+          <p:nvPr/>
+        </p:nvCxnSpPr>
+        <p:spPr>
+          <a:xfrm rot="5400000" flipH="1" flipV="1">
+            <a:off x="5200294" y="1278136"/>
+            <a:ext cx="1337097" cy="2076109"/>
+          </a:xfrm>
+          <a:prstGeom prst="curvedConnector3">
+            <a:avLst/>
+          </a:prstGeom>
+          <a:ln>
+            <a:tailEnd type="triangle"/>
+          </a:ln>
+        </p:spPr>
+        <p:style>
+          <a:lnRef idx="1">
+            <a:schemeClr val="accent1"/>
+          </a:lnRef>
+          <a:fillRef idx="0">
+            <a:schemeClr val="accent1"/>
+          </a:fillRef>
+          <a:effectRef idx="0">
+            <a:schemeClr val="accent1"/>
+          </a:effectRef>
+          <a:fontRef idx="minor">
+            <a:schemeClr val="tx1"/>
+          </a:fontRef>
+        </p:style>
+      </p:cxnSp>
+    </p:spTree>
+    <p:extLst>
+      <p:ext uri="{BB962C8B-B14F-4D97-AF65-F5344CB8AC3E}">
+        <p14:creationId xmlns:p14="http://schemas.microsoft.com/office/powerpoint/2010/main" val="2188626744"/>
+      </p:ext>
+    </p:extLst>
+  </p:cSld>
+  <p:clrMapOvr>
+    <a:masterClrMapping/>
+  </p:clrMapOvr>
+</p:sld>
+</file>
+
+<file path=ppt/slides/slide13.xml><?xml version="1.0" encoding="utf-8"?>
+<p:sld xmlns:a="http://schemas.openxmlformats.org/drawingml/2006/main" xmlns:r="http://schemas.openxmlformats.org/officeDocument/2006/relationships" xmlns:p="http://schemas.openxmlformats.org/presentationml/2006/main">
+  <p:cSld>
+    <p:spTree>
+      <p:nvGrpSpPr>
+        <p:cNvPr id="1" name=""/>
+        <p:cNvGrpSpPr/>
+        <p:nvPr/>
+      </p:nvGrpSpPr>
+      <p:grpSpPr>
+        <a:xfrm>
+          <a:off x="0" y="0"/>
+          <a:ext cx="0" cy="0"/>
+          <a:chOff x="0" y="0"/>
+          <a:chExt cx="0" cy="0"/>
+        </a:xfrm>
+      </p:grpSpPr>
+      <p:sp>
+        <p:nvSpPr>
+          <p:cNvPr id="4" name="직사각형 3">
+            <a:extLst>
+              <a:ext uri="{FF2B5EF4-FFF2-40B4-BE49-F238E27FC236}">
+                <a16:creationId xmlns:a16="http://schemas.microsoft.com/office/drawing/2014/main" id="{546B1669-6EE1-44B7-3E44-6A1427B2F0DE}"/>
+              </a:ext>
+            </a:extLst>
+          </p:cNvPr>
+          <p:cNvSpPr/>
+          <p:nvPr/>
+        </p:nvSpPr>
+        <p:spPr>
+          <a:xfrm>
+            <a:off x="158151" y="212648"/>
+            <a:ext cx="6096000" cy="1477328"/>
+          </a:xfrm>
+          <a:prstGeom prst="rect">
+            <a:avLst/>
+          </a:prstGeom>
+        </p:spPr>
+        <p:txBody>
+          <a:bodyPr>
+            <a:spAutoFit/>
+          </a:bodyPr>
+          <a:lstStyle/>
+          <a:p>
+            <a:r>
+              <a:rPr lang="en" altLang="ko-Kore-KR" dirty="0">
+                <a:solidFill>
+                  <a:srgbClr val="0000FF"/>
+                </a:solidFill>
+                <a:latin typeface="DM Mono" panose="020B0509040201040103" pitchFamily="49" charset="0"/>
+              </a:rPr>
+              <a:t>int</a:t>
+            </a:r>
+            <a:r>
+              <a:rPr lang="en" altLang="ko-Kore-KR" dirty="0">
+                <a:solidFill>
+                  <a:srgbClr val="000000"/>
+                </a:solidFill>
+                <a:latin typeface="DM Mono" panose="020B0509040201040103" pitchFamily="49" charset="0"/>
+              </a:rPr>
+              <a:t> </a:t>
+            </a:r>
+            <a:r>
+              <a:rPr lang="en" altLang="ko-Kore-KR" dirty="0" err="1">
+                <a:solidFill>
+                  <a:srgbClr val="001080"/>
+                </a:solidFill>
+                <a:latin typeface="DM Mono" panose="020B0509040201040103" pitchFamily="49" charset="0"/>
+              </a:rPr>
+              <a:t>arr</a:t>
+            </a:r>
+            <a:r>
+              <a:rPr lang="en" altLang="ko-Kore-KR" dirty="0">
+                <a:solidFill>
+                  <a:srgbClr val="000000"/>
+                </a:solidFill>
+                <a:latin typeface="DM Mono" panose="020B0509040201040103" pitchFamily="49" charset="0"/>
+              </a:rPr>
+              <a:t>[</a:t>
+            </a:r>
+            <a:r>
+              <a:rPr lang="en" altLang="ko-Kore-KR" dirty="0">
+                <a:solidFill>
+                  <a:srgbClr val="098658"/>
+                </a:solidFill>
+                <a:latin typeface="DM Mono" panose="020B0509040201040103" pitchFamily="49" charset="0"/>
+              </a:rPr>
+              <a:t>5</a:t>
+            </a:r>
+            <a:r>
+              <a:rPr lang="en" altLang="ko-Kore-KR" dirty="0">
+                <a:solidFill>
+                  <a:srgbClr val="000000"/>
+                </a:solidFill>
+                <a:latin typeface="DM Mono" panose="020B0509040201040103" pitchFamily="49" charset="0"/>
+              </a:rPr>
+              <a:t>] = { </a:t>
+            </a:r>
+            <a:r>
+              <a:rPr lang="en" altLang="ko-Kore-KR" dirty="0">
+                <a:solidFill>
+                  <a:srgbClr val="098658"/>
+                </a:solidFill>
+                <a:latin typeface="DM Mono" panose="020B0509040201040103" pitchFamily="49" charset="0"/>
+              </a:rPr>
+              <a:t>1</a:t>
+            </a:r>
+            <a:r>
+              <a:rPr lang="en" altLang="ko-Kore-KR" dirty="0">
+                <a:solidFill>
+                  <a:srgbClr val="000000"/>
+                </a:solidFill>
+                <a:latin typeface="DM Mono" panose="020B0509040201040103" pitchFamily="49" charset="0"/>
+              </a:rPr>
+              <a:t>, </a:t>
+            </a:r>
+            <a:r>
+              <a:rPr lang="en" altLang="ko-Kore-KR" dirty="0">
+                <a:solidFill>
+                  <a:srgbClr val="098658"/>
+                </a:solidFill>
+                <a:latin typeface="DM Mono" panose="020B0509040201040103" pitchFamily="49" charset="0"/>
+              </a:rPr>
+              <a:t>2</a:t>
+            </a:r>
+            <a:r>
+              <a:rPr lang="en" altLang="ko-Kore-KR" dirty="0">
+                <a:solidFill>
+                  <a:srgbClr val="000000"/>
+                </a:solidFill>
+                <a:latin typeface="DM Mono" panose="020B0509040201040103" pitchFamily="49" charset="0"/>
+              </a:rPr>
+              <a:t>, </a:t>
+            </a:r>
+            <a:r>
+              <a:rPr lang="en" altLang="ko-Kore-KR" dirty="0">
+                <a:solidFill>
+                  <a:srgbClr val="098658"/>
+                </a:solidFill>
+                <a:latin typeface="DM Mono" panose="020B0509040201040103" pitchFamily="49" charset="0"/>
+              </a:rPr>
+              <a:t>3</a:t>
+            </a:r>
+            <a:r>
+              <a:rPr lang="en" altLang="ko-Kore-KR" dirty="0">
+                <a:solidFill>
+                  <a:srgbClr val="000000"/>
+                </a:solidFill>
+                <a:latin typeface="DM Mono" panose="020B0509040201040103" pitchFamily="49" charset="0"/>
+              </a:rPr>
+              <a:t>, </a:t>
+            </a:r>
+            <a:r>
+              <a:rPr lang="en" altLang="ko-Kore-KR" dirty="0">
+                <a:solidFill>
+                  <a:srgbClr val="098658"/>
+                </a:solidFill>
+                <a:latin typeface="DM Mono" panose="020B0509040201040103" pitchFamily="49" charset="0"/>
+              </a:rPr>
+              <a:t>4</a:t>
+            </a:r>
+            <a:r>
+              <a:rPr lang="en" altLang="ko-Kore-KR" dirty="0">
+                <a:solidFill>
+                  <a:srgbClr val="000000"/>
+                </a:solidFill>
+                <a:latin typeface="DM Mono" panose="020B0509040201040103" pitchFamily="49" charset="0"/>
+              </a:rPr>
+              <a:t>, </a:t>
+            </a:r>
+            <a:r>
+              <a:rPr lang="en" altLang="ko-Kore-KR" dirty="0">
+                <a:solidFill>
+                  <a:srgbClr val="098658"/>
+                </a:solidFill>
+                <a:latin typeface="DM Mono" panose="020B0509040201040103" pitchFamily="49" charset="0"/>
+              </a:rPr>
+              <a:t>5</a:t>
+            </a:r>
+            <a:r>
+              <a:rPr lang="en" altLang="ko-Kore-KR" dirty="0">
+                <a:solidFill>
+                  <a:srgbClr val="000000"/>
+                </a:solidFill>
+                <a:latin typeface="DM Mono" panose="020B0509040201040103" pitchFamily="49" charset="0"/>
+              </a:rPr>
+              <a:t> };</a:t>
+            </a:r>
+          </a:p>
+          <a:p>
+            <a:r>
+              <a:rPr lang="en" altLang="ko-Kore-KR" dirty="0">
+                <a:solidFill>
+                  <a:srgbClr val="001080"/>
+                </a:solidFill>
+                <a:latin typeface="DM Mono" panose="020B0509040201040103" pitchFamily="49" charset="0"/>
+              </a:rPr>
+              <a:t>p1</a:t>
+            </a:r>
+            <a:r>
+              <a:rPr lang="en" altLang="ko-Kore-KR" dirty="0">
+                <a:solidFill>
+                  <a:srgbClr val="000000"/>
+                </a:solidFill>
+                <a:latin typeface="DM Mono" panose="020B0509040201040103" pitchFamily="49" charset="0"/>
+              </a:rPr>
+              <a:t> = </a:t>
+            </a:r>
+            <a:r>
+              <a:rPr lang="en" altLang="ko-Kore-KR" dirty="0" err="1">
+                <a:solidFill>
+                  <a:srgbClr val="001080"/>
+                </a:solidFill>
+                <a:latin typeface="DM Mono" panose="020B0509040201040103" pitchFamily="49" charset="0"/>
+              </a:rPr>
+              <a:t>arr</a:t>
+            </a:r>
+            <a:r>
+              <a:rPr lang="en" altLang="ko-Kore-KR" dirty="0">
+                <a:solidFill>
+                  <a:srgbClr val="000000"/>
+                </a:solidFill>
+                <a:latin typeface="DM Mono" panose="020B0509040201040103" pitchFamily="49" charset="0"/>
+              </a:rPr>
+              <a:t>;</a:t>
+            </a:r>
+          </a:p>
+          <a:p>
+            <a:r>
+              <a:rPr lang="en" altLang="ko-Kore-KR" dirty="0">
+                <a:solidFill>
+                  <a:srgbClr val="001080"/>
+                </a:solidFill>
+                <a:latin typeface="DM Mono" panose="020B0509040201040103" pitchFamily="49" charset="0"/>
+              </a:rPr>
+              <a:t>p2</a:t>
+            </a:r>
+            <a:r>
+              <a:rPr lang="en" altLang="ko-Kore-KR" dirty="0">
+                <a:solidFill>
+                  <a:srgbClr val="000000"/>
+                </a:solidFill>
+                <a:latin typeface="DM Mono" panose="020B0509040201040103" pitchFamily="49" charset="0"/>
+              </a:rPr>
+              <a:t> = </a:t>
+            </a:r>
+            <a:r>
+              <a:rPr lang="en" altLang="ko-Kore-KR" dirty="0" err="1">
+                <a:solidFill>
+                  <a:srgbClr val="001080"/>
+                </a:solidFill>
+                <a:latin typeface="DM Mono" panose="020B0509040201040103" pitchFamily="49" charset="0"/>
+              </a:rPr>
+              <a:t>arr</a:t>
+            </a:r>
+            <a:r>
+              <a:rPr lang="en" altLang="ko-Kore-KR" dirty="0">
+                <a:solidFill>
+                  <a:srgbClr val="000000"/>
+                </a:solidFill>
+                <a:latin typeface="DM Mono" panose="020B0509040201040103" pitchFamily="49" charset="0"/>
+              </a:rPr>
+              <a:t> + </a:t>
+            </a:r>
+            <a:r>
+              <a:rPr lang="en" altLang="ko-Kore-KR" dirty="0">
+                <a:solidFill>
+                  <a:srgbClr val="098658"/>
+                </a:solidFill>
+                <a:latin typeface="DM Mono" panose="020B0509040201040103" pitchFamily="49" charset="0"/>
+              </a:rPr>
+              <a:t>3</a:t>
+            </a:r>
+            <a:r>
+              <a:rPr lang="en" altLang="ko-Kore-KR" dirty="0">
+                <a:solidFill>
+                  <a:srgbClr val="000000"/>
+                </a:solidFill>
+                <a:latin typeface="DM Mono" panose="020B0509040201040103" pitchFamily="49" charset="0"/>
+              </a:rPr>
+              <a:t>;</a:t>
+            </a:r>
+          </a:p>
+          <a:p>
+            <a:br>
+              <a:rPr lang="en" altLang="ko-Kore-KR" dirty="0">
+                <a:solidFill>
+                  <a:srgbClr val="000000"/>
+                </a:solidFill>
+                <a:latin typeface="DM Mono" panose="020B0509040201040103" pitchFamily="49" charset="0"/>
+              </a:rPr>
+            </a:br>
+            <a:r>
+              <a:rPr lang="en" altLang="ko-Kore-KR" dirty="0" err="1">
+                <a:solidFill>
+                  <a:srgbClr val="795E26"/>
+                </a:solidFill>
+                <a:latin typeface="DM Mono" panose="020B0509040201040103" pitchFamily="49" charset="0"/>
+              </a:rPr>
+              <a:t>printf</a:t>
+            </a:r>
+            <a:r>
+              <a:rPr lang="en" altLang="ko-Kore-KR" dirty="0">
+                <a:solidFill>
+                  <a:srgbClr val="000000"/>
+                </a:solidFill>
+                <a:latin typeface="DM Mono" panose="020B0509040201040103" pitchFamily="49" charset="0"/>
+              </a:rPr>
+              <a:t>(</a:t>
+            </a:r>
+            <a:r>
+              <a:rPr lang="en" altLang="ko-Kore-KR" dirty="0">
+                <a:solidFill>
+                  <a:srgbClr val="A31515"/>
+                </a:solidFill>
+                <a:latin typeface="DM Mono" panose="020B0509040201040103" pitchFamily="49" charset="0"/>
+              </a:rPr>
+              <a:t>"</a:t>
+            </a:r>
+            <a:r>
+              <a:rPr lang="en" altLang="ko-Kore-KR" dirty="0">
+                <a:solidFill>
+                  <a:srgbClr val="001080"/>
+                </a:solidFill>
+                <a:latin typeface="DM Mono" panose="020B0509040201040103" pitchFamily="49" charset="0"/>
+              </a:rPr>
+              <a:t>%</a:t>
+            </a:r>
+            <a:r>
+              <a:rPr lang="en" altLang="ko-Kore-KR" dirty="0" err="1">
+                <a:solidFill>
+                  <a:srgbClr val="001080"/>
+                </a:solidFill>
+                <a:latin typeface="DM Mono" panose="020B0509040201040103" pitchFamily="49" charset="0"/>
+              </a:rPr>
+              <a:t>ld</a:t>
+            </a:r>
+            <a:r>
+              <a:rPr lang="en" altLang="ko-Kore-KR" dirty="0">
+                <a:solidFill>
+                  <a:srgbClr val="EE0000"/>
+                </a:solidFill>
+                <a:latin typeface="DM Mono" panose="020B0509040201040103" pitchFamily="49" charset="0"/>
+              </a:rPr>
+              <a:t>\n</a:t>
+            </a:r>
+            <a:r>
+              <a:rPr lang="en" altLang="ko-Kore-KR" dirty="0">
+                <a:solidFill>
+                  <a:srgbClr val="A31515"/>
+                </a:solidFill>
+                <a:latin typeface="DM Mono" panose="020B0509040201040103" pitchFamily="49" charset="0"/>
+              </a:rPr>
+              <a:t>"</a:t>
+            </a:r>
+            <a:r>
+              <a:rPr lang="en" altLang="ko-Kore-KR" dirty="0">
+                <a:solidFill>
+                  <a:srgbClr val="000000"/>
+                </a:solidFill>
+                <a:latin typeface="DM Mono" panose="020B0509040201040103" pitchFamily="49" charset="0"/>
+              </a:rPr>
+              <a:t>, </a:t>
+            </a:r>
+            <a:r>
+              <a:rPr lang="en" altLang="ko-Kore-KR" dirty="0">
+                <a:solidFill>
+                  <a:srgbClr val="001080"/>
+                </a:solidFill>
+                <a:latin typeface="DM Mono" panose="020B0509040201040103" pitchFamily="49" charset="0"/>
+              </a:rPr>
+              <a:t>p2</a:t>
+            </a:r>
+            <a:r>
+              <a:rPr lang="en" altLang="ko-Kore-KR" dirty="0">
+                <a:solidFill>
+                  <a:srgbClr val="000000"/>
+                </a:solidFill>
+                <a:latin typeface="DM Mono" panose="020B0509040201040103" pitchFamily="49" charset="0"/>
+              </a:rPr>
+              <a:t> - </a:t>
+            </a:r>
+            <a:r>
+              <a:rPr lang="en" altLang="ko-Kore-KR" dirty="0">
+                <a:solidFill>
+                  <a:srgbClr val="001080"/>
+                </a:solidFill>
+                <a:latin typeface="DM Mono" panose="020B0509040201040103" pitchFamily="49" charset="0"/>
+              </a:rPr>
+              <a:t>p1</a:t>
+            </a:r>
+            <a:r>
+              <a:rPr lang="en" altLang="ko-Kore-KR" dirty="0">
+                <a:solidFill>
+                  <a:srgbClr val="000000"/>
+                </a:solidFill>
+                <a:latin typeface="DM Mono" panose="020B0509040201040103" pitchFamily="49" charset="0"/>
+              </a:rPr>
+              <a:t>);</a:t>
+            </a:r>
+          </a:p>
+        </p:txBody>
+      </p:sp>
+      <p:sp>
+        <p:nvSpPr>
+          <p:cNvPr id="5" name="직사각형 4">
+            <a:extLst>
+              <a:ext uri="{FF2B5EF4-FFF2-40B4-BE49-F238E27FC236}">
+                <a16:creationId xmlns:a16="http://schemas.microsoft.com/office/drawing/2014/main" id="{5AE045B0-9E1B-7D7F-335F-5DBFB7A1B262}"/>
+              </a:ext>
+            </a:extLst>
+          </p:cNvPr>
+          <p:cNvSpPr/>
+          <p:nvPr/>
+        </p:nvSpPr>
+        <p:spPr>
+          <a:xfrm>
+            <a:off x="5555402" y="882768"/>
+            <a:ext cx="540598" cy="764875"/>
+          </a:xfrm>
+          <a:prstGeom prst="rect">
+            <a:avLst/>
+          </a:prstGeom>
+          <a:solidFill>
+            <a:schemeClr val="accent2"/>
+          </a:solidFill>
+        </p:spPr>
+        <p:style>
+          <a:lnRef idx="2">
+            <a:schemeClr val="accent1">
+              <a:shade val="50000"/>
+            </a:schemeClr>
+          </a:lnRef>
+          <a:fillRef idx="1">
+            <a:schemeClr val="accent1"/>
+          </a:fillRef>
+          <a:effectRef idx="0">
+            <a:schemeClr val="accent1"/>
+          </a:effectRef>
+          <a:fontRef idx="minor">
+            <a:schemeClr val="lt1"/>
+          </a:fontRef>
+        </p:style>
+        <p:txBody>
+          <a:bodyPr rtlCol="0" anchor="ctr"/>
+          <a:lstStyle/>
+          <a:p>
+            <a:pPr algn="ctr"/>
+            <a:r>
+              <a:rPr kumimoji="1" lang="en-US" altLang="ko-KR" sz="1400" dirty="0">
+                <a:solidFill>
+                  <a:schemeClr val="tx1"/>
+                </a:solidFill>
+              </a:rPr>
+              <a:t>1</a:t>
+            </a:r>
+            <a:endParaRPr kumimoji="1" lang="ko-Kore-KR" altLang="en-US" sz="1400" dirty="0">
+              <a:solidFill>
+                <a:schemeClr val="tx1"/>
+              </a:solidFill>
+            </a:endParaRPr>
+          </a:p>
+        </p:txBody>
+      </p:sp>
+      <p:sp>
+        <p:nvSpPr>
+          <p:cNvPr id="6" name="직사각형 5">
+            <a:extLst>
+              <a:ext uri="{FF2B5EF4-FFF2-40B4-BE49-F238E27FC236}">
+                <a16:creationId xmlns:a16="http://schemas.microsoft.com/office/drawing/2014/main" id="{278AFF64-A8AD-3C84-BCDF-F76C3D4C7114}"/>
+              </a:ext>
+            </a:extLst>
+          </p:cNvPr>
+          <p:cNvSpPr/>
+          <p:nvPr/>
+        </p:nvSpPr>
+        <p:spPr>
+          <a:xfrm>
+            <a:off x="6096000" y="882767"/>
+            <a:ext cx="540598" cy="764875"/>
+          </a:xfrm>
+          <a:prstGeom prst="rect">
+            <a:avLst/>
+          </a:prstGeom>
+          <a:solidFill>
+            <a:schemeClr val="accent2"/>
+          </a:solidFill>
+        </p:spPr>
+        <p:style>
+          <a:lnRef idx="2">
+            <a:schemeClr val="accent1">
+              <a:shade val="50000"/>
+            </a:schemeClr>
+          </a:lnRef>
+          <a:fillRef idx="1">
+            <a:schemeClr val="accent1"/>
+          </a:fillRef>
+          <a:effectRef idx="0">
+            <a:schemeClr val="accent1"/>
+          </a:effectRef>
+          <a:fontRef idx="minor">
+            <a:schemeClr val="lt1"/>
+          </a:fontRef>
+        </p:style>
+        <p:txBody>
+          <a:bodyPr rtlCol="0" anchor="ctr"/>
+          <a:lstStyle/>
+          <a:p>
+            <a:pPr algn="ctr"/>
+            <a:r>
+              <a:rPr kumimoji="1" lang="en-US" altLang="ko-KR" sz="1400" dirty="0">
+                <a:solidFill>
+                  <a:schemeClr val="tx1"/>
+                </a:solidFill>
+              </a:rPr>
+              <a:t>2</a:t>
+            </a:r>
+            <a:endParaRPr kumimoji="1" lang="ko-Kore-KR" altLang="en-US" sz="1400" dirty="0">
+              <a:solidFill>
+                <a:schemeClr val="tx1"/>
+              </a:solidFill>
+            </a:endParaRPr>
+          </a:p>
+        </p:txBody>
+      </p:sp>
+      <p:sp>
+        <p:nvSpPr>
+          <p:cNvPr id="7" name="직사각형 6">
+            <a:extLst>
+              <a:ext uri="{FF2B5EF4-FFF2-40B4-BE49-F238E27FC236}">
+                <a16:creationId xmlns:a16="http://schemas.microsoft.com/office/drawing/2014/main" id="{81E98844-3907-4394-3631-F046805B52FA}"/>
+              </a:ext>
+            </a:extLst>
+          </p:cNvPr>
+          <p:cNvSpPr/>
+          <p:nvPr/>
+        </p:nvSpPr>
+        <p:spPr>
+          <a:xfrm>
+            <a:off x="6636598" y="882766"/>
+            <a:ext cx="540598" cy="764875"/>
+          </a:xfrm>
+          <a:prstGeom prst="rect">
+            <a:avLst/>
+          </a:prstGeom>
+          <a:solidFill>
+            <a:schemeClr val="accent2"/>
+          </a:solidFill>
+        </p:spPr>
+        <p:style>
+          <a:lnRef idx="2">
+            <a:schemeClr val="accent1">
+              <a:shade val="50000"/>
+            </a:schemeClr>
+          </a:lnRef>
+          <a:fillRef idx="1">
+            <a:schemeClr val="accent1"/>
+          </a:fillRef>
+          <a:effectRef idx="0">
+            <a:schemeClr val="accent1"/>
+          </a:effectRef>
+          <a:fontRef idx="minor">
+            <a:schemeClr val="lt1"/>
+          </a:fontRef>
+        </p:style>
+        <p:txBody>
+          <a:bodyPr rtlCol="0" anchor="ctr"/>
+          <a:lstStyle/>
+          <a:p>
+            <a:pPr algn="ctr"/>
+            <a:r>
+              <a:rPr kumimoji="1" lang="en-US" altLang="ko-KR" sz="1400" dirty="0">
+                <a:solidFill>
+                  <a:schemeClr val="tx1"/>
+                </a:solidFill>
+              </a:rPr>
+              <a:t>3</a:t>
+            </a:r>
+            <a:endParaRPr kumimoji="1" lang="ko-Kore-KR" altLang="en-US" sz="1400" dirty="0">
+              <a:solidFill>
+                <a:schemeClr val="tx1"/>
+              </a:solidFill>
+            </a:endParaRPr>
+          </a:p>
+        </p:txBody>
+      </p:sp>
+      <p:sp>
+        <p:nvSpPr>
+          <p:cNvPr id="8" name="직사각형 7">
+            <a:extLst>
+              <a:ext uri="{FF2B5EF4-FFF2-40B4-BE49-F238E27FC236}">
+                <a16:creationId xmlns:a16="http://schemas.microsoft.com/office/drawing/2014/main" id="{DB7DDC85-DC29-6046-A783-473226CBE09F}"/>
+              </a:ext>
+            </a:extLst>
+          </p:cNvPr>
+          <p:cNvSpPr/>
+          <p:nvPr/>
+        </p:nvSpPr>
+        <p:spPr>
+          <a:xfrm>
+            <a:off x="7177196" y="882765"/>
+            <a:ext cx="540598" cy="764875"/>
+          </a:xfrm>
+          <a:prstGeom prst="rect">
+            <a:avLst/>
+          </a:prstGeom>
+          <a:solidFill>
+            <a:srgbClr val="FFFF00"/>
+          </a:solidFill>
+        </p:spPr>
+        <p:style>
+          <a:lnRef idx="2">
+            <a:schemeClr val="accent1">
+              <a:shade val="50000"/>
+            </a:schemeClr>
+          </a:lnRef>
+          <a:fillRef idx="1">
+            <a:schemeClr val="accent1"/>
+          </a:fillRef>
+          <a:effectRef idx="0">
+            <a:schemeClr val="accent1"/>
+          </a:effectRef>
+          <a:fontRef idx="minor">
+            <a:schemeClr val="lt1"/>
+          </a:fontRef>
+        </p:style>
+        <p:txBody>
+          <a:bodyPr rtlCol="0" anchor="ctr"/>
+          <a:lstStyle/>
+          <a:p>
+            <a:pPr algn="ctr"/>
+            <a:r>
+              <a:rPr kumimoji="1" lang="en-US" altLang="ko-KR" sz="1400" dirty="0">
+                <a:solidFill>
+                  <a:schemeClr val="tx1"/>
+                </a:solidFill>
+              </a:rPr>
+              <a:t>4</a:t>
+            </a:r>
+            <a:endParaRPr kumimoji="1" lang="ko-Kore-KR" altLang="en-US" sz="1400" dirty="0">
+              <a:solidFill>
+                <a:schemeClr val="tx1"/>
+              </a:solidFill>
+            </a:endParaRPr>
+          </a:p>
+        </p:txBody>
+      </p:sp>
+      <p:sp>
+        <p:nvSpPr>
+          <p:cNvPr id="9" name="직사각형 8">
+            <a:extLst>
+              <a:ext uri="{FF2B5EF4-FFF2-40B4-BE49-F238E27FC236}">
+                <a16:creationId xmlns:a16="http://schemas.microsoft.com/office/drawing/2014/main" id="{3B0074F7-BC01-AD71-54E8-5BC12B310836}"/>
+              </a:ext>
+            </a:extLst>
+          </p:cNvPr>
+          <p:cNvSpPr/>
+          <p:nvPr/>
+        </p:nvSpPr>
+        <p:spPr>
+          <a:xfrm>
+            <a:off x="7717794" y="882764"/>
+            <a:ext cx="540598" cy="764875"/>
+          </a:xfrm>
+          <a:prstGeom prst="rect">
+            <a:avLst/>
+          </a:prstGeom>
+          <a:solidFill>
+            <a:srgbClr val="FFFF00"/>
+          </a:solidFill>
+        </p:spPr>
+        <p:style>
+          <a:lnRef idx="2">
+            <a:schemeClr val="accent1">
+              <a:shade val="50000"/>
+            </a:schemeClr>
+          </a:lnRef>
+          <a:fillRef idx="1">
+            <a:schemeClr val="accent1"/>
+          </a:fillRef>
+          <a:effectRef idx="0">
+            <a:schemeClr val="accent1"/>
+          </a:effectRef>
+          <a:fontRef idx="minor">
+            <a:schemeClr val="lt1"/>
+          </a:fontRef>
+        </p:style>
+        <p:txBody>
+          <a:bodyPr rtlCol="0" anchor="ctr"/>
+          <a:lstStyle/>
+          <a:p>
+            <a:pPr algn="ctr"/>
+            <a:r>
+              <a:rPr kumimoji="1" lang="en-US" altLang="ko-KR" sz="1400" dirty="0">
+                <a:solidFill>
+                  <a:schemeClr val="tx1"/>
+                </a:solidFill>
+              </a:rPr>
+              <a:t>5</a:t>
+            </a:r>
+            <a:endParaRPr kumimoji="1" lang="ko-Kore-KR" altLang="en-US" sz="1400" dirty="0">
+              <a:solidFill>
+                <a:schemeClr val="tx1"/>
+              </a:solidFill>
+            </a:endParaRPr>
+          </a:p>
+        </p:txBody>
+      </p:sp>
+      <p:sp>
+        <p:nvSpPr>
+          <p:cNvPr id="10" name="직사각형 9">
+            <a:extLst>
+              <a:ext uri="{FF2B5EF4-FFF2-40B4-BE49-F238E27FC236}">
+                <a16:creationId xmlns:a16="http://schemas.microsoft.com/office/drawing/2014/main" id="{A7F1B7FC-CBFE-B2B5-C86C-8BAC93DDE586}"/>
+              </a:ext>
+            </a:extLst>
+          </p:cNvPr>
+          <p:cNvSpPr/>
+          <p:nvPr/>
+        </p:nvSpPr>
+        <p:spPr>
+          <a:xfrm>
+            <a:off x="4902656" y="1095643"/>
+            <a:ext cx="598241" cy="369332"/>
+          </a:xfrm>
+          <a:prstGeom prst="rect">
+            <a:avLst/>
+          </a:prstGeom>
+        </p:spPr>
+        <p:txBody>
+          <a:bodyPr wrap="none">
+            <a:spAutoFit/>
+          </a:bodyPr>
+          <a:lstStyle/>
+          <a:p>
+            <a:r>
+              <a:rPr lang="en-US" altLang="ko-Kore-KR" dirty="0" err="1">
+                <a:solidFill>
+                  <a:srgbClr val="001080"/>
+                </a:solidFill>
+                <a:latin typeface="DM Mono" panose="020B0509040201040103" pitchFamily="49" charset="0"/>
+              </a:rPr>
+              <a:t>arr</a:t>
+            </a:r>
+            <a:endParaRPr lang="ko-Kore-KR" altLang="en-US" dirty="0"/>
+          </a:p>
+        </p:txBody>
+      </p:sp>
+      <p:sp>
+        <p:nvSpPr>
+          <p:cNvPr id="11" name="직사각형 10">
+            <a:extLst>
+              <a:ext uri="{FF2B5EF4-FFF2-40B4-BE49-F238E27FC236}">
+                <a16:creationId xmlns:a16="http://schemas.microsoft.com/office/drawing/2014/main" id="{BD6A40CD-B756-D15B-F21F-8BB3CFFEE87E}"/>
+              </a:ext>
+            </a:extLst>
+          </p:cNvPr>
+          <p:cNvSpPr/>
+          <p:nvPr/>
+        </p:nvSpPr>
+        <p:spPr>
+          <a:xfrm>
+            <a:off x="4560489" y="2984738"/>
+            <a:ext cx="540598" cy="764875"/>
+          </a:xfrm>
+          <a:prstGeom prst="rect">
+            <a:avLst/>
+          </a:prstGeom>
+          <a:solidFill>
+            <a:srgbClr val="FFFF00"/>
+          </a:solidFill>
+        </p:spPr>
+        <p:style>
+          <a:lnRef idx="2">
+            <a:schemeClr val="accent1">
+              <a:shade val="50000"/>
+            </a:schemeClr>
+          </a:lnRef>
+          <a:fillRef idx="1">
+            <a:schemeClr val="accent1"/>
+          </a:fillRef>
+          <a:effectRef idx="0">
+            <a:schemeClr val="accent1"/>
+          </a:effectRef>
+          <a:fontRef idx="minor">
+            <a:schemeClr val="lt1"/>
+          </a:fontRef>
+        </p:style>
+        <p:txBody>
+          <a:bodyPr rtlCol="0" anchor="ctr"/>
+          <a:lstStyle/>
+          <a:p>
+            <a:pPr algn="ctr"/>
+            <a:endParaRPr kumimoji="1" lang="ko-Kore-KR" altLang="en-US" sz="1400" dirty="0">
+              <a:solidFill>
+                <a:schemeClr val="tx1"/>
+              </a:solidFill>
+            </a:endParaRPr>
+          </a:p>
+        </p:txBody>
+      </p:sp>
+      <p:sp>
+        <p:nvSpPr>
+          <p:cNvPr id="12" name="직사각형 11">
+            <a:extLst>
+              <a:ext uri="{FF2B5EF4-FFF2-40B4-BE49-F238E27FC236}">
+                <a16:creationId xmlns:a16="http://schemas.microsoft.com/office/drawing/2014/main" id="{84DA724F-F57C-1876-327D-F2C7B78CE06C}"/>
+              </a:ext>
+            </a:extLst>
+          </p:cNvPr>
+          <p:cNvSpPr/>
+          <p:nvPr/>
+        </p:nvSpPr>
+        <p:spPr>
+          <a:xfrm>
+            <a:off x="4100107" y="3244334"/>
+            <a:ext cx="460382" cy="369332"/>
+          </a:xfrm>
+          <a:prstGeom prst="rect">
+            <a:avLst/>
+          </a:prstGeom>
+        </p:spPr>
+        <p:txBody>
+          <a:bodyPr wrap="none">
+            <a:spAutoFit/>
+          </a:bodyPr>
+          <a:lstStyle/>
+          <a:p>
+            <a:r>
+              <a:rPr lang="en" altLang="ko-Kore-KR" dirty="0">
+                <a:solidFill>
+                  <a:srgbClr val="001080"/>
+                </a:solidFill>
+                <a:latin typeface="DM Mono" panose="020B0509040201040103" pitchFamily="49" charset="0"/>
+              </a:rPr>
+              <a:t>p</a:t>
+            </a:r>
+            <a:r>
+              <a:rPr lang="en-US" altLang="ko-KR" dirty="0">
+                <a:solidFill>
+                  <a:srgbClr val="001080"/>
+                </a:solidFill>
+                <a:latin typeface="DM Mono" panose="020B0509040201040103" pitchFamily="49" charset="0"/>
+              </a:rPr>
+              <a:t>1</a:t>
+            </a:r>
+            <a:endParaRPr lang="ko-Kore-KR" altLang="en-US" dirty="0"/>
+          </a:p>
+        </p:txBody>
+      </p:sp>
+      <p:cxnSp>
+        <p:nvCxnSpPr>
+          <p:cNvPr id="14" name="구부러진 연결선[U] 13">
+            <a:extLst>
+              <a:ext uri="{FF2B5EF4-FFF2-40B4-BE49-F238E27FC236}">
+                <a16:creationId xmlns:a16="http://schemas.microsoft.com/office/drawing/2014/main" id="{B5850FED-9484-FB07-C6CD-A8581680A007}"/>
+              </a:ext>
+            </a:extLst>
+          </p:cNvPr>
+          <p:cNvCxnSpPr>
+            <a:cxnSpLocks/>
+            <a:stCxn id="11" idx="0"/>
+          </p:cNvCxnSpPr>
+          <p:nvPr/>
+        </p:nvCxnSpPr>
+        <p:spPr>
+          <a:xfrm rot="5400000" flipH="1" flipV="1">
+            <a:off x="4544661" y="1973997"/>
+            <a:ext cx="1296868" cy="724614"/>
+          </a:xfrm>
+          <a:prstGeom prst="curvedConnector3">
+            <a:avLst/>
+          </a:prstGeom>
+          <a:ln>
+            <a:tailEnd type="triangle"/>
+          </a:ln>
+        </p:spPr>
+        <p:style>
+          <a:lnRef idx="1">
+            <a:schemeClr val="accent1"/>
+          </a:lnRef>
+          <a:fillRef idx="0">
+            <a:schemeClr val="accent1"/>
+          </a:fillRef>
+          <a:effectRef idx="0">
+            <a:schemeClr val="accent1"/>
+          </a:effectRef>
+          <a:fontRef idx="minor">
+            <a:schemeClr val="tx1"/>
+          </a:fontRef>
+        </p:style>
+      </p:cxnSp>
+      <p:cxnSp>
+        <p:nvCxnSpPr>
+          <p:cNvPr id="17" name="구부러진 연결선[U] 16">
+            <a:extLst>
+              <a:ext uri="{FF2B5EF4-FFF2-40B4-BE49-F238E27FC236}">
+                <a16:creationId xmlns:a16="http://schemas.microsoft.com/office/drawing/2014/main" id="{FB417FB5-C740-E731-9818-612E880E9390}"/>
+              </a:ext>
+            </a:extLst>
+          </p:cNvPr>
+          <p:cNvCxnSpPr>
+            <a:cxnSpLocks/>
+            <a:stCxn id="16" idx="3"/>
+          </p:cNvCxnSpPr>
+          <p:nvPr/>
+        </p:nvCxnSpPr>
+        <p:spPr>
+          <a:xfrm flipV="1">
+            <a:off x="5232878" y="1687870"/>
+            <a:ext cx="1944318" cy="2851227"/>
+          </a:xfrm>
+          <a:prstGeom prst="curvedConnector2">
+            <a:avLst/>
+          </a:prstGeom>
+          <a:ln>
+            <a:tailEnd type="triangle"/>
+          </a:ln>
+        </p:spPr>
+        <p:style>
+          <a:lnRef idx="1">
+            <a:schemeClr val="accent1"/>
+          </a:lnRef>
+          <a:fillRef idx="0">
+            <a:schemeClr val="accent1"/>
+          </a:fillRef>
+          <a:effectRef idx="0">
+            <a:schemeClr val="accent1"/>
+          </a:effectRef>
+          <a:fontRef idx="minor">
+            <a:schemeClr val="tx1"/>
+          </a:fontRef>
+        </p:style>
+      </p:cxnSp>
+      <p:sp>
+        <p:nvSpPr>
+          <p:cNvPr id="16" name="직사각형 15">
+            <a:extLst>
+              <a:ext uri="{FF2B5EF4-FFF2-40B4-BE49-F238E27FC236}">
+                <a16:creationId xmlns:a16="http://schemas.microsoft.com/office/drawing/2014/main" id="{4726FF5D-F9C1-6107-364B-D25A0154F1D4}"/>
+              </a:ext>
+            </a:extLst>
+          </p:cNvPr>
+          <p:cNvSpPr/>
+          <p:nvPr/>
+        </p:nvSpPr>
+        <p:spPr>
+          <a:xfrm>
+            <a:off x="4692280" y="4156659"/>
+            <a:ext cx="540598" cy="764875"/>
+          </a:xfrm>
+          <a:prstGeom prst="rect">
+            <a:avLst/>
+          </a:prstGeom>
+          <a:solidFill>
+            <a:srgbClr val="FFFF00"/>
+          </a:solidFill>
+        </p:spPr>
+        <p:style>
+          <a:lnRef idx="2">
+            <a:schemeClr val="accent1">
+              <a:shade val="50000"/>
+            </a:schemeClr>
+          </a:lnRef>
+          <a:fillRef idx="1">
+            <a:schemeClr val="accent1"/>
+          </a:fillRef>
+          <a:effectRef idx="0">
+            <a:schemeClr val="accent1"/>
+          </a:effectRef>
+          <a:fontRef idx="minor">
+            <a:schemeClr val="lt1"/>
+          </a:fontRef>
+        </p:style>
+        <p:txBody>
+          <a:bodyPr rtlCol="0" anchor="ctr"/>
+          <a:lstStyle/>
+          <a:p>
+            <a:pPr algn="ctr"/>
+            <a:endParaRPr kumimoji="1" lang="ko-Kore-KR" altLang="en-US" sz="1400" dirty="0">
+              <a:solidFill>
+                <a:schemeClr val="tx1"/>
+              </a:solidFill>
+            </a:endParaRPr>
+          </a:p>
+        </p:txBody>
+      </p:sp>
+      <p:sp>
+        <p:nvSpPr>
+          <p:cNvPr id="18" name="직사각형 17">
+            <a:extLst>
+              <a:ext uri="{FF2B5EF4-FFF2-40B4-BE49-F238E27FC236}">
+                <a16:creationId xmlns:a16="http://schemas.microsoft.com/office/drawing/2014/main" id="{9E11487F-8550-67C6-EF37-97534FFFD273}"/>
+              </a:ext>
+            </a:extLst>
+          </p:cNvPr>
+          <p:cNvSpPr/>
+          <p:nvPr/>
+        </p:nvSpPr>
+        <p:spPr>
+          <a:xfrm>
+            <a:off x="4231898" y="4416255"/>
+            <a:ext cx="460382" cy="369332"/>
+          </a:xfrm>
+          <a:prstGeom prst="rect">
+            <a:avLst/>
+          </a:prstGeom>
+        </p:spPr>
+        <p:txBody>
+          <a:bodyPr wrap="none">
+            <a:spAutoFit/>
+          </a:bodyPr>
+          <a:lstStyle/>
+          <a:p>
+            <a:r>
+              <a:rPr lang="en" altLang="ko-Kore-KR" dirty="0">
+                <a:solidFill>
+                  <a:srgbClr val="001080"/>
+                </a:solidFill>
+                <a:latin typeface="DM Mono" panose="020B0509040201040103" pitchFamily="49" charset="0"/>
+              </a:rPr>
+              <a:t>p</a:t>
+            </a:r>
+            <a:r>
+              <a:rPr lang="en-US" altLang="ko-KR" dirty="0">
+                <a:solidFill>
+                  <a:srgbClr val="001080"/>
+                </a:solidFill>
+                <a:latin typeface="DM Mono" panose="020B0509040201040103" pitchFamily="49" charset="0"/>
+              </a:rPr>
+              <a:t>2</a:t>
+            </a:r>
+            <a:endParaRPr lang="ko-Kore-KR" altLang="en-US" dirty="0"/>
+          </a:p>
+        </p:txBody>
+      </p:sp>
+      <p:sp>
+        <p:nvSpPr>
+          <p:cNvPr id="13" name="직사각형 12">
+            <a:extLst>
+              <a:ext uri="{FF2B5EF4-FFF2-40B4-BE49-F238E27FC236}">
+                <a16:creationId xmlns:a16="http://schemas.microsoft.com/office/drawing/2014/main" id="{0DE8CC46-710A-531A-A0CD-5D965AF465DB}"/>
+              </a:ext>
+            </a:extLst>
+          </p:cNvPr>
+          <p:cNvSpPr/>
+          <p:nvPr/>
+        </p:nvSpPr>
+        <p:spPr>
+          <a:xfrm>
+            <a:off x="5605929" y="575134"/>
+            <a:ext cx="439544" cy="261610"/>
+          </a:xfrm>
+          <a:prstGeom prst="rect">
+            <a:avLst/>
+          </a:prstGeom>
+        </p:spPr>
+        <p:txBody>
+          <a:bodyPr wrap="none">
+            <a:spAutoFit/>
+          </a:bodyPr>
+          <a:lstStyle/>
+          <a:p>
+            <a:r>
+              <a:rPr lang="en" altLang="ko-Kore-KR" sz="1100" dirty="0">
+                <a:solidFill>
+                  <a:srgbClr val="001080"/>
+                </a:solidFill>
+                <a:latin typeface="DM Mono" panose="020B0509040201040103" pitchFamily="49" charset="0"/>
+              </a:rPr>
+              <a:t>100</a:t>
+            </a:r>
+            <a:endParaRPr lang="ko-Kore-KR" altLang="en-US" sz="1100" dirty="0"/>
+          </a:p>
+        </p:txBody>
+      </p:sp>
+      <p:sp>
+        <p:nvSpPr>
+          <p:cNvPr id="19" name="직사각형 18">
+            <a:extLst>
+              <a:ext uri="{FF2B5EF4-FFF2-40B4-BE49-F238E27FC236}">
+                <a16:creationId xmlns:a16="http://schemas.microsoft.com/office/drawing/2014/main" id="{EE01F18A-D761-5339-E7EF-AC7703458B96}"/>
+              </a:ext>
+            </a:extLst>
+          </p:cNvPr>
+          <p:cNvSpPr/>
+          <p:nvPr/>
+        </p:nvSpPr>
+        <p:spPr>
+          <a:xfrm>
+            <a:off x="7227723" y="580925"/>
+            <a:ext cx="439544" cy="261610"/>
+          </a:xfrm>
+          <a:prstGeom prst="rect">
+            <a:avLst/>
+          </a:prstGeom>
+        </p:spPr>
+        <p:txBody>
+          <a:bodyPr wrap="none">
+            <a:spAutoFit/>
+          </a:bodyPr>
+          <a:lstStyle/>
+          <a:p>
+            <a:r>
+              <a:rPr lang="en" altLang="ko-Kore-KR" sz="1100" dirty="0">
+                <a:solidFill>
+                  <a:srgbClr val="001080"/>
+                </a:solidFill>
+                <a:latin typeface="DM Mono" panose="020B0509040201040103" pitchFamily="49" charset="0"/>
+              </a:rPr>
+              <a:t>112</a:t>
+            </a:r>
+            <a:endParaRPr lang="ko-Kore-KR" altLang="en-US" sz="1100" dirty="0"/>
+          </a:p>
+        </p:txBody>
+      </p:sp>
+    </p:spTree>
+    <p:extLst>
+      <p:ext uri="{BB962C8B-B14F-4D97-AF65-F5344CB8AC3E}">
+        <p14:creationId xmlns:p14="http://schemas.microsoft.com/office/powerpoint/2010/main" val="278430400"/>
+      </p:ext>
+    </p:extLst>
+  </p:cSld>
+  <p:clrMapOvr>
+    <a:masterClrMapping/>
+  </p:clrMapOvr>
+</p:sld>
+</file>
+
 <file path=ppt/slides/slide2.xml><?xml version="1.0" encoding="utf-8"?>
 <p:sld xmlns:a="http://schemas.openxmlformats.org/drawingml/2006/main" xmlns:r="http://schemas.openxmlformats.org/officeDocument/2006/relationships" xmlns:p="http://schemas.openxmlformats.org/presentationml/2006/main">
   <p:cSld>
@@ -7958,6 +10819,14 @@
           <a:lstStyle/>
           <a:p>
             <a:pPr algn="ctr"/>
+            <a:r>
+              <a:rPr kumimoji="1" lang="en-US" altLang="ko-Kore-KR" sz="1400" dirty="0">
+                <a:solidFill>
+                  <a:schemeClr val="tx1"/>
+                </a:solidFill>
+              </a:rPr>
+              <a:t>100</a:t>
+            </a:r>
             <a:endParaRPr kumimoji="1" lang="ko-Kore-KR" altLang="en-US" sz="1400" dirty="0">
               <a:solidFill>
                 <a:schemeClr val="tx1"/>
@@ -8012,17 +10881,18 @@
             </a:extLst>
           </p:cNvPr>
           <p:cNvCxnSpPr>
+            <a:cxnSpLocks/>
             <a:stCxn id="38" idx="3"/>
-            <a:endCxn id="33" idx="1"/>
+            <a:endCxn id="33" idx="2"/>
           </p:cNvCxnSpPr>
           <p:nvPr/>
         </p:nvCxnSpPr>
         <p:spPr>
           <a:xfrm flipV="1">
-            <a:off x="4094672" y="1713780"/>
-            <a:ext cx="488821" cy="2212859"/>
-          </a:xfrm>
-          <a:prstGeom prst="curvedConnector3">
+            <a:off x="4094672" y="2096217"/>
+            <a:ext cx="759120" cy="1830422"/>
+          </a:xfrm>
+          <a:prstGeom prst="curvedConnector2">
             <a:avLst/>
           </a:prstGeom>
           <a:ln>
@@ -8089,6 +10959,14 @@
           <a:lstStyle/>
           <a:p>
             <a:pPr algn="ctr"/>
+            <a:r>
+              <a:rPr kumimoji="1" lang="en-US" altLang="ko-Kore-KR" sz="1400" dirty="0">
+                <a:solidFill>
+                  <a:schemeClr val="tx1"/>
+                </a:solidFill>
+              </a:rPr>
+              <a:t>100</a:t>
+            </a:r>
             <a:endParaRPr kumimoji="1" lang="ko-Kore-KR" altLang="en-US" sz="1400" dirty="0">
               <a:solidFill>
                 <a:schemeClr val="tx1"/>
@@ -8389,7 +11267,7 @@
         </p:nvSpPr>
         <p:spPr>
           <a:xfrm>
-            <a:off x="9434498" y="1802920"/>
+            <a:off x="9434498" y="1816025"/>
             <a:ext cx="540598" cy="764875"/>
           </a:xfrm>
           <a:prstGeom prst="rect">
@@ -8596,17 +11474,18 @@
             </a:extLst>
           </p:cNvPr>
           <p:cNvCxnSpPr>
+            <a:cxnSpLocks/>
             <a:stCxn id="53" idx="3"/>
-            <a:endCxn id="49" idx="1"/>
+            <a:endCxn id="49" idx="2"/>
           </p:cNvCxnSpPr>
           <p:nvPr/>
         </p:nvCxnSpPr>
         <p:spPr>
           <a:xfrm flipV="1">
-            <a:off x="7767309" y="2185358"/>
-            <a:ext cx="585993" cy="764875"/>
-          </a:xfrm>
-          <a:prstGeom prst="curvedConnector3">
+            <a:off x="7767309" y="2567795"/>
+            <a:ext cx="856292" cy="382438"/>
+          </a:xfrm>
+          <a:prstGeom prst="curvedConnector2">
             <a:avLst/>
           </a:prstGeom>
           <a:ln>
@@ -8971,17 +11850,18 @@
             </a:extLst>
           </p:cNvPr>
           <p:cNvCxnSpPr>
+            <a:cxnSpLocks/>
             <a:stCxn id="61" idx="3"/>
-            <a:endCxn id="57" idx="1"/>
+            <a:endCxn id="57" idx="2"/>
           </p:cNvCxnSpPr>
           <p:nvPr/>
         </p:nvCxnSpPr>
         <p:spPr>
           <a:xfrm flipV="1">
-            <a:off x="7817225" y="4097545"/>
-            <a:ext cx="585993" cy="764875"/>
-          </a:xfrm>
-          <a:prstGeom prst="curvedConnector3">
+            <a:off x="7817225" y="4479982"/>
+            <a:ext cx="856292" cy="382438"/>
+          </a:xfrm>
+          <a:prstGeom prst="curvedConnector2">
             <a:avLst/>
           </a:prstGeom>
           <a:ln>
@@ -9482,6 +12362,250 @@
                 </a:solidFill>
               </a:rPr>
               <a:t>0x12</a:t>
+            </a:r>
+            <a:endParaRPr kumimoji="1" lang="ko-Kore-KR" altLang="en-US" sz="1400" dirty="0">
+              <a:solidFill>
+                <a:schemeClr val="tx1"/>
+              </a:solidFill>
+            </a:endParaRPr>
+          </a:p>
+        </p:txBody>
+      </p:sp>
+      <p:sp>
+        <p:nvSpPr>
+          <p:cNvPr id="43" name="직사각형 42">
+            <a:extLst>
+              <a:ext uri="{FF2B5EF4-FFF2-40B4-BE49-F238E27FC236}">
+                <a16:creationId xmlns:a16="http://schemas.microsoft.com/office/drawing/2014/main" id="{825DCB76-11BB-9619-B5EC-C19C394A65BF}"/>
+              </a:ext>
+            </a:extLst>
+          </p:cNvPr>
+          <p:cNvSpPr/>
+          <p:nvPr/>
+        </p:nvSpPr>
+        <p:spPr>
+          <a:xfrm>
+            <a:off x="10561089" y="1799092"/>
+            <a:ext cx="540598" cy="764875"/>
+          </a:xfrm>
+          <a:prstGeom prst="rect">
+            <a:avLst/>
+          </a:prstGeom>
+          <a:solidFill>
+            <a:schemeClr val="accent2"/>
+          </a:solidFill>
+        </p:spPr>
+        <p:style>
+          <a:lnRef idx="2">
+            <a:schemeClr val="accent1">
+              <a:shade val="50000"/>
+            </a:schemeClr>
+          </a:lnRef>
+          <a:fillRef idx="1">
+            <a:schemeClr val="accent1"/>
+          </a:fillRef>
+          <a:effectRef idx="0">
+            <a:schemeClr val="accent1"/>
+          </a:effectRef>
+          <a:fontRef idx="minor">
+            <a:schemeClr val="lt1"/>
+          </a:fontRef>
+        </p:style>
+        <p:txBody>
+          <a:bodyPr rtlCol="0" anchor="ctr"/>
+          <a:lstStyle/>
+          <a:p>
+            <a:pPr algn="ctr"/>
+            <a:r>
+              <a:rPr kumimoji="1" lang="en-US" altLang="ko-KR" sz="1400" dirty="0">
+                <a:solidFill>
+                  <a:schemeClr val="tx1"/>
+                </a:solidFill>
+              </a:rPr>
+              <a:t>0x12</a:t>
+            </a:r>
+            <a:endParaRPr kumimoji="1" lang="ko-Kore-KR" altLang="en-US" sz="1400" dirty="0">
+              <a:solidFill>
+                <a:schemeClr val="tx1"/>
+              </a:solidFill>
+            </a:endParaRPr>
+          </a:p>
+        </p:txBody>
+      </p:sp>
+      <p:sp>
+        <p:nvSpPr>
+          <p:cNvPr id="45" name="직사각형 44">
+            <a:extLst>
+              <a:ext uri="{FF2B5EF4-FFF2-40B4-BE49-F238E27FC236}">
+                <a16:creationId xmlns:a16="http://schemas.microsoft.com/office/drawing/2014/main" id="{C72CA6CB-24CD-0CB8-6B78-F6254128892B}"/>
+              </a:ext>
+            </a:extLst>
+          </p:cNvPr>
+          <p:cNvSpPr/>
+          <p:nvPr/>
+        </p:nvSpPr>
+        <p:spPr>
+          <a:xfrm>
+            <a:off x="11136188" y="1789815"/>
+            <a:ext cx="540598" cy="764875"/>
+          </a:xfrm>
+          <a:prstGeom prst="rect">
+            <a:avLst/>
+          </a:prstGeom>
+          <a:solidFill>
+            <a:schemeClr val="accent2"/>
+          </a:solidFill>
+        </p:spPr>
+        <p:style>
+          <a:lnRef idx="2">
+            <a:schemeClr val="accent1">
+              <a:shade val="50000"/>
+            </a:schemeClr>
+          </a:lnRef>
+          <a:fillRef idx="1">
+            <a:schemeClr val="accent1"/>
+          </a:fillRef>
+          <a:effectRef idx="0">
+            <a:schemeClr val="accent1"/>
+          </a:effectRef>
+          <a:fontRef idx="minor">
+            <a:schemeClr val="lt1"/>
+          </a:fontRef>
+        </p:style>
+        <p:txBody>
+          <a:bodyPr rtlCol="0" anchor="ctr"/>
+          <a:lstStyle/>
+          <a:p>
+            <a:pPr algn="ctr"/>
+            <a:r>
+              <a:rPr kumimoji="1" lang="en-US" altLang="ko-Kore-KR" sz="1400" dirty="0">
+                <a:solidFill>
+                  <a:schemeClr val="tx1"/>
+                </a:solidFill>
+              </a:rPr>
+              <a:t>0x34</a:t>
+            </a:r>
+            <a:endParaRPr kumimoji="1" lang="ko-Kore-KR" altLang="en-US" sz="1400" dirty="0">
+              <a:solidFill>
+                <a:schemeClr val="tx1"/>
+              </a:solidFill>
+            </a:endParaRPr>
+          </a:p>
+        </p:txBody>
+      </p:sp>
+      <p:sp>
+        <p:nvSpPr>
+          <p:cNvPr id="46" name="직사각형 45">
+            <a:extLst>
+              <a:ext uri="{FF2B5EF4-FFF2-40B4-BE49-F238E27FC236}">
+                <a16:creationId xmlns:a16="http://schemas.microsoft.com/office/drawing/2014/main" id="{7B3A7A77-A333-159B-59D9-462EC5FCD853}"/>
+              </a:ext>
+            </a:extLst>
+          </p:cNvPr>
+          <p:cNvSpPr/>
+          <p:nvPr/>
+        </p:nvSpPr>
+        <p:spPr>
+          <a:xfrm>
+            <a:off x="11676786" y="1802920"/>
+            <a:ext cx="540598" cy="764875"/>
+          </a:xfrm>
+          <a:prstGeom prst="rect">
+            <a:avLst/>
+          </a:prstGeom>
+          <a:solidFill>
+            <a:schemeClr val="accent2"/>
+          </a:solidFill>
+        </p:spPr>
+        <p:style>
+          <a:lnRef idx="2">
+            <a:schemeClr val="accent1">
+              <a:shade val="50000"/>
+            </a:schemeClr>
+          </a:lnRef>
+          <a:fillRef idx="1">
+            <a:schemeClr val="accent1"/>
+          </a:fillRef>
+          <a:effectRef idx="0">
+            <a:schemeClr val="accent1"/>
+          </a:effectRef>
+          <a:fontRef idx="minor">
+            <a:schemeClr val="lt1"/>
+          </a:fontRef>
+        </p:style>
+        <p:txBody>
+          <a:bodyPr rtlCol="0" anchor="ctr"/>
+          <a:lstStyle/>
+          <a:p>
+            <a:pPr algn="ctr"/>
+            <a:r>
+              <a:rPr kumimoji="1" lang="en-US" altLang="ko-Kore-KR" sz="1400" dirty="0">
+                <a:solidFill>
+                  <a:schemeClr val="tx1"/>
+                </a:solidFill>
+              </a:rPr>
+              <a:t>0x56</a:t>
+            </a:r>
+            <a:endParaRPr kumimoji="1" lang="ko-Kore-KR" altLang="en-US" sz="1400" dirty="0">
+              <a:solidFill>
+                <a:schemeClr val="tx1"/>
+              </a:solidFill>
+            </a:endParaRPr>
+          </a:p>
+        </p:txBody>
+      </p:sp>
+      <p:sp>
+        <p:nvSpPr>
+          <p:cNvPr id="47" name="직사각형 46">
+            <a:extLst>
+              <a:ext uri="{FF2B5EF4-FFF2-40B4-BE49-F238E27FC236}">
+                <a16:creationId xmlns:a16="http://schemas.microsoft.com/office/drawing/2014/main" id="{555F3252-5246-7042-C3C7-8C1225FD32A2}"/>
+              </a:ext>
+            </a:extLst>
+          </p:cNvPr>
+          <p:cNvSpPr/>
+          <p:nvPr/>
+        </p:nvSpPr>
+        <p:spPr>
+          <a:xfrm>
+            <a:off x="12217384" y="1789815"/>
+            <a:ext cx="540598" cy="764875"/>
+          </a:xfrm>
+          <a:prstGeom prst="rect">
+            <a:avLst/>
+          </a:prstGeom>
+          <a:solidFill>
+            <a:schemeClr val="accent2"/>
+          </a:solidFill>
+        </p:spPr>
+        <p:style>
+          <a:lnRef idx="2">
+            <a:schemeClr val="accent1">
+              <a:shade val="50000"/>
+            </a:schemeClr>
+          </a:lnRef>
+          <a:fillRef idx="1">
+            <a:schemeClr val="accent1"/>
+          </a:fillRef>
+          <a:effectRef idx="0">
+            <a:schemeClr val="accent1"/>
+          </a:effectRef>
+          <a:fontRef idx="minor">
+            <a:schemeClr val="lt1"/>
+          </a:fontRef>
+        </p:style>
+        <p:txBody>
+          <a:bodyPr rtlCol="0" anchor="ctr"/>
+          <a:lstStyle/>
+          <a:p>
+            <a:pPr algn="ctr"/>
+            <a:r>
+              <a:rPr kumimoji="1" lang="en-US" altLang="ko-Kore-KR" sz="1400" dirty="0">
+                <a:solidFill>
+                  <a:schemeClr val="tx1"/>
+                </a:solidFill>
+              </a:rPr>
+              <a:t>0x78</a:t>
             </a:r>
             <a:endParaRPr kumimoji="1" lang="ko-Kore-KR" altLang="en-US" sz="1400" dirty="0">
               <a:solidFill>

--- a/220511.pptx
+++ b/220511.pptx
@@ -18,6 +18,9 @@
     <p:sldId id="266" r:id="rId12"/>
     <p:sldId id="267" r:id="rId13"/>
     <p:sldId id="268" r:id="rId14"/>
+    <p:sldId id="269" r:id="rId15"/>
+    <p:sldId id="270" r:id="rId16"/>
+    <p:sldId id="271" r:id="rId17"/>
   </p:sldIdLst>
   <p:sldSz cx="12192000" cy="6858000"/>
   <p:notesSz cx="6858000" cy="9144000"/>
@@ -8628,6 +8631,6246 @@
     <p:extLst>
       <p:ext uri="{BB962C8B-B14F-4D97-AF65-F5344CB8AC3E}">
         <p14:creationId xmlns:p14="http://schemas.microsoft.com/office/powerpoint/2010/main" val="278430400"/>
+      </p:ext>
+    </p:extLst>
+  </p:cSld>
+  <p:clrMapOvr>
+    <a:masterClrMapping/>
+  </p:clrMapOvr>
+</p:sld>
+</file>
+
+<file path=ppt/slides/slide14.xml><?xml version="1.0" encoding="utf-8"?>
+<p:sld xmlns:a="http://schemas.openxmlformats.org/drawingml/2006/main" xmlns:r="http://schemas.openxmlformats.org/officeDocument/2006/relationships" xmlns:p="http://schemas.openxmlformats.org/presentationml/2006/main">
+  <p:cSld>
+    <p:spTree>
+      <p:nvGrpSpPr>
+        <p:cNvPr id="1" name=""/>
+        <p:cNvGrpSpPr/>
+        <p:nvPr/>
+      </p:nvGrpSpPr>
+      <p:grpSpPr>
+        <a:xfrm>
+          <a:off x="0" y="0"/>
+          <a:ext cx="0" cy="0"/>
+          <a:chOff x="0" y="0"/>
+          <a:chExt cx="0" cy="0"/>
+        </a:xfrm>
+      </p:grpSpPr>
+      <p:sp>
+        <p:nvSpPr>
+          <p:cNvPr id="4" name="직사각형 3">
+            <a:extLst>
+              <a:ext uri="{FF2B5EF4-FFF2-40B4-BE49-F238E27FC236}">
+                <a16:creationId xmlns:a16="http://schemas.microsoft.com/office/drawing/2014/main" id="{37FD3597-181C-176D-A317-40A0325F3754}"/>
+              </a:ext>
+            </a:extLst>
+          </p:cNvPr>
+          <p:cNvSpPr/>
+          <p:nvPr/>
+        </p:nvSpPr>
+        <p:spPr>
+          <a:xfrm>
+            <a:off x="438150" y="213569"/>
+            <a:ext cx="4388215" cy="5355312"/>
+          </a:xfrm>
+          <a:prstGeom prst="rect">
+            <a:avLst/>
+          </a:prstGeom>
+        </p:spPr>
+        <p:txBody>
+          <a:bodyPr wrap="square">
+            <a:spAutoFit/>
+          </a:bodyPr>
+          <a:lstStyle/>
+          <a:p>
+            <a:r>
+              <a:rPr lang="en" altLang="ko-Kore-KR" dirty="0">
+                <a:solidFill>
+                  <a:srgbClr val="0000FF"/>
+                </a:solidFill>
+                <a:latin typeface="DM Mono" panose="020B0509040201040103" pitchFamily="49" charset="0"/>
+              </a:rPr>
+              <a:t>void</a:t>
+            </a:r>
+            <a:r>
+              <a:rPr lang="en" altLang="ko-Kore-KR" dirty="0">
+                <a:solidFill>
+                  <a:srgbClr val="000000"/>
+                </a:solidFill>
+                <a:latin typeface="DM Mono" panose="020B0509040201040103" pitchFamily="49" charset="0"/>
+              </a:rPr>
+              <a:t> </a:t>
+            </a:r>
+            <a:r>
+              <a:rPr lang="en" altLang="ko-Kore-KR" dirty="0" err="1">
+                <a:solidFill>
+                  <a:srgbClr val="795E26"/>
+                </a:solidFill>
+                <a:latin typeface="DM Mono" panose="020B0509040201040103" pitchFamily="49" charset="0"/>
+              </a:rPr>
+              <a:t>pswap</a:t>
+            </a:r>
+            <a:r>
+              <a:rPr lang="en" altLang="ko-Kore-KR" dirty="0">
+                <a:solidFill>
+                  <a:srgbClr val="000000"/>
+                </a:solidFill>
+                <a:latin typeface="DM Mono" panose="020B0509040201040103" pitchFamily="49" charset="0"/>
+              </a:rPr>
+              <a:t>(</a:t>
+            </a:r>
+            <a:r>
+              <a:rPr lang="en" altLang="ko-Kore-KR" dirty="0">
+                <a:solidFill>
+                  <a:srgbClr val="0000FF"/>
+                </a:solidFill>
+                <a:latin typeface="DM Mono" panose="020B0509040201040103" pitchFamily="49" charset="0"/>
+              </a:rPr>
+              <a:t>int</a:t>
+            </a:r>
+            <a:r>
+              <a:rPr lang="en" altLang="ko-Kore-KR" dirty="0">
+                <a:solidFill>
+                  <a:srgbClr val="000000"/>
+                </a:solidFill>
+                <a:latin typeface="DM Mono" panose="020B0509040201040103" pitchFamily="49" charset="0"/>
+              </a:rPr>
+              <a:t>** </a:t>
+            </a:r>
+            <a:r>
+              <a:rPr lang="en" altLang="ko-Kore-KR" dirty="0" err="1">
+                <a:solidFill>
+                  <a:srgbClr val="001080"/>
+                </a:solidFill>
+                <a:latin typeface="DM Mono" panose="020B0509040201040103" pitchFamily="49" charset="0"/>
+              </a:rPr>
+              <a:t>ppa</a:t>
+            </a:r>
+            <a:r>
+              <a:rPr lang="en" altLang="ko-Kore-KR" dirty="0">
+                <a:solidFill>
+                  <a:srgbClr val="000000"/>
+                </a:solidFill>
+                <a:latin typeface="DM Mono" panose="020B0509040201040103" pitchFamily="49" charset="0"/>
+              </a:rPr>
+              <a:t>, </a:t>
+            </a:r>
+            <a:r>
+              <a:rPr lang="en" altLang="ko-Kore-KR" dirty="0">
+                <a:solidFill>
+                  <a:srgbClr val="0000FF"/>
+                </a:solidFill>
+                <a:latin typeface="DM Mono" panose="020B0509040201040103" pitchFamily="49" charset="0"/>
+              </a:rPr>
+              <a:t>int</a:t>
+            </a:r>
+            <a:r>
+              <a:rPr lang="en" altLang="ko-Kore-KR" dirty="0">
+                <a:solidFill>
+                  <a:srgbClr val="000000"/>
+                </a:solidFill>
+                <a:latin typeface="DM Mono" panose="020B0509040201040103" pitchFamily="49" charset="0"/>
+              </a:rPr>
+              <a:t>** </a:t>
+            </a:r>
+            <a:r>
+              <a:rPr lang="en" altLang="ko-Kore-KR" dirty="0">
+                <a:solidFill>
+                  <a:srgbClr val="001080"/>
+                </a:solidFill>
+                <a:latin typeface="DM Mono" panose="020B0509040201040103" pitchFamily="49" charset="0"/>
+              </a:rPr>
+              <a:t>ppb</a:t>
+            </a:r>
+            <a:r>
+              <a:rPr lang="en" altLang="ko-Kore-KR" dirty="0">
+                <a:solidFill>
+                  <a:srgbClr val="000000"/>
+                </a:solidFill>
+                <a:latin typeface="DM Mono" panose="020B0509040201040103" pitchFamily="49" charset="0"/>
+              </a:rPr>
+              <a:t>)</a:t>
+            </a:r>
+          </a:p>
+          <a:p>
+            <a:r>
+              <a:rPr lang="en" altLang="ko-Kore-KR" dirty="0">
+                <a:solidFill>
+                  <a:srgbClr val="000000"/>
+                </a:solidFill>
+                <a:latin typeface="DM Mono" panose="020B0509040201040103" pitchFamily="49" charset="0"/>
+              </a:rPr>
+              <a:t>{</a:t>
+            </a:r>
+          </a:p>
+          <a:p>
+            <a:r>
+              <a:rPr lang="en" altLang="ko-Kore-KR" dirty="0">
+                <a:solidFill>
+                  <a:srgbClr val="0000FF"/>
+                </a:solidFill>
+                <a:latin typeface="DM Mono" panose="020B0509040201040103" pitchFamily="49" charset="0"/>
+              </a:rPr>
+              <a:t>  int</a:t>
+            </a:r>
+            <a:r>
+              <a:rPr lang="en" altLang="ko-Kore-KR" dirty="0">
+                <a:solidFill>
+                  <a:srgbClr val="000000"/>
+                </a:solidFill>
+                <a:latin typeface="DM Mono" panose="020B0509040201040103" pitchFamily="49" charset="0"/>
+              </a:rPr>
+              <a:t>* </a:t>
+            </a:r>
+            <a:r>
+              <a:rPr lang="en" altLang="ko-Kore-KR" dirty="0">
+                <a:solidFill>
+                  <a:srgbClr val="001080"/>
+                </a:solidFill>
+                <a:latin typeface="DM Mono" panose="020B0509040201040103" pitchFamily="49" charset="0"/>
+              </a:rPr>
+              <a:t>temp</a:t>
+            </a:r>
+            <a:r>
+              <a:rPr lang="en" altLang="ko-Kore-KR" dirty="0">
+                <a:solidFill>
+                  <a:srgbClr val="000000"/>
+                </a:solidFill>
+                <a:latin typeface="DM Mono" panose="020B0509040201040103" pitchFamily="49" charset="0"/>
+              </a:rPr>
+              <a:t> = *</a:t>
+            </a:r>
+            <a:r>
+              <a:rPr lang="en" altLang="ko-Kore-KR" dirty="0" err="1">
+                <a:solidFill>
+                  <a:srgbClr val="001080"/>
+                </a:solidFill>
+                <a:latin typeface="DM Mono" panose="020B0509040201040103" pitchFamily="49" charset="0"/>
+              </a:rPr>
+              <a:t>ppa</a:t>
+            </a:r>
+            <a:r>
+              <a:rPr lang="en" altLang="ko-Kore-KR" dirty="0">
+                <a:solidFill>
+                  <a:srgbClr val="000000"/>
+                </a:solidFill>
+                <a:latin typeface="DM Mono" panose="020B0509040201040103" pitchFamily="49" charset="0"/>
+              </a:rPr>
+              <a:t>;</a:t>
+            </a:r>
+          </a:p>
+          <a:p>
+            <a:r>
+              <a:rPr lang="en" altLang="ko-Kore-KR" dirty="0">
+                <a:solidFill>
+                  <a:srgbClr val="000000"/>
+                </a:solidFill>
+                <a:latin typeface="DM Mono" panose="020B0509040201040103" pitchFamily="49" charset="0"/>
+              </a:rPr>
+              <a:t>  *</a:t>
+            </a:r>
+            <a:r>
+              <a:rPr lang="en" altLang="ko-Kore-KR" dirty="0" err="1">
+                <a:solidFill>
+                  <a:srgbClr val="001080"/>
+                </a:solidFill>
+                <a:latin typeface="DM Mono" panose="020B0509040201040103" pitchFamily="49" charset="0"/>
+              </a:rPr>
+              <a:t>ppa</a:t>
+            </a:r>
+            <a:r>
+              <a:rPr lang="en" altLang="ko-Kore-KR" dirty="0">
+                <a:solidFill>
+                  <a:srgbClr val="000000"/>
+                </a:solidFill>
+                <a:latin typeface="DM Mono" panose="020B0509040201040103" pitchFamily="49" charset="0"/>
+              </a:rPr>
+              <a:t> = *</a:t>
+            </a:r>
+            <a:r>
+              <a:rPr lang="en" altLang="ko-Kore-KR" dirty="0">
+                <a:solidFill>
+                  <a:srgbClr val="001080"/>
+                </a:solidFill>
+                <a:latin typeface="DM Mono" panose="020B0509040201040103" pitchFamily="49" charset="0"/>
+              </a:rPr>
+              <a:t>ppb</a:t>
+            </a:r>
+            <a:r>
+              <a:rPr lang="en" altLang="ko-Kore-KR" dirty="0">
+                <a:solidFill>
+                  <a:srgbClr val="000000"/>
+                </a:solidFill>
+                <a:latin typeface="DM Mono" panose="020B0509040201040103" pitchFamily="49" charset="0"/>
+              </a:rPr>
+              <a:t>;</a:t>
+            </a:r>
+          </a:p>
+          <a:p>
+            <a:r>
+              <a:rPr lang="en" altLang="ko-Kore-KR" dirty="0">
+                <a:solidFill>
+                  <a:srgbClr val="000000"/>
+                </a:solidFill>
+                <a:latin typeface="DM Mono" panose="020B0509040201040103" pitchFamily="49" charset="0"/>
+              </a:rPr>
+              <a:t>  *</a:t>
+            </a:r>
+            <a:r>
+              <a:rPr lang="en" altLang="ko-Kore-KR" dirty="0">
+                <a:solidFill>
+                  <a:srgbClr val="001080"/>
+                </a:solidFill>
+                <a:latin typeface="DM Mono" panose="020B0509040201040103" pitchFamily="49" charset="0"/>
+              </a:rPr>
+              <a:t>ppb</a:t>
+            </a:r>
+            <a:r>
+              <a:rPr lang="en" altLang="ko-Kore-KR" dirty="0">
+                <a:solidFill>
+                  <a:srgbClr val="000000"/>
+                </a:solidFill>
+                <a:latin typeface="DM Mono" panose="020B0509040201040103" pitchFamily="49" charset="0"/>
+              </a:rPr>
+              <a:t> = </a:t>
+            </a:r>
+            <a:r>
+              <a:rPr lang="en" altLang="ko-Kore-KR" dirty="0">
+                <a:solidFill>
+                  <a:srgbClr val="001080"/>
+                </a:solidFill>
+                <a:latin typeface="DM Mono" panose="020B0509040201040103" pitchFamily="49" charset="0"/>
+              </a:rPr>
+              <a:t>temp</a:t>
+            </a:r>
+            <a:r>
+              <a:rPr lang="en" altLang="ko-Kore-KR" dirty="0">
+                <a:solidFill>
+                  <a:srgbClr val="000000"/>
+                </a:solidFill>
+                <a:latin typeface="DM Mono" panose="020B0509040201040103" pitchFamily="49" charset="0"/>
+              </a:rPr>
+              <a:t>;</a:t>
+            </a:r>
+          </a:p>
+          <a:p>
+            <a:r>
+              <a:rPr lang="en" altLang="ko-Kore-KR" dirty="0">
+                <a:solidFill>
+                  <a:srgbClr val="000000"/>
+                </a:solidFill>
+                <a:latin typeface="DM Mono" panose="020B0509040201040103" pitchFamily="49" charset="0"/>
+              </a:rPr>
+              <a:t>}</a:t>
+            </a:r>
+          </a:p>
+          <a:p>
+            <a:br>
+              <a:rPr lang="en" altLang="ko-Kore-KR" dirty="0">
+                <a:solidFill>
+                  <a:srgbClr val="000000"/>
+                </a:solidFill>
+                <a:latin typeface="DM Mono" panose="020B0509040201040103" pitchFamily="49" charset="0"/>
+              </a:rPr>
+            </a:br>
+            <a:r>
+              <a:rPr lang="en" altLang="ko-Kore-KR" dirty="0">
+                <a:solidFill>
+                  <a:srgbClr val="0000FF"/>
+                </a:solidFill>
+                <a:latin typeface="DM Mono" panose="020B0509040201040103" pitchFamily="49" charset="0"/>
+              </a:rPr>
+              <a:t>int</a:t>
+            </a:r>
+            <a:r>
+              <a:rPr lang="en" altLang="ko-Kore-KR" dirty="0">
+                <a:solidFill>
+                  <a:srgbClr val="000000"/>
+                </a:solidFill>
+                <a:latin typeface="DM Mono" panose="020B0509040201040103" pitchFamily="49" charset="0"/>
+              </a:rPr>
+              <a:t> </a:t>
+            </a:r>
+            <a:r>
+              <a:rPr lang="en" altLang="ko-Kore-KR" dirty="0">
+                <a:solidFill>
+                  <a:srgbClr val="795E26"/>
+                </a:solidFill>
+                <a:latin typeface="DM Mono" panose="020B0509040201040103" pitchFamily="49" charset="0"/>
+              </a:rPr>
+              <a:t>main</a:t>
+            </a:r>
+            <a:r>
+              <a:rPr lang="en" altLang="ko-Kore-KR" dirty="0">
+                <a:solidFill>
+                  <a:srgbClr val="000000"/>
+                </a:solidFill>
+                <a:latin typeface="DM Mono" panose="020B0509040201040103" pitchFamily="49" charset="0"/>
+              </a:rPr>
+              <a:t>(</a:t>
+            </a:r>
+            <a:r>
+              <a:rPr lang="en" altLang="ko-Kore-KR" dirty="0">
+                <a:solidFill>
+                  <a:srgbClr val="0000FF"/>
+                </a:solidFill>
+                <a:latin typeface="DM Mono" panose="020B0509040201040103" pitchFamily="49" charset="0"/>
+              </a:rPr>
+              <a:t>void</a:t>
+            </a:r>
+            <a:r>
+              <a:rPr lang="en" altLang="ko-Kore-KR" dirty="0">
+                <a:solidFill>
+                  <a:srgbClr val="000000"/>
+                </a:solidFill>
+                <a:latin typeface="DM Mono" panose="020B0509040201040103" pitchFamily="49" charset="0"/>
+              </a:rPr>
+              <a:t>)</a:t>
+            </a:r>
+          </a:p>
+          <a:p>
+            <a:r>
+              <a:rPr lang="en" altLang="ko-Kore-KR" dirty="0">
+                <a:solidFill>
+                  <a:srgbClr val="000000"/>
+                </a:solidFill>
+                <a:latin typeface="DM Mono" panose="020B0509040201040103" pitchFamily="49" charset="0"/>
+              </a:rPr>
+              <a:t>{</a:t>
+            </a:r>
+          </a:p>
+          <a:p>
+            <a:r>
+              <a:rPr lang="en" altLang="ko-Kore-KR" dirty="0">
+                <a:solidFill>
+                  <a:srgbClr val="0000FF"/>
+                </a:solidFill>
+                <a:latin typeface="DM Mono" panose="020B0509040201040103" pitchFamily="49" charset="0"/>
+              </a:rPr>
+              <a:t>  int</a:t>
+            </a:r>
+            <a:r>
+              <a:rPr lang="en" altLang="ko-Kore-KR" dirty="0">
+                <a:solidFill>
+                  <a:srgbClr val="000000"/>
+                </a:solidFill>
+                <a:latin typeface="DM Mono" panose="020B0509040201040103" pitchFamily="49" charset="0"/>
+              </a:rPr>
+              <a:t> </a:t>
+            </a:r>
+            <a:r>
+              <a:rPr lang="en" altLang="ko-Kore-KR" dirty="0">
+                <a:solidFill>
+                  <a:srgbClr val="001080"/>
+                </a:solidFill>
+                <a:latin typeface="DM Mono" panose="020B0509040201040103" pitchFamily="49" charset="0"/>
+              </a:rPr>
+              <a:t>a</a:t>
+            </a:r>
+            <a:r>
+              <a:rPr lang="en" altLang="ko-Kore-KR" dirty="0">
+                <a:solidFill>
+                  <a:srgbClr val="000000"/>
+                </a:solidFill>
+                <a:latin typeface="DM Mono" panose="020B0509040201040103" pitchFamily="49" charset="0"/>
+              </a:rPr>
+              <a:t> = </a:t>
+            </a:r>
+            <a:r>
+              <a:rPr lang="en" altLang="ko-Kore-KR" dirty="0">
+                <a:solidFill>
+                  <a:srgbClr val="098658"/>
+                </a:solidFill>
+                <a:latin typeface="DM Mono" panose="020B0509040201040103" pitchFamily="49" charset="0"/>
+              </a:rPr>
+              <a:t>10</a:t>
+            </a:r>
+            <a:r>
+              <a:rPr lang="en" altLang="ko-Kore-KR" dirty="0">
+                <a:solidFill>
+                  <a:srgbClr val="000000"/>
+                </a:solidFill>
+                <a:latin typeface="DM Mono" panose="020B0509040201040103" pitchFamily="49" charset="0"/>
+              </a:rPr>
+              <a:t>;</a:t>
+            </a:r>
+          </a:p>
+          <a:p>
+            <a:r>
+              <a:rPr lang="en" altLang="ko-Kore-KR" dirty="0">
+                <a:solidFill>
+                  <a:srgbClr val="0000FF"/>
+                </a:solidFill>
+                <a:latin typeface="DM Mono" panose="020B0509040201040103" pitchFamily="49" charset="0"/>
+              </a:rPr>
+              <a:t>  int</a:t>
+            </a:r>
+            <a:r>
+              <a:rPr lang="en" altLang="ko-Kore-KR" dirty="0">
+                <a:solidFill>
+                  <a:srgbClr val="000000"/>
+                </a:solidFill>
+                <a:latin typeface="DM Mono" panose="020B0509040201040103" pitchFamily="49" charset="0"/>
+              </a:rPr>
+              <a:t> </a:t>
+            </a:r>
+            <a:r>
+              <a:rPr lang="en" altLang="ko-Kore-KR" dirty="0">
+                <a:solidFill>
+                  <a:srgbClr val="001080"/>
+                </a:solidFill>
+                <a:latin typeface="DM Mono" panose="020B0509040201040103" pitchFamily="49" charset="0"/>
+              </a:rPr>
+              <a:t>b</a:t>
+            </a:r>
+            <a:r>
+              <a:rPr lang="en" altLang="ko-Kore-KR" dirty="0">
+                <a:solidFill>
+                  <a:srgbClr val="000000"/>
+                </a:solidFill>
+                <a:latin typeface="DM Mono" panose="020B0509040201040103" pitchFamily="49" charset="0"/>
+              </a:rPr>
+              <a:t> = </a:t>
+            </a:r>
+            <a:r>
+              <a:rPr lang="en" altLang="ko-Kore-KR" dirty="0">
+                <a:solidFill>
+                  <a:srgbClr val="098658"/>
+                </a:solidFill>
+                <a:latin typeface="DM Mono" panose="020B0509040201040103" pitchFamily="49" charset="0"/>
+              </a:rPr>
+              <a:t>20</a:t>
+            </a:r>
+            <a:r>
+              <a:rPr lang="en" altLang="ko-Kore-KR" dirty="0">
+                <a:solidFill>
+                  <a:srgbClr val="000000"/>
+                </a:solidFill>
+                <a:latin typeface="DM Mono" panose="020B0509040201040103" pitchFamily="49" charset="0"/>
+              </a:rPr>
+              <a:t>;</a:t>
+            </a:r>
+          </a:p>
+          <a:p>
+            <a:br>
+              <a:rPr lang="en" altLang="ko-Kore-KR" dirty="0">
+                <a:solidFill>
+                  <a:srgbClr val="000000"/>
+                </a:solidFill>
+                <a:latin typeface="DM Mono" panose="020B0509040201040103" pitchFamily="49" charset="0"/>
+              </a:rPr>
+            </a:br>
+            <a:r>
+              <a:rPr lang="en" altLang="ko-Kore-KR" dirty="0">
+                <a:solidFill>
+                  <a:srgbClr val="000000"/>
+                </a:solidFill>
+                <a:latin typeface="DM Mono" panose="020B0509040201040103" pitchFamily="49" charset="0"/>
+              </a:rPr>
+              <a:t>  </a:t>
+            </a:r>
+            <a:r>
+              <a:rPr lang="en" altLang="ko-Kore-KR" dirty="0">
+                <a:solidFill>
+                  <a:srgbClr val="0000FF"/>
+                </a:solidFill>
+                <a:latin typeface="DM Mono" panose="020B0509040201040103" pitchFamily="49" charset="0"/>
+              </a:rPr>
+              <a:t>int</a:t>
+            </a:r>
+            <a:r>
+              <a:rPr lang="en" altLang="ko-Kore-KR" dirty="0">
+                <a:solidFill>
+                  <a:srgbClr val="000000"/>
+                </a:solidFill>
+                <a:latin typeface="DM Mono" panose="020B0509040201040103" pitchFamily="49" charset="0"/>
+              </a:rPr>
+              <a:t>* </a:t>
+            </a:r>
+            <a:r>
+              <a:rPr lang="en" altLang="ko-Kore-KR" dirty="0">
+                <a:solidFill>
+                  <a:srgbClr val="001080"/>
+                </a:solidFill>
+                <a:latin typeface="DM Mono" panose="020B0509040201040103" pitchFamily="49" charset="0"/>
+              </a:rPr>
+              <a:t>pa</a:t>
+            </a:r>
+            <a:r>
+              <a:rPr lang="en" altLang="ko-Kore-KR" dirty="0">
+                <a:solidFill>
+                  <a:srgbClr val="000000"/>
+                </a:solidFill>
+                <a:latin typeface="DM Mono" panose="020B0509040201040103" pitchFamily="49" charset="0"/>
+              </a:rPr>
+              <a:t> = &amp;</a:t>
+            </a:r>
+            <a:r>
+              <a:rPr lang="en" altLang="ko-Kore-KR" dirty="0">
+                <a:solidFill>
+                  <a:srgbClr val="001080"/>
+                </a:solidFill>
+                <a:latin typeface="DM Mono" panose="020B0509040201040103" pitchFamily="49" charset="0"/>
+              </a:rPr>
+              <a:t>a</a:t>
+            </a:r>
+            <a:r>
+              <a:rPr lang="en" altLang="ko-Kore-KR" dirty="0">
+                <a:solidFill>
+                  <a:srgbClr val="000000"/>
+                </a:solidFill>
+                <a:latin typeface="DM Mono" panose="020B0509040201040103" pitchFamily="49" charset="0"/>
+              </a:rPr>
+              <a:t>;</a:t>
+            </a:r>
+          </a:p>
+          <a:p>
+            <a:r>
+              <a:rPr lang="en" altLang="ko-Kore-KR" dirty="0">
+                <a:solidFill>
+                  <a:srgbClr val="0000FF"/>
+                </a:solidFill>
+                <a:latin typeface="DM Mono" panose="020B0509040201040103" pitchFamily="49" charset="0"/>
+              </a:rPr>
+              <a:t>  int</a:t>
+            </a:r>
+            <a:r>
+              <a:rPr lang="en" altLang="ko-Kore-KR" dirty="0">
+                <a:solidFill>
+                  <a:srgbClr val="000000"/>
+                </a:solidFill>
+                <a:latin typeface="DM Mono" panose="020B0509040201040103" pitchFamily="49" charset="0"/>
+              </a:rPr>
+              <a:t>* </a:t>
+            </a:r>
+            <a:r>
+              <a:rPr lang="en" altLang="ko-Kore-KR" dirty="0">
+                <a:solidFill>
+                  <a:srgbClr val="001080"/>
+                </a:solidFill>
+                <a:latin typeface="DM Mono" panose="020B0509040201040103" pitchFamily="49" charset="0"/>
+              </a:rPr>
+              <a:t>pb</a:t>
+            </a:r>
+            <a:r>
+              <a:rPr lang="en" altLang="ko-Kore-KR" dirty="0">
+                <a:solidFill>
+                  <a:srgbClr val="000000"/>
+                </a:solidFill>
+                <a:latin typeface="DM Mono" panose="020B0509040201040103" pitchFamily="49" charset="0"/>
+              </a:rPr>
+              <a:t> = &amp;</a:t>
+            </a:r>
+            <a:r>
+              <a:rPr lang="en" altLang="ko-Kore-KR" dirty="0">
+                <a:solidFill>
+                  <a:srgbClr val="001080"/>
+                </a:solidFill>
+                <a:latin typeface="DM Mono" panose="020B0509040201040103" pitchFamily="49" charset="0"/>
+              </a:rPr>
+              <a:t>b</a:t>
+            </a:r>
+            <a:r>
+              <a:rPr lang="en" altLang="ko-Kore-KR" dirty="0">
+                <a:solidFill>
+                  <a:srgbClr val="000000"/>
+                </a:solidFill>
+                <a:latin typeface="DM Mono" panose="020B0509040201040103" pitchFamily="49" charset="0"/>
+              </a:rPr>
+              <a:t>;</a:t>
+            </a:r>
+          </a:p>
+          <a:p>
+            <a:r>
+              <a:rPr lang="en" altLang="ko-Kore-KR" dirty="0">
+                <a:solidFill>
+                  <a:srgbClr val="795E26"/>
+                </a:solidFill>
+                <a:latin typeface="DM Mono" panose="020B0509040201040103" pitchFamily="49" charset="0"/>
+              </a:rPr>
+              <a:t>  </a:t>
+            </a:r>
+            <a:r>
+              <a:rPr lang="en" altLang="ko-Kore-KR" dirty="0" err="1">
+                <a:solidFill>
+                  <a:srgbClr val="795E26"/>
+                </a:solidFill>
+                <a:latin typeface="DM Mono" panose="020B0509040201040103" pitchFamily="49" charset="0"/>
+              </a:rPr>
+              <a:t>pswap</a:t>
+            </a:r>
+            <a:r>
+              <a:rPr lang="en" altLang="ko-Kore-KR" dirty="0">
+                <a:solidFill>
+                  <a:srgbClr val="000000"/>
+                </a:solidFill>
+                <a:latin typeface="DM Mono" panose="020B0509040201040103" pitchFamily="49" charset="0"/>
+              </a:rPr>
+              <a:t>(&amp;</a:t>
+            </a:r>
+            <a:r>
+              <a:rPr lang="en" altLang="ko-Kore-KR" dirty="0">
+                <a:solidFill>
+                  <a:srgbClr val="001080"/>
+                </a:solidFill>
+                <a:latin typeface="DM Mono" panose="020B0509040201040103" pitchFamily="49" charset="0"/>
+              </a:rPr>
+              <a:t>pa</a:t>
+            </a:r>
+            <a:r>
+              <a:rPr lang="en" altLang="ko-Kore-KR" dirty="0">
+                <a:solidFill>
+                  <a:srgbClr val="000000"/>
+                </a:solidFill>
+                <a:latin typeface="DM Mono" panose="020B0509040201040103" pitchFamily="49" charset="0"/>
+              </a:rPr>
+              <a:t>, &amp;</a:t>
+            </a:r>
+            <a:r>
+              <a:rPr lang="en" altLang="ko-Kore-KR" dirty="0">
+                <a:solidFill>
+                  <a:srgbClr val="001080"/>
+                </a:solidFill>
+                <a:latin typeface="DM Mono" panose="020B0509040201040103" pitchFamily="49" charset="0"/>
+              </a:rPr>
+              <a:t>pb</a:t>
+            </a:r>
+            <a:r>
+              <a:rPr lang="en" altLang="ko-Kore-KR" dirty="0">
+                <a:solidFill>
+                  <a:srgbClr val="000000"/>
+                </a:solidFill>
+                <a:latin typeface="DM Mono" panose="020B0509040201040103" pitchFamily="49" charset="0"/>
+              </a:rPr>
+              <a:t>);</a:t>
+            </a:r>
+          </a:p>
+          <a:p>
+            <a:br>
+              <a:rPr lang="en" altLang="ko-Kore-KR" dirty="0">
+                <a:solidFill>
+                  <a:srgbClr val="000000"/>
+                </a:solidFill>
+                <a:latin typeface="DM Mono" panose="020B0509040201040103" pitchFamily="49" charset="0"/>
+              </a:rPr>
+            </a:br>
+            <a:r>
+              <a:rPr lang="en" altLang="ko-Kore-KR" dirty="0">
+                <a:solidFill>
+                  <a:srgbClr val="000000"/>
+                </a:solidFill>
+                <a:latin typeface="DM Mono" panose="020B0509040201040103" pitchFamily="49" charset="0"/>
+              </a:rPr>
+              <a:t>  </a:t>
+            </a:r>
+            <a:r>
+              <a:rPr lang="en" altLang="ko-Kore-KR" dirty="0" err="1">
+                <a:solidFill>
+                  <a:srgbClr val="795E26"/>
+                </a:solidFill>
+                <a:latin typeface="DM Mono" panose="020B0509040201040103" pitchFamily="49" charset="0"/>
+              </a:rPr>
+              <a:t>printf</a:t>
+            </a:r>
+            <a:r>
+              <a:rPr lang="en" altLang="ko-Kore-KR" dirty="0">
+                <a:solidFill>
+                  <a:srgbClr val="000000"/>
+                </a:solidFill>
+                <a:latin typeface="DM Mono" panose="020B0509040201040103" pitchFamily="49" charset="0"/>
+              </a:rPr>
+              <a:t>(</a:t>
+            </a:r>
+            <a:r>
+              <a:rPr lang="en" altLang="ko-Kore-KR" dirty="0">
+                <a:solidFill>
+                  <a:srgbClr val="A31515"/>
+                </a:solidFill>
+                <a:latin typeface="DM Mono" panose="020B0509040201040103" pitchFamily="49" charset="0"/>
+              </a:rPr>
+              <a:t>"</a:t>
+            </a:r>
+            <a:r>
+              <a:rPr lang="en" altLang="ko-Kore-KR" dirty="0">
+                <a:solidFill>
+                  <a:srgbClr val="001080"/>
+                </a:solidFill>
+                <a:latin typeface="DM Mono" panose="020B0509040201040103" pitchFamily="49" charset="0"/>
+              </a:rPr>
+              <a:t>%d</a:t>
+            </a:r>
+            <a:r>
+              <a:rPr lang="en" altLang="ko-Kore-KR" dirty="0">
+                <a:solidFill>
+                  <a:srgbClr val="A31515"/>
+                </a:solidFill>
+                <a:latin typeface="DM Mono" panose="020B0509040201040103" pitchFamily="49" charset="0"/>
+              </a:rPr>
+              <a:t> </a:t>
+            </a:r>
+            <a:r>
+              <a:rPr lang="en" altLang="ko-Kore-KR" dirty="0">
+                <a:solidFill>
+                  <a:srgbClr val="001080"/>
+                </a:solidFill>
+                <a:latin typeface="DM Mono" panose="020B0509040201040103" pitchFamily="49" charset="0"/>
+              </a:rPr>
+              <a:t>%d</a:t>
+            </a:r>
+            <a:r>
+              <a:rPr lang="en" altLang="ko-Kore-KR" dirty="0">
+                <a:solidFill>
+                  <a:srgbClr val="EE0000"/>
+                </a:solidFill>
+                <a:latin typeface="DM Mono" panose="020B0509040201040103" pitchFamily="49" charset="0"/>
+              </a:rPr>
+              <a:t>\n</a:t>
+            </a:r>
+            <a:r>
+              <a:rPr lang="en" altLang="ko-Kore-KR" dirty="0">
+                <a:solidFill>
+                  <a:srgbClr val="A31515"/>
+                </a:solidFill>
+                <a:latin typeface="DM Mono" panose="020B0509040201040103" pitchFamily="49" charset="0"/>
+              </a:rPr>
+              <a:t>"</a:t>
+            </a:r>
+            <a:r>
+              <a:rPr lang="en" altLang="ko-Kore-KR" dirty="0">
+                <a:solidFill>
+                  <a:srgbClr val="000000"/>
+                </a:solidFill>
+                <a:latin typeface="DM Mono" panose="020B0509040201040103" pitchFamily="49" charset="0"/>
+              </a:rPr>
+              <a:t>, </a:t>
+            </a:r>
+            <a:r>
+              <a:rPr lang="en" altLang="ko-Kore-KR" dirty="0">
+                <a:solidFill>
+                  <a:srgbClr val="001080"/>
+                </a:solidFill>
+                <a:latin typeface="DM Mono" panose="020B0509040201040103" pitchFamily="49" charset="0"/>
+              </a:rPr>
+              <a:t>a</a:t>
+            </a:r>
+            <a:r>
+              <a:rPr lang="en" altLang="ko-Kore-KR" dirty="0">
+                <a:solidFill>
+                  <a:srgbClr val="000000"/>
+                </a:solidFill>
+                <a:latin typeface="DM Mono" panose="020B0509040201040103" pitchFamily="49" charset="0"/>
+              </a:rPr>
+              <a:t>, </a:t>
+            </a:r>
+            <a:r>
+              <a:rPr lang="en" altLang="ko-Kore-KR" dirty="0">
+                <a:solidFill>
+                  <a:srgbClr val="001080"/>
+                </a:solidFill>
+                <a:latin typeface="DM Mono" panose="020B0509040201040103" pitchFamily="49" charset="0"/>
+              </a:rPr>
+              <a:t>b</a:t>
+            </a:r>
+            <a:r>
+              <a:rPr lang="en" altLang="ko-Kore-KR" dirty="0">
+                <a:solidFill>
+                  <a:srgbClr val="000000"/>
+                </a:solidFill>
+                <a:latin typeface="DM Mono" panose="020B0509040201040103" pitchFamily="49" charset="0"/>
+              </a:rPr>
+              <a:t>);</a:t>
+            </a:r>
+          </a:p>
+          <a:p>
+            <a:r>
+              <a:rPr lang="en" altLang="ko-Kore-KR" dirty="0">
+                <a:solidFill>
+                  <a:srgbClr val="000000"/>
+                </a:solidFill>
+                <a:latin typeface="DM Mono" panose="020B0509040201040103" pitchFamily="49" charset="0"/>
+              </a:rPr>
+              <a:t>}</a:t>
+            </a:r>
+            <a:endParaRPr lang="en" altLang="ko-Kore-KR" b="0" dirty="0">
+              <a:solidFill>
+                <a:srgbClr val="000000"/>
+              </a:solidFill>
+              <a:effectLst/>
+              <a:latin typeface="DM Mono" panose="020B0509040201040103" pitchFamily="49" charset="0"/>
+            </a:endParaRPr>
+          </a:p>
+        </p:txBody>
+      </p:sp>
+      <p:sp>
+        <p:nvSpPr>
+          <p:cNvPr id="5" name="직사각형 4">
+            <a:extLst>
+              <a:ext uri="{FF2B5EF4-FFF2-40B4-BE49-F238E27FC236}">
+                <a16:creationId xmlns:a16="http://schemas.microsoft.com/office/drawing/2014/main" id="{5D4953FA-ECF5-406E-EA0A-07F4BB1D1637}"/>
+              </a:ext>
+            </a:extLst>
+          </p:cNvPr>
+          <p:cNvSpPr/>
+          <p:nvPr/>
+        </p:nvSpPr>
+        <p:spPr>
+          <a:xfrm>
+            <a:off x="5037645" y="1198819"/>
+            <a:ext cx="3234906" cy="2706432"/>
+          </a:xfrm>
+          <a:prstGeom prst="rect">
+            <a:avLst/>
+          </a:prstGeom>
+          <a:noFill/>
+        </p:spPr>
+        <p:style>
+          <a:lnRef idx="2">
+            <a:schemeClr val="accent4"/>
+          </a:lnRef>
+          <a:fillRef idx="1">
+            <a:schemeClr val="lt1"/>
+          </a:fillRef>
+          <a:effectRef idx="0">
+            <a:schemeClr val="accent4"/>
+          </a:effectRef>
+          <a:fontRef idx="minor">
+            <a:schemeClr val="dk1"/>
+          </a:fontRef>
+        </p:style>
+        <p:txBody>
+          <a:bodyPr rtlCol="0" anchor="ctr"/>
+          <a:lstStyle/>
+          <a:p>
+            <a:pPr algn="ctr"/>
+            <a:endParaRPr kumimoji="1" lang="ko-Kore-KR" altLang="en-US" sz="1400" dirty="0">
+              <a:solidFill>
+                <a:schemeClr val="tx1"/>
+              </a:solidFill>
+            </a:endParaRPr>
+          </a:p>
+        </p:txBody>
+      </p:sp>
+      <p:sp>
+        <p:nvSpPr>
+          <p:cNvPr id="6" name="직사각형 5">
+            <a:extLst>
+              <a:ext uri="{FF2B5EF4-FFF2-40B4-BE49-F238E27FC236}">
+                <a16:creationId xmlns:a16="http://schemas.microsoft.com/office/drawing/2014/main" id="{DF1668EF-A1EF-4292-019D-8A043A24DE4B}"/>
+              </a:ext>
+            </a:extLst>
+          </p:cNvPr>
+          <p:cNvSpPr/>
+          <p:nvPr/>
+        </p:nvSpPr>
+        <p:spPr>
+          <a:xfrm>
+            <a:off x="6258474" y="809072"/>
+            <a:ext cx="736099" cy="369332"/>
+          </a:xfrm>
+          <a:prstGeom prst="rect">
+            <a:avLst/>
+          </a:prstGeom>
+        </p:spPr>
+        <p:txBody>
+          <a:bodyPr wrap="none">
+            <a:spAutoFit/>
+          </a:bodyPr>
+          <a:lstStyle/>
+          <a:p>
+            <a:r>
+              <a:rPr lang="en" altLang="ko-Kore-KR" dirty="0">
+                <a:solidFill>
+                  <a:srgbClr val="795E26"/>
+                </a:solidFill>
+                <a:latin typeface="DM Mono" panose="020B0509040201040103" pitchFamily="49" charset="0"/>
+              </a:rPr>
+              <a:t>main</a:t>
+            </a:r>
+            <a:endParaRPr lang="ko-Kore-KR" altLang="en-US" dirty="0"/>
+          </a:p>
+        </p:txBody>
+      </p:sp>
+      <p:sp>
+        <p:nvSpPr>
+          <p:cNvPr id="7" name="직사각형 6">
+            <a:extLst>
+              <a:ext uri="{FF2B5EF4-FFF2-40B4-BE49-F238E27FC236}">
+                <a16:creationId xmlns:a16="http://schemas.microsoft.com/office/drawing/2014/main" id="{958D00B0-499B-755D-4634-9483DD21A01E}"/>
+              </a:ext>
+            </a:extLst>
+          </p:cNvPr>
+          <p:cNvSpPr/>
+          <p:nvPr/>
+        </p:nvSpPr>
+        <p:spPr>
+          <a:xfrm>
+            <a:off x="5521593" y="1402786"/>
+            <a:ext cx="539902" cy="420443"/>
+          </a:xfrm>
+          <a:prstGeom prst="rect">
+            <a:avLst/>
+          </a:prstGeom>
+          <a:solidFill>
+            <a:srgbClr val="FFFF00"/>
+          </a:solidFill>
+        </p:spPr>
+        <p:style>
+          <a:lnRef idx="2">
+            <a:schemeClr val="accent1">
+              <a:shade val="50000"/>
+            </a:schemeClr>
+          </a:lnRef>
+          <a:fillRef idx="1">
+            <a:schemeClr val="accent1"/>
+          </a:fillRef>
+          <a:effectRef idx="0">
+            <a:schemeClr val="accent1"/>
+          </a:effectRef>
+          <a:fontRef idx="minor">
+            <a:schemeClr val="lt1"/>
+          </a:fontRef>
+        </p:style>
+        <p:txBody>
+          <a:bodyPr rtlCol="0" anchor="ctr"/>
+          <a:lstStyle/>
+          <a:p>
+            <a:pPr algn="ctr"/>
+            <a:r>
+              <a:rPr kumimoji="1" lang="en-US" altLang="ko-Kore-KR" sz="1400" dirty="0">
+                <a:solidFill>
+                  <a:schemeClr val="tx1"/>
+                </a:solidFill>
+              </a:rPr>
+              <a:t>10</a:t>
+            </a:r>
+            <a:endParaRPr kumimoji="1" lang="ko-Kore-KR" altLang="en-US" sz="1400" dirty="0">
+              <a:solidFill>
+                <a:schemeClr val="tx1"/>
+              </a:solidFill>
+            </a:endParaRPr>
+          </a:p>
+        </p:txBody>
+      </p:sp>
+      <p:sp>
+        <p:nvSpPr>
+          <p:cNvPr id="8" name="직사각형 7">
+            <a:extLst>
+              <a:ext uri="{FF2B5EF4-FFF2-40B4-BE49-F238E27FC236}">
+                <a16:creationId xmlns:a16="http://schemas.microsoft.com/office/drawing/2014/main" id="{AA3229FD-FDEA-67F8-6AD6-A4BCFA135D5D}"/>
+              </a:ext>
+            </a:extLst>
+          </p:cNvPr>
+          <p:cNvSpPr/>
+          <p:nvPr/>
+        </p:nvSpPr>
+        <p:spPr>
+          <a:xfrm>
+            <a:off x="5247952" y="1428341"/>
+            <a:ext cx="322524" cy="369332"/>
+          </a:xfrm>
+          <a:prstGeom prst="rect">
+            <a:avLst/>
+          </a:prstGeom>
+        </p:spPr>
+        <p:txBody>
+          <a:bodyPr wrap="none">
+            <a:spAutoFit/>
+          </a:bodyPr>
+          <a:lstStyle/>
+          <a:p>
+            <a:r>
+              <a:rPr lang="en" altLang="ko-Kore-KR" dirty="0">
+                <a:solidFill>
+                  <a:srgbClr val="001080"/>
+                </a:solidFill>
+                <a:latin typeface="DM Mono" panose="020B0509040201040103" pitchFamily="49" charset="0"/>
+              </a:rPr>
+              <a:t>a</a:t>
+            </a:r>
+            <a:endParaRPr lang="ko-Kore-KR" altLang="en-US" dirty="0"/>
+          </a:p>
+        </p:txBody>
+      </p:sp>
+      <p:sp>
+        <p:nvSpPr>
+          <p:cNvPr id="10" name="직사각형 9">
+            <a:extLst>
+              <a:ext uri="{FF2B5EF4-FFF2-40B4-BE49-F238E27FC236}">
+                <a16:creationId xmlns:a16="http://schemas.microsoft.com/office/drawing/2014/main" id="{CC7DA5F9-DC06-B839-CBD3-0057AE32824F}"/>
+              </a:ext>
+            </a:extLst>
+          </p:cNvPr>
+          <p:cNvSpPr/>
+          <p:nvPr/>
+        </p:nvSpPr>
+        <p:spPr>
+          <a:xfrm>
+            <a:off x="5599374" y="2670508"/>
+            <a:ext cx="539902" cy="420443"/>
+          </a:xfrm>
+          <a:prstGeom prst="rect">
+            <a:avLst/>
+          </a:prstGeom>
+          <a:solidFill>
+            <a:srgbClr val="FFFF00"/>
+          </a:solidFill>
+        </p:spPr>
+        <p:style>
+          <a:lnRef idx="2">
+            <a:schemeClr val="accent1">
+              <a:shade val="50000"/>
+            </a:schemeClr>
+          </a:lnRef>
+          <a:fillRef idx="1">
+            <a:schemeClr val="accent1"/>
+          </a:fillRef>
+          <a:effectRef idx="0">
+            <a:schemeClr val="accent1"/>
+          </a:effectRef>
+          <a:fontRef idx="minor">
+            <a:schemeClr val="lt1"/>
+          </a:fontRef>
+        </p:style>
+        <p:txBody>
+          <a:bodyPr rtlCol="0" anchor="ctr"/>
+          <a:lstStyle/>
+          <a:p>
+            <a:pPr algn="ctr"/>
+            <a:r>
+              <a:rPr kumimoji="1" lang="en-US" altLang="ko-Kore-KR" sz="1400" dirty="0">
+                <a:solidFill>
+                  <a:schemeClr val="tx1"/>
+                </a:solidFill>
+              </a:rPr>
+              <a:t>300</a:t>
+            </a:r>
+            <a:endParaRPr kumimoji="1" lang="ko-Kore-KR" altLang="en-US" sz="1400" dirty="0">
+              <a:solidFill>
+                <a:schemeClr val="tx1"/>
+              </a:solidFill>
+            </a:endParaRPr>
+          </a:p>
+        </p:txBody>
+      </p:sp>
+      <p:sp>
+        <p:nvSpPr>
+          <p:cNvPr id="11" name="직사각형 10">
+            <a:extLst>
+              <a:ext uri="{FF2B5EF4-FFF2-40B4-BE49-F238E27FC236}">
+                <a16:creationId xmlns:a16="http://schemas.microsoft.com/office/drawing/2014/main" id="{142F2F09-D376-FA05-9679-61F415B2B269}"/>
+              </a:ext>
+            </a:extLst>
+          </p:cNvPr>
+          <p:cNvSpPr/>
+          <p:nvPr/>
+        </p:nvSpPr>
+        <p:spPr>
+          <a:xfrm>
+            <a:off x="5169031" y="2696063"/>
+            <a:ext cx="460382" cy="369332"/>
+          </a:xfrm>
+          <a:prstGeom prst="rect">
+            <a:avLst/>
+          </a:prstGeom>
+        </p:spPr>
+        <p:txBody>
+          <a:bodyPr wrap="none">
+            <a:spAutoFit/>
+          </a:bodyPr>
+          <a:lstStyle/>
+          <a:p>
+            <a:r>
+              <a:rPr lang="en" altLang="ko-Kore-KR" dirty="0">
+                <a:solidFill>
+                  <a:srgbClr val="001080"/>
+                </a:solidFill>
+                <a:latin typeface="DM Mono" panose="020B0509040201040103" pitchFamily="49" charset="0"/>
+              </a:rPr>
+              <a:t>pa</a:t>
+            </a:r>
+            <a:endParaRPr lang="ko-Kore-KR" altLang="en-US" dirty="0"/>
+          </a:p>
+        </p:txBody>
+      </p:sp>
+      <p:cxnSp>
+        <p:nvCxnSpPr>
+          <p:cNvPr id="12" name="구부러진 연결선[U] 11">
+            <a:extLst>
+              <a:ext uri="{FF2B5EF4-FFF2-40B4-BE49-F238E27FC236}">
+                <a16:creationId xmlns:a16="http://schemas.microsoft.com/office/drawing/2014/main" id="{444C7E12-5B1E-D1A6-EA75-A480369B1852}"/>
+              </a:ext>
+            </a:extLst>
+          </p:cNvPr>
+          <p:cNvCxnSpPr>
+            <a:cxnSpLocks/>
+            <a:stCxn id="10" idx="0"/>
+            <a:endCxn id="7" idx="2"/>
+          </p:cNvCxnSpPr>
+          <p:nvPr/>
+        </p:nvCxnSpPr>
+        <p:spPr>
+          <a:xfrm rot="16200000" flipV="1">
+            <a:off x="5406796" y="2207978"/>
+            <a:ext cx="847279" cy="77781"/>
+          </a:xfrm>
+          <a:prstGeom prst="curvedConnector3">
+            <a:avLst>
+              <a:gd name="adj1" fmla="val 50000"/>
+            </a:avLst>
+          </a:prstGeom>
+          <a:ln>
+            <a:tailEnd type="triangle"/>
+          </a:ln>
+        </p:spPr>
+        <p:style>
+          <a:lnRef idx="1">
+            <a:schemeClr val="accent1"/>
+          </a:lnRef>
+          <a:fillRef idx="0">
+            <a:schemeClr val="accent1"/>
+          </a:fillRef>
+          <a:effectRef idx="0">
+            <a:schemeClr val="accent1"/>
+          </a:effectRef>
+          <a:fontRef idx="minor">
+            <a:schemeClr val="tx1"/>
+          </a:fontRef>
+        </p:style>
+      </p:cxnSp>
+      <p:sp>
+        <p:nvSpPr>
+          <p:cNvPr id="16" name="직사각형 15">
+            <a:extLst>
+              <a:ext uri="{FF2B5EF4-FFF2-40B4-BE49-F238E27FC236}">
+                <a16:creationId xmlns:a16="http://schemas.microsoft.com/office/drawing/2014/main" id="{A57FB114-BC35-7C02-61E6-948D1369D6E8}"/>
+              </a:ext>
+            </a:extLst>
+          </p:cNvPr>
+          <p:cNvSpPr/>
+          <p:nvPr/>
+        </p:nvSpPr>
+        <p:spPr>
+          <a:xfrm>
+            <a:off x="6916792" y="1377230"/>
+            <a:ext cx="539902" cy="420443"/>
+          </a:xfrm>
+          <a:prstGeom prst="rect">
+            <a:avLst/>
+          </a:prstGeom>
+          <a:solidFill>
+            <a:srgbClr val="FFFF00"/>
+          </a:solidFill>
+        </p:spPr>
+        <p:style>
+          <a:lnRef idx="2">
+            <a:schemeClr val="accent1">
+              <a:shade val="50000"/>
+            </a:schemeClr>
+          </a:lnRef>
+          <a:fillRef idx="1">
+            <a:schemeClr val="accent1"/>
+          </a:fillRef>
+          <a:effectRef idx="0">
+            <a:schemeClr val="accent1"/>
+          </a:effectRef>
+          <a:fontRef idx="minor">
+            <a:schemeClr val="lt1"/>
+          </a:fontRef>
+        </p:style>
+        <p:txBody>
+          <a:bodyPr rtlCol="0" anchor="ctr"/>
+          <a:lstStyle/>
+          <a:p>
+            <a:pPr algn="ctr"/>
+            <a:r>
+              <a:rPr kumimoji="1" lang="en-US" altLang="ko-Kore-KR" sz="1400" dirty="0">
+                <a:solidFill>
+                  <a:schemeClr val="tx1"/>
+                </a:solidFill>
+              </a:rPr>
+              <a:t>20</a:t>
+            </a:r>
+            <a:endParaRPr kumimoji="1" lang="ko-Kore-KR" altLang="en-US" sz="1400" dirty="0">
+              <a:solidFill>
+                <a:schemeClr val="tx1"/>
+              </a:solidFill>
+            </a:endParaRPr>
+          </a:p>
+        </p:txBody>
+      </p:sp>
+      <p:sp>
+        <p:nvSpPr>
+          <p:cNvPr id="17" name="직사각형 16">
+            <a:extLst>
+              <a:ext uri="{FF2B5EF4-FFF2-40B4-BE49-F238E27FC236}">
+                <a16:creationId xmlns:a16="http://schemas.microsoft.com/office/drawing/2014/main" id="{377722F9-2D67-41C0-532E-31BBA551D669}"/>
+              </a:ext>
+            </a:extLst>
+          </p:cNvPr>
+          <p:cNvSpPr/>
+          <p:nvPr/>
+        </p:nvSpPr>
+        <p:spPr>
+          <a:xfrm>
+            <a:off x="6994573" y="2644952"/>
+            <a:ext cx="539902" cy="420443"/>
+          </a:xfrm>
+          <a:prstGeom prst="rect">
+            <a:avLst/>
+          </a:prstGeom>
+          <a:solidFill>
+            <a:srgbClr val="FFFF00"/>
+          </a:solidFill>
+        </p:spPr>
+        <p:style>
+          <a:lnRef idx="2">
+            <a:schemeClr val="accent1">
+              <a:shade val="50000"/>
+            </a:schemeClr>
+          </a:lnRef>
+          <a:fillRef idx="1">
+            <a:schemeClr val="accent1"/>
+          </a:fillRef>
+          <a:effectRef idx="0">
+            <a:schemeClr val="accent1"/>
+          </a:effectRef>
+          <a:fontRef idx="minor">
+            <a:schemeClr val="lt1"/>
+          </a:fontRef>
+        </p:style>
+        <p:txBody>
+          <a:bodyPr rtlCol="0" anchor="ctr"/>
+          <a:lstStyle/>
+          <a:p>
+            <a:pPr algn="ctr"/>
+            <a:r>
+              <a:rPr kumimoji="1" lang="en-US" altLang="ko-Kore-KR" sz="1400" dirty="0">
+                <a:solidFill>
+                  <a:schemeClr val="tx1"/>
+                </a:solidFill>
+              </a:rPr>
+              <a:t>400</a:t>
+            </a:r>
+            <a:endParaRPr kumimoji="1" lang="ko-Kore-KR" altLang="en-US" sz="1400" dirty="0">
+              <a:solidFill>
+                <a:schemeClr val="tx1"/>
+              </a:solidFill>
+            </a:endParaRPr>
+          </a:p>
+        </p:txBody>
+      </p:sp>
+      <p:sp>
+        <p:nvSpPr>
+          <p:cNvPr id="18" name="직사각형 17">
+            <a:extLst>
+              <a:ext uri="{FF2B5EF4-FFF2-40B4-BE49-F238E27FC236}">
+                <a16:creationId xmlns:a16="http://schemas.microsoft.com/office/drawing/2014/main" id="{D1AA91DC-AC58-AA11-766A-F95DBC1BE6FB}"/>
+              </a:ext>
+            </a:extLst>
+          </p:cNvPr>
+          <p:cNvSpPr/>
+          <p:nvPr/>
+        </p:nvSpPr>
+        <p:spPr>
+          <a:xfrm>
+            <a:off x="6564230" y="2670507"/>
+            <a:ext cx="460382" cy="369332"/>
+          </a:xfrm>
+          <a:prstGeom prst="rect">
+            <a:avLst/>
+          </a:prstGeom>
+        </p:spPr>
+        <p:txBody>
+          <a:bodyPr wrap="none">
+            <a:spAutoFit/>
+          </a:bodyPr>
+          <a:lstStyle/>
+          <a:p>
+            <a:r>
+              <a:rPr lang="en" altLang="ko-Kore-KR" dirty="0">
+                <a:solidFill>
+                  <a:srgbClr val="001080"/>
+                </a:solidFill>
+                <a:latin typeface="DM Mono" panose="020B0509040201040103" pitchFamily="49" charset="0"/>
+              </a:rPr>
+              <a:t>pb</a:t>
+            </a:r>
+            <a:endParaRPr lang="ko-Kore-KR" altLang="en-US" dirty="0"/>
+          </a:p>
+        </p:txBody>
+      </p:sp>
+      <p:cxnSp>
+        <p:nvCxnSpPr>
+          <p:cNvPr id="19" name="구부러진 연결선[U] 18">
+            <a:extLst>
+              <a:ext uri="{FF2B5EF4-FFF2-40B4-BE49-F238E27FC236}">
+                <a16:creationId xmlns:a16="http://schemas.microsoft.com/office/drawing/2014/main" id="{CD252A5A-F225-5764-D179-B034ACA17B09}"/>
+              </a:ext>
+            </a:extLst>
+          </p:cNvPr>
+          <p:cNvCxnSpPr>
+            <a:cxnSpLocks/>
+            <a:stCxn id="17" idx="0"/>
+            <a:endCxn id="16" idx="2"/>
+          </p:cNvCxnSpPr>
+          <p:nvPr/>
+        </p:nvCxnSpPr>
+        <p:spPr>
+          <a:xfrm rot="16200000" flipV="1">
+            <a:off x="6801995" y="2182422"/>
+            <a:ext cx="847279" cy="77781"/>
+          </a:xfrm>
+          <a:prstGeom prst="curvedConnector3">
+            <a:avLst>
+              <a:gd name="adj1" fmla="val 50000"/>
+            </a:avLst>
+          </a:prstGeom>
+          <a:ln>
+            <a:tailEnd type="triangle"/>
+          </a:ln>
+        </p:spPr>
+        <p:style>
+          <a:lnRef idx="1">
+            <a:schemeClr val="accent1"/>
+          </a:lnRef>
+          <a:fillRef idx="0">
+            <a:schemeClr val="accent1"/>
+          </a:fillRef>
+          <a:effectRef idx="0">
+            <a:schemeClr val="accent1"/>
+          </a:effectRef>
+          <a:fontRef idx="minor">
+            <a:schemeClr val="tx1"/>
+          </a:fontRef>
+        </p:style>
+      </p:cxnSp>
+      <p:sp>
+        <p:nvSpPr>
+          <p:cNvPr id="20" name="직사각형 19">
+            <a:extLst>
+              <a:ext uri="{FF2B5EF4-FFF2-40B4-BE49-F238E27FC236}">
+                <a16:creationId xmlns:a16="http://schemas.microsoft.com/office/drawing/2014/main" id="{FD7C7436-BFA7-ABD5-31B4-57CF27D7E596}"/>
+              </a:ext>
+            </a:extLst>
+          </p:cNvPr>
+          <p:cNvSpPr/>
+          <p:nvPr/>
+        </p:nvSpPr>
+        <p:spPr>
+          <a:xfrm>
+            <a:off x="6571768" y="1428341"/>
+            <a:ext cx="322524" cy="369332"/>
+          </a:xfrm>
+          <a:prstGeom prst="rect">
+            <a:avLst/>
+          </a:prstGeom>
+        </p:spPr>
+        <p:txBody>
+          <a:bodyPr wrap="none">
+            <a:spAutoFit/>
+          </a:bodyPr>
+          <a:lstStyle/>
+          <a:p>
+            <a:r>
+              <a:rPr lang="en" altLang="ko-Kore-KR" dirty="0">
+                <a:solidFill>
+                  <a:srgbClr val="001080"/>
+                </a:solidFill>
+                <a:latin typeface="DM Mono" panose="020B0509040201040103" pitchFamily="49" charset="0"/>
+              </a:rPr>
+              <a:t>b</a:t>
+            </a:r>
+            <a:endParaRPr lang="ko-Kore-KR" altLang="en-US" dirty="0"/>
+          </a:p>
+        </p:txBody>
+      </p:sp>
+      <p:sp>
+        <p:nvSpPr>
+          <p:cNvPr id="21" name="직사각형 20">
+            <a:extLst>
+              <a:ext uri="{FF2B5EF4-FFF2-40B4-BE49-F238E27FC236}">
+                <a16:creationId xmlns:a16="http://schemas.microsoft.com/office/drawing/2014/main" id="{859EF8BE-0AE5-C9A5-A1ED-F8293E7E8CE6}"/>
+              </a:ext>
+            </a:extLst>
+          </p:cNvPr>
+          <p:cNvSpPr/>
+          <p:nvPr/>
+        </p:nvSpPr>
+        <p:spPr>
+          <a:xfrm>
+            <a:off x="5332764" y="3065395"/>
+            <a:ext cx="458780" cy="307777"/>
+          </a:xfrm>
+          <a:prstGeom prst="rect">
+            <a:avLst/>
+          </a:prstGeom>
+        </p:spPr>
+        <p:txBody>
+          <a:bodyPr wrap="none">
+            <a:spAutoFit/>
+          </a:bodyPr>
+          <a:lstStyle/>
+          <a:p>
+            <a:r>
+              <a:rPr kumimoji="1" lang="en-US" altLang="ko-Kore-KR" sz="1400" dirty="0"/>
+              <a:t>100</a:t>
+            </a:r>
+            <a:endParaRPr lang="ko-Kore-KR" altLang="en-US" sz="1400" dirty="0"/>
+          </a:p>
+        </p:txBody>
+      </p:sp>
+      <p:sp>
+        <p:nvSpPr>
+          <p:cNvPr id="22" name="직사각형 21">
+            <a:extLst>
+              <a:ext uri="{FF2B5EF4-FFF2-40B4-BE49-F238E27FC236}">
+                <a16:creationId xmlns:a16="http://schemas.microsoft.com/office/drawing/2014/main" id="{1D7D3951-6DCF-8BDB-5EF0-64DF5219682E}"/>
+              </a:ext>
+            </a:extLst>
+          </p:cNvPr>
+          <p:cNvSpPr/>
+          <p:nvPr/>
+        </p:nvSpPr>
+        <p:spPr>
+          <a:xfrm>
+            <a:off x="6765183" y="3060253"/>
+            <a:ext cx="458780" cy="307777"/>
+          </a:xfrm>
+          <a:prstGeom prst="rect">
+            <a:avLst/>
+          </a:prstGeom>
+        </p:spPr>
+        <p:txBody>
+          <a:bodyPr wrap="none">
+            <a:spAutoFit/>
+          </a:bodyPr>
+          <a:lstStyle/>
+          <a:p>
+            <a:r>
+              <a:rPr kumimoji="1" lang="en-US" altLang="ko-Kore-KR" sz="1400" dirty="0"/>
+              <a:t>200</a:t>
+            </a:r>
+            <a:endParaRPr lang="ko-Kore-KR" altLang="en-US" sz="1400" dirty="0"/>
+          </a:p>
+        </p:txBody>
+      </p:sp>
+      <p:sp>
+        <p:nvSpPr>
+          <p:cNvPr id="23" name="직사각형 22">
+            <a:extLst>
+              <a:ext uri="{FF2B5EF4-FFF2-40B4-BE49-F238E27FC236}">
+                <a16:creationId xmlns:a16="http://schemas.microsoft.com/office/drawing/2014/main" id="{DAE56E35-FE9C-60A1-E911-1DB6872D4F01}"/>
+              </a:ext>
+            </a:extLst>
+          </p:cNvPr>
+          <p:cNvSpPr/>
+          <p:nvPr/>
+        </p:nvSpPr>
+        <p:spPr>
+          <a:xfrm>
+            <a:off x="8626659" y="1198819"/>
+            <a:ext cx="3234906" cy="2706432"/>
+          </a:xfrm>
+          <a:prstGeom prst="rect">
+            <a:avLst/>
+          </a:prstGeom>
+          <a:noFill/>
+        </p:spPr>
+        <p:style>
+          <a:lnRef idx="2">
+            <a:schemeClr val="accent4"/>
+          </a:lnRef>
+          <a:fillRef idx="1">
+            <a:schemeClr val="lt1"/>
+          </a:fillRef>
+          <a:effectRef idx="0">
+            <a:schemeClr val="accent4"/>
+          </a:effectRef>
+          <a:fontRef idx="minor">
+            <a:schemeClr val="dk1"/>
+          </a:fontRef>
+        </p:style>
+        <p:txBody>
+          <a:bodyPr rtlCol="0" anchor="ctr"/>
+          <a:lstStyle/>
+          <a:p>
+            <a:pPr algn="ctr"/>
+            <a:endParaRPr kumimoji="1" lang="ko-Kore-KR" altLang="en-US" sz="1400" dirty="0">
+              <a:solidFill>
+                <a:schemeClr val="tx1"/>
+              </a:solidFill>
+            </a:endParaRPr>
+          </a:p>
+        </p:txBody>
+      </p:sp>
+      <p:sp>
+        <p:nvSpPr>
+          <p:cNvPr id="24" name="직사각형 23">
+            <a:extLst>
+              <a:ext uri="{FF2B5EF4-FFF2-40B4-BE49-F238E27FC236}">
+                <a16:creationId xmlns:a16="http://schemas.microsoft.com/office/drawing/2014/main" id="{F8DCD142-71FB-C450-1356-997CF027FF15}"/>
+              </a:ext>
+            </a:extLst>
+          </p:cNvPr>
+          <p:cNvSpPr/>
+          <p:nvPr/>
+        </p:nvSpPr>
+        <p:spPr>
+          <a:xfrm>
+            <a:off x="9847488" y="809072"/>
+            <a:ext cx="873957" cy="369332"/>
+          </a:xfrm>
+          <a:prstGeom prst="rect">
+            <a:avLst/>
+          </a:prstGeom>
+        </p:spPr>
+        <p:txBody>
+          <a:bodyPr wrap="none">
+            <a:spAutoFit/>
+          </a:bodyPr>
+          <a:lstStyle/>
+          <a:p>
+            <a:r>
+              <a:rPr lang="en" altLang="ko-Kore-KR" dirty="0" err="1">
+                <a:solidFill>
+                  <a:srgbClr val="795E26"/>
+                </a:solidFill>
+                <a:latin typeface="DM Mono" panose="020B0509040201040103" pitchFamily="49" charset="0"/>
+              </a:rPr>
+              <a:t>pswap</a:t>
+            </a:r>
+            <a:endParaRPr lang="ko-Kore-KR" altLang="en-US" dirty="0"/>
+          </a:p>
+        </p:txBody>
+      </p:sp>
+      <p:sp>
+        <p:nvSpPr>
+          <p:cNvPr id="25" name="직사각형 24">
+            <a:extLst>
+              <a:ext uri="{FF2B5EF4-FFF2-40B4-BE49-F238E27FC236}">
+                <a16:creationId xmlns:a16="http://schemas.microsoft.com/office/drawing/2014/main" id="{A6F275CC-D929-5F07-E787-C633ADC89A93}"/>
+              </a:ext>
+            </a:extLst>
+          </p:cNvPr>
+          <p:cNvSpPr/>
+          <p:nvPr/>
+        </p:nvSpPr>
+        <p:spPr>
+          <a:xfrm>
+            <a:off x="9110607" y="1402786"/>
+            <a:ext cx="539902" cy="420443"/>
+          </a:xfrm>
+          <a:prstGeom prst="rect">
+            <a:avLst/>
+          </a:prstGeom>
+          <a:solidFill>
+            <a:srgbClr val="FFFF00"/>
+          </a:solidFill>
+        </p:spPr>
+        <p:style>
+          <a:lnRef idx="2">
+            <a:schemeClr val="accent1">
+              <a:shade val="50000"/>
+            </a:schemeClr>
+          </a:lnRef>
+          <a:fillRef idx="1">
+            <a:schemeClr val="accent1"/>
+          </a:fillRef>
+          <a:effectRef idx="0">
+            <a:schemeClr val="accent1"/>
+          </a:effectRef>
+          <a:fontRef idx="minor">
+            <a:schemeClr val="lt1"/>
+          </a:fontRef>
+        </p:style>
+        <p:txBody>
+          <a:bodyPr rtlCol="0" anchor="ctr"/>
+          <a:lstStyle/>
+          <a:p>
+            <a:pPr algn="ctr"/>
+            <a:r>
+              <a:rPr kumimoji="1" lang="en-US" altLang="ko-Kore-KR" sz="1400" dirty="0">
+                <a:solidFill>
+                  <a:schemeClr val="tx1"/>
+                </a:solidFill>
+              </a:rPr>
+              <a:t>100</a:t>
+            </a:r>
+            <a:endParaRPr kumimoji="1" lang="ko-Kore-KR" altLang="en-US" sz="1400" dirty="0">
+              <a:solidFill>
+                <a:schemeClr val="tx1"/>
+              </a:solidFill>
+            </a:endParaRPr>
+          </a:p>
+        </p:txBody>
+      </p:sp>
+      <p:sp>
+        <p:nvSpPr>
+          <p:cNvPr id="26" name="직사각형 25">
+            <a:extLst>
+              <a:ext uri="{FF2B5EF4-FFF2-40B4-BE49-F238E27FC236}">
+                <a16:creationId xmlns:a16="http://schemas.microsoft.com/office/drawing/2014/main" id="{5D5D6E02-BE2D-3B20-C01F-EBC5E585C694}"/>
+              </a:ext>
+            </a:extLst>
+          </p:cNvPr>
+          <p:cNvSpPr/>
+          <p:nvPr/>
+        </p:nvSpPr>
+        <p:spPr>
+          <a:xfrm>
+            <a:off x="8599371" y="1423120"/>
+            <a:ext cx="598241" cy="369332"/>
+          </a:xfrm>
+          <a:prstGeom prst="rect">
+            <a:avLst/>
+          </a:prstGeom>
+        </p:spPr>
+        <p:txBody>
+          <a:bodyPr wrap="none">
+            <a:spAutoFit/>
+          </a:bodyPr>
+          <a:lstStyle/>
+          <a:p>
+            <a:r>
+              <a:rPr lang="en" altLang="ko-Kore-KR" dirty="0" err="1">
+                <a:solidFill>
+                  <a:srgbClr val="001080"/>
+                </a:solidFill>
+                <a:latin typeface="DM Mono" panose="020B0509040201040103" pitchFamily="49" charset="0"/>
+              </a:rPr>
+              <a:t>ppa</a:t>
+            </a:r>
+            <a:endParaRPr lang="ko-Kore-KR" altLang="en-US" dirty="0"/>
+          </a:p>
+        </p:txBody>
+      </p:sp>
+      <p:sp>
+        <p:nvSpPr>
+          <p:cNvPr id="30" name="직사각형 29">
+            <a:extLst>
+              <a:ext uri="{FF2B5EF4-FFF2-40B4-BE49-F238E27FC236}">
+                <a16:creationId xmlns:a16="http://schemas.microsoft.com/office/drawing/2014/main" id="{F7688AC8-0C04-5190-A898-85BBE7C07E38}"/>
+              </a:ext>
+            </a:extLst>
+          </p:cNvPr>
+          <p:cNvSpPr/>
+          <p:nvPr/>
+        </p:nvSpPr>
+        <p:spPr>
+          <a:xfrm>
+            <a:off x="10505806" y="1377230"/>
+            <a:ext cx="539902" cy="420443"/>
+          </a:xfrm>
+          <a:prstGeom prst="rect">
+            <a:avLst/>
+          </a:prstGeom>
+          <a:solidFill>
+            <a:srgbClr val="FFFF00"/>
+          </a:solidFill>
+        </p:spPr>
+        <p:style>
+          <a:lnRef idx="2">
+            <a:schemeClr val="accent1">
+              <a:shade val="50000"/>
+            </a:schemeClr>
+          </a:lnRef>
+          <a:fillRef idx="1">
+            <a:schemeClr val="accent1"/>
+          </a:fillRef>
+          <a:effectRef idx="0">
+            <a:schemeClr val="accent1"/>
+          </a:effectRef>
+          <a:fontRef idx="minor">
+            <a:schemeClr val="lt1"/>
+          </a:fontRef>
+        </p:style>
+        <p:txBody>
+          <a:bodyPr rtlCol="0" anchor="ctr"/>
+          <a:lstStyle/>
+          <a:p>
+            <a:pPr algn="ctr"/>
+            <a:r>
+              <a:rPr kumimoji="1" lang="en-US" altLang="ko-Kore-KR" sz="1400" dirty="0">
+                <a:solidFill>
+                  <a:schemeClr val="tx1"/>
+                </a:solidFill>
+              </a:rPr>
+              <a:t>200</a:t>
+            </a:r>
+            <a:endParaRPr kumimoji="1" lang="ko-Kore-KR" altLang="en-US" sz="1400" dirty="0">
+              <a:solidFill>
+                <a:schemeClr val="tx1"/>
+              </a:solidFill>
+            </a:endParaRPr>
+          </a:p>
+        </p:txBody>
+      </p:sp>
+      <p:sp>
+        <p:nvSpPr>
+          <p:cNvPr id="34" name="직사각형 33">
+            <a:extLst>
+              <a:ext uri="{FF2B5EF4-FFF2-40B4-BE49-F238E27FC236}">
+                <a16:creationId xmlns:a16="http://schemas.microsoft.com/office/drawing/2014/main" id="{A22E5013-8253-893D-E5A5-CFBF0F23283F}"/>
+              </a:ext>
+            </a:extLst>
+          </p:cNvPr>
+          <p:cNvSpPr/>
+          <p:nvPr/>
+        </p:nvSpPr>
+        <p:spPr>
+          <a:xfrm>
+            <a:off x="10000463" y="1430155"/>
+            <a:ext cx="598241" cy="369332"/>
+          </a:xfrm>
+          <a:prstGeom prst="rect">
+            <a:avLst/>
+          </a:prstGeom>
+        </p:spPr>
+        <p:txBody>
+          <a:bodyPr wrap="none">
+            <a:spAutoFit/>
+          </a:bodyPr>
+          <a:lstStyle/>
+          <a:p>
+            <a:r>
+              <a:rPr lang="en" altLang="ko-Kore-KR" dirty="0">
+                <a:solidFill>
+                  <a:srgbClr val="001080"/>
+                </a:solidFill>
+                <a:latin typeface="DM Mono" panose="020B0509040201040103" pitchFamily="49" charset="0"/>
+              </a:rPr>
+              <a:t>ppb</a:t>
+            </a:r>
+            <a:endParaRPr lang="ko-Kore-KR" altLang="en-US" dirty="0"/>
+          </a:p>
+        </p:txBody>
+      </p:sp>
+      <p:cxnSp>
+        <p:nvCxnSpPr>
+          <p:cNvPr id="37" name="구부러진 연결선[U] 36">
+            <a:extLst>
+              <a:ext uri="{FF2B5EF4-FFF2-40B4-BE49-F238E27FC236}">
+                <a16:creationId xmlns:a16="http://schemas.microsoft.com/office/drawing/2014/main" id="{F3FB8F44-82F0-B9B0-0B25-21FE01C3716C}"/>
+              </a:ext>
+            </a:extLst>
+          </p:cNvPr>
+          <p:cNvCxnSpPr>
+            <a:cxnSpLocks/>
+            <a:stCxn id="25" idx="2"/>
+            <a:endCxn id="10" idx="0"/>
+          </p:cNvCxnSpPr>
+          <p:nvPr/>
+        </p:nvCxnSpPr>
+        <p:spPr>
+          <a:xfrm rot="5400000">
+            <a:off x="7201303" y="491252"/>
+            <a:ext cx="847279" cy="3511233"/>
+          </a:xfrm>
+          <a:prstGeom prst="curvedConnector3">
+            <a:avLst>
+              <a:gd name="adj1" fmla="val 50000"/>
+            </a:avLst>
+          </a:prstGeom>
+          <a:ln>
+            <a:tailEnd type="triangle"/>
+          </a:ln>
+        </p:spPr>
+        <p:style>
+          <a:lnRef idx="1">
+            <a:schemeClr val="accent1"/>
+          </a:lnRef>
+          <a:fillRef idx="0">
+            <a:schemeClr val="accent1"/>
+          </a:fillRef>
+          <a:effectRef idx="0">
+            <a:schemeClr val="accent1"/>
+          </a:effectRef>
+          <a:fontRef idx="minor">
+            <a:schemeClr val="tx1"/>
+          </a:fontRef>
+        </p:style>
+      </p:cxnSp>
+      <p:cxnSp>
+        <p:nvCxnSpPr>
+          <p:cNvPr id="40" name="구부러진 연결선[U] 39">
+            <a:extLst>
+              <a:ext uri="{FF2B5EF4-FFF2-40B4-BE49-F238E27FC236}">
+                <a16:creationId xmlns:a16="http://schemas.microsoft.com/office/drawing/2014/main" id="{7640F7CF-E3DA-43D2-5AEF-372779C904DE}"/>
+              </a:ext>
+            </a:extLst>
+          </p:cNvPr>
+          <p:cNvCxnSpPr>
+            <a:cxnSpLocks/>
+            <a:stCxn id="30" idx="2"/>
+            <a:endCxn id="17" idx="0"/>
+          </p:cNvCxnSpPr>
+          <p:nvPr/>
+        </p:nvCxnSpPr>
+        <p:spPr>
+          <a:xfrm rot="5400000">
+            <a:off x="8596502" y="465696"/>
+            <a:ext cx="847279" cy="3511233"/>
+          </a:xfrm>
+          <a:prstGeom prst="curvedConnector3">
+            <a:avLst>
+              <a:gd name="adj1" fmla="val 50000"/>
+            </a:avLst>
+          </a:prstGeom>
+          <a:ln>
+            <a:tailEnd type="triangle"/>
+          </a:ln>
+        </p:spPr>
+        <p:style>
+          <a:lnRef idx="1">
+            <a:schemeClr val="accent1"/>
+          </a:lnRef>
+          <a:fillRef idx="0">
+            <a:schemeClr val="accent1"/>
+          </a:fillRef>
+          <a:effectRef idx="0">
+            <a:schemeClr val="accent1"/>
+          </a:effectRef>
+          <a:fontRef idx="minor">
+            <a:schemeClr val="tx1"/>
+          </a:fontRef>
+        </p:style>
+      </p:cxnSp>
+      <p:sp>
+        <p:nvSpPr>
+          <p:cNvPr id="43" name="직사각형 42">
+            <a:extLst>
+              <a:ext uri="{FF2B5EF4-FFF2-40B4-BE49-F238E27FC236}">
+                <a16:creationId xmlns:a16="http://schemas.microsoft.com/office/drawing/2014/main" id="{4DAC7A26-71D7-52A2-DD70-289500941B3F}"/>
+              </a:ext>
+            </a:extLst>
+          </p:cNvPr>
+          <p:cNvSpPr/>
+          <p:nvPr/>
+        </p:nvSpPr>
+        <p:spPr>
+          <a:xfrm>
+            <a:off x="9460561" y="3003919"/>
+            <a:ext cx="539902" cy="420443"/>
+          </a:xfrm>
+          <a:prstGeom prst="rect">
+            <a:avLst/>
+          </a:prstGeom>
+          <a:solidFill>
+            <a:srgbClr val="FFFF00"/>
+          </a:solidFill>
+        </p:spPr>
+        <p:style>
+          <a:lnRef idx="2">
+            <a:schemeClr val="accent1">
+              <a:shade val="50000"/>
+            </a:schemeClr>
+          </a:lnRef>
+          <a:fillRef idx="1">
+            <a:schemeClr val="accent1"/>
+          </a:fillRef>
+          <a:effectRef idx="0">
+            <a:schemeClr val="accent1"/>
+          </a:effectRef>
+          <a:fontRef idx="minor">
+            <a:schemeClr val="lt1"/>
+          </a:fontRef>
+        </p:style>
+        <p:txBody>
+          <a:bodyPr rtlCol="0" anchor="ctr"/>
+          <a:lstStyle/>
+          <a:p>
+            <a:pPr algn="ctr"/>
+            <a:r>
+              <a:rPr kumimoji="1" lang="en-US" altLang="ko-Kore-KR" sz="1400" dirty="0">
+                <a:solidFill>
+                  <a:schemeClr val="tx1"/>
+                </a:solidFill>
+              </a:rPr>
+              <a:t>300</a:t>
+            </a:r>
+            <a:endParaRPr kumimoji="1" lang="ko-Kore-KR" altLang="en-US" sz="1400" dirty="0">
+              <a:solidFill>
+                <a:schemeClr val="tx1"/>
+              </a:solidFill>
+            </a:endParaRPr>
+          </a:p>
+        </p:txBody>
+      </p:sp>
+      <p:sp>
+        <p:nvSpPr>
+          <p:cNvPr id="44" name="직사각형 43">
+            <a:extLst>
+              <a:ext uri="{FF2B5EF4-FFF2-40B4-BE49-F238E27FC236}">
+                <a16:creationId xmlns:a16="http://schemas.microsoft.com/office/drawing/2014/main" id="{0BAF0711-A2E0-0460-086D-D6C9C2561C3D}"/>
+              </a:ext>
+            </a:extLst>
+          </p:cNvPr>
+          <p:cNvSpPr/>
+          <p:nvPr/>
+        </p:nvSpPr>
+        <p:spPr>
+          <a:xfrm>
+            <a:off x="8799374" y="3032804"/>
+            <a:ext cx="736099" cy="369332"/>
+          </a:xfrm>
+          <a:prstGeom prst="rect">
+            <a:avLst/>
+          </a:prstGeom>
+        </p:spPr>
+        <p:txBody>
+          <a:bodyPr wrap="none">
+            <a:spAutoFit/>
+          </a:bodyPr>
+          <a:lstStyle/>
+          <a:p>
+            <a:r>
+              <a:rPr lang="en" altLang="ko-Kore-KR" dirty="0">
+                <a:solidFill>
+                  <a:srgbClr val="001080"/>
+                </a:solidFill>
+                <a:latin typeface="DM Mono" panose="020B0509040201040103" pitchFamily="49" charset="0"/>
+              </a:rPr>
+              <a:t>temp</a:t>
+            </a:r>
+            <a:endParaRPr lang="ko-Kore-KR" altLang="en-US" dirty="0"/>
+          </a:p>
+        </p:txBody>
+      </p:sp>
+      <p:sp>
+        <p:nvSpPr>
+          <p:cNvPr id="45" name="직사각형 44">
+            <a:extLst>
+              <a:ext uri="{FF2B5EF4-FFF2-40B4-BE49-F238E27FC236}">
+                <a16:creationId xmlns:a16="http://schemas.microsoft.com/office/drawing/2014/main" id="{2CCC84CD-6278-0421-F690-AB50C636B722}"/>
+              </a:ext>
+            </a:extLst>
+          </p:cNvPr>
+          <p:cNvSpPr/>
+          <p:nvPr/>
+        </p:nvSpPr>
+        <p:spPr>
+          <a:xfrm>
+            <a:off x="5233492" y="1818088"/>
+            <a:ext cx="458780" cy="307777"/>
+          </a:xfrm>
+          <a:prstGeom prst="rect">
+            <a:avLst/>
+          </a:prstGeom>
+        </p:spPr>
+        <p:txBody>
+          <a:bodyPr wrap="none">
+            <a:spAutoFit/>
+          </a:bodyPr>
+          <a:lstStyle/>
+          <a:p>
+            <a:r>
+              <a:rPr kumimoji="1" lang="en-US" altLang="ko-Kore-KR" sz="1400" dirty="0"/>
+              <a:t>300</a:t>
+            </a:r>
+            <a:endParaRPr lang="ko-Kore-KR" altLang="en-US" sz="1400" dirty="0"/>
+          </a:p>
+        </p:txBody>
+      </p:sp>
+      <p:sp>
+        <p:nvSpPr>
+          <p:cNvPr id="46" name="직사각형 45">
+            <a:extLst>
+              <a:ext uri="{FF2B5EF4-FFF2-40B4-BE49-F238E27FC236}">
+                <a16:creationId xmlns:a16="http://schemas.microsoft.com/office/drawing/2014/main" id="{1E1D7596-CBC8-B824-BA89-520C18855BCD}"/>
+              </a:ext>
+            </a:extLst>
+          </p:cNvPr>
+          <p:cNvSpPr/>
+          <p:nvPr/>
+        </p:nvSpPr>
+        <p:spPr>
+          <a:xfrm>
+            <a:off x="6642335" y="1788211"/>
+            <a:ext cx="458780" cy="307777"/>
+          </a:xfrm>
+          <a:prstGeom prst="rect">
+            <a:avLst/>
+          </a:prstGeom>
+        </p:spPr>
+        <p:txBody>
+          <a:bodyPr wrap="none">
+            <a:spAutoFit/>
+          </a:bodyPr>
+          <a:lstStyle/>
+          <a:p>
+            <a:r>
+              <a:rPr kumimoji="1" lang="en-US" altLang="ko-Kore-KR" sz="1400" dirty="0"/>
+              <a:t>400</a:t>
+            </a:r>
+            <a:endParaRPr lang="ko-Kore-KR" altLang="en-US" sz="1400" dirty="0"/>
+          </a:p>
+        </p:txBody>
+      </p:sp>
+    </p:spTree>
+    <p:extLst>
+      <p:ext uri="{BB962C8B-B14F-4D97-AF65-F5344CB8AC3E}">
+        <p14:creationId xmlns:p14="http://schemas.microsoft.com/office/powerpoint/2010/main" val="1880887001"/>
+      </p:ext>
+    </p:extLst>
+  </p:cSld>
+  <p:clrMapOvr>
+    <a:masterClrMapping/>
+  </p:clrMapOvr>
+</p:sld>
+</file>
+
+<file path=ppt/slides/slide15.xml><?xml version="1.0" encoding="utf-8"?>
+<p:sld xmlns:a="http://schemas.openxmlformats.org/drawingml/2006/main" xmlns:r="http://schemas.openxmlformats.org/officeDocument/2006/relationships" xmlns:p="http://schemas.openxmlformats.org/presentationml/2006/main">
+  <p:cSld>
+    <p:spTree>
+      <p:nvGrpSpPr>
+        <p:cNvPr id="1" name=""/>
+        <p:cNvGrpSpPr/>
+        <p:nvPr/>
+      </p:nvGrpSpPr>
+      <p:grpSpPr>
+        <a:xfrm>
+          <a:off x="0" y="0"/>
+          <a:ext cx="0" cy="0"/>
+          <a:chOff x="0" y="0"/>
+          <a:chExt cx="0" cy="0"/>
+        </a:xfrm>
+      </p:grpSpPr>
+      <p:sp>
+        <p:nvSpPr>
+          <p:cNvPr id="4" name="직사각형 3">
+            <a:extLst>
+              <a:ext uri="{FF2B5EF4-FFF2-40B4-BE49-F238E27FC236}">
+                <a16:creationId xmlns:a16="http://schemas.microsoft.com/office/drawing/2014/main" id="{37FD3597-181C-176D-A317-40A0325F3754}"/>
+              </a:ext>
+            </a:extLst>
+          </p:cNvPr>
+          <p:cNvSpPr/>
+          <p:nvPr/>
+        </p:nvSpPr>
+        <p:spPr>
+          <a:xfrm>
+            <a:off x="438150" y="213569"/>
+            <a:ext cx="4838700" cy="5078313"/>
+          </a:xfrm>
+          <a:prstGeom prst="rect">
+            <a:avLst/>
+          </a:prstGeom>
+        </p:spPr>
+        <p:txBody>
+          <a:bodyPr wrap="square">
+            <a:spAutoFit/>
+          </a:bodyPr>
+          <a:lstStyle/>
+          <a:p>
+            <a:r>
+              <a:rPr lang="en" altLang="ko-Kore-KR" dirty="0">
+                <a:solidFill>
+                  <a:srgbClr val="0000FF"/>
+                </a:solidFill>
+                <a:latin typeface="DM Mono" panose="020B0509040201040103" pitchFamily="49" charset="0"/>
+              </a:rPr>
+              <a:t>void</a:t>
+            </a:r>
+            <a:r>
+              <a:rPr lang="en" altLang="ko-Kore-KR" dirty="0">
+                <a:solidFill>
+                  <a:srgbClr val="000000"/>
+                </a:solidFill>
+                <a:latin typeface="DM Mono" panose="020B0509040201040103" pitchFamily="49" charset="0"/>
+              </a:rPr>
+              <a:t> </a:t>
+            </a:r>
+            <a:r>
+              <a:rPr lang="en" altLang="ko-Kore-KR" dirty="0" err="1">
+                <a:solidFill>
+                  <a:srgbClr val="795E26"/>
+                </a:solidFill>
+                <a:latin typeface="DM Mono" panose="020B0509040201040103" pitchFamily="49" charset="0"/>
+              </a:rPr>
+              <a:t>pswap</a:t>
+            </a:r>
+            <a:r>
+              <a:rPr lang="en" altLang="ko-Kore-KR" dirty="0">
+                <a:solidFill>
+                  <a:srgbClr val="000000"/>
+                </a:solidFill>
+                <a:latin typeface="DM Mono" panose="020B0509040201040103" pitchFamily="49" charset="0"/>
+              </a:rPr>
+              <a:t>(</a:t>
+            </a:r>
+            <a:r>
+              <a:rPr lang="en" altLang="ko-Kore-KR" dirty="0">
+                <a:solidFill>
+                  <a:srgbClr val="0000FF"/>
+                </a:solidFill>
+                <a:latin typeface="DM Mono" panose="020B0509040201040103" pitchFamily="49" charset="0"/>
+              </a:rPr>
+              <a:t>int</a:t>
+            </a:r>
+            <a:r>
+              <a:rPr lang="en" altLang="ko-Kore-KR" dirty="0">
+                <a:solidFill>
+                  <a:srgbClr val="000000"/>
+                </a:solidFill>
+                <a:latin typeface="DM Mono" panose="020B0509040201040103" pitchFamily="49" charset="0"/>
+              </a:rPr>
+              <a:t>** </a:t>
+            </a:r>
+            <a:r>
+              <a:rPr lang="en" altLang="ko-Kore-KR" dirty="0" err="1">
+                <a:solidFill>
+                  <a:srgbClr val="001080"/>
+                </a:solidFill>
+                <a:latin typeface="DM Mono" panose="020B0509040201040103" pitchFamily="49" charset="0"/>
+              </a:rPr>
+              <a:t>ppa</a:t>
+            </a:r>
+            <a:r>
+              <a:rPr lang="en" altLang="ko-Kore-KR" dirty="0">
+                <a:solidFill>
+                  <a:srgbClr val="000000"/>
+                </a:solidFill>
+                <a:latin typeface="DM Mono" panose="020B0509040201040103" pitchFamily="49" charset="0"/>
+              </a:rPr>
+              <a:t>, </a:t>
+            </a:r>
+            <a:r>
+              <a:rPr lang="en" altLang="ko-Kore-KR" dirty="0">
+                <a:solidFill>
+                  <a:srgbClr val="0000FF"/>
+                </a:solidFill>
+                <a:latin typeface="DM Mono" panose="020B0509040201040103" pitchFamily="49" charset="0"/>
+              </a:rPr>
+              <a:t>int</a:t>
+            </a:r>
+            <a:r>
+              <a:rPr lang="en" altLang="ko-Kore-KR" dirty="0">
+                <a:solidFill>
+                  <a:srgbClr val="000000"/>
+                </a:solidFill>
+                <a:latin typeface="DM Mono" panose="020B0509040201040103" pitchFamily="49" charset="0"/>
+              </a:rPr>
+              <a:t>** </a:t>
+            </a:r>
+            <a:r>
+              <a:rPr lang="en" altLang="ko-Kore-KR" dirty="0">
+                <a:solidFill>
+                  <a:srgbClr val="001080"/>
+                </a:solidFill>
+                <a:latin typeface="DM Mono" panose="020B0509040201040103" pitchFamily="49" charset="0"/>
+              </a:rPr>
+              <a:t>ppb</a:t>
+            </a:r>
+            <a:r>
+              <a:rPr lang="en" altLang="ko-Kore-KR" dirty="0">
+                <a:solidFill>
+                  <a:srgbClr val="000000"/>
+                </a:solidFill>
+                <a:latin typeface="DM Mono" panose="020B0509040201040103" pitchFamily="49" charset="0"/>
+              </a:rPr>
+              <a:t>)</a:t>
+            </a:r>
+          </a:p>
+          <a:p>
+            <a:r>
+              <a:rPr lang="en" altLang="ko-Kore-KR" dirty="0">
+                <a:solidFill>
+                  <a:srgbClr val="000000"/>
+                </a:solidFill>
+                <a:latin typeface="DM Mono" panose="020B0509040201040103" pitchFamily="49" charset="0"/>
+              </a:rPr>
+              <a:t>{</a:t>
+            </a:r>
+          </a:p>
+          <a:p>
+            <a:r>
+              <a:rPr lang="en" altLang="ko-Kore-KR" dirty="0">
+                <a:solidFill>
+                  <a:srgbClr val="0000FF"/>
+                </a:solidFill>
+                <a:latin typeface="DM Mono" panose="020B0509040201040103" pitchFamily="49" charset="0"/>
+              </a:rPr>
+              <a:t>  int</a:t>
+            </a:r>
+            <a:r>
+              <a:rPr lang="en" altLang="ko-Kore-KR" dirty="0">
+                <a:solidFill>
+                  <a:srgbClr val="000000"/>
+                </a:solidFill>
+                <a:latin typeface="DM Mono" panose="020B0509040201040103" pitchFamily="49" charset="0"/>
+              </a:rPr>
+              <a:t>* </a:t>
+            </a:r>
+            <a:r>
+              <a:rPr lang="en" altLang="ko-Kore-KR" dirty="0">
+                <a:solidFill>
+                  <a:srgbClr val="001080"/>
+                </a:solidFill>
+                <a:latin typeface="DM Mono" panose="020B0509040201040103" pitchFamily="49" charset="0"/>
+              </a:rPr>
+              <a:t>temp</a:t>
+            </a:r>
+            <a:r>
+              <a:rPr lang="en" altLang="ko-Kore-KR" dirty="0">
+                <a:solidFill>
+                  <a:srgbClr val="000000"/>
+                </a:solidFill>
+                <a:latin typeface="DM Mono" panose="020B0509040201040103" pitchFamily="49" charset="0"/>
+              </a:rPr>
+              <a:t> = *</a:t>
+            </a:r>
+            <a:r>
+              <a:rPr lang="en" altLang="ko-Kore-KR" dirty="0" err="1">
+                <a:solidFill>
+                  <a:srgbClr val="001080"/>
+                </a:solidFill>
+                <a:latin typeface="DM Mono" panose="020B0509040201040103" pitchFamily="49" charset="0"/>
+              </a:rPr>
+              <a:t>ppa</a:t>
+            </a:r>
+            <a:r>
+              <a:rPr lang="en" altLang="ko-Kore-KR" dirty="0">
+                <a:solidFill>
+                  <a:srgbClr val="000000"/>
+                </a:solidFill>
+                <a:latin typeface="DM Mono" panose="020B0509040201040103" pitchFamily="49" charset="0"/>
+              </a:rPr>
+              <a:t>;</a:t>
+            </a:r>
+          </a:p>
+          <a:p>
+            <a:r>
+              <a:rPr lang="en" altLang="ko-Kore-KR" dirty="0">
+                <a:solidFill>
+                  <a:srgbClr val="000000"/>
+                </a:solidFill>
+                <a:latin typeface="DM Mono" panose="020B0509040201040103" pitchFamily="49" charset="0"/>
+              </a:rPr>
+              <a:t>  *</a:t>
+            </a:r>
+            <a:r>
+              <a:rPr lang="en" altLang="ko-Kore-KR" dirty="0" err="1">
+                <a:solidFill>
+                  <a:srgbClr val="001080"/>
+                </a:solidFill>
+                <a:latin typeface="DM Mono" panose="020B0509040201040103" pitchFamily="49" charset="0"/>
+              </a:rPr>
+              <a:t>ppa</a:t>
+            </a:r>
+            <a:r>
+              <a:rPr lang="en" altLang="ko-Kore-KR" dirty="0">
+                <a:solidFill>
+                  <a:srgbClr val="000000"/>
+                </a:solidFill>
+                <a:latin typeface="DM Mono" panose="020B0509040201040103" pitchFamily="49" charset="0"/>
+              </a:rPr>
+              <a:t> = *</a:t>
+            </a:r>
+            <a:r>
+              <a:rPr lang="en" altLang="ko-Kore-KR" dirty="0">
+                <a:solidFill>
+                  <a:srgbClr val="001080"/>
+                </a:solidFill>
+                <a:latin typeface="DM Mono" panose="020B0509040201040103" pitchFamily="49" charset="0"/>
+              </a:rPr>
+              <a:t>ppb</a:t>
+            </a:r>
+            <a:r>
+              <a:rPr lang="en" altLang="ko-Kore-KR" dirty="0">
+                <a:solidFill>
+                  <a:srgbClr val="000000"/>
+                </a:solidFill>
+                <a:latin typeface="DM Mono" panose="020B0509040201040103" pitchFamily="49" charset="0"/>
+              </a:rPr>
+              <a:t>;</a:t>
+            </a:r>
+          </a:p>
+          <a:p>
+            <a:r>
+              <a:rPr lang="en" altLang="ko-Kore-KR" dirty="0">
+                <a:solidFill>
+                  <a:srgbClr val="000000"/>
+                </a:solidFill>
+                <a:latin typeface="DM Mono" panose="020B0509040201040103" pitchFamily="49" charset="0"/>
+              </a:rPr>
+              <a:t>  *</a:t>
+            </a:r>
+            <a:r>
+              <a:rPr lang="en" altLang="ko-Kore-KR" dirty="0">
+                <a:solidFill>
+                  <a:srgbClr val="001080"/>
+                </a:solidFill>
+                <a:latin typeface="DM Mono" panose="020B0509040201040103" pitchFamily="49" charset="0"/>
+              </a:rPr>
+              <a:t>ppb</a:t>
+            </a:r>
+            <a:r>
+              <a:rPr lang="en" altLang="ko-Kore-KR" dirty="0">
+                <a:solidFill>
+                  <a:srgbClr val="000000"/>
+                </a:solidFill>
+                <a:latin typeface="DM Mono" panose="020B0509040201040103" pitchFamily="49" charset="0"/>
+              </a:rPr>
+              <a:t> = </a:t>
+            </a:r>
+            <a:r>
+              <a:rPr lang="en" altLang="ko-Kore-KR" dirty="0">
+                <a:solidFill>
+                  <a:srgbClr val="001080"/>
+                </a:solidFill>
+                <a:latin typeface="DM Mono" panose="020B0509040201040103" pitchFamily="49" charset="0"/>
+              </a:rPr>
+              <a:t>temp</a:t>
+            </a:r>
+            <a:r>
+              <a:rPr lang="en" altLang="ko-Kore-KR" dirty="0">
+                <a:solidFill>
+                  <a:srgbClr val="000000"/>
+                </a:solidFill>
+                <a:latin typeface="DM Mono" panose="020B0509040201040103" pitchFamily="49" charset="0"/>
+              </a:rPr>
+              <a:t>;</a:t>
+            </a:r>
+          </a:p>
+          <a:p>
+            <a:r>
+              <a:rPr lang="en" altLang="ko-Kore-KR" dirty="0">
+                <a:solidFill>
+                  <a:srgbClr val="000000"/>
+                </a:solidFill>
+                <a:latin typeface="DM Mono" panose="020B0509040201040103" pitchFamily="49" charset="0"/>
+              </a:rPr>
+              <a:t>}</a:t>
+            </a:r>
+          </a:p>
+          <a:p>
+            <a:br>
+              <a:rPr lang="en" altLang="ko-Kore-KR" dirty="0">
+                <a:solidFill>
+                  <a:srgbClr val="000000"/>
+                </a:solidFill>
+                <a:latin typeface="DM Mono" panose="020B0509040201040103" pitchFamily="49" charset="0"/>
+              </a:rPr>
+            </a:br>
+            <a:r>
+              <a:rPr lang="en" altLang="ko-Kore-KR" dirty="0">
+                <a:solidFill>
+                  <a:srgbClr val="0000FF"/>
+                </a:solidFill>
+                <a:latin typeface="DM Mono" panose="020B0509040201040103" pitchFamily="49" charset="0"/>
+              </a:rPr>
+              <a:t>int</a:t>
+            </a:r>
+            <a:r>
+              <a:rPr lang="en" altLang="ko-Kore-KR" dirty="0">
+                <a:solidFill>
+                  <a:srgbClr val="000000"/>
+                </a:solidFill>
+                <a:latin typeface="DM Mono" panose="020B0509040201040103" pitchFamily="49" charset="0"/>
+              </a:rPr>
+              <a:t> </a:t>
+            </a:r>
+            <a:r>
+              <a:rPr lang="en" altLang="ko-Kore-KR" dirty="0">
+                <a:solidFill>
+                  <a:srgbClr val="795E26"/>
+                </a:solidFill>
+                <a:latin typeface="DM Mono" panose="020B0509040201040103" pitchFamily="49" charset="0"/>
+              </a:rPr>
+              <a:t>main</a:t>
+            </a:r>
+            <a:r>
+              <a:rPr lang="en" altLang="ko-Kore-KR" dirty="0">
+                <a:solidFill>
+                  <a:srgbClr val="000000"/>
+                </a:solidFill>
+                <a:latin typeface="DM Mono" panose="020B0509040201040103" pitchFamily="49" charset="0"/>
+              </a:rPr>
+              <a:t>(</a:t>
+            </a:r>
+            <a:r>
+              <a:rPr lang="en" altLang="ko-Kore-KR" dirty="0">
+                <a:solidFill>
+                  <a:srgbClr val="0000FF"/>
+                </a:solidFill>
+                <a:latin typeface="DM Mono" panose="020B0509040201040103" pitchFamily="49" charset="0"/>
+              </a:rPr>
+              <a:t>void</a:t>
+            </a:r>
+            <a:r>
+              <a:rPr lang="en" altLang="ko-Kore-KR" dirty="0">
+                <a:solidFill>
+                  <a:srgbClr val="000000"/>
+                </a:solidFill>
+                <a:latin typeface="DM Mono" panose="020B0509040201040103" pitchFamily="49" charset="0"/>
+              </a:rPr>
+              <a:t>)</a:t>
+            </a:r>
+          </a:p>
+          <a:p>
+            <a:r>
+              <a:rPr lang="en" altLang="ko-Kore-KR" dirty="0">
+                <a:solidFill>
+                  <a:srgbClr val="000000"/>
+                </a:solidFill>
+                <a:latin typeface="DM Mono" panose="020B0509040201040103" pitchFamily="49" charset="0"/>
+              </a:rPr>
+              <a:t>{</a:t>
+            </a:r>
+          </a:p>
+          <a:p>
+            <a:r>
+              <a:rPr lang="en" altLang="ko-Kore-KR" dirty="0">
+                <a:solidFill>
+                  <a:srgbClr val="0000FF"/>
+                </a:solidFill>
+                <a:latin typeface="DM Mono" panose="020B0509040201040103" pitchFamily="49" charset="0"/>
+              </a:rPr>
+              <a:t>  int</a:t>
+            </a:r>
+            <a:r>
+              <a:rPr lang="en" altLang="ko-Kore-KR" dirty="0">
+                <a:solidFill>
+                  <a:srgbClr val="000000"/>
+                </a:solidFill>
+                <a:latin typeface="DM Mono" panose="020B0509040201040103" pitchFamily="49" charset="0"/>
+              </a:rPr>
+              <a:t> </a:t>
+            </a:r>
+            <a:r>
+              <a:rPr lang="en" altLang="ko-Kore-KR" dirty="0">
+                <a:solidFill>
+                  <a:srgbClr val="001080"/>
+                </a:solidFill>
+                <a:latin typeface="DM Mono" panose="020B0509040201040103" pitchFamily="49" charset="0"/>
+              </a:rPr>
+              <a:t>a</a:t>
+            </a:r>
+            <a:r>
+              <a:rPr lang="en" altLang="ko-Kore-KR" dirty="0">
+                <a:solidFill>
+                  <a:srgbClr val="000000"/>
+                </a:solidFill>
+                <a:latin typeface="DM Mono" panose="020B0509040201040103" pitchFamily="49" charset="0"/>
+              </a:rPr>
+              <a:t> = </a:t>
+            </a:r>
+            <a:r>
+              <a:rPr lang="en" altLang="ko-Kore-KR" dirty="0">
+                <a:solidFill>
+                  <a:srgbClr val="098658"/>
+                </a:solidFill>
+                <a:latin typeface="DM Mono" panose="020B0509040201040103" pitchFamily="49" charset="0"/>
+              </a:rPr>
+              <a:t>10</a:t>
+            </a:r>
+            <a:r>
+              <a:rPr lang="en" altLang="ko-Kore-KR" dirty="0">
+                <a:solidFill>
+                  <a:srgbClr val="000000"/>
+                </a:solidFill>
+                <a:latin typeface="DM Mono" panose="020B0509040201040103" pitchFamily="49" charset="0"/>
+              </a:rPr>
+              <a:t>;</a:t>
+            </a:r>
+          </a:p>
+          <a:p>
+            <a:r>
+              <a:rPr lang="en" altLang="ko-Kore-KR" dirty="0">
+                <a:solidFill>
+                  <a:srgbClr val="0000FF"/>
+                </a:solidFill>
+                <a:latin typeface="DM Mono" panose="020B0509040201040103" pitchFamily="49" charset="0"/>
+              </a:rPr>
+              <a:t>  int</a:t>
+            </a:r>
+            <a:r>
+              <a:rPr lang="en" altLang="ko-Kore-KR" dirty="0">
+                <a:solidFill>
+                  <a:srgbClr val="000000"/>
+                </a:solidFill>
+                <a:latin typeface="DM Mono" panose="020B0509040201040103" pitchFamily="49" charset="0"/>
+              </a:rPr>
+              <a:t> </a:t>
+            </a:r>
+            <a:r>
+              <a:rPr lang="en" altLang="ko-Kore-KR" dirty="0">
+                <a:solidFill>
+                  <a:srgbClr val="001080"/>
+                </a:solidFill>
+                <a:latin typeface="DM Mono" panose="020B0509040201040103" pitchFamily="49" charset="0"/>
+              </a:rPr>
+              <a:t>b</a:t>
+            </a:r>
+            <a:r>
+              <a:rPr lang="en" altLang="ko-Kore-KR" dirty="0">
+                <a:solidFill>
+                  <a:srgbClr val="000000"/>
+                </a:solidFill>
+                <a:latin typeface="DM Mono" panose="020B0509040201040103" pitchFamily="49" charset="0"/>
+              </a:rPr>
+              <a:t> = </a:t>
+            </a:r>
+            <a:r>
+              <a:rPr lang="en" altLang="ko-Kore-KR" dirty="0">
+                <a:solidFill>
+                  <a:srgbClr val="098658"/>
+                </a:solidFill>
+                <a:latin typeface="DM Mono" panose="020B0509040201040103" pitchFamily="49" charset="0"/>
+              </a:rPr>
+              <a:t>20</a:t>
+            </a:r>
+            <a:r>
+              <a:rPr lang="en" altLang="ko-Kore-KR" dirty="0">
+                <a:solidFill>
+                  <a:srgbClr val="000000"/>
+                </a:solidFill>
+                <a:latin typeface="DM Mono" panose="020B0509040201040103" pitchFamily="49" charset="0"/>
+              </a:rPr>
+              <a:t>;</a:t>
+            </a:r>
+          </a:p>
+          <a:p>
+            <a:br>
+              <a:rPr lang="en" altLang="ko-Kore-KR" dirty="0">
+                <a:solidFill>
+                  <a:srgbClr val="000000"/>
+                </a:solidFill>
+                <a:latin typeface="DM Mono" panose="020B0509040201040103" pitchFamily="49" charset="0"/>
+              </a:rPr>
+            </a:br>
+            <a:r>
+              <a:rPr lang="en" altLang="ko-Kore-KR" dirty="0">
+                <a:solidFill>
+                  <a:srgbClr val="000000"/>
+                </a:solidFill>
+                <a:latin typeface="DM Mono" panose="020B0509040201040103" pitchFamily="49" charset="0"/>
+              </a:rPr>
+              <a:t>  </a:t>
+            </a:r>
+            <a:r>
+              <a:rPr lang="en" altLang="ko-Kore-KR" dirty="0">
+                <a:solidFill>
+                  <a:srgbClr val="0000FF"/>
+                </a:solidFill>
+                <a:latin typeface="DM Mono" panose="020B0509040201040103" pitchFamily="49" charset="0"/>
+              </a:rPr>
+              <a:t>int</a:t>
+            </a:r>
+            <a:r>
+              <a:rPr lang="en" altLang="ko-Kore-KR" dirty="0">
+                <a:solidFill>
+                  <a:srgbClr val="000000"/>
+                </a:solidFill>
+                <a:latin typeface="DM Mono" panose="020B0509040201040103" pitchFamily="49" charset="0"/>
+              </a:rPr>
+              <a:t>* </a:t>
+            </a:r>
+            <a:r>
+              <a:rPr lang="en" altLang="ko-Kore-KR" dirty="0">
+                <a:solidFill>
+                  <a:srgbClr val="001080"/>
+                </a:solidFill>
+                <a:latin typeface="DM Mono" panose="020B0509040201040103" pitchFamily="49" charset="0"/>
+              </a:rPr>
+              <a:t>pa</a:t>
+            </a:r>
+            <a:r>
+              <a:rPr lang="en" altLang="ko-Kore-KR" dirty="0">
+                <a:solidFill>
+                  <a:srgbClr val="000000"/>
+                </a:solidFill>
+                <a:latin typeface="DM Mono" panose="020B0509040201040103" pitchFamily="49" charset="0"/>
+              </a:rPr>
+              <a:t> = &amp;</a:t>
+            </a:r>
+            <a:r>
+              <a:rPr lang="en" altLang="ko-Kore-KR" dirty="0">
+                <a:solidFill>
+                  <a:srgbClr val="001080"/>
+                </a:solidFill>
+                <a:latin typeface="DM Mono" panose="020B0509040201040103" pitchFamily="49" charset="0"/>
+              </a:rPr>
+              <a:t>a</a:t>
+            </a:r>
+            <a:r>
+              <a:rPr lang="en" altLang="ko-Kore-KR" dirty="0">
+                <a:solidFill>
+                  <a:srgbClr val="000000"/>
+                </a:solidFill>
+                <a:latin typeface="DM Mono" panose="020B0509040201040103" pitchFamily="49" charset="0"/>
+              </a:rPr>
+              <a:t>;</a:t>
+            </a:r>
+          </a:p>
+          <a:p>
+            <a:r>
+              <a:rPr lang="en" altLang="ko-Kore-KR" dirty="0">
+                <a:solidFill>
+                  <a:srgbClr val="0000FF"/>
+                </a:solidFill>
+                <a:latin typeface="DM Mono" panose="020B0509040201040103" pitchFamily="49" charset="0"/>
+              </a:rPr>
+              <a:t>  int</a:t>
+            </a:r>
+            <a:r>
+              <a:rPr lang="en" altLang="ko-Kore-KR" dirty="0">
+                <a:solidFill>
+                  <a:srgbClr val="000000"/>
+                </a:solidFill>
+                <a:latin typeface="DM Mono" panose="020B0509040201040103" pitchFamily="49" charset="0"/>
+              </a:rPr>
+              <a:t>* </a:t>
+            </a:r>
+            <a:r>
+              <a:rPr lang="en" altLang="ko-Kore-KR" dirty="0">
+                <a:solidFill>
+                  <a:srgbClr val="001080"/>
+                </a:solidFill>
+                <a:latin typeface="DM Mono" panose="020B0509040201040103" pitchFamily="49" charset="0"/>
+              </a:rPr>
+              <a:t>pb</a:t>
+            </a:r>
+            <a:r>
+              <a:rPr lang="en" altLang="ko-Kore-KR" dirty="0">
+                <a:solidFill>
+                  <a:srgbClr val="000000"/>
+                </a:solidFill>
+                <a:latin typeface="DM Mono" panose="020B0509040201040103" pitchFamily="49" charset="0"/>
+              </a:rPr>
+              <a:t> = &amp;</a:t>
+            </a:r>
+            <a:r>
+              <a:rPr lang="en" altLang="ko-Kore-KR" dirty="0">
+                <a:solidFill>
+                  <a:srgbClr val="001080"/>
+                </a:solidFill>
+                <a:latin typeface="DM Mono" panose="020B0509040201040103" pitchFamily="49" charset="0"/>
+              </a:rPr>
+              <a:t>b</a:t>
+            </a:r>
+            <a:r>
+              <a:rPr lang="en" altLang="ko-Kore-KR" dirty="0">
+                <a:solidFill>
+                  <a:srgbClr val="000000"/>
+                </a:solidFill>
+                <a:latin typeface="DM Mono" panose="020B0509040201040103" pitchFamily="49" charset="0"/>
+              </a:rPr>
+              <a:t>;</a:t>
+            </a:r>
+          </a:p>
+          <a:p>
+            <a:r>
+              <a:rPr lang="en" altLang="ko-Kore-KR" dirty="0">
+                <a:solidFill>
+                  <a:srgbClr val="795E26"/>
+                </a:solidFill>
+                <a:latin typeface="DM Mono" panose="020B0509040201040103" pitchFamily="49" charset="0"/>
+              </a:rPr>
+              <a:t>  </a:t>
+            </a:r>
+            <a:r>
+              <a:rPr lang="en" altLang="ko-Kore-KR" dirty="0" err="1">
+                <a:solidFill>
+                  <a:srgbClr val="795E26"/>
+                </a:solidFill>
+                <a:latin typeface="DM Mono" panose="020B0509040201040103" pitchFamily="49" charset="0"/>
+              </a:rPr>
+              <a:t>pswap</a:t>
+            </a:r>
+            <a:r>
+              <a:rPr lang="en" altLang="ko-Kore-KR" dirty="0">
+                <a:solidFill>
+                  <a:srgbClr val="000000"/>
+                </a:solidFill>
+                <a:latin typeface="DM Mono" panose="020B0509040201040103" pitchFamily="49" charset="0"/>
+              </a:rPr>
+              <a:t>(&amp;</a:t>
+            </a:r>
+            <a:r>
+              <a:rPr lang="en" altLang="ko-Kore-KR" dirty="0">
+                <a:solidFill>
+                  <a:srgbClr val="001080"/>
+                </a:solidFill>
+                <a:latin typeface="DM Mono" panose="020B0509040201040103" pitchFamily="49" charset="0"/>
+              </a:rPr>
+              <a:t>pa</a:t>
+            </a:r>
+            <a:r>
+              <a:rPr lang="en" altLang="ko-Kore-KR" dirty="0">
+                <a:solidFill>
+                  <a:srgbClr val="000000"/>
+                </a:solidFill>
+                <a:latin typeface="DM Mono" panose="020B0509040201040103" pitchFamily="49" charset="0"/>
+              </a:rPr>
+              <a:t>, &amp;</a:t>
+            </a:r>
+            <a:r>
+              <a:rPr lang="en" altLang="ko-Kore-KR" dirty="0">
+                <a:solidFill>
+                  <a:srgbClr val="001080"/>
+                </a:solidFill>
+                <a:latin typeface="DM Mono" panose="020B0509040201040103" pitchFamily="49" charset="0"/>
+              </a:rPr>
+              <a:t>pb</a:t>
+            </a:r>
+            <a:r>
+              <a:rPr lang="en" altLang="ko-Kore-KR" dirty="0">
+                <a:solidFill>
+                  <a:srgbClr val="000000"/>
+                </a:solidFill>
+                <a:latin typeface="DM Mono" panose="020B0509040201040103" pitchFamily="49" charset="0"/>
+              </a:rPr>
+              <a:t>);</a:t>
+            </a:r>
+          </a:p>
+          <a:p>
+            <a:br>
+              <a:rPr lang="en" altLang="ko-Kore-KR" dirty="0">
+                <a:solidFill>
+                  <a:srgbClr val="000000"/>
+                </a:solidFill>
+                <a:latin typeface="DM Mono" panose="020B0509040201040103" pitchFamily="49" charset="0"/>
+              </a:rPr>
+            </a:br>
+            <a:r>
+              <a:rPr lang="en" altLang="ko-Kore-KR" dirty="0">
+                <a:solidFill>
+                  <a:srgbClr val="000000"/>
+                </a:solidFill>
+                <a:latin typeface="DM Mono" panose="020B0509040201040103" pitchFamily="49" charset="0"/>
+              </a:rPr>
+              <a:t>  </a:t>
+            </a:r>
+            <a:r>
+              <a:rPr lang="en" altLang="ko-Kore-KR" dirty="0" err="1">
+                <a:solidFill>
+                  <a:srgbClr val="795E26"/>
+                </a:solidFill>
+                <a:latin typeface="DM Mono" panose="020B0509040201040103" pitchFamily="49" charset="0"/>
+              </a:rPr>
+              <a:t>printf</a:t>
+            </a:r>
+            <a:r>
+              <a:rPr lang="en" altLang="ko-Kore-KR" dirty="0">
+                <a:solidFill>
+                  <a:srgbClr val="000000"/>
+                </a:solidFill>
+                <a:latin typeface="DM Mono" panose="020B0509040201040103" pitchFamily="49" charset="0"/>
+              </a:rPr>
+              <a:t>(</a:t>
+            </a:r>
+            <a:r>
+              <a:rPr lang="en" altLang="ko-Kore-KR" dirty="0">
+                <a:solidFill>
+                  <a:srgbClr val="A31515"/>
+                </a:solidFill>
+                <a:latin typeface="DM Mono" panose="020B0509040201040103" pitchFamily="49" charset="0"/>
+              </a:rPr>
+              <a:t>"</a:t>
+            </a:r>
+            <a:r>
+              <a:rPr lang="en" altLang="ko-Kore-KR" dirty="0">
+                <a:solidFill>
+                  <a:srgbClr val="001080"/>
+                </a:solidFill>
+                <a:latin typeface="DM Mono" panose="020B0509040201040103" pitchFamily="49" charset="0"/>
+              </a:rPr>
+              <a:t>%d</a:t>
+            </a:r>
+            <a:r>
+              <a:rPr lang="en" altLang="ko-Kore-KR" dirty="0">
+                <a:solidFill>
+                  <a:srgbClr val="A31515"/>
+                </a:solidFill>
+                <a:latin typeface="DM Mono" panose="020B0509040201040103" pitchFamily="49" charset="0"/>
+              </a:rPr>
+              <a:t> </a:t>
+            </a:r>
+            <a:r>
+              <a:rPr lang="en" altLang="ko-Kore-KR" dirty="0">
+                <a:solidFill>
+                  <a:srgbClr val="001080"/>
+                </a:solidFill>
+                <a:latin typeface="DM Mono" panose="020B0509040201040103" pitchFamily="49" charset="0"/>
+              </a:rPr>
+              <a:t>%d</a:t>
+            </a:r>
+            <a:r>
+              <a:rPr lang="en" altLang="ko-Kore-KR" dirty="0">
+                <a:solidFill>
+                  <a:srgbClr val="EE0000"/>
+                </a:solidFill>
+                <a:latin typeface="DM Mono" panose="020B0509040201040103" pitchFamily="49" charset="0"/>
+              </a:rPr>
+              <a:t>\n</a:t>
+            </a:r>
+            <a:r>
+              <a:rPr lang="en" altLang="ko-Kore-KR" dirty="0">
+                <a:solidFill>
+                  <a:srgbClr val="A31515"/>
+                </a:solidFill>
+                <a:latin typeface="DM Mono" panose="020B0509040201040103" pitchFamily="49" charset="0"/>
+              </a:rPr>
+              <a:t>"</a:t>
+            </a:r>
+            <a:r>
+              <a:rPr lang="en" altLang="ko-Kore-KR" dirty="0">
+                <a:solidFill>
+                  <a:srgbClr val="000000"/>
+                </a:solidFill>
+                <a:latin typeface="DM Mono" panose="020B0509040201040103" pitchFamily="49" charset="0"/>
+              </a:rPr>
+              <a:t>, </a:t>
+            </a:r>
+            <a:r>
+              <a:rPr lang="en" altLang="ko-Kore-KR" dirty="0">
+                <a:solidFill>
+                  <a:srgbClr val="001080"/>
+                </a:solidFill>
+                <a:latin typeface="DM Mono" panose="020B0509040201040103" pitchFamily="49" charset="0"/>
+              </a:rPr>
+              <a:t>a</a:t>
+            </a:r>
+            <a:r>
+              <a:rPr lang="en" altLang="ko-Kore-KR" dirty="0">
+                <a:solidFill>
+                  <a:srgbClr val="000000"/>
+                </a:solidFill>
+                <a:latin typeface="DM Mono" panose="020B0509040201040103" pitchFamily="49" charset="0"/>
+              </a:rPr>
+              <a:t>, </a:t>
+            </a:r>
+            <a:r>
+              <a:rPr lang="en" altLang="ko-Kore-KR" dirty="0">
+                <a:solidFill>
+                  <a:srgbClr val="001080"/>
+                </a:solidFill>
+                <a:latin typeface="DM Mono" panose="020B0509040201040103" pitchFamily="49" charset="0"/>
+              </a:rPr>
+              <a:t>b</a:t>
+            </a:r>
+            <a:r>
+              <a:rPr lang="en" altLang="ko-Kore-KR" dirty="0">
+                <a:solidFill>
+                  <a:srgbClr val="000000"/>
+                </a:solidFill>
+                <a:latin typeface="DM Mono" panose="020B0509040201040103" pitchFamily="49" charset="0"/>
+              </a:rPr>
+              <a:t>);</a:t>
+            </a:r>
+          </a:p>
+          <a:p>
+            <a:r>
+              <a:rPr lang="en" altLang="ko-Kore-KR" dirty="0">
+                <a:solidFill>
+                  <a:srgbClr val="000000"/>
+                </a:solidFill>
+                <a:latin typeface="DM Mono" panose="020B0509040201040103" pitchFamily="49" charset="0"/>
+              </a:rPr>
+              <a:t>}</a:t>
+            </a:r>
+            <a:endParaRPr lang="en" altLang="ko-Kore-KR" b="0" dirty="0">
+              <a:solidFill>
+                <a:srgbClr val="000000"/>
+              </a:solidFill>
+              <a:effectLst/>
+              <a:latin typeface="DM Mono" panose="020B0509040201040103" pitchFamily="49" charset="0"/>
+            </a:endParaRPr>
+          </a:p>
+        </p:txBody>
+      </p:sp>
+      <p:sp>
+        <p:nvSpPr>
+          <p:cNvPr id="5" name="직사각형 4">
+            <a:extLst>
+              <a:ext uri="{FF2B5EF4-FFF2-40B4-BE49-F238E27FC236}">
+                <a16:creationId xmlns:a16="http://schemas.microsoft.com/office/drawing/2014/main" id="{5D4953FA-ECF5-406E-EA0A-07F4BB1D1637}"/>
+              </a:ext>
+            </a:extLst>
+          </p:cNvPr>
+          <p:cNvSpPr/>
+          <p:nvPr/>
+        </p:nvSpPr>
+        <p:spPr>
+          <a:xfrm>
+            <a:off x="5037645" y="1198819"/>
+            <a:ext cx="3234906" cy="2706432"/>
+          </a:xfrm>
+          <a:prstGeom prst="rect">
+            <a:avLst/>
+          </a:prstGeom>
+          <a:noFill/>
+        </p:spPr>
+        <p:style>
+          <a:lnRef idx="2">
+            <a:schemeClr val="accent4"/>
+          </a:lnRef>
+          <a:fillRef idx="1">
+            <a:schemeClr val="lt1"/>
+          </a:fillRef>
+          <a:effectRef idx="0">
+            <a:schemeClr val="accent4"/>
+          </a:effectRef>
+          <a:fontRef idx="minor">
+            <a:schemeClr val="dk1"/>
+          </a:fontRef>
+        </p:style>
+        <p:txBody>
+          <a:bodyPr rtlCol="0" anchor="ctr"/>
+          <a:lstStyle/>
+          <a:p>
+            <a:pPr algn="ctr"/>
+            <a:endParaRPr kumimoji="1" lang="ko-Kore-KR" altLang="en-US" sz="1400" dirty="0">
+              <a:solidFill>
+                <a:schemeClr val="tx1"/>
+              </a:solidFill>
+            </a:endParaRPr>
+          </a:p>
+        </p:txBody>
+      </p:sp>
+      <p:sp>
+        <p:nvSpPr>
+          <p:cNvPr id="6" name="직사각형 5">
+            <a:extLst>
+              <a:ext uri="{FF2B5EF4-FFF2-40B4-BE49-F238E27FC236}">
+                <a16:creationId xmlns:a16="http://schemas.microsoft.com/office/drawing/2014/main" id="{DF1668EF-A1EF-4292-019D-8A043A24DE4B}"/>
+              </a:ext>
+            </a:extLst>
+          </p:cNvPr>
+          <p:cNvSpPr/>
+          <p:nvPr/>
+        </p:nvSpPr>
+        <p:spPr>
+          <a:xfrm>
+            <a:off x="6258474" y="809072"/>
+            <a:ext cx="736099" cy="369332"/>
+          </a:xfrm>
+          <a:prstGeom prst="rect">
+            <a:avLst/>
+          </a:prstGeom>
+        </p:spPr>
+        <p:txBody>
+          <a:bodyPr wrap="none">
+            <a:spAutoFit/>
+          </a:bodyPr>
+          <a:lstStyle/>
+          <a:p>
+            <a:r>
+              <a:rPr lang="en" altLang="ko-Kore-KR" dirty="0">
+                <a:solidFill>
+                  <a:srgbClr val="795E26"/>
+                </a:solidFill>
+                <a:latin typeface="DM Mono" panose="020B0509040201040103" pitchFamily="49" charset="0"/>
+              </a:rPr>
+              <a:t>main</a:t>
+            </a:r>
+            <a:endParaRPr lang="ko-Kore-KR" altLang="en-US" dirty="0"/>
+          </a:p>
+        </p:txBody>
+      </p:sp>
+      <p:sp>
+        <p:nvSpPr>
+          <p:cNvPr id="7" name="직사각형 6">
+            <a:extLst>
+              <a:ext uri="{FF2B5EF4-FFF2-40B4-BE49-F238E27FC236}">
+                <a16:creationId xmlns:a16="http://schemas.microsoft.com/office/drawing/2014/main" id="{958D00B0-499B-755D-4634-9483DD21A01E}"/>
+              </a:ext>
+            </a:extLst>
+          </p:cNvPr>
+          <p:cNvSpPr/>
+          <p:nvPr/>
+        </p:nvSpPr>
+        <p:spPr>
+          <a:xfrm>
+            <a:off x="5521593" y="1402786"/>
+            <a:ext cx="539902" cy="420443"/>
+          </a:xfrm>
+          <a:prstGeom prst="rect">
+            <a:avLst/>
+          </a:prstGeom>
+          <a:solidFill>
+            <a:srgbClr val="FFFF00"/>
+          </a:solidFill>
+        </p:spPr>
+        <p:style>
+          <a:lnRef idx="2">
+            <a:schemeClr val="accent1">
+              <a:shade val="50000"/>
+            </a:schemeClr>
+          </a:lnRef>
+          <a:fillRef idx="1">
+            <a:schemeClr val="accent1"/>
+          </a:fillRef>
+          <a:effectRef idx="0">
+            <a:schemeClr val="accent1"/>
+          </a:effectRef>
+          <a:fontRef idx="minor">
+            <a:schemeClr val="lt1"/>
+          </a:fontRef>
+        </p:style>
+        <p:txBody>
+          <a:bodyPr rtlCol="0" anchor="ctr"/>
+          <a:lstStyle/>
+          <a:p>
+            <a:pPr algn="ctr"/>
+            <a:r>
+              <a:rPr kumimoji="1" lang="en-US" altLang="ko-Kore-KR" sz="1400" dirty="0">
+                <a:solidFill>
+                  <a:schemeClr val="tx1"/>
+                </a:solidFill>
+              </a:rPr>
+              <a:t>10</a:t>
+            </a:r>
+            <a:endParaRPr kumimoji="1" lang="ko-Kore-KR" altLang="en-US" sz="1400" dirty="0">
+              <a:solidFill>
+                <a:schemeClr val="tx1"/>
+              </a:solidFill>
+            </a:endParaRPr>
+          </a:p>
+        </p:txBody>
+      </p:sp>
+      <p:sp>
+        <p:nvSpPr>
+          <p:cNvPr id="8" name="직사각형 7">
+            <a:extLst>
+              <a:ext uri="{FF2B5EF4-FFF2-40B4-BE49-F238E27FC236}">
+                <a16:creationId xmlns:a16="http://schemas.microsoft.com/office/drawing/2014/main" id="{AA3229FD-FDEA-67F8-6AD6-A4BCFA135D5D}"/>
+              </a:ext>
+            </a:extLst>
+          </p:cNvPr>
+          <p:cNvSpPr/>
+          <p:nvPr/>
+        </p:nvSpPr>
+        <p:spPr>
+          <a:xfrm>
+            <a:off x="5247952" y="1428341"/>
+            <a:ext cx="322524" cy="369332"/>
+          </a:xfrm>
+          <a:prstGeom prst="rect">
+            <a:avLst/>
+          </a:prstGeom>
+        </p:spPr>
+        <p:txBody>
+          <a:bodyPr wrap="none">
+            <a:spAutoFit/>
+          </a:bodyPr>
+          <a:lstStyle/>
+          <a:p>
+            <a:r>
+              <a:rPr lang="en" altLang="ko-Kore-KR" dirty="0">
+                <a:solidFill>
+                  <a:srgbClr val="001080"/>
+                </a:solidFill>
+                <a:latin typeface="DM Mono" panose="020B0509040201040103" pitchFamily="49" charset="0"/>
+              </a:rPr>
+              <a:t>a</a:t>
+            </a:r>
+            <a:endParaRPr lang="ko-Kore-KR" altLang="en-US" dirty="0"/>
+          </a:p>
+        </p:txBody>
+      </p:sp>
+      <p:sp>
+        <p:nvSpPr>
+          <p:cNvPr id="10" name="직사각형 9">
+            <a:extLst>
+              <a:ext uri="{FF2B5EF4-FFF2-40B4-BE49-F238E27FC236}">
+                <a16:creationId xmlns:a16="http://schemas.microsoft.com/office/drawing/2014/main" id="{CC7DA5F9-DC06-B839-CBD3-0057AE32824F}"/>
+              </a:ext>
+            </a:extLst>
+          </p:cNvPr>
+          <p:cNvSpPr/>
+          <p:nvPr/>
+        </p:nvSpPr>
+        <p:spPr>
+          <a:xfrm>
+            <a:off x="5599374" y="2670508"/>
+            <a:ext cx="539902" cy="420443"/>
+          </a:xfrm>
+          <a:prstGeom prst="rect">
+            <a:avLst/>
+          </a:prstGeom>
+          <a:solidFill>
+            <a:srgbClr val="FFFF00"/>
+          </a:solidFill>
+        </p:spPr>
+        <p:style>
+          <a:lnRef idx="2">
+            <a:schemeClr val="accent1">
+              <a:shade val="50000"/>
+            </a:schemeClr>
+          </a:lnRef>
+          <a:fillRef idx="1">
+            <a:schemeClr val="accent1"/>
+          </a:fillRef>
+          <a:effectRef idx="0">
+            <a:schemeClr val="accent1"/>
+          </a:effectRef>
+          <a:fontRef idx="minor">
+            <a:schemeClr val="lt1"/>
+          </a:fontRef>
+        </p:style>
+        <p:txBody>
+          <a:bodyPr rtlCol="0" anchor="ctr"/>
+          <a:lstStyle/>
+          <a:p>
+            <a:pPr algn="ctr"/>
+            <a:r>
+              <a:rPr kumimoji="1" lang="en-US" altLang="ko-Kore-KR" sz="1400" dirty="0">
+                <a:solidFill>
+                  <a:srgbClr val="FF0000"/>
+                </a:solidFill>
+              </a:rPr>
+              <a:t>400</a:t>
+            </a:r>
+            <a:endParaRPr kumimoji="1" lang="ko-Kore-KR" altLang="en-US" sz="1400" dirty="0">
+              <a:solidFill>
+                <a:srgbClr val="FF0000"/>
+              </a:solidFill>
+            </a:endParaRPr>
+          </a:p>
+        </p:txBody>
+      </p:sp>
+      <p:sp>
+        <p:nvSpPr>
+          <p:cNvPr id="11" name="직사각형 10">
+            <a:extLst>
+              <a:ext uri="{FF2B5EF4-FFF2-40B4-BE49-F238E27FC236}">
+                <a16:creationId xmlns:a16="http://schemas.microsoft.com/office/drawing/2014/main" id="{142F2F09-D376-FA05-9679-61F415B2B269}"/>
+              </a:ext>
+            </a:extLst>
+          </p:cNvPr>
+          <p:cNvSpPr/>
+          <p:nvPr/>
+        </p:nvSpPr>
+        <p:spPr>
+          <a:xfrm>
+            <a:off x="5169031" y="2696063"/>
+            <a:ext cx="460382" cy="369332"/>
+          </a:xfrm>
+          <a:prstGeom prst="rect">
+            <a:avLst/>
+          </a:prstGeom>
+        </p:spPr>
+        <p:txBody>
+          <a:bodyPr wrap="none">
+            <a:spAutoFit/>
+          </a:bodyPr>
+          <a:lstStyle/>
+          <a:p>
+            <a:r>
+              <a:rPr lang="en" altLang="ko-Kore-KR" dirty="0">
+                <a:solidFill>
+                  <a:srgbClr val="001080"/>
+                </a:solidFill>
+                <a:latin typeface="DM Mono" panose="020B0509040201040103" pitchFamily="49" charset="0"/>
+              </a:rPr>
+              <a:t>pa</a:t>
+            </a:r>
+            <a:endParaRPr lang="ko-Kore-KR" altLang="en-US" dirty="0"/>
+          </a:p>
+        </p:txBody>
+      </p:sp>
+      <p:cxnSp>
+        <p:nvCxnSpPr>
+          <p:cNvPr id="12" name="구부러진 연결선[U] 11">
+            <a:extLst>
+              <a:ext uri="{FF2B5EF4-FFF2-40B4-BE49-F238E27FC236}">
+                <a16:creationId xmlns:a16="http://schemas.microsoft.com/office/drawing/2014/main" id="{444C7E12-5B1E-D1A6-EA75-A480369B1852}"/>
+              </a:ext>
+            </a:extLst>
+          </p:cNvPr>
+          <p:cNvCxnSpPr>
+            <a:cxnSpLocks/>
+            <a:stCxn id="10" idx="0"/>
+            <a:endCxn id="16" idx="2"/>
+          </p:cNvCxnSpPr>
+          <p:nvPr/>
+        </p:nvCxnSpPr>
+        <p:spPr>
+          <a:xfrm rot="5400000" flipH="1" flipV="1">
+            <a:off x="6110832" y="1581723"/>
+            <a:ext cx="847279" cy="1330293"/>
+          </a:xfrm>
+          <a:prstGeom prst="curvedConnector3">
+            <a:avLst>
+              <a:gd name="adj1" fmla="val 50000"/>
+            </a:avLst>
+          </a:prstGeom>
+          <a:ln>
+            <a:tailEnd type="triangle"/>
+          </a:ln>
+        </p:spPr>
+        <p:style>
+          <a:lnRef idx="1">
+            <a:schemeClr val="accent1"/>
+          </a:lnRef>
+          <a:fillRef idx="0">
+            <a:schemeClr val="accent1"/>
+          </a:fillRef>
+          <a:effectRef idx="0">
+            <a:schemeClr val="accent1"/>
+          </a:effectRef>
+          <a:fontRef idx="minor">
+            <a:schemeClr val="tx1"/>
+          </a:fontRef>
+        </p:style>
+      </p:cxnSp>
+      <p:sp>
+        <p:nvSpPr>
+          <p:cNvPr id="16" name="직사각형 15">
+            <a:extLst>
+              <a:ext uri="{FF2B5EF4-FFF2-40B4-BE49-F238E27FC236}">
+                <a16:creationId xmlns:a16="http://schemas.microsoft.com/office/drawing/2014/main" id="{A57FB114-BC35-7C02-61E6-948D1369D6E8}"/>
+              </a:ext>
+            </a:extLst>
+          </p:cNvPr>
+          <p:cNvSpPr/>
+          <p:nvPr/>
+        </p:nvSpPr>
+        <p:spPr>
+          <a:xfrm>
+            <a:off x="6929667" y="1402786"/>
+            <a:ext cx="539902" cy="420443"/>
+          </a:xfrm>
+          <a:prstGeom prst="rect">
+            <a:avLst/>
+          </a:prstGeom>
+          <a:solidFill>
+            <a:srgbClr val="FFFF00"/>
+          </a:solidFill>
+        </p:spPr>
+        <p:style>
+          <a:lnRef idx="2">
+            <a:schemeClr val="accent1">
+              <a:shade val="50000"/>
+            </a:schemeClr>
+          </a:lnRef>
+          <a:fillRef idx="1">
+            <a:schemeClr val="accent1"/>
+          </a:fillRef>
+          <a:effectRef idx="0">
+            <a:schemeClr val="accent1"/>
+          </a:effectRef>
+          <a:fontRef idx="minor">
+            <a:schemeClr val="lt1"/>
+          </a:fontRef>
+        </p:style>
+        <p:txBody>
+          <a:bodyPr rtlCol="0" anchor="ctr"/>
+          <a:lstStyle/>
+          <a:p>
+            <a:pPr algn="ctr"/>
+            <a:r>
+              <a:rPr kumimoji="1" lang="en-US" altLang="ko-Kore-KR" sz="1400" dirty="0">
+                <a:solidFill>
+                  <a:schemeClr val="tx1"/>
+                </a:solidFill>
+              </a:rPr>
+              <a:t>20</a:t>
+            </a:r>
+            <a:endParaRPr kumimoji="1" lang="ko-Kore-KR" altLang="en-US" sz="1400" dirty="0">
+              <a:solidFill>
+                <a:schemeClr val="tx1"/>
+              </a:solidFill>
+            </a:endParaRPr>
+          </a:p>
+        </p:txBody>
+      </p:sp>
+      <p:sp>
+        <p:nvSpPr>
+          <p:cNvPr id="17" name="직사각형 16">
+            <a:extLst>
+              <a:ext uri="{FF2B5EF4-FFF2-40B4-BE49-F238E27FC236}">
+                <a16:creationId xmlns:a16="http://schemas.microsoft.com/office/drawing/2014/main" id="{377722F9-2D67-41C0-532E-31BBA551D669}"/>
+              </a:ext>
+            </a:extLst>
+          </p:cNvPr>
+          <p:cNvSpPr/>
+          <p:nvPr/>
+        </p:nvSpPr>
+        <p:spPr>
+          <a:xfrm>
+            <a:off x="6994573" y="2644952"/>
+            <a:ext cx="539902" cy="420443"/>
+          </a:xfrm>
+          <a:prstGeom prst="rect">
+            <a:avLst/>
+          </a:prstGeom>
+          <a:solidFill>
+            <a:srgbClr val="FFFF00"/>
+          </a:solidFill>
+        </p:spPr>
+        <p:style>
+          <a:lnRef idx="2">
+            <a:schemeClr val="accent1">
+              <a:shade val="50000"/>
+            </a:schemeClr>
+          </a:lnRef>
+          <a:fillRef idx="1">
+            <a:schemeClr val="accent1"/>
+          </a:fillRef>
+          <a:effectRef idx="0">
+            <a:schemeClr val="accent1"/>
+          </a:effectRef>
+          <a:fontRef idx="minor">
+            <a:schemeClr val="lt1"/>
+          </a:fontRef>
+        </p:style>
+        <p:txBody>
+          <a:bodyPr rtlCol="0" anchor="ctr"/>
+          <a:lstStyle/>
+          <a:p>
+            <a:pPr algn="ctr"/>
+            <a:r>
+              <a:rPr kumimoji="1" lang="en-US" altLang="ko-Kore-KR" sz="1400" dirty="0">
+                <a:solidFill>
+                  <a:schemeClr val="tx1"/>
+                </a:solidFill>
+              </a:rPr>
+              <a:t>400</a:t>
+            </a:r>
+            <a:endParaRPr kumimoji="1" lang="ko-Kore-KR" altLang="en-US" sz="1400" dirty="0">
+              <a:solidFill>
+                <a:schemeClr val="tx1"/>
+              </a:solidFill>
+            </a:endParaRPr>
+          </a:p>
+        </p:txBody>
+      </p:sp>
+      <p:sp>
+        <p:nvSpPr>
+          <p:cNvPr id="18" name="직사각형 17">
+            <a:extLst>
+              <a:ext uri="{FF2B5EF4-FFF2-40B4-BE49-F238E27FC236}">
+                <a16:creationId xmlns:a16="http://schemas.microsoft.com/office/drawing/2014/main" id="{D1AA91DC-AC58-AA11-766A-F95DBC1BE6FB}"/>
+              </a:ext>
+            </a:extLst>
+          </p:cNvPr>
+          <p:cNvSpPr/>
+          <p:nvPr/>
+        </p:nvSpPr>
+        <p:spPr>
+          <a:xfrm>
+            <a:off x="6564230" y="2670507"/>
+            <a:ext cx="460382" cy="369332"/>
+          </a:xfrm>
+          <a:prstGeom prst="rect">
+            <a:avLst/>
+          </a:prstGeom>
+        </p:spPr>
+        <p:txBody>
+          <a:bodyPr wrap="none">
+            <a:spAutoFit/>
+          </a:bodyPr>
+          <a:lstStyle/>
+          <a:p>
+            <a:r>
+              <a:rPr lang="en" altLang="ko-Kore-KR" dirty="0">
+                <a:solidFill>
+                  <a:srgbClr val="001080"/>
+                </a:solidFill>
+                <a:latin typeface="DM Mono" panose="020B0509040201040103" pitchFamily="49" charset="0"/>
+              </a:rPr>
+              <a:t>pb</a:t>
+            </a:r>
+            <a:endParaRPr lang="ko-Kore-KR" altLang="en-US" dirty="0"/>
+          </a:p>
+        </p:txBody>
+      </p:sp>
+      <p:cxnSp>
+        <p:nvCxnSpPr>
+          <p:cNvPr id="19" name="구부러진 연결선[U] 18">
+            <a:extLst>
+              <a:ext uri="{FF2B5EF4-FFF2-40B4-BE49-F238E27FC236}">
+                <a16:creationId xmlns:a16="http://schemas.microsoft.com/office/drawing/2014/main" id="{CD252A5A-F225-5764-D179-B034ACA17B09}"/>
+              </a:ext>
+            </a:extLst>
+          </p:cNvPr>
+          <p:cNvCxnSpPr>
+            <a:cxnSpLocks/>
+            <a:stCxn id="17" idx="0"/>
+            <a:endCxn id="16" idx="2"/>
+          </p:cNvCxnSpPr>
+          <p:nvPr/>
+        </p:nvCxnSpPr>
+        <p:spPr>
+          <a:xfrm rot="16200000" flipV="1">
+            <a:off x="6821210" y="2201638"/>
+            <a:ext cx="821723" cy="64906"/>
+          </a:xfrm>
+          <a:prstGeom prst="curvedConnector3">
+            <a:avLst>
+              <a:gd name="adj1" fmla="val 50000"/>
+            </a:avLst>
+          </a:prstGeom>
+          <a:ln>
+            <a:tailEnd type="triangle"/>
+          </a:ln>
+        </p:spPr>
+        <p:style>
+          <a:lnRef idx="1">
+            <a:schemeClr val="accent1"/>
+          </a:lnRef>
+          <a:fillRef idx="0">
+            <a:schemeClr val="accent1"/>
+          </a:fillRef>
+          <a:effectRef idx="0">
+            <a:schemeClr val="accent1"/>
+          </a:effectRef>
+          <a:fontRef idx="minor">
+            <a:schemeClr val="tx1"/>
+          </a:fontRef>
+        </p:style>
+      </p:cxnSp>
+      <p:sp>
+        <p:nvSpPr>
+          <p:cNvPr id="20" name="직사각형 19">
+            <a:extLst>
+              <a:ext uri="{FF2B5EF4-FFF2-40B4-BE49-F238E27FC236}">
+                <a16:creationId xmlns:a16="http://schemas.microsoft.com/office/drawing/2014/main" id="{FD7C7436-BFA7-ABD5-31B4-57CF27D7E596}"/>
+              </a:ext>
+            </a:extLst>
+          </p:cNvPr>
+          <p:cNvSpPr/>
+          <p:nvPr/>
+        </p:nvSpPr>
+        <p:spPr>
+          <a:xfrm>
+            <a:off x="6571768" y="1428341"/>
+            <a:ext cx="322524" cy="369332"/>
+          </a:xfrm>
+          <a:prstGeom prst="rect">
+            <a:avLst/>
+          </a:prstGeom>
+        </p:spPr>
+        <p:txBody>
+          <a:bodyPr wrap="none">
+            <a:spAutoFit/>
+          </a:bodyPr>
+          <a:lstStyle/>
+          <a:p>
+            <a:r>
+              <a:rPr lang="en" altLang="ko-Kore-KR" dirty="0">
+                <a:solidFill>
+                  <a:srgbClr val="001080"/>
+                </a:solidFill>
+                <a:latin typeface="DM Mono" panose="020B0509040201040103" pitchFamily="49" charset="0"/>
+              </a:rPr>
+              <a:t>b</a:t>
+            </a:r>
+            <a:endParaRPr lang="ko-Kore-KR" altLang="en-US" dirty="0"/>
+          </a:p>
+        </p:txBody>
+      </p:sp>
+      <p:sp>
+        <p:nvSpPr>
+          <p:cNvPr id="21" name="직사각형 20">
+            <a:extLst>
+              <a:ext uri="{FF2B5EF4-FFF2-40B4-BE49-F238E27FC236}">
+                <a16:creationId xmlns:a16="http://schemas.microsoft.com/office/drawing/2014/main" id="{859EF8BE-0AE5-C9A5-A1ED-F8293E7E8CE6}"/>
+              </a:ext>
+            </a:extLst>
+          </p:cNvPr>
+          <p:cNvSpPr/>
+          <p:nvPr/>
+        </p:nvSpPr>
+        <p:spPr>
+          <a:xfrm>
+            <a:off x="5332764" y="3065395"/>
+            <a:ext cx="458780" cy="307777"/>
+          </a:xfrm>
+          <a:prstGeom prst="rect">
+            <a:avLst/>
+          </a:prstGeom>
+        </p:spPr>
+        <p:txBody>
+          <a:bodyPr wrap="none">
+            <a:spAutoFit/>
+          </a:bodyPr>
+          <a:lstStyle/>
+          <a:p>
+            <a:r>
+              <a:rPr kumimoji="1" lang="en-US" altLang="ko-Kore-KR" sz="1400" dirty="0"/>
+              <a:t>100</a:t>
+            </a:r>
+            <a:endParaRPr lang="ko-Kore-KR" altLang="en-US" sz="1400" dirty="0"/>
+          </a:p>
+        </p:txBody>
+      </p:sp>
+      <p:sp>
+        <p:nvSpPr>
+          <p:cNvPr id="22" name="직사각형 21">
+            <a:extLst>
+              <a:ext uri="{FF2B5EF4-FFF2-40B4-BE49-F238E27FC236}">
+                <a16:creationId xmlns:a16="http://schemas.microsoft.com/office/drawing/2014/main" id="{1D7D3951-6DCF-8BDB-5EF0-64DF5219682E}"/>
+              </a:ext>
+            </a:extLst>
+          </p:cNvPr>
+          <p:cNvSpPr/>
+          <p:nvPr/>
+        </p:nvSpPr>
+        <p:spPr>
+          <a:xfrm>
+            <a:off x="6765183" y="3060253"/>
+            <a:ext cx="458780" cy="307777"/>
+          </a:xfrm>
+          <a:prstGeom prst="rect">
+            <a:avLst/>
+          </a:prstGeom>
+        </p:spPr>
+        <p:txBody>
+          <a:bodyPr wrap="none">
+            <a:spAutoFit/>
+          </a:bodyPr>
+          <a:lstStyle/>
+          <a:p>
+            <a:r>
+              <a:rPr kumimoji="1" lang="en-US" altLang="ko-Kore-KR" sz="1400" dirty="0"/>
+              <a:t>200</a:t>
+            </a:r>
+            <a:endParaRPr lang="ko-Kore-KR" altLang="en-US" sz="1400" dirty="0"/>
+          </a:p>
+        </p:txBody>
+      </p:sp>
+      <p:sp>
+        <p:nvSpPr>
+          <p:cNvPr id="23" name="직사각형 22">
+            <a:extLst>
+              <a:ext uri="{FF2B5EF4-FFF2-40B4-BE49-F238E27FC236}">
+                <a16:creationId xmlns:a16="http://schemas.microsoft.com/office/drawing/2014/main" id="{DAE56E35-FE9C-60A1-E911-1DB6872D4F01}"/>
+              </a:ext>
+            </a:extLst>
+          </p:cNvPr>
+          <p:cNvSpPr/>
+          <p:nvPr/>
+        </p:nvSpPr>
+        <p:spPr>
+          <a:xfrm>
+            <a:off x="8626659" y="1198819"/>
+            <a:ext cx="3234906" cy="2706432"/>
+          </a:xfrm>
+          <a:prstGeom prst="rect">
+            <a:avLst/>
+          </a:prstGeom>
+          <a:noFill/>
+        </p:spPr>
+        <p:style>
+          <a:lnRef idx="2">
+            <a:schemeClr val="accent4"/>
+          </a:lnRef>
+          <a:fillRef idx="1">
+            <a:schemeClr val="lt1"/>
+          </a:fillRef>
+          <a:effectRef idx="0">
+            <a:schemeClr val="accent4"/>
+          </a:effectRef>
+          <a:fontRef idx="minor">
+            <a:schemeClr val="dk1"/>
+          </a:fontRef>
+        </p:style>
+        <p:txBody>
+          <a:bodyPr rtlCol="0" anchor="ctr"/>
+          <a:lstStyle/>
+          <a:p>
+            <a:pPr algn="ctr"/>
+            <a:endParaRPr kumimoji="1" lang="ko-Kore-KR" altLang="en-US" sz="1400" dirty="0">
+              <a:solidFill>
+                <a:schemeClr val="tx1"/>
+              </a:solidFill>
+            </a:endParaRPr>
+          </a:p>
+        </p:txBody>
+      </p:sp>
+      <p:sp>
+        <p:nvSpPr>
+          <p:cNvPr id="24" name="직사각형 23">
+            <a:extLst>
+              <a:ext uri="{FF2B5EF4-FFF2-40B4-BE49-F238E27FC236}">
+                <a16:creationId xmlns:a16="http://schemas.microsoft.com/office/drawing/2014/main" id="{F8DCD142-71FB-C450-1356-997CF027FF15}"/>
+              </a:ext>
+            </a:extLst>
+          </p:cNvPr>
+          <p:cNvSpPr/>
+          <p:nvPr/>
+        </p:nvSpPr>
+        <p:spPr>
+          <a:xfrm>
+            <a:off x="9847488" y="809072"/>
+            <a:ext cx="873957" cy="369332"/>
+          </a:xfrm>
+          <a:prstGeom prst="rect">
+            <a:avLst/>
+          </a:prstGeom>
+        </p:spPr>
+        <p:txBody>
+          <a:bodyPr wrap="none">
+            <a:spAutoFit/>
+          </a:bodyPr>
+          <a:lstStyle/>
+          <a:p>
+            <a:r>
+              <a:rPr lang="en" altLang="ko-Kore-KR" dirty="0" err="1">
+                <a:solidFill>
+                  <a:srgbClr val="795E26"/>
+                </a:solidFill>
+                <a:latin typeface="DM Mono" panose="020B0509040201040103" pitchFamily="49" charset="0"/>
+              </a:rPr>
+              <a:t>pswap</a:t>
+            </a:r>
+            <a:endParaRPr lang="ko-Kore-KR" altLang="en-US" dirty="0"/>
+          </a:p>
+        </p:txBody>
+      </p:sp>
+      <p:sp>
+        <p:nvSpPr>
+          <p:cNvPr id="25" name="직사각형 24">
+            <a:extLst>
+              <a:ext uri="{FF2B5EF4-FFF2-40B4-BE49-F238E27FC236}">
+                <a16:creationId xmlns:a16="http://schemas.microsoft.com/office/drawing/2014/main" id="{A6F275CC-D929-5F07-E787-C633ADC89A93}"/>
+              </a:ext>
+            </a:extLst>
+          </p:cNvPr>
+          <p:cNvSpPr/>
+          <p:nvPr/>
+        </p:nvSpPr>
+        <p:spPr>
+          <a:xfrm>
+            <a:off x="9110607" y="1402786"/>
+            <a:ext cx="539902" cy="420443"/>
+          </a:xfrm>
+          <a:prstGeom prst="rect">
+            <a:avLst/>
+          </a:prstGeom>
+          <a:solidFill>
+            <a:srgbClr val="FFFF00"/>
+          </a:solidFill>
+        </p:spPr>
+        <p:style>
+          <a:lnRef idx="2">
+            <a:schemeClr val="accent1">
+              <a:shade val="50000"/>
+            </a:schemeClr>
+          </a:lnRef>
+          <a:fillRef idx="1">
+            <a:schemeClr val="accent1"/>
+          </a:fillRef>
+          <a:effectRef idx="0">
+            <a:schemeClr val="accent1"/>
+          </a:effectRef>
+          <a:fontRef idx="minor">
+            <a:schemeClr val="lt1"/>
+          </a:fontRef>
+        </p:style>
+        <p:txBody>
+          <a:bodyPr rtlCol="0" anchor="ctr"/>
+          <a:lstStyle/>
+          <a:p>
+            <a:pPr algn="ctr"/>
+            <a:r>
+              <a:rPr kumimoji="1" lang="en-US" altLang="ko-Kore-KR" sz="1400" dirty="0">
+                <a:solidFill>
+                  <a:schemeClr val="tx1"/>
+                </a:solidFill>
+              </a:rPr>
+              <a:t>100</a:t>
+            </a:r>
+            <a:endParaRPr kumimoji="1" lang="ko-Kore-KR" altLang="en-US" sz="1400" dirty="0">
+              <a:solidFill>
+                <a:schemeClr val="tx1"/>
+              </a:solidFill>
+            </a:endParaRPr>
+          </a:p>
+        </p:txBody>
+      </p:sp>
+      <p:sp>
+        <p:nvSpPr>
+          <p:cNvPr id="26" name="직사각형 25">
+            <a:extLst>
+              <a:ext uri="{FF2B5EF4-FFF2-40B4-BE49-F238E27FC236}">
+                <a16:creationId xmlns:a16="http://schemas.microsoft.com/office/drawing/2014/main" id="{5D5D6E02-BE2D-3B20-C01F-EBC5E585C694}"/>
+              </a:ext>
+            </a:extLst>
+          </p:cNvPr>
+          <p:cNvSpPr/>
+          <p:nvPr/>
+        </p:nvSpPr>
+        <p:spPr>
+          <a:xfrm>
+            <a:off x="8599371" y="1423120"/>
+            <a:ext cx="598241" cy="369332"/>
+          </a:xfrm>
+          <a:prstGeom prst="rect">
+            <a:avLst/>
+          </a:prstGeom>
+        </p:spPr>
+        <p:txBody>
+          <a:bodyPr wrap="none">
+            <a:spAutoFit/>
+          </a:bodyPr>
+          <a:lstStyle/>
+          <a:p>
+            <a:r>
+              <a:rPr lang="en" altLang="ko-Kore-KR" dirty="0" err="1">
+                <a:solidFill>
+                  <a:srgbClr val="001080"/>
+                </a:solidFill>
+                <a:latin typeface="DM Mono" panose="020B0509040201040103" pitchFamily="49" charset="0"/>
+              </a:rPr>
+              <a:t>ppa</a:t>
+            </a:r>
+            <a:endParaRPr lang="ko-Kore-KR" altLang="en-US" dirty="0"/>
+          </a:p>
+        </p:txBody>
+      </p:sp>
+      <p:sp>
+        <p:nvSpPr>
+          <p:cNvPr id="30" name="직사각형 29">
+            <a:extLst>
+              <a:ext uri="{FF2B5EF4-FFF2-40B4-BE49-F238E27FC236}">
+                <a16:creationId xmlns:a16="http://schemas.microsoft.com/office/drawing/2014/main" id="{F7688AC8-0C04-5190-A898-85BBE7C07E38}"/>
+              </a:ext>
+            </a:extLst>
+          </p:cNvPr>
+          <p:cNvSpPr/>
+          <p:nvPr/>
+        </p:nvSpPr>
+        <p:spPr>
+          <a:xfrm>
+            <a:off x="10505806" y="1377230"/>
+            <a:ext cx="539902" cy="420443"/>
+          </a:xfrm>
+          <a:prstGeom prst="rect">
+            <a:avLst/>
+          </a:prstGeom>
+          <a:solidFill>
+            <a:srgbClr val="FFFF00"/>
+          </a:solidFill>
+        </p:spPr>
+        <p:style>
+          <a:lnRef idx="2">
+            <a:schemeClr val="accent1">
+              <a:shade val="50000"/>
+            </a:schemeClr>
+          </a:lnRef>
+          <a:fillRef idx="1">
+            <a:schemeClr val="accent1"/>
+          </a:fillRef>
+          <a:effectRef idx="0">
+            <a:schemeClr val="accent1"/>
+          </a:effectRef>
+          <a:fontRef idx="minor">
+            <a:schemeClr val="lt1"/>
+          </a:fontRef>
+        </p:style>
+        <p:txBody>
+          <a:bodyPr rtlCol="0" anchor="ctr"/>
+          <a:lstStyle/>
+          <a:p>
+            <a:pPr algn="ctr"/>
+            <a:r>
+              <a:rPr kumimoji="1" lang="en-US" altLang="ko-Kore-KR" sz="1400" dirty="0">
+                <a:solidFill>
+                  <a:schemeClr val="tx1"/>
+                </a:solidFill>
+              </a:rPr>
+              <a:t>200</a:t>
+            </a:r>
+            <a:endParaRPr kumimoji="1" lang="ko-Kore-KR" altLang="en-US" sz="1400" dirty="0">
+              <a:solidFill>
+                <a:schemeClr val="tx1"/>
+              </a:solidFill>
+            </a:endParaRPr>
+          </a:p>
+        </p:txBody>
+      </p:sp>
+      <p:sp>
+        <p:nvSpPr>
+          <p:cNvPr id="34" name="직사각형 33">
+            <a:extLst>
+              <a:ext uri="{FF2B5EF4-FFF2-40B4-BE49-F238E27FC236}">
+                <a16:creationId xmlns:a16="http://schemas.microsoft.com/office/drawing/2014/main" id="{A22E5013-8253-893D-E5A5-CFBF0F23283F}"/>
+              </a:ext>
+            </a:extLst>
+          </p:cNvPr>
+          <p:cNvSpPr/>
+          <p:nvPr/>
+        </p:nvSpPr>
+        <p:spPr>
+          <a:xfrm>
+            <a:off x="10000463" y="1430155"/>
+            <a:ext cx="598241" cy="369332"/>
+          </a:xfrm>
+          <a:prstGeom prst="rect">
+            <a:avLst/>
+          </a:prstGeom>
+        </p:spPr>
+        <p:txBody>
+          <a:bodyPr wrap="none">
+            <a:spAutoFit/>
+          </a:bodyPr>
+          <a:lstStyle/>
+          <a:p>
+            <a:r>
+              <a:rPr lang="en" altLang="ko-Kore-KR" dirty="0">
+                <a:solidFill>
+                  <a:srgbClr val="001080"/>
+                </a:solidFill>
+                <a:latin typeface="DM Mono" panose="020B0509040201040103" pitchFamily="49" charset="0"/>
+              </a:rPr>
+              <a:t>ppb</a:t>
+            </a:r>
+            <a:endParaRPr lang="ko-Kore-KR" altLang="en-US" dirty="0"/>
+          </a:p>
+        </p:txBody>
+      </p:sp>
+      <p:cxnSp>
+        <p:nvCxnSpPr>
+          <p:cNvPr id="37" name="구부러진 연결선[U] 36">
+            <a:extLst>
+              <a:ext uri="{FF2B5EF4-FFF2-40B4-BE49-F238E27FC236}">
+                <a16:creationId xmlns:a16="http://schemas.microsoft.com/office/drawing/2014/main" id="{F3FB8F44-82F0-B9B0-0B25-21FE01C3716C}"/>
+              </a:ext>
+            </a:extLst>
+          </p:cNvPr>
+          <p:cNvCxnSpPr>
+            <a:cxnSpLocks/>
+            <a:stCxn id="25" idx="2"/>
+            <a:endCxn id="10" idx="0"/>
+          </p:cNvCxnSpPr>
+          <p:nvPr/>
+        </p:nvCxnSpPr>
+        <p:spPr>
+          <a:xfrm rot="5400000">
+            <a:off x="7201303" y="491252"/>
+            <a:ext cx="847279" cy="3511233"/>
+          </a:xfrm>
+          <a:prstGeom prst="curvedConnector3">
+            <a:avLst>
+              <a:gd name="adj1" fmla="val 50000"/>
+            </a:avLst>
+          </a:prstGeom>
+          <a:ln>
+            <a:tailEnd type="triangle"/>
+          </a:ln>
+        </p:spPr>
+        <p:style>
+          <a:lnRef idx="1">
+            <a:schemeClr val="accent1"/>
+          </a:lnRef>
+          <a:fillRef idx="0">
+            <a:schemeClr val="accent1"/>
+          </a:fillRef>
+          <a:effectRef idx="0">
+            <a:schemeClr val="accent1"/>
+          </a:effectRef>
+          <a:fontRef idx="minor">
+            <a:schemeClr val="tx1"/>
+          </a:fontRef>
+        </p:style>
+      </p:cxnSp>
+      <p:cxnSp>
+        <p:nvCxnSpPr>
+          <p:cNvPr id="40" name="구부러진 연결선[U] 39">
+            <a:extLst>
+              <a:ext uri="{FF2B5EF4-FFF2-40B4-BE49-F238E27FC236}">
+                <a16:creationId xmlns:a16="http://schemas.microsoft.com/office/drawing/2014/main" id="{7640F7CF-E3DA-43D2-5AEF-372779C904DE}"/>
+              </a:ext>
+            </a:extLst>
+          </p:cNvPr>
+          <p:cNvCxnSpPr>
+            <a:cxnSpLocks/>
+            <a:stCxn id="30" idx="2"/>
+            <a:endCxn id="17" idx="0"/>
+          </p:cNvCxnSpPr>
+          <p:nvPr/>
+        </p:nvCxnSpPr>
+        <p:spPr>
+          <a:xfrm rot="5400000">
+            <a:off x="8596502" y="465696"/>
+            <a:ext cx="847279" cy="3511233"/>
+          </a:xfrm>
+          <a:prstGeom prst="curvedConnector3">
+            <a:avLst>
+              <a:gd name="adj1" fmla="val 50000"/>
+            </a:avLst>
+          </a:prstGeom>
+          <a:ln>
+            <a:tailEnd type="triangle"/>
+          </a:ln>
+        </p:spPr>
+        <p:style>
+          <a:lnRef idx="1">
+            <a:schemeClr val="accent1"/>
+          </a:lnRef>
+          <a:fillRef idx="0">
+            <a:schemeClr val="accent1"/>
+          </a:fillRef>
+          <a:effectRef idx="0">
+            <a:schemeClr val="accent1"/>
+          </a:effectRef>
+          <a:fontRef idx="minor">
+            <a:schemeClr val="tx1"/>
+          </a:fontRef>
+        </p:style>
+      </p:cxnSp>
+      <p:sp>
+        <p:nvSpPr>
+          <p:cNvPr id="43" name="직사각형 42">
+            <a:extLst>
+              <a:ext uri="{FF2B5EF4-FFF2-40B4-BE49-F238E27FC236}">
+                <a16:creationId xmlns:a16="http://schemas.microsoft.com/office/drawing/2014/main" id="{4DAC7A26-71D7-52A2-DD70-289500941B3F}"/>
+              </a:ext>
+            </a:extLst>
+          </p:cNvPr>
+          <p:cNvSpPr/>
+          <p:nvPr/>
+        </p:nvSpPr>
+        <p:spPr>
+          <a:xfrm>
+            <a:off x="9460561" y="3003919"/>
+            <a:ext cx="539902" cy="420443"/>
+          </a:xfrm>
+          <a:prstGeom prst="rect">
+            <a:avLst/>
+          </a:prstGeom>
+          <a:solidFill>
+            <a:srgbClr val="FFFF00"/>
+          </a:solidFill>
+        </p:spPr>
+        <p:style>
+          <a:lnRef idx="2">
+            <a:schemeClr val="accent1">
+              <a:shade val="50000"/>
+            </a:schemeClr>
+          </a:lnRef>
+          <a:fillRef idx="1">
+            <a:schemeClr val="accent1"/>
+          </a:fillRef>
+          <a:effectRef idx="0">
+            <a:schemeClr val="accent1"/>
+          </a:effectRef>
+          <a:fontRef idx="minor">
+            <a:schemeClr val="lt1"/>
+          </a:fontRef>
+        </p:style>
+        <p:txBody>
+          <a:bodyPr rtlCol="0" anchor="ctr"/>
+          <a:lstStyle/>
+          <a:p>
+            <a:pPr algn="ctr"/>
+            <a:r>
+              <a:rPr kumimoji="1" lang="en-US" altLang="ko-Kore-KR" sz="1400" dirty="0">
+                <a:solidFill>
+                  <a:schemeClr val="tx1"/>
+                </a:solidFill>
+              </a:rPr>
+              <a:t>300</a:t>
+            </a:r>
+            <a:endParaRPr kumimoji="1" lang="ko-Kore-KR" altLang="en-US" sz="1400" dirty="0">
+              <a:solidFill>
+                <a:schemeClr val="tx1"/>
+              </a:solidFill>
+            </a:endParaRPr>
+          </a:p>
+        </p:txBody>
+      </p:sp>
+      <p:sp>
+        <p:nvSpPr>
+          <p:cNvPr id="44" name="직사각형 43">
+            <a:extLst>
+              <a:ext uri="{FF2B5EF4-FFF2-40B4-BE49-F238E27FC236}">
+                <a16:creationId xmlns:a16="http://schemas.microsoft.com/office/drawing/2014/main" id="{0BAF0711-A2E0-0460-086D-D6C9C2561C3D}"/>
+              </a:ext>
+            </a:extLst>
+          </p:cNvPr>
+          <p:cNvSpPr/>
+          <p:nvPr/>
+        </p:nvSpPr>
+        <p:spPr>
+          <a:xfrm>
+            <a:off x="8799374" y="3032804"/>
+            <a:ext cx="736099" cy="369332"/>
+          </a:xfrm>
+          <a:prstGeom prst="rect">
+            <a:avLst/>
+          </a:prstGeom>
+        </p:spPr>
+        <p:txBody>
+          <a:bodyPr wrap="none">
+            <a:spAutoFit/>
+          </a:bodyPr>
+          <a:lstStyle/>
+          <a:p>
+            <a:r>
+              <a:rPr lang="en" altLang="ko-Kore-KR" dirty="0">
+                <a:solidFill>
+                  <a:srgbClr val="001080"/>
+                </a:solidFill>
+                <a:latin typeface="DM Mono" panose="020B0509040201040103" pitchFamily="49" charset="0"/>
+              </a:rPr>
+              <a:t>temp</a:t>
+            </a:r>
+            <a:endParaRPr lang="ko-Kore-KR" altLang="en-US" dirty="0"/>
+          </a:p>
+        </p:txBody>
+      </p:sp>
+      <p:sp>
+        <p:nvSpPr>
+          <p:cNvPr id="45" name="직사각형 44">
+            <a:extLst>
+              <a:ext uri="{FF2B5EF4-FFF2-40B4-BE49-F238E27FC236}">
+                <a16:creationId xmlns:a16="http://schemas.microsoft.com/office/drawing/2014/main" id="{2CCC84CD-6278-0421-F690-AB50C636B722}"/>
+              </a:ext>
+            </a:extLst>
+          </p:cNvPr>
+          <p:cNvSpPr/>
+          <p:nvPr/>
+        </p:nvSpPr>
+        <p:spPr>
+          <a:xfrm>
+            <a:off x="5233492" y="1818088"/>
+            <a:ext cx="458780" cy="307777"/>
+          </a:xfrm>
+          <a:prstGeom prst="rect">
+            <a:avLst/>
+          </a:prstGeom>
+        </p:spPr>
+        <p:txBody>
+          <a:bodyPr wrap="none">
+            <a:spAutoFit/>
+          </a:bodyPr>
+          <a:lstStyle/>
+          <a:p>
+            <a:r>
+              <a:rPr kumimoji="1" lang="en-US" altLang="ko-Kore-KR" sz="1400" dirty="0"/>
+              <a:t>300</a:t>
+            </a:r>
+            <a:endParaRPr lang="ko-Kore-KR" altLang="en-US" sz="1400" dirty="0"/>
+          </a:p>
+        </p:txBody>
+      </p:sp>
+      <p:sp>
+        <p:nvSpPr>
+          <p:cNvPr id="46" name="직사각형 45">
+            <a:extLst>
+              <a:ext uri="{FF2B5EF4-FFF2-40B4-BE49-F238E27FC236}">
+                <a16:creationId xmlns:a16="http://schemas.microsoft.com/office/drawing/2014/main" id="{1E1D7596-CBC8-B824-BA89-520C18855BCD}"/>
+              </a:ext>
+            </a:extLst>
+          </p:cNvPr>
+          <p:cNvSpPr/>
+          <p:nvPr/>
+        </p:nvSpPr>
+        <p:spPr>
+          <a:xfrm>
+            <a:off x="6642335" y="1788211"/>
+            <a:ext cx="458780" cy="307777"/>
+          </a:xfrm>
+          <a:prstGeom prst="rect">
+            <a:avLst/>
+          </a:prstGeom>
+        </p:spPr>
+        <p:txBody>
+          <a:bodyPr wrap="none">
+            <a:spAutoFit/>
+          </a:bodyPr>
+          <a:lstStyle/>
+          <a:p>
+            <a:r>
+              <a:rPr kumimoji="1" lang="en-US" altLang="ko-Kore-KR" sz="1400" dirty="0"/>
+              <a:t>400</a:t>
+            </a:r>
+            <a:endParaRPr lang="ko-Kore-KR" altLang="en-US" sz="1400" dirty="0"/>
+          </a:p>
+        </p:txBody>
+      </p:sp>
+    </p:spTree>
+    <p:extLst>
+      <p:ext uri="{BB962C8B-B14F-4D97-AF65-F5344CB8AC3E}">
+        <p14:creationId xmlns:p14="http://schemas.microsoft.com/office/powerpoint/2010/main" val="117683565"/>
+      </p:ext>
+    </p:extLst>
+  </p:cSld>
+  <p:clrMapOvr>
+    <a:masterClrMapping/>
+  </p:clrMapOvr>
+</p:sld>
+</file>
+
+<file path=ppt/slides/slide16.xml><?xml version="1.0" encoding="utf-8"?>
+<p:sld xmlns:a="http://schemas.openxmlformats.org/drawingml/2006/main" xmlns:r="http://schemas.openxmlformats.org/officeDocument/2006/relationships" xmlns:p="http://schemas.openxmlformats.org/presentationml/2006/main">
+  <p:cSld>
+    <p:spTree>
+      <p:nvGrpSpPr>
+        <p:cNvPr id="1" name=""/>
+        <p:cNvGrpSpPr/>
+        <p:nvPr/>
+      </p:nvGrpSpPr>
+      <p:grpSpPr>
+        <a:xfrm>
+          <a:off x="0" y="0"/>
+          <a:ext cx="0" cy="0"/>
+          <a:chOff x="0" y="0"/>
+          <a:chExt cx="0" cy="0"/>
+        </a:xfrm>
+      </p:grpSpPr>
+      <p:sp>
+        <p:nvSpPr>
+          <p:cNvPr id="4" name="직사각형 3">
+            <a:extLst>
+              <a:ext uri="{FF2B5EF4-FFF2-40B4-BE49-F238E27FC236}">
+                <a16:creationId xmlns:a16="http://schemas.microsoft.com/office/drawing/2014/main" id="{37FD3597-181C-176D-A317-40A0325F3754}"/>
+              </a:ext>
+            </a:extLst>
+          </p:cNvPr>
+          <p:cNvSpPr/>
+          <p:nvPr/>
+        </p:nvSpPr>
+        <p:spPr>
+          <a:xfrm>
+            <a:off x="438150" y="213569"/>
+            <a:ext cx="4838700" cy="5078313"/>
+          </a:xfrm>
+          <a:prstGeom prst="rect">
+            <a:avLst/>
+          </a:prstGeom>
+        </p:spPr>
+        <p:txBody>
+          <a:bodyPr wrap="square">
+            <a:spAutoFit/>
+          </a:bodyPr>
+          <a:lstStyle/>
+          <a:p>
+            <a:r>
+              <a:rPr lang="en" altLang="ko-Kore-KR" dirty="0">
+                <a:solidFill>
+                  <a:srgbClr val="0000FF"/>
+                </a:solidFill>
+                <a:latin typeface="DM Mono" panose="020B0509040201040103" pitchFamily="49" charset="0"/>
+              </a:rPr>
+              <a:t>void</a:t>
+            </a:r>
+            <a:r>
+              <a:rPr lang="en" altLang="ko-Kore-KR" dirty="0">
+                <a:solidFill>
+                  <a:srgbClr val="000000"/>
+                </a:solidFill>
+                <a:latin typeface="DM Mono" panose="020B0509040201040103" pitchFamily="49" charset="0"/>
+              </a:rPr>
+              <a:t> </a:t>
+            </a:r>
+            <a:r>
+              <a:rPr lang="en" altLang="ko-Kore-KR" dirty="0" err="1">
+                <a:solidFill>
+                  <a:srgbClr val="795E26"/>
+                </a:solidFill>
+                <a:latin typeface="DM Mono" panose="020B0509040201040103" pitchFamily="49" charset="0"/>
+              </a:rPr>
+              <a:t>pswap</a:t>
+            </a:r>
+            <a:r>
+              <a:rPr lang="en" altLang="ko-Kore-KR" dirty="0">
+                <a:solidFill>
+                  <a:srgbClr val="000000"/>
+                </a:solidFill>
+                <a:latin typeface="DM Mono" panose="020B0509040201040103" pitchFamily="49" charset="0"/>
+              </a:rPr>
+              <a:t>(</a:t>
+            </a:r>
+            <a:r>
+              <a:rPr lang="en" altLang="ko-Kore-KR" dirty="0">
+                <a:solidFill>
+                  <a:srgbClr val="0000FF"/>
+                </a:solidFill>
+                <a:latin typeface="DM Mono" panose="020B0509040201040103" pitchFamily="49" charset="0"/>
+              </a:rPr>
+              <a:t>int</a:t>
+            </a:r>
+            <a:r>
+              <a:rPr lang="en" altLang="ko-Kore-KR" dirty="0">
+                <a:solidFill>
+                  <a:srgbClr val="000000"/>
+                </a:solidFill>
+                <a:latin typeface="DM Mono" panose="020B0509040201040103" pitchFamily="49" charset="0"/>
+              </a:rPr>
+              <a:t>** </a:t>
+            </a:r>
+            <a:r>
+              <a:rPr lang="en" altLang="ko-Kore-KR" dirty="0" err="1">
+                <a:solidFill>
+                  <a:srgbClr val="001080"/>
+                </a:solidFill>
+                <a:latin typeface="DM Mono" panose="020B0509040201040103" pitchFamily="49" charset="0"/>
+              </a:rPr>
+              <a:t>ppa</a:t>
+            </a:r>
+            <a:r>
+              <a:rPr lang="en" altLang="ko-Kore-KR" dirty="0">
+                <a:solidFill>
+                  <a:srgbClr val="000000"/>
+                </a:solidFill>
+                <a:latin typeface="DM Mono" panose="020B0509040201040103" pitchFamily="49" charset="0"/>
+              </a:rPr>
+              <a:t>, </a:t>
+            </a:r>
+            <a:r>
+              <a:rPr lang="en" altLang="ko-Kore-KR" dirty="0">
+                <a:solidFill>
+                  <a:srgbClr val="0000FF"/>
+                </a:solidFill>
+                <a:latin typeface="DM Mono" panose="020B0509040201040103" pitchFamily="49" charset="0"/>
+              </a:rPr>
+              <a:t>int</a:t>
+            </a:r>
+            <a:r>
+              <a:rPr lang="en" altLang="ko-Kore-KR" dirty="0">
+                <a:solidFill>
+                  <a:srgbClr val="000000"/>
+                </a:solidFill>
+                <a:latin typeface="DM Mono" panose="020B0509040201040103" pitchFamily="49" charset="0"/>
+              </a:rPr>
+              <a:t>** </a:t>
+            </a:r>
+            <a:r>
+              <a:rPr lang="en" altLang="ko-Kore-KR" dirty="0">
+                <a:solidFill>
+                  <a:srgbClr val="001080"/>
+                </a:solidFill>
+                <a:latin typeface="DM Mono" panose="020B0509040201040103" pitchFamily="49" charset="0"/>
+              </a:rPr>
+              <a:t>ppb</a:t>
+            </a:r>
+            <a:r>
+              <a:rPr lang="en" altLang="ko-Kore-KR" dirty="0">
+                <a:solidFill>
+                  <a:srgbClr val="000000"/>
+                </a:solidFill>
+                <a:latin typeface="DM Mono" panose="020B0509040201040103" pitchFamily="49" charset="0"/>
+              </a:rPr>
+              <a:t>)</a:t>
+            </a:r>
+          </a:p>
+          <a:p>
+            <a:r>
+              <a:rPr lang="en" altLang="ko-Kore-KR" dirty="0">
+                <a:solidFill>
+                  <a:srgbClr val="000000"/>
+                </a:solidFill>
+                <a:latin typeface="DM Mono" panose="020B0509040201040103" pitchFamily="49" charset="0"/>
+              </a:rPr>
+              <a:t>{</a:t>
+            </a:r>
+          </a:p>
+          <a:p>
+            <a:r>
+              <a:rPr lang="en" altLang="ko-Kore-KR" dirty="0">
+                <a:solidFill>
+                  <a:srgbClr val="0000FF"/>
+                </a:solidFill>
+                <a:latin typeface="DM Mono" panose="020B0509040201040103" pitchFamily="49" charset="0"/>
+              </a:rPr>
+              <a:t>  int</a:t>
+            </a:r>
+            <a:r>
+              <a:rPr lang="en" altLang="ko-Kore-KR" dirty="0">
+                <a:solidFill>
+                  <a:srgbClr val="000000"/>
+                </a:solidFill>
+                <a:latin typeface="DM Mono" panose="020B0509040201040103" pitchFamily="49" charset="0"/>
+              </a:rPr>
+              <a:t>* </a:t>
+            </a:r>
+            <a:r>
+              <a:rPr lang="en" altLang="ko-Kore-KR" dirty="0">
+                <a:solidFill>
+                  <a:srgbClr val="001080"/>
+                </a:solidFill>
+                <a:latin typeface="DM Mono" panose="020B0509040201040103" pitchFamily="49" charset="0"/>
+              </a:rPr>
+              <a:t>temp</a:t>
+            </a:r>
+            <a:r>
+              <a:rPr lang="en" altLang="ko-Kore-KR" dirty="0">
+                <a:solidFill>
+                  <a:srgbClr val="000000"/>
+                </a:solidFill>
+                <a:latin typeface="DM Mono" panose="020B0509040201040103" pitchFamily="49" charset="0"/>
+              </a:rPr>
+              <a:t> = *</a:t>
+            </a:r>
+            <a:r>
+              <a:rPr lang="en" altLang="ko-Kore-KR" dirty="0" err="1">
+                <a:solidFill>
+                  <a:srgbClr val="001080"/>
+                </a:solidFill>
+                <a:latin typeface="DM Mono" panose="020B0509040201040103" pitchFamily="49" charset="0"/>
+              </a:rPr>
+              <a:t>ppa</a:t>
+            </a:r>
+            <a:r>
+              <a:rPr lang="en" altLang="ko-Kore-KR" dirty="0">
+                <a:solidFill>
+                  <a:srgbClr val="000000"/>
+                </a:solidFill>
+                <a:latin typeface="DM Mono" panose="020B0509040201040103" pitchFamily="49" charset="0"/>
+              </a:rPr>
+              <a:t>;</a:t>
+            </a:r>
+          </a:p>
+          <a:p>
+            <a:r>
+              <a:rPr lang="en" altLang="ko-Kore-KR" dirty="0">
+                <a:solidFill>
+                  <a:srgbClr val="000000"/>
+                </a:solidFill>
+                <a:latin typeface="DM Mono" panose="020B0509040201040103" pitchFamily="49" charset="0"/>
+              </a:rPr>
+              <a:t>  *</a:t>
+            </a:r>
+            <a:r>
+              <a:rPr lang="en" altLang="ko-Kore-KR" dirty="0" err="1">
+                <a:solidFill>
+                  <a:srgbClr val="001080"/>
+                </a:solidFill>
+                <a:latin typeface="DM Mono" panose="020B0509040201040103" pitchFamily="49" charset="0"/>
+              </a:rPr>
+              <a:t>ppa</a:t>
+            </a:r>
+            <a:r>
+              <a:rPr lang="en" altLang="ko-Kore-KR" dirty="0">
+                <a:solidFill>
+                  <a:srgbClr val="000000"/>
+                </a:solidFill>
+                <a:latin typeface="DM Mono" panose="020B0509040201040103" pitchFamily="49" charset="0"/>
+              </a:rPr>
+              <a:t> = *</a:t>
+            </a:r>
+            <a:r>
+              <a:rPr lang="en" altLang="ko-Kore-KR" dirty="0">
+                <a:solidFill>
+                  <a:srgbClr val="001080"/>
+                </a:solidFill>
+                <a:latin typeface="DM Mono" panose="020B0509040201040103" pitchFamily="49" charset="0"/>
+              </a:rPr>
+              <a:t>ppb</a:t>
+            </a:r>
+            <a:r>
+              <a:rPr lang="en" altLang="ko-Kore-KR" dirty="0">
+                <a:solidFill>
+                  <a:srgbClr val="000000"/>
+                </a:solidFill>
+                <a:latin typeface="DM Mono" panose="020B0509040201040103" pitchFamily="49" charset="0"/>
+              </a:rPr>
+              <a:t>;</a:t>
+            </a:r>
+          </a:p>
+          <a:p>
+            <a:r>
+              <a:rPr lang="en" altLang="ko-Kore-KR" dirty="0">
+                <a:solidFill>
+                  <a:srgbClr val="000000"/>
+                </a:solidFill>
+                <a:latin typeface="DM Mono" panose="020B0509040201040103" pitchFamily="49" charset="0"/>
+              </a:rPr>
+              <a:t>  *</a:t>
+            </a:r>
+            <a:r>
+              <a:rPr lang="en" altLang="ko-Kore-KR" dirty="0">
+                <a:solidFill>
+                  <a:srgbClr val="001080"/>
+                </a:solidFill>
+                <a:latin typeface="DM Mono" panose="020B0509040201040103" pitchFamily="49" charset="0"/>
+              </a:rPr>
+              <a:t>ppb</a:t>
+            </a:r>
+            <a:r>
+              <a:rPr lang="en" altLang="ko-Kore-KR" dirty="0">
+                <a:solidFill>
+                  <a:srgbClr val="000000"/>
+                </a:solidFill>
+                <a:latin typeface="DM Mono" panose="020B0509040201040103" pitchFamily="49" charset="0"/>
+              </a:rPr>
+              <a:t> = </a:t>
+            </a:r>
+            <a:r>
+              <a:rPr lang="en" altLang="ko-Kore-KR" dirty="0">
+                <a:solidFill>
+                  <a:srgbClr val="001080"/>
+                </a:solidFill>
+                <a:latin typeface="DM Mono" panose="020B0509040201040103" pitchFamily="49" charset="0"/>
+              </a:rPr>
+              <a:t>temp</a:t>
+            </a:r>
+            <a:r>
+              <a:rPr lang="en" altLang="ko-Kore-KR" dirty="0">
+                <a:solidFill>
+                  <a:srgbClr val="000000"/>
+                </a:solidFill>
+                <a:latin typeface="DM Mono" panose="020B0509040201040103" pitchFamily="49" charset="0"/>
+              </a:rPr>
+              <a:t>;</a:t>
+            </a:r>
+          </a:p>
+          <a:p>
+            <a:r>
+              <a:rPr lang="en" altLang="ko-Kore-KR" dirty="0">
+                <a:solidFill>
+                  <a:srgbClr val="000000"/>
+                </a:solidFill>
+                <a:latin typeface="DM Mono" panose="020B0509040201040103" pitchFamily="49" charset="0"/>
+              </a:rPr>
+              <a:t>}</a:t>
+            </a:r>
+          </a:p>
+          <a:p>
+            <a:br>
+              <a:rPr lang="en" altLang="ko-Kore-KR" dirty="0">
+                <a:solidFill>
+                  <a:srgbClr val="000000"/>
+                </a:solidFill>
+                <a:latin typeface="DM Mono" panose="020B0509040201040103" pitchFamily="49" charset="0"/>
+              </a:rPr>
+            </a:br>
+            <a:r>
+              <a:rPr lang="en" altLang="ko-Kore-KR" dirty="0">
+                <a:solidFill>
+                  <a:srgbClr val="0000FF"/>
+                </a:solidFill>
+                <a:latin typeface="DM Mono" panose="020B0509040201040103" pitchFamily="49" charset="0"/>
+              </a:rPr>
+              <a:t>int</a:t>
+            </a:r>
+            <a:r>
+              <a:rPr lang="en" altLang="ko-Kore-KR" dirty="0">
+                <a:solidFill>
+                  <a:srgbClr val="000000"/>
+                </a:solidFill>
+                <a:latin typeface="DM Mono" panose="020B0509040201040103" pitchFamily="49" charset="0"/>
+              </a:rPr>
+              <a:t> </a:t>
+            </a:r>
+            <a:r>
+              <a:rPr lang="en" altLang="ko-Kore-KR" dirty="0">
+                <a:solidFill>
+                  <a:srgbClr val="795E26"/>
+                </a:solidFill>
+                <a:latin typeface="DM Mono" panose="020B0509040201040103" pitchFamily="49" charset="0"/>
+              </a:rPr>
+              <a:t>main</a:t>
+            </a:r>
+            <a:r>
+              <a:rPr lang="en" altLang="ko-Kore-KR" dirty="0">
+                <a:solidFill>
+                  <a:srgbClr val="000000"/>
+                </a:solidFill>
+                <a:latin typeface="DM Mono" panose="020B0509040201040103" pitchFamily="49" charset="0"/>
+              </a:rPr>
+              <a:t>(</a:t>
+            </a:r>
+            <a:r>
+              <a:rPr lang="en" altLang="ko-Kore-KR" dirty="0">
+                <a:solidFill>
+                  <a:srgbClr val="0000FF"/>
+                </a:solidFill>
+                <a:latin typeface="DM Mono" panose="020B0509040201040103" pitchFamily="49" charset="0"/>
+              </a:rPr>
+              <a:t>void</a:t>
+            </a:r>
+            <a:r>
+              <a:rPr lang="en" altLang="ko-Kore-KR" dirty="0">
+                <a:solidFill>
+                  <a:srgbClr val="000000"/>
+                </a:solidFill>
+                <a:latin typeface="DM Mono" panose="020B0509040201040103" pitchFamily="49" charset="0"/>
+              </a:rPr>
+              <a:t>)</a:t>
+            </a:r>
+          </a:p>
+          <a:p>
+            <a:r>
+              <a:rPr lang="en" altLang="ko-Kore-KR" dirty="0">
+                <a:solidFill>
+                  <a:srgbClr val="000000"/>
+                </a:solidFill>
+                <a:latin typeface="DM Mono" panose="020B0509040201040103" pitchFamily="49" charset="0"/>
+              </a:rPr>
+              <a:t>{</a:t>
+            </a:r>
+          </a:p>
+          <a:p>
+            <a:r>
+              <a:rPr lang="en" altLang="ko-Kore-KR" dirty="0">
+                <a:solidFill>
+                  <a:srgbClr val="0000FF"/>
+                </a:solidFill>
+                <a:latin typeface="DM Mono" panose="020B0509040201040103" pitchFamily="49" charset="0"/>
+              </a:rPr>
+              <a:t>  int</a:t>
+            </a:r>
+            <a:r>
+              <a:rPr lang="en" altLang="ko-Kore-KR" dirty="0">
+                <a:solidFill>
+                  <a:srgbClr val="000000"/>
+                </a:solidFill>
+                <a:latin typeface="DM Mono" panose="020B0509040201040103" pitchFamily="49" charset="0"/>
+              </a:rPr>
+              <a:t> </a:t>
+            </a:r>
+            <a:r>
+              <a:rPr lang="en" altLang="ko-Kore-KR" dirty="0">
+                <a:solidFill>
+                  <a:srgbClr val="001080"/>
+                </a:solidFill>
+                <a:latin typeface="DM Mono" panose="020B0509040201040103" pitchFamily="49" charset="0"/>
+              </a:rPr>
+              <a:t>a</a:t>
+            </a:r>
+            <a:r>
+              <a:rPr lang="en" altLang="ko-Kore-KR" dirty="0">
+                <a:solidFill>
+                  <a:srgbClr val="000000"/>
+                </a:solidFill>
+                <a:latin typeface="DM Mono" panose="020B0509040201040103" pitchFamily="49" charset="0"/>
+              </a:rPr>
+              <a:t> = </a:t>
+            </a:r>
+            <a:r>
+              <a:rPr lang="en" altLang="ko-Kore-KR" dirty="0">
+                <a:solidFill>
+                  <a:srgbClr val="098658"/>
+                </a:solidFill>
+                <a:latin typeface="DM Mono" panose="020B0509040201040103" pitchFamily="49" charset="0"/>
+              </a:rPr>
+              <a:t>10</a:t>
+            </a:r>
+            <a:r>
+              <a:rPr lang="en" altLang="ko-Kore-KR" dirty="0">
+                <a:solidFill>
+                  <a:srgbClr val="000000"/>
+                </a:solidFill>
+                <a:latin typeface="DM Mono" panose="020B0509040201040103" pitchFamily="49" charset="0"/>
+              </a:rPr>
+              <a:t>;</a:t>
+            </a:r>
+          </a:p>
+          <a:p>
+            <a:r>
+              <a:rPr lang="en" altLang="ko-Kore-KR" dirty="0">
+                <a:solidFill>
+                  <a:srgbClr val="0000FF"/>
+                </a:solidFill>
+                <a:latin typeface="DM Mono" panose="020B0509040201040103" pitchFamily="49" charset="0"/>
+              </a:rPr>
+              <a:t>  int</a:t>
+            </a:r>
+            <a:r>
+              <a:rPr lang="en" altLang="ko-Kore-KR" dirty="0">
+                <a:solidFill>
+                  <a:srgbClr val="000000"/>
+                </a:solidFill>
+                <a:latin typeface="DM Mono" panose="020B0509040201040103" pitchFamily="49" charset="0"/>
+              </a:rPr>
+              <a:t> </a:t>
+            </a:r>
+            <a:r>
+              <a:rPr lang="en" altLang="ko-Kore-KR" dirty="0">
+                <a:solidFill>
+                  <a:srgbClr val="001080"/>
+                </a:solidFill>
+                <a:latin typeface="DM Mono" panose="020B0509040201040103" pitchFamily="49" charset="0"/>
+              </a:rPr>
+              <a:t>b</a:t>
+            </a:r>
+            <a:r>
+              <a:rPr lang="en" altLang="ko-Kore-KR" dirty="0">
+                <a:solidFill>
+                  <a:srgbClr val="000000"/>
+                </a:solidFill>
+                <a:latin typeface="DM Mono" panose="020B0509040201040103" pitchFamily="49" charset="0"/>
+              </a:rPr>
+              <a:t> = </a:t>
+            </a:r>
+            <a:r>
+              <a:rPr lang="en" altLang="ko-Kore-KR" dirty="0">
+                <a:solidFill>
+                  <a:srgbClr val="098658"/>
+                </a:solidFill>
+                <a:latin typeface="DM Mono" panose="020B0509040201040103" pitchFamily="49" charset="0"/>
+              </a:rPr>
+              <a:t>20</a:t>
+            </a:r>
+            <a:r>
+              <a:rPr lang="en" altLang="ko-Kore-KR" dirty="0">
+                <a:solidFill>
+                  <a:srgbClr val="000000"/>
+                </a:solidFill>
+                <a:latin typeface="DM Mono" panose="020B0509040201040103" pitchFamily="49" charset="0"/>
+              </a:rPr>
+              <a:t>;</a:t>
+            </a:r>
+          </a:p>
+          <a:p>
+            <a:br>
+              <a:rPr lang="en" altLang="ko-Kore-KR" dirty="0">
+                <a:solidFill>
+                  <a:srgbClr val="000000"/>
+                </a:solidFill>
+                <a:latin typeface="DM Mono" panose="020B0509040201040103" pitchFamily="49" charset="0"/>
+              </a:rPr>
+            </a:br>
+            <a:r>
+              <a:rPr lang="en" altLang="ko-Kore-KR" dirty="0">
+                <a:solidFill>
+                  <a:srgbClr val="000000"/>
+                </a:solidFill>
+                <a:latin typeface="DM Mono" panose="020B0509040201040103" pitchFamily="49" charset="0"/>
+              </a:rPr>
+              <a:t>  </a:t>
+            </a:r>
+            <a:r>
+              <a:rPr lang="en" altLang="ko-Kore-KR" dirty="0">
+                <a:solidFill>
+                  <a:srgbClr val="0000FF"/>
+                </a:solidFill>
+                <a:latin typeface="DM Mono" panose="020B0509040201040103" pitchFamily="49" charset="0"/>
+              </a:rPr>
+              <a:t>int</a:t>
+            </a:r>
+            <a:r>
+              <a:rPr lang="en" altLang="ko-Kore-KR" dirty="0">
+                <a:solidFill>
+                  <a:srgbClr val="000000"/>
+                </a:solidFill>
+                <a:latin typeface="DM Mono" panose="020B0509040201040103" pitchFamily="49" charset="0"/>
+              </a:rPr>
+              <a:t>* </a:t>
+            </a:r>
+            <a:r>
+              <a:rPr lang="en" altLang="ko-Kore-KR" dirty="0">
+                <a:solidFill>
+                  <a:srgbClr val="001080"/>
+                </a:solidFill>
+                <a:latin typeface="DM Mono" panose="020B0509040201040103" pitchFamily="49" charset="0"/>
+              </a:rPr>
+              <a:t>pa</a:t>
+            </a:r>
+            <a:r>
+              <a:rPr lang="en" altLang="ko-Kore-KR" dirty="0">
+                <a:solidFill>
+                  <a:srgbClr val="000000"/>
+                </a:solidFill>
+                <a:latin typeface="DM Mono" panose="020B0509040201040103" pitchFamily="49" charset="0"/>
+              </a:rPr>
+              <a:t> = &amp;</a:t>
+            </a:r>
+            <a:r>
+              <a:rPr lang="en" altLang="ko-Kore-KR" dirty="0">
+                <a:solidFill>
+                  <a:srgbClr val="001080"/>
+                </a:solidFill>
+                <a:latin typeface="DM Mono" panose="020B0509040201040103" pitchFamily="49" charset="0"/>
+              </a:rPr>
+              <a:t>a</a:t>
+            </a:r>
+            <a:r>
+              <a:rPr lang="en" altLang="ko-Kore-KR" dirty="0">
+                <a:solidFill>
+                  <a:srgbClr val="000000"/>
+                </a:solidFill>
+                <a:latin typeface="DM Mono" panose="020B0509040201040103" pitchFamily="49" charset="0"/>
+              </a:rPr>
+              <a:t>;</a:t>
+            </a:r>
+          </a:p>
+          <a:p>
+            <a:r>
+              <a:rPr lang="en" altLang="ko-Kore-KR" dirty="0">
+                <a:solidFill>
+                  <a:srgbClr val="0000FF"/>
+                </a:solidFill>
+                <a:latin typeface="DM Mono" panose="020B0509040201040103" pitchFamily="49" charset="0"/>
+              </a:rPr>
+              <a:t>  int</a:t>
+            </a:r>
+            <a:r>
+              <a:rPr lang="en" altLang="ko-Kore-KR" dirty="0">
+                <a:solidFill>
+                  <a:srgbClr val="000000"/>
+                </a:solidFill>
+                <a:latin typeface="DM Mono" panose="020B0509040201040103" pitchFamily="49" charset="0"/>
+              </a:rPr>
+              <a:t>* </a:t>
+            </a:r>
+            <a:r>
+              <a:rPr lang="en" altLang="ko-Kore-KR" dirty="0">
+                <a:solidFill>
+                  <a:srgbClr val="001080"/>
+                </a:solidFill>
+                <a:latin typeface="DM Mono" panose="020B0509040201040103" pitchFamily="49" charset="0"/>
+              </a:rPr>
+              <a:t>pb</a:t>
+            </a:r>
+            <a:r>
+              <a:rPr lang="en" altLang="ko-Kore-KR" dirty="0">
+                <a:solidFill>
+                  <a:srgbClr val="000000"/>
+                </a:solidFill>
+                <a:latin typeface="DM Mono" panose="020B0509040201040103" pitchFamily="49" charset="0"/>
+              </a:rPr>
+              <a:t> = &amp;</a:t>
+            </a:r>
+            <a:r>
+              <a:rPr lang="en" altLang="ko-Kore-KR" dirty="0">
+                <a:solidFill>
+                  <a:srgbClr val="001080"/>
+                </a:solidFill>
+                <a:latin typeface="DM Mono" panose="020B0509040201040103" pitchFamily="49" charset="0"/>
+              </a:rPr>
+              <a:t>b</a:t>
+            </a:r>
+            <a:r>
+              <a:rPr lang="en" altLang="ko-Kore-KR" dirty="0">
+                <a:solidFill>
+                  <a:srgbClr val="000000"/>
+                </a:solidFill>
+                <a:latin typeface="DM Mono" panose="020B0509040201040103" pitchFamily="49" charset="0"/>
+              </a:rPr>
+              <a:t>;</a:t>
+            </a:r>
+          </a:p>
+          <a:p>
+            <a:r>
+              <a:rPr lang="en" altLang="ko-Kore-KR" dirty="0">
+                <a:solidFill>
+                  <a:srgbClr val="795E26"/>
+                </a:solidFill>
+                <a:latin typeface="DM Mono" panose="020B0509040201040103" pitchFamily="49" charset="0"/>
+              </a:rPr>
+              <a:t>  </a:t>
+            </a:r>
+            <a:r>
+              <a:rPr lang="en" altLang="ko-Kore-KR" dirty="0" err="1">
+                <a:solidFill>
+                  <a:srgbClr val="795E26"/>
+                </a:solidFill>
+                <a:latin typeface="DM Mono" panose="020B0509040201040103" pitchFamily="49" charset="0"/>
+              </a:rPr>
+              <a:t>pswap</a:t>
+            </a:r>
+            <a:r>
+              <a:rPr lang="en" altLang="ko-Kore-KR" dirty="0">
+                <a:solidFill>
+                  <a:srgbClr val="000000"/>
+                </a:solidFill>
+                <a:latin typeface="DM Mono" panose="020B0509040201040103" pitchFamily="49" charset="0"/>
+              </a:rPr>
+              <a:t>(&amp;</a:t>
+            </a:r>
+            <a:r>
+              <a:rPr lang="en" altLang="ko-Kore-KR" dirty="0">
+                <a:solidFill>
+                  <a:srgbClr val="001080"/>
+                </a:solidFill>
+                <a:latin typeface="DM Mono" panose="020B0509040201040103" pitchFamily="49" charset="0"/>
+              </a:rPr>
+              <a:t>pa</a:t>
+            </a:r>
+            <a:r>
+              <a:rPr lang="en" altLang="ko-Kore-KR" dirty="0">
+                <a:solidFill>
+                  <a:srgbClr val="000000"/>
+                </a:solidFill>
+                <a:latin typeface="DM Mono" panose="020B0509040201040103" pitchFamily="49" charset="0"/>
+              </a:rPr>
+              <a:t>, &amp;</a:t>
+            </a:r>
+            <a:r>
+              <a:rPr lang="en" altLang="ko-Kore-KR" dirty="0">
+                <a:solidFill>
+                  <a:srgbClr val="001080"/>
+                </a:solidFill>
+                <a:latin typeface="DM Mono" panose="020B0509040201040103" pitchFamily="49" charset="0"/>
+              </a:rPr>
+              <a:t>pb</a:t>
+            </a:r>
+            <a:r>
+              <a:rPr lang="en" altLang="ko-Kore-KR" dirty="0">
+                <a:solidFill>
+                  <a:srgbClr val="000000"/>
+                </a:solidFill>
+                <a:latin typeface="DM Mono" panose="020B0509040201040103" pitchFamily="49" charset="0"/>
+              </a:rPr>
+              <a:t>);</a:t>
+            </a:r>
+          </a:p>
+          <a:p>
+            <a:br>
+              <a:rPr lang="en" altLang="ko-Kore-KR" dirty="0">
+                <a:solidFill>
+                  <a:srgbClr val="000000"/>
+                </a:solidFill>
+                <a:latin typeface="DM Mono" panose="020B0509040201040103" pitchFamily="49" charset="0"/>
+              </a:rPr>
+            </a:br>
+            <a:r>
+              <a:rPr lang="en" altLang="ko-Kore-KR" dirty="0">
+                <a:solidFill>
+                  <a:srgbClr val="000000"/>
+                </a:solidFill>
+                <a:latin typeface="DM Mono" panose="020B0509040201040103" pitchFamily="49" charset="0"/>
+              </a:rPr>
+              <a:t>  </a:t>
+            </a:r>
+            <a:r>
+              <a:rPr lang="en" altLang="ko-Kore-KR" dirty="0" err="1">
+                <a:solidFill>
+                  <a:srgbClr val="795E26"/>
+                </a:solidFill>
+                <a:latin typeface="DM Mono" panose="020B0509040201040103" pitchFamily="49" charset="0"/>
+              </a:rPr>
+              <a:t>printf</a:t>
+            </a:r>
+            <a:r>
+              <a:rPr lang="en" altLang="ko-Kore-KR" dirty="0">
+                <a:solidFill>
+                  <a:srgbClr val="000000"/>
+                </a:solidFill>
+                <a:latin typeface="DM Mono" panose="020B0509040201040103" pitchFamily="49" charset="0"/>
+              </a:rPr>
+              <a:t>(</a:t>
+            </a:r>
+            <a:r>
+              <a:rPr lang="en" altLang="ko-Kore-KR" dirty="0">
+                <a:solidFill>
+                  <a:srgbClr val="A31515"/>
+                </a:solidFill>
+                <a:latin typeface="DM Mono" panose="020B0509040201040103" pitchFamily="49" charset="0"/>
+              </a:rPr>
+              <a:t>"</a:t>
+            </a:r>
+            <a:r>
+              <a:rPr lang="en" altLang="ko-Kore-KR" dirty="0">
+                <a:solidFill>
+                  <a:srgbClr val="001080"/>
+                </a:solidFill>
+                <a:latin typeface="DM Mono" panose="020B0509040201040103" pitchFamily="49" charset="0"/>
+              </a:rPr>
+              <a:t>%d</a:t>
+            </a:r>
+            <a:r>
+              <a:rPr lang="en" altLang="ko-Kore-KR" dirty="0">
+                <a:solidFill>
+                  <a:srgbClr val="A31515"/>
+                </a:solidFill>
+                <a:latin typeface="DM Mono" panose="020B0509040201040103" pitchFamily="49" charset="0"/>
+              </a:rPr>
+              <a:t> </a:t>
+            </a:r>
+            <a:r>
+              <a:rPr lang="en" altLang="ko-Kore-KR" dirty="0">
+                <a:solidFill>
+                  <a:srgbClr val="001080"/>
+                </a:solidFill>
+                <a:latin typeface="DM Mono" panose="020B0509040201040103" pitchFamily="49" charset="0"/>
+              </a:rPr>
+              <a:t>%d</a:t>
+            </a:r>
+            <a:r>
+              <a:rPr lang="en" altLang="ko-Kore-KR" dirty="0">
+                <a:solidFill>
+                  <a:srgbClr val="EE0000"/>
+                </a:solidFill>
+                <a:latin typeface="DM Mono" panose="020B0509040201040103" pitchFamily="49" charset="0"/>
+              </a:rPr>
+              <a:t>\n</a:t>
+            </a:r>
+            <a:r>
+              <a:rPr lang="en" altLang="ko-Kore-KR" dirty="0">
+                <a:solidFill>
+                  <a:srgbClr val="A31515"/>
+                </a:solidFill>
+                <a:latin typeface="DM Mono" panose="020B0509040201040103" pitchFamily="49" charset="0"/>
+              </a:rPr>
+              <a:t>"</a:t>
+            </a:r>
+            <a:r>
+              <a:rPr lang="en" altLang="ko-Kore-KR" dirty="0">
+                <a:solidFill>
+                  <a:srgbClr val="000000"/>
+                </a:solidFill>
+                <a:latin typeface="DM Mono" panose="020B0509040201040103" pitchFamily="49" charset="0"/>
+              </a:rPr>
+              <a:t>, </a:t>
+            </a:r>
+            <a:r>
+              <a:rPr lang="en" altLang="ko-Kore-KR" dirty="0">
+                <a:solidFill>
+                  <a:srgbClr val="001080"/>
+                </a:solidFill>
+                <a:latin typeface="DM Mono" panose="020B0509040201040103" pitchFamily="49" charset="0"/>
+              </a:rPr>
+              <a:t>a</a:t>
+            </a:r>
+            <a:r>
+              <a:rPr lang="en" altLang="ko-Kore-KR" dirty="0">
+                <a:solidFill>
+                  <a:srgbClr val="000000"/>
+                </a:solidFill>
+                <a:latin typeface="DM Mono" panose="020B0509040201040103" pitchFamily="49" charset="0"/>
+              </a:rPr>
+              <a:t>, </a:t>
+            </a:r>
+            <a:r>
+              <a:rPr lang="en" altLang="ko-Kore-KR" dirty="0">
+                <a:solidFill>
+                  <a:srgbClr val="001080"/>
+                </a:solidFill>
+                <a:latin typeface="DM Mono" panose="020B0509040201040103" pitchFamily="49" charset="0"/>
+              </a:rPr>
+              <a:t>b</a:t>
+            </a:r>
+            <a:r>
+              <a:rPr lang="en" altLang="ko-Kore-KR" dirty="0">
+                <a:solidFill>
+                  <a:srgbClr val="000000"/>
+                </a:solidFill>
+                <a:latin typeface="DM Mono" panose="020B0509040201040103" pitchFamily="49" charset="0"/>
+              </a:rPr>
+              <a:t>);</a:t>
+            </a:r>
+          </a:p>
+          <a:p>
+            <a:r>
+              <a:rPr lang="en" altLang="ko-Kore-KR" dirty="0">
+                <a:solidFill>
+                  <a:srgbClr val="000000"/>
+                </a:solidFill>
+                <a:latin typeface="DM Mono" panose="020B0509040201040103" pitchFamily="49" charset="0"/>
+              </a:rPr>
+              <a:t>}</a:t>
+            </a:r>
+            <a:endParaRPr lang="en" altLang="ko-Kore-KR" b="0" dirty="0">
+              <a:solidFill>
+                <a:srgbClr val="000000"/>
+              </a:solidFill>
+              <a:effectLst/>
+              <a:latin typeface="DM Mono" panose="020B0509040201040103" pitchFamily="49" charset="0"/>
+            </a:endParaRPr>
+          </a:p>
+        </p:txBody>
+      </p:sp>
+      <p:sp>
+        <p:nvSpPr>
+          <p:cNvPr id="5" name="직사각형 4">
+            <a:extLst>
+              <a:ext uri="{FF2B5EF4-FFF2-40B4-BE49-F238E27FC236}">
+                <a16:creationId xmlns:a16="http://schemas.microsoft.com/office/drawing/2014/main" id="{5D4953FA-ECF5-406E-EA0A-07F4BB1D1637}"/>
+              </a:ext>
+            </a:extLst>
+          </p:cNvPr>
+          <p:cNvSpPr/>
+          <p:nvPr/>
+        </p:nvSpPr>
+        <p:spPr>
+          <a:xfrm>
+            <a:off x="5037645" y="1198819"/>
+            <a:ext cx="3234906" cy="2706432"/>
+          </a:xfrm>
+          <a:prstGeom prst="rect">
+            <a:avLst/>
+          </a:prstGeom>
+          <a:noFill/>
+        </p:spPr>
+        <p:style>
+          <a:lnRef idx="2">
+            <a:schemeClr val="accent4"/>
+          </a:lnRef>
+          <a:fillRef idx="1">
+            <a:schemeClr val="lt1"/>
+          </a:fillRef>
+          <a:effectRef idx="0">
+            <a:schemeClr val="accent4"/>
+          </a:effectRef>
+          <a:fontRef idx="minor">
+            <a:schemeClr val="dk1"/>
+          </a:fontRef>
+        </p:style>
+        <p:txBody>
+          <a:bodyPr rtlCol="0" anchor="ctr"/>
+          <a:lstStyle/>
+          <a:p>
+            <a:pPr algn="ctr"/>
+            <a:endParaRPr kumimoji="1" lang="ko-Kore-KR" altLang="en-US" sz="1400" dirty="0">
+              <a:solidFill>
+                <a:schemeClr val="tx1"/>
+              </a:solidFill>
+            </a:endParaRPr>
+          </a:p>
+        </p:txBody>
+      </p:sp>
+      <p:sp>
+        <p:nvSpPr>
+          <p:cNvPr id="6" name="직사각형 5">
+            <a:extLst>
+              <a:ext uri="{FF2B5EF4-FFF2-40B4-BE49-F238E27FC236}">
+                <a16:creationId xmlns:a16="http://schemas.microsoft.com/office/drawing/2014/main" id="{DF1668EF-A1EF-4292-019D-8A043A24DE4B}"/>
+              </a:ext>
+            </a:extLst>
+          </p:cNvPr>
+          <p:cNvSpPr/>
+          <p:nvPr/>
+        </p:nvSpPr>
+        <p:spPr>
+          <a:xfrm>
+            <a:off x="6258474" y="809072"/>
+            <a:ext cx="736099" cy="369332"/>
+          </a:xfrm>
+          <a:prstGeom prst="rect">
+            <a:avLst/>
+          </a:prstGeom>
+        </p:spPr>
+        <p:txBody>
+          <a:bodyPr wrap="none">
+            <a:spAutoFit/>
+          </a:bodyPr>
+          <a:lstStyle/>
+          <a:p>
+            <a:r>
+              <a:rPr lang="en" altLang="ko-Kore-KR" dirty="0">
+                <a:solidFill>
+                  <a:srgbClr val="795E26"/>
+                </a:solidFill>
+                <a:latin typeface="DM Mono" panose="020B0509040201040103" pitchFamily="49" charset="0"/>
+              </a:rPr>
+              <a:t>main</a:t>
+            </a:r>
+            <a:endParaRPr lang="ko-Kore-KR" altLang="en-US" dirty="0"/>
+          </a:p>
+        </p:txBody>
+      </p:sp>
+      <p:sp>
+        <p:nvSpPr>
+          <p:cNvPr id="7" name="직사각형 6">
+            <a:extLst>
+              <a:ext uri="{FF2B5EF4-FFF2-40B4-BE49-F238E27FC236}">
+                <a16:creationId xmlns:a16="http://schemas.microsoft.com/office/drawing/2014/main" id="{958D00B0-499B-755D-4634-9483DD21A01E}"/>
+              </a:ext>
+            </a:extLst>
+          </p:cNvPr>
+          <p:cNvSpPr/>
+          <p:nvPr/>
+        </p:nvSpPr>
+        <p:spPr>
+          <a:xfrm>
+            <a:off x="5521593" y="1402786"/>
+            <a:ext cx="539902" cy="420443"/>
+          </a:xfrm>
+          <a:prstGeom prst="rect">
+            <a:avLst/>
+          </a:prstGeom>
+          <a:solidFill>
+            <a:srgbClr val="FFFF00"/>
+          </a:solidFill>
+        </p:spPr>
+        <p:style>
+          <a:lnRef idx="2">
+            <a:schemeClr val="accent1">
+              <a:shade val="50000"/>
+            </a:schemeClr>
+          </a:lnRef>
+          <a:fillRef idx="1">
+            <a:schemeClr val="accent1"/>
+          </a:fillRef>
+          <a:effectRef idx="0">
+            <a:schemeClr val="accent1"/>
+          </a:effectRef>
+          <a:fontRef idx="minor">
+            <a:schemeClr val="lt1"/>
+          </a:fontRef>
+        </p:style>
+        <p:txBody>
+          <a:bodyPr rtlCol="0" anchor="ctr"/>
+          <a:lstStyle/>
+          <a:p>
+            <a:pPr algn="ctr"/>
+            <a:r>
+              <a:rPr kumimoji="1" lang="en-US" altLang="ko-Kore-KR" sz="1400" dirty="0">
+                <a:solidFill>
+                  <a:schemeClr val="tx1"/>
+                </a:solidFill>
+              </a:rPr>
+              <a:t>10</a:t>
+            </a:r>
+            <a:endParaRPr kumimoji="1" lang="ko-Kore-KR" altLang="en-US" sz="1400" dirty="0">
+              <a:solidFill>
+                <a:schemeClr val="tx1"/>
+              </a:solidFill>
+            </a:endParaRPr>
+          </a:p>
+        </p:txBody>
+      </p:sp>
+      <p:sp>
+        <p:nvSpPr>
+          <p:cNvPr id="8" name="직사각형 7">
+            <a:extLst>
+              <a:ext uri="{FF2B5EF4-FFF2-40B4-BE49-F238E27FC236}">
+                <a16:creationId xmlns:a16="http://schemas.microsoft.com/office/drawing/2014/main" id="{AA3229FD-FDEA-67F8-6AD6-A4BCFA135D5D}"/>
+              </a:ext>
+            </a:extLst>
+          </p:cNvPr>
+          <p:cNvSpPr/>
+          <p:nvPr/>
+        </p:nvSpPr>
+        <p:spPr>
+          <a:xfrm>
+            <a:off x="5247952" y="1428341"/>
+            <a:ext cx="322524" cy="369332"/>
+          </a:xfrm>
+          <a:prstGeom prst="rect">
+            <a:avLst/>
+          </a:prstGeom>
+        </p:spPr>
+        <p:txBody>
+          <a:bodyPr wrap="none">
+            <a:spAutoFit/>
+          </a:bodyPr>
+          <a:lstStyle/>
+          <a:p>
+            <a:r>
+              <a:rPr lang="en" altLang="ko-Kore-KR" dirty="0">
+                <a:solidFill>
+                  <a:srgbClr val="001080"/>
+                </a:solidFill>
+                <a:latin typeface="DM Mono" panose="020B0509040201040103" pitchFamily="49" charset="0"/>
+              </a:rPr>
+              <a:t>a</a:t>
+            </a:r>
+            <a:endParaRPr lang="ko-Kore-KR" altLang="en-US" dirty="0"/>
+          </a:p>
+        </p:txBody>
+      </p:sp>
+      <p:sp>
+        <p:nvSpPr>
+          <p:cNvPr id="10" name="직사각형 9">
+            <a:extLst>
+              <a:ext uri="{FF2B5EF4-FFF2-40B4-BE49-F238E27FC236}">
+                <a16:creationId xmlns:a16="http://schemas.microsoft.com/office/drawing/2014/main" id="{CC7DA5F9-DC06-B839-CBD3-0057AE32824F}"/>
+              </a:ext>
+            </a:extLst>
+          </p:cNvPr>
+          <p:cNvSpPr/>
+          <p:nvPr/>
+        </p:nvSpPr>
+        <p:spPr>
+          <a:xfrm>
+            <a:off x="5481114" y="2670508"/>
+            <a:ext cx="539902" cy="420443"/>
+          </a:xfrm>
+          <a:prstGeom prst="rect">
+            <a:avLst/>
+          </a:prstGeom>
+          <a:solidFill>
+            <a:srgbClr val="FFFF00"/>
+          </a:solidFill>
+        </p:spPr>
+        <p:style>
+          <a:lnRef idx="2">
+            <a:schemeClr val="accent1">
+              <a:shade val="50000"/>
+            </a:schemeClr>
+          </a:lnRef>
+          <a:fillRef idx="1">
+            <a:schemeClr val="accent1"/>
+          </a:fillRef>
+          <a:effectRef idx="0">
+            <a:schemeClr val="accent1"/>
+          </a:effectRef>
+          <a:fontRef idx="minor">
+            <a:schemeClr val="lt1"/>
+          </a:fontRef>
+        </p:style>
+        <p:txBody>
+          <a:bodyPr rtlCol="0" anchor="ctr"/>
+          <a:lstStyle/>
+          <a:p>
+            <a:pPr algn="ctr"/>
+            <a:r>
+              <a:rPr kumimoji="1" lang="en-US" altLang="ko-Kore-KR" sz="1400" dirty="0">
+                <a:solidFill>
+                  <a:schemeClr val="tx1"/>
+                </a:solidFill>
+              </a:rPr>
+              <a:t>400</a:t>
+            </a:r>
+            <a:endParaRPr kumimoji="1" lang="ko-Kore-KR" altLang="en-US" sz="1400" dirty="0">
+              <a:solidFill>
+                <a:schemeClr val="tx1"/>
+              </a:solidFill>
+            </a:endParaRPr>
+          </a:p>
+        </p:txBody>
+      </p:sp>
+      <p:sp>
+        <p:nvSpPr>
+          <p:cNvPr id="11" name="직사각형 10">
+            <a:extLst>
+              <a:ext uri="{FF2B5EF4-FFF2-40B4-BE49-F238E27FC236}">
+                <a16:creationId xmlns:a16="http://schemas.microsoft.com/office/drawing/2014/main" id="{142F2F09-D376-FA05-9679-61F415B2B269}"/>
+              </a:ext>
+            </a:extLst>
+          </p:cNvPr>
+          <p:cNvSpPr/>
+          <p:nvPr/>
+        </p:nvSpPr>
+        <p:spPr>
+          <a:xfrm>
+            <a:off x="5169031" y="2696063"/>
+            <a:ext cx="460382" cy="369332"/>
+          </a:xfrm>
+          <a:prstGeom prst="rect">
+            <a:avLst/>
+          </a:prstGeom>
+        </p:spPr>
+        <p:txBody>
+          <a:bodyPr wrap="none">
+            <a:spAutoFit/>
+          </a:bodyPr>
+          <a:lstStyle/>
+          <a:p>
+            <a:r>
+              <a:rPr lang="en" altLang="ko-Kore-KR" dirty="0">
+                <a:solidFill>
+                  <a:srgbClr val="001080"/>
+                </a:solidFill>
+                <a:latin typeface="DM Mono" panose="020B0509040201040103" pitchFamily="49" charset="0"/>
+              </a:rPr>
+              <a:t>pa</a:t>
+            </a:r>
+            <a:endParaRPr lang="ko-Kore-KR" altLang="en-US" dirty="0"/>
+          </a:p>
+        </p:txBody>
+      </p:sp>
+      <p:cxnSp>
+        <p:nvCxnSpPr>
+          <p:cNvPr id="12" name="구부러진 연결선[U] 11">
+            <a:extLst>
+              <a:ext uri="{FF2B5EF4-FFF2-40B4-BE49-F238E27FC236}">
+                <a16:creationId xmlns:a16="http://schemas.microsoft.com/office/drawing/2014/main" id="{444C7E12-5B1E-D1A6-EA75-A480369B1852}"/>
+              </a:ext>
+            </a:extLst>
+          </p:cNvPr>
+          <p:cNvCxnSpPr>
+            <a:cxnSpLocks/>
+            <a:stCxn id="10" idx="0"/>
+            <a:endCxn id="16" idx="2"/>
+          </p:cNvCxnSpPr>
+          <p:nvPr/>
+        </p:nvCxnSpPr>
+        <p:spPr>
+          <a:xfrm rot="5400000" flipH="1" flipV="1">
+            <a:off x="6032487" y="1516252"/>
+            <a:ext cx="872835" cy="1435678"/>
+          </a:xfrm>
+          <a:prstGeom prst="curvedConnector3">
+            <a:avLst>
+              <a:gd name="adj1" fmla="val 50000"/>
+            </a:avLst>
+          </a:prstGeom>
+          <a:ln>
+            <a:tailEnd type="triangle"/>
+          </a:ln>
+        </p:spPr>
+        <p:style>
+          <a:lnRef idx="1">
+            <a:schemeClr val="accent1"/>
+          </a:lnRef>
+          <a:fillRef idx="0">
+            <a:schemeClr val="accent1"/>
+          </a:fillRef>
+          <a:effectRef idx="0">
+            <a:schemeClr val="accent1"/>
+          </a:effectRef>
+          <a:fontRef idx="minor">
+            <a:schemeClr val="tx1"/>
+          </a:fontRef>
+        </p:style>
+      </p:cxnSp>
+      <p:sp>
+        <p:nvSpPr>
+          <p:cNvPr id="16" name="직사각형 15">
+            <a:extLst>
+              <a:ext uri="{FF2B5EF4-FFF2-40B4-BE49-F238E27FC236}">
+                <a16:creationId xmlns:a16="http://schemas.microsoft.com/office/drawing/2014/main" id="{A57FB114-BC35-7C02-61E6-948D1369D6E8}"/>
+              </a:ext>
+            </a:extLst>
+          </p:cNvPr>
+          <p:cNvSpPr/>
+          <p:nvPr/>
+        </p:nvSpPr>
+        <p:spPr>
+          <a:xfrm>
+            <a:off x="6916792" y="1377230"/>
+            <a:ext cx="539902" cy="420443"/>
+          </a:xfrm>
+          <a:prstGeom prst="rect">
+            <a:avLst/>
+          </a:prstGeom>
+          <a:solidFill>
+            <a:srgbClr val="FFFF00"/>
+          </a:solidFill>
+        </p:spPr>
+        <p:style>
+          <a:lnRef idx="2">
+            <a:schemeClr val="accent1">
+              <a:shade val="50000"/>
+            </a:schemeClr>
+          </a:lnRef>
+          <a:fillRef idx="1">
+            <a:schemeClr val="accent1"/>
+          </a:fillRef>
+          <a:effectRef idx="0">
+            <a:schemeClr val="accent1"/>
+          </a:effectRef>
+          <a:fontRef idx="minor">
+            <a:schemeClr val="lt1"/>
+          </a:fontRef>
+        </p:style>
+        <p:txBody>
+          <a:bodyPr rtlCol="0" anchor="ctr"/>
+          <a:lstStyle/>
+          <a:p>
+            <a:pPr algn="ctr"/>
+            <a:r>
+              <a:rPr kumimoji="1" lang="en-US" altLang="ko-Kore-KR" sz="1400" dirty="0">
+                <a:solidFill>
+                  <a:schemeClr val="tx1"/>
+                </a:solidFill>
+              </a:rPr>
+              <a:t>20</a:t>
+            </a:r>
+            <a:endParaRPr kumimoji="1" lang="ko-Kore-KR" altLang="en-US" sz="1400" dirty="0">
+              <a:solidFill>
+                <a:schemeClr val="tx1"/>
+              </a:solidFill>
+            </a:endParaRPr>
+          </a:p>
+        </p:txBody>
+      </p:sp>
+      <p:sp>
+        <p:nvSpPr>
+          <p:cNvPr id="17" name="직사각형 16">
+            <a:extLst>
+              <a:ext uri="{FF2B5EF4-FFF2-40B4-BE49-F238E27FC236}">
+                <a16:creationId xmlns:a16="http://schemas.microsoft.com/office/drawing/2014/main" id="{377722F9-2D67-41C0-532E-31BBA551D669}"/>
+              </a:ext>
+            </a:extLst>
+          </p:cNvPr>
+          <p:cNvSpPr/>
+          <p:nvPr/>
+        </p:nvSpPr>
+        <p:spPr>
+          <a:xfrm>
+            <a:off x="6994573" y="2644952"/>
+            <a:ext cx="539902" cy="420443"/>
+          </a:xfrm>
+          <a:prstGeom prst="rect">
+            <a:avLst/>
+          </a:prstGeom>
+          <a:solidFill>
+            <a:srgbClr val="FFFF00"/>
+          </a:solidFill>
+        </p:spPr>
+        <p:style>
+          <a:lnRef idx="2">
+            <a:schemeClr val="accent1">
+              <a:shade val="50000"/>
+            </a:schemeClr>
+          </a:lnRef>
+          <a:fillRef idx="1">
+            <a:schemeClr val="accent1"/>
+          </a:fillRef>
+          <a:effectRef idx="0">
+            <a:schemeClr val="accent1"/>
+          </a:effectRef>
+          <a:fontRef idx="minor">
+            <a:schemeClr val="lt1"/>
+          </a:fontRef>
+        </p:style>
+        <p:txBody>
+          <a:bodyPr rtlCol="0" anchor="ctr"/>
+          <a:lstStyle/>
+          <a:p>
+            <a:pPr algn="ctr"/>
+            <a:r>
+              <a:rPr kumimoji="1" lang="en-US" altLang="ko-Kore-KR" sz="1400" dirty="0">
+                <a:solidFill>
+                  <a:srgbClr val="FF0000"/>
+                </a:solidFill>
+              </a:rPr>
+              <a:t>300</a:t>
+            </a:r>
+            <a:endParaRPr kumimoji="1" lang="ko-Kore-KR" altLang="en-US" sz="1400" dirty="0">
+              <a:solidFill>
+                <a:srgbClr val="FF0000"/>
+              </a:solidFill>
+            </a:endParaRPr>
+          </a:p>
+        </p:txBody>
+      </p:sp>
+      <p:sp>
+        <p:nvSpPr>
+          <p:cNvPr id="18" name="직사각형 17">
+            <a:extLst>
+              <a:ext uri="{FF2B5EF4-FFF2-40B4-BE49-F238E27FC236}">
+                <a16:creationId xmlns:a16="http://schemas.microsoft.com/office/drawing/2014/main" id="{D1AA91DC-AC58-AA11-766A-F95DBC1BE6FB}"/>
+              </a:ext>
+            </a:extLst>
+          </p:cNvPr>
+          <p:cNvSpPr/>
+          <p:nvPr/>
+        </p:nvSpPr>
+        <p:spPr>
+          <a:xfrm>
+            <a:off x="6564230" y="2670507"/>
+            <a:ext cx="460382" cy="369332"/>
+          </a:xfrm>
+          <a:prstGeom prst="rect">
+            <a:avLst/>
+          </a:prstGeom>
+        </p:spPr>
+        <p:txBody>
+          <a:bodyPr wrap="none">
+            <a:spAutoFit/>
+          </a:bodyPr>
+          <a:lstStyle/>
+          <a:p>
+            <a:r>
+              <a:rPr lang="en" altLang="ko-Kore-KR" dirty="0">
+                <a:solidFill>
+                  <a:srgbClr val="001080"/>
+                </a:solidFill>
+                <a:latin typeface="DM Mono" panose="020B0509040201040103" pitchFamily="49" charset="0"/>
+              </a:rPr>
+              <a:t>pb</a:t>
+            </a:r>
+            <a:endParaRPr lang="ko-Kore-KR" altLang="en-US" dirty="0"/>
+          </a:p>
+        </p:txBody>
+      </p:sp>
+      <p:cxnSp>
+        <p:nvCxnSpPr>
+          <p:cNvPr id="19" name="구부러진 연결선[U] 18">
+            <a:extLst>
+              <a:ext uri="{FF2B5EF4-FFF2-40B4-BE49-F238E27FC236}">
+                <a16:creationId xmlns:a16="http://schemas.microsoft.com/office/drawing/2014/main" id="{CD252A5A-F225-5764-D179-B034ACA17B09}"/>
+              </a:ext>
+            </a:extLst>
+          </p:cNvPr>
+          <p:cNvCxnSpPr>
+            <a:cxnSpLocks/>
+            <a:stCxn id="17" idx="0"/>
+            <a:endCxn id="7" idx="2"/>
+          </p:cNvCxnSpPr>
+          <p:nvPr/>
+        </p:nvCxnSpPr>
+        <p:spPr>
+          <a:xfrm rot="16200000" flipV="1">
+            <a:off x="6117173" y="1497601"/>
+            <a:ext cx="821723" cy="1472980"/>
+          </a:xfrm>
+          <a:prstGeom prst="curvedConnector3">
+            <a:avLst>
+              <a:gd name="adj1" fmla="val 11748"/>
+            </a:avLst>
+          </a:prstGeom>
+          <a:ln>
+            <a:tailEnd type="triangle"/>
+          </a:ln>
+        </p:spPr>
+        <p:style>
+          <a:lnRef idx="1">
+            <a:schemeClr val="accent1"/>
+          </a:lnRef>
+          <a:fillRef idx="0">
+            <a:schemeClr val="accent1"/>
+          </a:fillRef>
+          <a:effectRef idx="0">
+            <a:schemeClr val="accent1"/>
+          </a:effectRef>
+          <a:fontRef idx="minor">
+            <a:schemeClr val="tx1"/>
+          </a:fontRef>
+        </p:style>
+      </p:cxnSp>
+      <p:sp>
+        <p:nvSpPr>
+          <p:cNvPr id="20" name="직사각형 19">
+            <a:extLst>
+              <a:ext uri="{FF2B5EF4-FFF2-40B4-BE49-F238E27FC236}">
+                <a16:creationId xmlns:a16="http://schemas.microsoft.com/office/drawing/2014/main" id="{FD7C7436-BFA7-ABD5-31B4-57CF27D7E596}"/>
+              </a:ext>
+            </a:extLst>
+          </p:cNvPr>
+          <p:cNvSpPr/>
+          <p:nvPr/>
+        </p:nvSpPr>
+        <p:spPr>
+          <a:xfrm>
+            <a:off x="6571768" y="1428341"/>
+            <a:ext cx="322524" cy="369332"/>
+          </a:xfrm>
+          <a:prstGeom prst="rect">
+            <a:avLst/>
+          </a:prstGeom>
+        </p:spPr>
+        <p:txBody>
+          <a:bodyPr wrap="none">
+            <a:spAutoFit/>
+          </a:bodyPr>
+          <a:lstStyle/>
+          <a:p>
+            <a:r>
+              <a:rPr lang="en" altLang="ko-Kore-KR" dirty="0">
+                <a:solidFill>
+                  <a:srgbClr val="001080"/>
+                </a:solidFill>
+                <a:latin typeface="DM Mono" panose="020B0509040201040103" pitchFamily="49" charset="0"/>
+              </a:rPr>
+              <a:t>b</a:t>
+            </a:r>
+            <a:endParaRPr lang="ko-Kore-KR" altLang="en-US" dirty="0"/>
+          </a:p>
+        </p:txBody>
+      </p:sp>
+      <p:sp>
+        <p:nvSpPr>
+          <p:cNvPr id="21" name="직사각형 20">
+            <a:extLst>
+              <a:ext uri="{FF2B5EF4-FFF2-40B4-BE49-F238E27FC236}">
+                <a16:creationId xmlns:a16="http://schemas.microsoft.com/office/drawing/2014/main" id="{859EF8BE-0AE5-C9A5-A1ED-F8293E7E8CE6}"/>
+              </a:ext>
+            </a:extLst>
+          </p:cNvPr>
+          <p:cNvSpPr/>
+          <p:nvPr/>
+        </p:nvSpPr>
+        <p:spPr>
+          <a:xfrm>
+            <a:off x="5332764" y="3065395"/>
+            <a:ext cx="458780" cy="307777"/>
+          </a:xfrm>
+          <a:prstGeom prst="rect">
+            <a:avLst/>
+          </a:prstGeom>
+        </p:spPr>
+        <p:txBody>
+          <a:bodyPr wrap="none">
+            <a:spAutoFit/>
+          </a:bodyPr>
+          <a:lstStyle/>
+          <a:p>
+            <a:r>
+              <a:rPr kumimoji="1" lang="en-US" altLang="ko-Kore-KR" sz="1400" dirty="0"/>
+              <a:t>100</a:t>
+            </a:r>
+            <a:endParaRPr lang="ko-Kore-KR" altLang="en-US" sz="1400" dirty="0"/>
+          </a:p>
+        </p:txBody>
+      </p:sp>
+      <p:sp>
+        <p:nvSpPr>
+          <p:cNvPr id="22" name="직사각형 21">
+            <a:extLst>
+              <a:ext uri="{FF2B5EF4-FFF2-40B4-BE49-F238E27FC236}">
+                <a16:creationId xmlns:a16="http://schemas.microsoft.com/office/drawing/2014/main" id="{1D7D3951-6DCF-8BDB-5EF0-64DF5219682E}"/>
+              </a:ext>
+            </a:extLst>
+          </p:cNvPr>
+          <p:cNvSpPr/>
+          <p:nvPr/>
+        </p:nvSpPr>
+        <p:spPr>
+          <a:xfrm>
+            <a:off x="6765183" y="3060253"/>
+            <a:ext cx="458780" cy="307777"/>
+          </a:xfrm>
+          <a:prstGeom prst="rect">
+            <a:avLst/>
+          </a:prstGeom>
+        </p:spPr>
+        <p:txBody>
+          <a:bodyPr wrap="none">
+            <a:spAutoFit/>
+          </a:bodyPr>
+          <a:lstStyle/>
+          <a:p>
+            <a:r>
+              <a:rPr kumimoji="1" lang="en-US" altLang="ko-Kore-KR" sz="1400" dirty="0"/>
+              <a:t>200</a:t>
+            </a:r>
+            <a:endParaRPr lang="ko-Kore-KR" altLang="en-US" sz="1400" dirty="0"/>
+          </a:p>
+        </p:txBody>
+      </p:sp>
+      <p:sp>
+        <p:nvSpPr>
+          <p:cNvPr id="23" name="직사각형 22">
+            <a:extLst>
+              <a:ext uri="{FF2B5EF4-FFF2-40B4-BE49-F238E27FC236}">
+                <a16:creationId xmlns:a16="http://schemas.microsoft.com/office/drawing/2014/main" id="{DAE56E35-FE9C-60A1-E911-1DB6872D4F01}"/>
+              </a:ext>
+            </a:extLst>
+          </p:cNvPr>
+          <p:cNvSpPr/>
+          <p:nvPr/>
+        </p:nvSpPr>
+        <p:spPr>
+          <a:xfrm>
+            <a:off x="8626659" y="1198819"/>
+            <a:ext cx="3234906" cy="2706432"/>
+          </a:xfrm>
+          <a:prstGeom prst="rect">
+            <a:avLst/>
+          </a:prstGeom>
+          <a:noFill/>
+        </p:spPr>
+        <p:style>
+          <a:lnRef idx="2">
+            <a:schemeClr val="accent4"/>
+          </a:lnRef>
+          <a:fillRef idx="1">
+            <a:schemeClr val="lt1"/>
+          </a:fillRef>
+          <a:effectRef idx="0">
+            <a:schemeClr val="accent4"/>
+          </a:effectRef>
+          <a:fontRef idx="minor">
+            <a:schemeClr val="dk1"/>
+          </a:fontRef>
+        </p:style>
+        <p:txBody>
+          <a:bodyPr rtlCol="0" anchor="ctr"/>
+          <a:lstStyle/>
+          <a:p>
+            <a:pPr algn="ctr"/>
+            <a:endParaRPr kumimoji="1" lang="ko-Kore-KR" altLang="en-US" sz="1400" dirty="0">
+              <a:solidFill>
+                <a:schemeClr val="tx1"/>
+              </a:solidFill>
+            </a:endParaRPr>
+          </a:p>
+        </p:txBody>
+      </p:sp>
+      <p:sp>
+        <p:nvSpPr>
+          <p:cNvPr id="24" name="직사각형 23">
+            <a:extLst>
+              <a:ext uri="{FF2B5EF4-FFF2-40B4-BE49-F238E27FC236}">
+                <a16:creationId xmlns:a16="http://schemas.microsoft.com/office/drawing/2014/main" id="{F8DCD142-71FB-C450-1356-997CF027FF15}"/>
+              </a:ext>
+            </a:extLst>
+          </p:cNvPr>
+          <p:cNvSpPr/>
+          <p:nvPr/>
+        </p:nvSpPr>
+        <p:spPr>
+          <a:xfrm>
+            <a:off x="9847488" y="809072"/>
+            <a:ext cx="873957" cy="369332"/>
+          </a:xfrm>
+          <a:prstGeom prst="rect">
+            <a:avLst/>
+          </a:prstGeom>
+        </p:spPr>
+        <p:txBody>
+          <a:bodyPr wrap="none">
+            <a:spAutoFit/>
+          </a:bodyPr>
+          <a:lstStyle/>
+          <a:p>
+            <a:r>
+              <a:rPr lang="en" altLang="ko-Kore-KR" dirty="0" err="1">
+                <a:solidFill>
+                  <a:srgbClr val="795E26"/>
+                </a:solidFill>
+                <a:latin typeface="DM Mono" panose="020B0509040201040103" pitchFamily="49" charset="0"/>
+              </a:rPr>
+              <a:t>pswap</a:t>
+            </a:r>
+            <a:endParaRPr lang="ko-Kore-KR" altLang="en-US" dirty="0"/>
+          </a:p>
+        </p:txBody>
+      </p:sp>
+      <p:sp>
+        <p:nvSpPr>
+          <p:cNvPr id="25" name="직사각형 24">
+            <a:extLst>
+              <a:ext uri="{FF2B5EF4-FFF2-40B4-BE49-F238E27FC236}">
+                <a16:creationId xmlns:a16="http://schemas.microsoft.com/office/drawing/2014/main" id="{A6F275CC-D929-5F07-E787-C633ADC89A93}"/>
+              </a:ext>
+            </a:extLst>
+          </p:cNvPr>
+          <p:cNvSpPr/>
+          <p:nvPr/>
+        </p:nvSpPr>
+        <p:spPr>
+          <a:xfrm>
+            <a:off x="9110607" y="1402786"/>
+            <a:ext cx="539902" cy="420443"/>
+          </a:xfrm>
+          <a:prstGeom prst="rect">
+            <a:avLst/>
+          </a:prstGeom>
+          <a:solidFill>
+            <a:srgbClr val="FFFF00"/>
+          </a:solidFill>
+        </p:spPr>
+        <p:style>
+          <a:lnRef idx="2">
+            <a:schemeClr val="accent1">
+              <a:shade val="50000"/>
+            </a:schemeClr>
+          </a:lnRef>
+          <a:fillRef idx="1">
+            <a:schemeClr val="accent1"/>
+          </a:fillRef>
+          <a:effectRef idx="0">
+            <a:schemeClr val="accent1"/>
+          </a:effectRef>
+          <a:fontRef idx="minor">
+            <a:schemeClr val="lt1"/>
+          </a:fontRef>
+        </p:style>
+        <p:txBody>
+          <a:bodyPr rtlCol="0" anchor="ctr"/>
+          <a:lstStyle/>
+          <a:p>
+            <a:pPr algn="ctr"/>
+            <a:r>
+              <a:rPr kumimoji="1" lang="en-US" altLang="ko-Kore-KR" sz="1400" dirty="0">
+                <a:solidFill>
+                  <a:schemeClr val="tx1"/>
+                </a:solidFill>
+              </a:rPr>
+              <a:t>100</a:t>
+            </a:r>
+            <a:endParaRPr kumimoji="1" lang="ko-Kore-KR" altLang="en-US" sz="1400" dirty="0">
+              <a:solidFill>
+                <a:schemeClr val="tx1"/>
+              </a:solidFill>
+            </a:endParaRPr>
+          </a:p>
+        </p:txBody>
+      </p:sp>
+      <p:sp>
+        <p:nvSpPr>
+          <p:cNvPr id="26" name="직사각형 25">
+            <a:extLst>
+              <a:ext uri="{FF2B5EF4-FFF2-40B4-BE49-F238E27FC236}">
+                <a16:creationId xmlns:a16="http://schemas.microsoft.com/office/drawing/2014/main" id="{5D5D6E02-BE2D-3B20-C01F-EBC5E585C694}"/>
+              </a:ext>
+            </a:extLst>
+          </p:cNvPr>
+          <p:cNvSpPr/>
+          <p:nvPr/>
+        </p:nvSpPr>
+        <p:spPr>
+          <a:xfrm>
+            <a:off x="8599371" y="1423120"/>
+            <a:ext cx="598241" cy="369332"/>
+          </a:xfrm>
+          <a:prstGeom prst="rect">
+            <a:avLst/>
+          </a:prstGeom>
+        </p:spPr>
+        <p:txBody>
+          <a:bodyPr wrap="none">
+            <a:spAutoFit/>
+          </a:bodyPr>
+          <a:lstStyle/>
+          <a:p>
+            <a:r>
+              <a:rPr lang="en" altLang="ko-Kore-KR" dirty="0" err="1">
+                <a:solidFill>
+                  <a:srgbClr val="001080"/>
+                </a:solidFill>
+                <a:latin typeface="DM Mono" panose="020B0509040201040103" pitchFamily="49" charset="0"/>
+              </a:rPr>
+              <a:t>ppa</a:t>
+            </a:r>
+            <a:endParaRPr lang="ko-Kore-KR" altLang="en-US" dirty="0"/>
+          </a:p>
+        </p:txBody>
+      </p:sp>
+      <p:sp>
+        <p:nvSpPr>
+          <p:cNvPr id="30" name="직사각형 29">
+            <a:extLst>
+              <a:ext uri="{FF2B5EF4-FFF2-40B4-BE49-F238E27FC236}">
+                <a16:creationId xmlns:a16="http://schemas.microsoft.com/office/drawing/2014/main" id="{F7688AC8-0C04-5190-A898-85BBE7C07E38}"/>
+              </a:ext>
+            </a:extLst>
+          </p:cNvPr>
+          <p:cNvSpPr/>
+          <p:nvPr/>
+        </p:nvSpPr>
+        <p:spPr>
+          <a:xfrm>
+            <a:off x="10505806" y="1377230"/>
+            <a:ext cx="539902" cy="420443"/>
+          </a:xfrm>
+          <a:prstGeom prst="rect">
+            <a:avLst/>
+          </a:prstGeom>
+          <a:solidFill>
+            <a:srgbClr val="FFFF00"/>
+          </a:solidFill>
+        </p:spPr>
+        <p:style>
+          <a:lnRef idx="2">
+            <a:schemeClr val="accent1">
+              <a:shade val="50000"/>
+            </a:schemeClr>
+          </a:lnRef>
+          <a:fillRef idx="1">
+            <a:schemeClr val="accent1"/>
+          </a:fillRef>
+          <a:effectRef idx="0">
+            <a:schemeClr val="accent1"/>
+          </a:effectRef>
+          <a:fontRef idx="minor">
+            <a:schemeClr val="lt1"/>
+          </a:fontRef>
+        </p:style>
+        <p:txBody>
+          <a:bodyPr rtlCol="0" anchor="ctr"/>
+          <a:lstStyle/>
+          <a:p>
+            <a:pPr algn="ctr"/>
+            <a:r>
+              <a:rPr kumimoji="1" lang="en-US" altLang="ko-Kore-KR" sz="1400" dirty="0">
+                <a:solidFill>
+                  <a:schemeClr val="tx1"/>
+                </a:solidFill>
+              </a:rPr>
+              <a:t>200</a:t>
+            </a:r>
+            <a:endParaRPr kumimoji="1" lang="ko-Kore-KR" altLang="en-US" sz="1400" dirty="0">
+              <a:solidFill>
+                <a:schemeClr val="tx1"/>
+              </a:solidFill>
+            </a:endParaRPr>
+          </a:p>
+        </p:txBody>
+      </p:sp>
+      <p:sp>
+        <p:nvSpPr>
+          <p:cNvPr id="34" name="직사각형 33">
+            <a:extLst>
+              <a:ext uri="{FF2B5EF4-FFF2-40B4-BE49-F238E27FC236}">
+                <a16:creationId xmlns:a16="http://schemas.microsoft.com/office/drawing/2014/main" id="{A22E5013-8253-893D-E5A5-CFBF0F23283F}"/>
+              </a:ext>
+            </a:extLst>
+          </p:cNvPr>
+          <p:cNvSpPr/>
+          <p:nvPr/>
+        </p:nvSpPr>
+        <p:spPr>
+          <a:xfrm>
+            <a:off x="10000463" y="1430155"/>
+            <a:ext cx="598241" cy="369332"/>
+          </a:xfrm>
+          <a:prstGeom prst="rect">
+            <a:avLst/>
+          </a:prstGeom>
+        </p:spPr>
+        <p:txBody>
+          <a:bodyPr wrap="none">
+            <a:spAutoFit/>
+          </a:bodyPr>
+          <a:lstStyle/>
+          <a:p>
+            <a:r>
+              <a:rPr lang="en" altLang="ko-Kore-KR" dirty="0">
+                <a:solidFill>
+                  <a:srgbClr val="001080"/>
+                </a:solidFill>
+                <a:latin typeface="DM Mono" panose="020B0509040201040103" pitchFamily="49" charset="0"/>
+              </a:rPr>
+              <a:t>ppb</a:t>
+            </a:r>
+            <a:endParaRPr lang="ko-Kore-KR" altLang="en-US" dirty="0"/>
+          </a:p>
+        </p:txBody>
+      </p:sp>
+      <p:cxnSp>
+        <p:nvCxnSpPr>
+          <p:cNvPr id="37" name="구부러진 연결선[U] 36">
+            <a:extLst>
+              <a:ext uri="{FF2B5EF4-FFF2-40B4-BE49-F238E27FC236}">
+                <a16:creationId xmlns:a16="http://schemas.microsoft.com/office/drawing/2014/main" id="{F3FB8F44-82F0-B9B0-0B25-21FE01C3716C}"/>
+              </a:ext>
+            </a:extLst>
+          </p:cNvPr>
+          <p:cNvCxnSpPr>
+            <a:cxnSpLocks/>
+            <a:stCxn id="25" idx="2"/>
+            <a:endCxn id="10" idx="0"/>
+          </p:cNvCxnSpPr>
+          <p:nvPr/>
+        </p:nvCxnSpPr>
+        <p:spPr>
+          <a:xfrm rot="5400000">
+            <a:off x="7142173" y="432122"/>
+            <a:ext cx="847279" cy="3629493"/>
+          </a:xfrm>
+          <a:prstGeom prst="curvedConnector3">
+            <a:avLst>
+              <a:gd name="adj1" fmla="val 50000"/>
+            </a:avLst>
+          </a:prstGeom>
+          <a:ln>
+            <a:tailEnd type="triangle"/>
+          </a:ln>
+        </p:spPr>
+        <p:style>
+          <a:lnRef idx="1">
+            <a:schemeClr val="accent1"/>
+          </a:lnRef>
+          <a:fillRef idx="0">
+            <a:schemeClr val="accent1"/>
+          </a:fillRef>
+          <a:effectRef idx="0">
+            <a:schemeClr val="accent1"/>
+          </a:effectRef>
+          <a:fontRef idx="minor">
+            <a:schemeClr val="tx1"/>
+          </a:fontRef>
+        </p:style>
+      </p:cxnSp>
+      <p:cxnSp>
+        <p:nvCxnSpPr>
+          <p:cNvPr id="40" name="구부러진 연결선[U] 39">
+            <a:extLst>
+              <a:ext uri="{FF2B5EF4-FFF2-40B4-BE49-F238E27FC236}">
+                <a16:creationId xmlns:a16="http://schemas.microsoft.com/office/drawing/2014/main" id="{7640F7CF-E3DA-43D2-5AEF-372779C904DE}"/>
+              </a:ext>
+            </a:extLst>
+          </p:cNvPr>
+          <p:cNvCxnSpPr>
+            <a:cxnSpLocks/>
+            <a:stCxn id="30" idx="2"/>
+            <a:endCxn id="17" idx="0"/>
+          </p:cNvCxnSpPr>
+          <p:nvPr/>
+        </p:nvCxnSpPr>
+        <p:spPr>
+          <a:xfrm rot="5400000">
+            <a:off x="8596502" y="465696"/>
+            <a:ext cx="847279" cy="3511233"/>
+          </a:xfrm>
+          <a:prstGeom prst="curvedConnector3">
+            <a:avLst>
+              <a:gd name="adj1" fmla="val 50000"/>
+            </a:avLst>
+          </a:prstGeom>
+          <a:ln>
+            <a:tailEnd type="triangle"/>
+          </a:ln>
+        </p:spPr>
+        <p:style>
+          <a:lnRef idx="1">
+            <a:schemeClr val="accent1"/>
+          </a:lnRef>
+          <a:fillRef idx="0">
+            <a:schemeClr val="accent1"/>
+          </a:fillRef>
+          <a:effectRef idx="0">
+            <a:schemeClr val="accent1"/>
+          </a:effectRef>
+          <a:fontRef idx="minor">
+            <a:schemeClr val="tx1"/>
+          </a:fontRef>
+        </p:style>
+      </p:cxnSp>
+      <p:sp>
+        <p:nvSpPr>
+          <p:cNvPr id="43" name="직사각형 42">
+            <a:extLst>
+              <a:ext uri="{FF2B5EF4-FFF2-40B4-BE49-F238E27FC236}">
+                <a16:creationId xmlns:a16="http://schemas.microsoft.com/office/drawing/2014/main" id="{4DAC7A26-71D7-52A2-DD70-289500941B3F}"/>
+              </a:ext>
+            </a:extLst>
+          </p:cNvPr>
+          <p:cNvSpPr/>
+          <p:nvPr/>
+        </p:nvSpPr>
+        <p:spPr>
+          <a:xfrm>
+            <a:off x="9460561" y="3003919"/>
+            <a:ext cx="539902" cy="420443"/>
+          </a:xfrm>
+          <a:prstGeom prst="rect">
+            <a:avLst/>
+          </a:prstGeom>
+          <a:solidFill>
+            <a:srgbClr val="FFFF00"/>
+          </a:solidFill>
+        </p:spPr>
+        <p:style>
+          <a:lnRef idx="2">
+            <a:schemeClr val="accent1">
+              <a:shade val="50000"/>
+            </a:schemeClr>
+          </a:lnRef>
+          <a:fillRef idx="1">
+            <a:schemeClr val="accent1"/>
+          </a:fillRef>
+          <a:effectRef idx="0">
+            <a:schemeClr val="accent1"/>
+          </a:effectRef>
+          <a:fontRef idx="minor">
+            <a:schemeClr val="lt1"/>
+          </a:fontRef>
+        </p:style>
+        <p:txBody>
+          <a:bodyPr rtlCol="0" anchor="ctr"/>
+          <a:lstStyle/>
+          <a:p>
+            <a:pPr algn="ctr"/>
+            <a:r>
+              <a:rPr kumimoji="1" lang="en-US" altLang="ko-Kore-KR" sz="1400" dirty="0">
+                <a:solidFill>
+                  <a:schemeClr val="tx1"/>
+                </a:solidFill>
+              </a:rPr>
+              <a:t>300</a:t>
+            </a:r>
+            <a:endParaRPr kumimoji="1" lang="ko-Kore-KR" altLang="en-US" sz="1400" dirty="0">
+              <a:solidFill>
+                <a:schemeClr val="tx1"/>
+              </a:solidFill>
+            </a:endParaRPr>
+          </a:p>
+        </p:txBody>
+      </p:sp>
+      <p:sp>
+        <p:nvSpPr>
+          <p:cNvPr id="44" name="직사각형 43">
+            <a:extLst>
+              <a:ext uri="{FF2B5EF4-FFF2-40B4-BE49-F238E27FC236}">
+                <a16:creationId xmlns:a16="http://schemas.microsoft.com/office/drawing/2014/main" id="{0BAF0711-A2E0-0460-086D-D6C9C2561C3D}"/>
+              </a:ext>
+            </a:extLst>
+          </p:cNvPr>
+          <p:cNvSpPr/>
+          <p:nvPr/>
+        </p:nvSpPr>
+        <p:spPr>
+          <a:xfrm>
+            <a:off x="8799374" y="3032804"/>
+            <a:ext cx="736099" cy="369332"/>
+          </a:xfrm>
+          <a:prstGeom prst="rect">
+            <a:avLst/>
+          </a:prstGeom>
+        </p:spPr>
+        <p:txBody>
+          <a:bodyPr wrap="none">
+            <a:spAutoFit/>
+          </a:bodyPr>
+          <a:lstStyle/>
+          <a:p>
+            <a:r>
+              <a:rPr lang="en" altLang="ko-Kore-KR" dirty="0">
+                <a:solidFill>
+                  <a:srgbClr val="001080"/>
+                </a:solidFill>
+                <a:latin typeface="DM Mono" panose="020B0509040201040103" pitchFamily="49" charset="0"/>
+              </a:rPr>
+              <a:t>temp</a:t>
+            </a:r>
+            <a:endParaRPr lang="ko-Kore-KR" altLang="en-US" dirty="0"/>
+          </a:p>
+        </p:txBody>
+      </p:sp>
+      <p:sp>
+        <p:nvSpPr>
+          <p:cNvPr id="45" name="직사각형 44">
+            <a:extLst>
+              <a:ext uri="{FF2B5EF4-FFF2-40B4-BE49-F238E27FC236}">
+                <a16:creationId xmlns:a16="http://schemas.microsoft.com/office/drawing/2014/main" id="{2CCC84CD-6278-0421-F690-AB50C636B722}"/>
+              </a:ext>
+            </a:extLst>
+          </p:cNvPr>
+          <p:cNvSpPr/>
+          <p:nvPr/>
+        </p:nvSpPr>
+        <p:spPr>
+          <a:xfrm>
+            <a:off x="5233492" y="1818088"/>
+            <a:ext cx="458780" cy="307777"/>
+          </a:xfrm>
+          <a:prstGeom prst="rect">
+            <a:avLst/>
+          </a:prstGeom>
+        </p:spPr>
+        <p:txBody>
+          <a:bodyPr wrap="none">
+            <a:spAutoFit/>
+          </a:bodyPr>
+          <a:lstStyle/>
+          <a:p>
+            <a:r>
+              <a:rPr kumimoji="1" lang="en-US" altLang="ko-Kore-KR" sz="1400" dirty="0"/>
+              <a:t>300</a:t>
+            </a:r>
+            <a:endParaRPr lang="ko-Kore-KR" altLang="en-US" sz="1400" dirty="0"/>
+          </a:p>
+        </p:txBody>
+      </p:sp>
+      <p:sp>
+        <p:nvSpPr>
+          <p:cNvPr id="46" name="직사각형 45">
+            <a:extLst>
+              <a:ext uri="{FF2B5EF4-FFF2-40B4-BE49-F238E27FC236}">
+                <a16:creationId xmlns:a16="http://schemas.microsoft.com/office/drawing/2014/main" id="{1E1D7596-CBC8-B824-BA89-520C18855BCD}"/>
+              </a:ext>
+            </a:extLst>
+          </p:cNvPr>
+          <p:cNvSpPr/>
+          <p:nvPr/>
+        </p:nvSpPr>
+        <p:spPr>
+          <a:xfrm>
+            <a:off x="6642335" y="1788211"/>
+            <a:ext cx="458780" cy="307777"/>
+          </a:xfrm>
+          <a:prstGeom prst="rect">
+            <a:avLst/>
+          </a:prstGeom>
+        </p:spPr>
+        <p:txBody>
+          <a:bodyPr wrap="none">
+            <a:spAutoFit/>
+          </a:bodyPr>
+          <a:lstStyle/>
+          <a:p>
+            <a:r>
+              <a:rPr kumimoji="1" lang="en-US" altLang="ko-Kore-KR" sz="1400" dirty="0"/>
+              <a:t>400</a:t>
+            </a:r>
+            <a:endParaRPr lang="ko-Kore-KR" altLang="en-US" sz="1400" dirty="0"/>
+          </a:p>
+        </p:txBody>
+      </p:sp>
+    </p:spTree>
+    <p:extLst>
+      <p:ext uri="{BB962C8B-B14F-4D97-AF65-F5344CB8AC3E}">
+        <p14:creationId xmlns:p14="http://schemas.microsoft.com/office/powerpoint/2010/main" val="1913018771"/>
       </p:ext>
     </p:extLst>
   </p:cSld>
